--- a/Screening/Hydrological_model/util/HyMOD_diagram.pptx
+++ b/Screening/Hydrological_model/util/HyMOD_diagram.pptx
@@ -2,7 +2,7 @@
 <file path=ppt/presentation.xml><?xml version="1.0" encoding="utf-8"?>
 <p:presentation xmlns:a="http://schemas.openxmlformats.org/drawingml/2006/main" xmlns:r="http://schemas.openxmlformats.org/officeDocument/2006/relationships" xmlns:p="http://schemas.openxmlformats.org/presentationml/2006/main" saveSubsetFonts="1">
   <p:sldMasterIdLst>
-    <p:sldMasterId id="2147483648" r:id="rId1"/>
+    <p:sldMasterId id="2147483672" r:id="rId1"/>
   </p:sldMasterIdLst>
   <p:sldIdLst>
     <p:sldId id="256" r:id="rId2"/>
@@ -16,17 +16,19 @@
     <p:sldId id="271" r:id="rId10"/>
     <p:sldId id="270" r:id="rId11"/>
     <p:sldId id="269" r:id="rId12"/>
-    <p:sldId id="263" r:id="rId13"/>
-    <p:sldId id="264" r:id="rId14"/>
-    <p:sldId id="272" r:id="rId15"/>
+    <p:sldId id="264" r:id="rId13"/>
+    <p:sldId id="276" r:id="rId14"/>
+    <p:sldId id="263" r:id="rId15"/>
+    <p:sldId id="272" r:id="rId16"/>
+    <p:sldId id="273" r:id="rId17"/>
   </p:sldIdLst>
-  <p:sldSz cx="12192000" cy="6858000"/>
+  <p:sldSz cx="13068300" cy="7991475"/>
   <p:notesSz cx="6858000" cy="9144000"/>
   <p:defaultTextStyle>
     <a:defPPr>
       <a:defRPr lang="en-US"/>
     </a:defPPr>
-    <a:lvl1pPr marL="0" algn="l" defTabSz="914400" rtl="0" eaLnBrk="1" latinLnBrk="0" hangingPunct="1">
+    <a:lvl1pPr marL="0" algn="l" defTabSz="457200" rtl="0" eaLnBrk="1" latinLnBrk="0" hangingPunct="1">
       <a:defRPr sz="1800" kern="1200">
         <a:solidFill>
           <a:schemeClr val="tx1"/>
@@ -36,7 +38,7 @@
         <a:cs typeface="+mn-cs"/>
       </a:defRPr>
     </a:lvl1pPr>
-    <a:lvl2pPr marL="457200" algn="l" defTabSz="914400" rtl="0" eaLnBrk="1" latinLnBrk="0" hangingPunct="1">
+    <a:lvl2pPr marL="457200" algn="l" defTabSz="457200" rtl="0" eaLnBrk="1" latinLnBrk="0" hangingPunct="1">
       <a:defRPr sz="1800" kern="1200">
         <a:solidFill>
           <a:schemeClr val="tx1"/>
@@ -46,7 +48,7 @@
         <a:cs typeface="+mn-cs"/>
       </a:defRPr>
     </a:lvl2pPr>
-    <a:lvl3pPr marL="914400" algn="l" defTabSz="914400" rtl="0" eaLnBrk="1" latinLnBrk="0" hangingPunct="1">
+    <a:lvl3pPr marL="914400" algn="l" defTabSz="457200" rtl="0" eaLnBrk="1" latinLnBrk="0" hangingPunct="1">
       <a:defRPr sz="1800" kern="1200">
         <a:solidFill>
           <a:schemeClr val="tx1"/>
@@ -56,7 +58,7 @@
         <a:cs typeface="+mn-cs"/>
       </a:defRPr>
     </a:lvl3pPr>
-    <a:lvl4pPr marL="1371600" algn="l" defTabSz="914400" rtl="0" eaLnBrk="1" latinLnBrk="0" hangingPunct="1">
+    <a:lvl4pPr marL="1371600" algn="l" defTabSz="457200" rtl="0" eaLnBrk="1" latinLnBrk="0" hangingPunct="1">
       <a:defRPr sz="1800" kern="1200">
         <a:solidFill>
           <a:schemeClr val="tx1"/>
@@ -66,7 +68,7 @@
         <a:cs typeface="+mn-cs"/>
       </a:defRPr>
     </a:lvl4pPr>
-    <a:lvl5pPr marL="1828800" algn="l" defTabSz="914400" rtl="0" eaLnBrk="1" latinLnBrk="0" hangingPunct="1">
+    <a:lvl5pPr marL="1828800" algn="l" defTabSz="457200" rtl="0" eaLnBrk="1" latinLnBrk="0" hangingPunct="1">
       <a:defRPr sz="1800" kern="1200">
         <a:solidFill>
           <a:schemeClr val="tx1"/>
@@ -76,7 +78,7 @@
         <a:cs typeface="+mn-cs"/>
       </a:defRPr>
     </a:lvl5pPr>
-    <a:lvl6pPr marL="2286000" algn="l" defTabSz="914400" rtl="0" eaLnBrk="1" latinLnBrk="0" hangingPunct="1">
+    <a:lvl6pPr marL="2286000" algn="l" defTabSz="457200" rtl="0" eaLnBrk="1" latinLnBrk="0" hangingPunct="1">
       <a:defRPr sz="1800" kern="1200">
         <a:solidFill>
           <a:schemeClr val="tx1"/>
@@ -86,7 +88,7 @@
         <a:cs typeface="+mn-cs"/>
       </a:defRPr>
     </a:lvl6pPr>
-    <a:lvl7pPr marL="2743200" algn="l" defTabSz="914400" rtl="0" eaLnBrk="1" latinLnBrk="0" hangingPunct="1">
+    <a:lvl7pPr marL="2743200" algn="l" defTabSz="457200" rtl="0" eaLnBrk="1" latinLnBrk="0" hangingPunct="1">
       <a:defRPr sz="1800" kern="1200">
         <a:solidFill>
           <a:schemeClr val="tx1"/>
@@ -96,7 +98,7 @@
         <a:cs typeface="+mn-cs"/>
       </a:defRPr>
     </a:lvl7pPr>
-    <a:lvl8pPr marL="3200400" algn="l" defTabSz="914400" rtl="0" eaLnBrk="1" latinLnBrk="0" hangingPunct="1">
+    <a:lvl8pPr marL="3200400" algn="l" defTabSz="457200" rtl="0" eaLnBrk="1" latinLnBrk="0" hangingPunct="1">
       <a:defRPr sz="1800" kern="1200">
         <a:solidFill>
           <a:schemeClr val="tx1"/>
@@ -106,7 +108,7 @@
         <a:cs typeface="+mn-cs"/>
       </a:defRPr>
     </a:lvl8pPr>
-    <a:lvl9pPr marL="3657600" algn="l" defTabSz="914400" rtl="0" eaLnBrk="1" latinLnBrk="0" hangingPunct="1">
+    <a:lvl9pPr marL="3657600" algn="l" defTabSz="457200" rtl="0" eaLnBrk="1" latinLnBrk="0" hangingPunct="1">
       <a:defRPr sz="1800" kern="1200">
         <a:solidFill>
           <a:schemeClr val="tx1"/>
@@ -128,7 +130,7 @@
 <file path=ppt/revisionInfo.xml><?xml version="1.0" encoding="utf-8"?>
 <p1510:revInfo xmlns:a="http://schemas.openxmlformats.org/drawingml/2006/main" xmlns:r="http://schemas.openxmlformats.org/officeDocument/2006/relationships" xmlns:p1510="http://schemas.microsoft.com/office/powerpoint/2015/10/main">
   <p1510:revLst>
-    <p1510:client id="{150E4E09-492C-4431-8F1D-BB1F0170AB8D}" v="544" dt="2020-05-16T18:54:35.626"/>
+    <p1510:client id="{150E4E09-492C-4431-8F1D-BB1F0170AB8D}" v="580" dt="2020-05-23T13:09:05.009"/>
   </p1510:revLst>
 </p1510:revInfo>
 </file>
@@ -137,13 +139,962 @@
 <pc:chgInfo xmlns:a="http://schemas.openxmlformats.org/drawingml/2006/main" xmlns:r="http://schemas.openxmlformats.org/officeDocument/2006/relationships" xmlns:ac="http://schemas.microsoft.com/office/drawing/2013/main/command" xmlns:pc="http://schemas.microsoft.com/office/powerpoint/2013/main/command">
   <pc:docChgLst>
     <pc:chgData name="Andres Penuela-Fernandez" userId="26693260-5f72-4911-8218-b098c180f1d5" providerId="ADAL" clId="{150E4E09-492C-4431-8F1D-BB1F0170AB8D}"/>
-    <pc:docChg chg="undo custSel addSld delSld modSld">
-      <pc:chgData name="Andres Penuela-Fernandez" userId="26693260-5f72-4911-8218-b098c180f1d5" providerId="ADAL" clId="{150E4E09-492C-4431-8F1D-BB1F0170AB8D}" dt="2020-05-16T18:54:35.626" v="1275" actId="164"/>
+    <pc:docChg chg="undo redo custSel addSld delSld modSld sldOrd modMainMaster">
+      <pc:chgData name="Andres Penuela-Fernandez" userId="26693260-5f72-4911-8218-b098c180f1d5" providerId="ADAL" clId="{150E4E09-492C-4431-8F1D-BB1F0170AB8D}" dt="2020-05-23T13:09:27.075" v="1417" actId="1076"/>
       <pc:docMkLst>
         <pc:docMk/>
       </pc:docMkLst>
+      <pc:sldChg chg="modSp">
+        <pc:chgData name="Andres Penuela-Fernandez" userId="26693260-5f72-4911-8218-b098c180f1d5" providerId="ADAL" clId="{150E4E09-492C-4431-8F1D-BB1F0170AB8D}" dt="2020-05-21T10:43:05.492" v="1363"/>
+        <pc:sldMkLst>
+          <pc:docMk/>
+          <pc:sldMk cId="362486247" sldId="256"/>
+        </pc:sldMkLst>
+        <pc:spChg chg="mod">
+          <ac:chgData name="Andres Penuela-Fernandez" userId="26693260-5f72-4911-8218-b098c180f1d5" providerId="ADAL" clId="{150E4E09-492C-4431-8F1D-BB1F0170AB8D}" dt="2020-05-21T10:43:05.492" v="1363"/>
+          <ac:spMkLst>
+            <pc:docMk/>
+            <pc:sldMk cId="362486247" sldId="256"/>
+            <ac:spMk id="7" creationId="{17502A23-2906-4D85-9694-9284647A2BA8}"/>
+          </ac:spMkLst>
+        </pc:spChg>
+        <pc:spChg chg="mod">
+          <ac:chgData name="Andres Penuela-Fernandez" userId="26693260-5f72-4911-8218-b098c180f1d5" providerId="ADAL" clId="{150E4E09-492C-4431-8F1D-BB1F0170AB8D}" dt="2020-05-21T10:43:05.492" v="1363"/>
+          <ac:spMkLst>
+            <pc:docMk/>
+            <pc:sldMk cId="362486247" sldId="256"/>
+            <ac:spMk id="8" creationId="{A56BC863-C12E-47AB-B25A-D58994BF6EDC}"/>
+          </ac:spMkLst>
+        </pc:spChg>
+        <pc:spChg chg="mod">
+          <ac:chgData name="Andres Penuela-Fernandez" userId="26693260-5f72-4911-8218-b098c180f1d5" providerId="ADAL" clId="{150E4E09-492C-4431-8F1D-BB1F0170AB8D}" dt="2020-05-21T10:43:05.492" v="1363"/>
+          <ac:spMkLst>
+            <pc:docMk/>
+            <pc:sldMk cId="362486247" sldId="256"/>
+            <ac:spMk id="9" creationId="{2D0D6D0E-D77F-4BBE-9398-78E2F9260EE7}"/>
+          </ac:spMkLst>
+        </pc:spChg>
+        <pc:spChg chg="mod">
+          <ac:chgData name="Andres Penuela-Fernandez" userId="26693260-5f72-4911-8218-b098c180f1d5" providerId="ADAL" clId="{150E4E09-492C-4431-8F1D-BB1F0170AB8D}" dt="2020-05-21T10:43:05.492" v="1363"/>
+          <ac:spMkLst>
+            <pc:docMk/>
+            <pc:sldMk cId="362486247" sldId="256"/>
+            <ac:spMk id="12" creationId="{E25D5F1E-7E2C-4669-A743-1448F4A1CF76}"/>
+          </ac:spMkLst>
+        </pc:spChg>
+        <pc:spChg chg="mod">
+          <ac:chgData name="Andres Penuela-Fernandez" userId="26693260-5f72-4911-8218-b098c180f1d5" providerId="ADAL" clId="{150E4E09-492C-4431-8F1D-BB1F0170AB8D}" dt="2020-05-21T10:43:05.492" v="1363"/>
+          <ac:spMkLst>
+            <pc:docMk/>
+            <pc:sldMk cId="362486247" sldId="256"/>
+            <ac:spMk id="13" creationId="{2792A3EB-6BAD-4257-BDBC-4F6EAA763275}"/>
+          </ac:spMkLst>
+        </pc:spChg>
+        <pc:spChg chg="mod">
+          <ac:chgData name="Andres Penuela-Fernandez" userId="26693260-5f72-4911-8218-b098c180f1d5" providerId="ADAL" clId="{150E4E09-492C-4431-8F1D-BB1F0170AB8D}" dt="2020-05-21T10:43:05.492" v="1363"/>
+          <ac:spMkLst>
+            <pc:docMk/>
+            <pc:sldMk cId="362486247" sldId="256"/>
+            <ac:spMk id="14" creationId="{56F9E398-ABE9-4E5C-9F51-4AB62BFE1A78}"/>
+          </ac:spMkLst>
+        </pc:spChg>
+        <pc:spChg chg="mod">
+          <ac:chgData name="Andres Penuela-Fernandez" userId="26693260-5f72-4911-8218-b098c180f1d5" providerId="ADAL" clId="{150E4E09-492C-4431-8F1D-BB1F0170AB8D}" dt="2020-05-21T10:43:05.492" v="1363"/>
+          <ac:spMkLst>
+            <pc:docMk/>
+            <pc:sldMk cId="362486247" sldId="256"/>
+            <ac:spMk id="16" creationId="{0C0EAAB3-2680-4CBD-95E8-26269A4270AC}"/>
+          </ac:spMkLst>
+        </pc:spChg>
+        <pc:spChg chg="mod">
+          <ac:chgData name="Andres Penuela-Fernandez" userId="26693260-5f72-4911-8218-b098c180f1d5" providerId="ADAL" clId="{150E4E09-492C-4431-8F1D-BB1F0170AB8D}" dt="2020-05-21T10:43:05.492" v="1363"/>
+          <ac:spMkLst>
+            <pc:docMk/>
+            <pc:sldMk cId="362486247" sldId="256"/>
+            <ac:spMk id="17" creationId="{3A66E8F6-1A9B-4B28-9E2D-0037E2F1BB3E}"/>
+          </ac:spMkLst>
+        </pc:spChg>
+        <pc:spChg chg="mod">
+          <ac:chgData name="Andres Penuela-Fernandez" userId="26693260-5f72-4911-8218-b098c180f1d5" providerId="ADAL" clId="{150E4E09-492C-4431-8F1D-BB1F0170AB8D}" dt="2020-05-21T10:43:05.492" v="1363"/>
+          <ac:spMkLst>
+            <pc:docMk/>
+            <pc:sldMk cId="362486247" sldId="256"/>
+            <ac:spMk id="18" creationId="{5C6D3035-75EE-4471-ABDE-A58C8A039148}"/>
+          </ac:spMkLst>
+        </pc:spChg>
+        <pc:spChg chg="mod">
+          <ac:chgData name="Andres Penuela-Fernandez" userId="26693260-5f72-4911-8218-b098c180f1d5" providerId="ADAL" clId="{150E4E09-492C-4431-8F1D-BB1F0170AB8D}" dt="2020-05-21T10:43:05.492" v="1363"/>
+          <ac:spMkLst>
+            <pc:docMk/>
+            <pc:sldMk cId="362486247" sldId="256"/>
+            <ac:spMk id="20" creationId="{2016222D-A3BB-4D85-9C2D-8F18E175BA42}"/>
+          </ac:spMkLst>
+        </pc:spChg>
+        <pc:spChg chg="mod">
+          <ac:chgData name="Andres Penuela-Fernandez" userId="26693260-5f72-4911-8218-b098c180f1d5" providerId="ADAL" clId="{150E4E09-492C-4431-8F1D-BB1F0170AB8D}" dt="2020-05-21T10:43:05.492" v="1363"/>
+          <ac:spMkLst>
+            <pc:docMk/>
+            <pc:sldMk cId="362486247" sldId="256"/>
+            <ac:spMk id="21" creationId="{10874EEC-A457-48DA-810D-FAE684848A87}"/>
+          </ac:spMkLst>
+        </pc:spChg>
+        <pc:spChg chg="mod">
+          <ac:chgData name="Andres Penuela-Fernandez" userId="26693260-5f72-4911-8218-b098c180f1d5" providerId="ADAL" clId="{150E4E09-492C-4431-8F1D-BB1F0170AB8D}" dt="2020-05-21T10:43:05.492" v="1363"/>
+          <ac:spMkLst>
+            <pc:docMk/>
+            <pc:sldMk cId="362486247" sldId="256"/>
+            <ac:spMk id="22" creationId="{0D103A92-0789-43A3-AD4E-CE4295AC7874}"/>
+          </ac:spMkLst>
+        </pc:spChg>
+        <pc:spChg chg="mod">
+          <ac:chgData name="Andres Penuela-Fernandez" userId="26693260-5f72-4911-8218-b098c180f1d5" providerId="ADAL" clId="{150E4E09-492C-4431-8F1D-BB1F0170AB8D}" dt="2020-05-21T10:43:05.492" v="1363"/>
+          <ac:spMkLst>
+            <pc:docMk/>
+            <pc:sldMk cId="362486247" sldId="256"/>
+            <ac:spMk id="25" creationId="{74812DC6-A432-48BB-8303-81443F07A546}"/>
+          </ac:spMkLst>
+        </pc:spChg>
+        <pc:spChg chg="mod">
+          <ac:chgData name="Andres Penuela-Fernandez" userId="26693260-5f72-4911-8218-b098c180f1d5" providerId="ADAL" clId="{150E4E09-492C-4431-8F1D-BB1F0170AB8D}" dt="2020-05-21T10:43:05.492" v="1363"/>
+          <ac:spMkLst>
+            <pc:docMk/>
+            <pc:sldMk cId="362486247" sldId="256"/>
+            <ac:spMk id="26" creationId="{02DDADBD-6831-4350-B10D-7D831025899F}"/>
+          </ac:spMkLst>
+        </pc:spChg>
+        <pc:spChg chg="mod">
+          <ac:chgData name="Andres Penuela-Fernandez" userId="26693260-5f72-4911-8218-b098c180f1d5" providerId="ADAL" clId="{150E4E09-492C-4431-8F1D-BB1F0170AB8D}" dt="2020-05-21T10:43:05.492" v="1363"/>
+          <ac:spMkLst>
+            <pc:docMk/>
+            <pc:sldMk cId="362486247" sldId="256"/>
+            <ac:spMk id="27" creationId="{ECB68BA0-3920-49BB-B9EE-A4E2F211DBA7}"/>
+          </ac:spMkLst>
+        </pc:spChg>
+        <pc:spChg chg="mod">
+          <ac:chgData name="Andres Penuela-Fernandez" userId="26693260-5f72-4911-8218-b098c180f1d5" providerId="ADAL" clId="{150E4E09-492C-4431-8F1D-BB1F0170AB8D}" dt="2020-05-21T10:43:05.492" v="1363"/>
+          <ac:spMkLst>
+            <pc:docMk/>
+            <pc:sldMk cId="362486247" sldId="256"/>
+            <ac:spMk id="29" creationId="{A0FCFC05-1EB3-4C01-90BD-AF311BC494E7}"/>
+          </ac:spMkLst>
+        </pc:spChg>
+        <pc:spChg chg="mod">
+          <ac:chgData name="Andres Penuela-Fernandez" userId="26693260-5f72-4911-8218-b098c180f1d5" providerId="ADAL" clId="{150E4E09-492C-4431-8F1D-BB1F0170AB8D}" dt="2020-05-21T10:43:05.492" v="1363"/>
+          <ac:spMkLst>
+            <pc:docMk/>
+            <pc:sldMk cId="362486247" sldId="256"/>
+            <ac:spMk id="30" creationId="{2216DF3E-EEDD-42E9-B896-AC4AB11CD074}"/>
+          </ac:spMkLst>
+        </pc:spChg>
+        <pc:spChg chg="mod">
+          <ac:chgData name="Andres Penuela-Fernandez" userId="26693260-5f72-4911-8218-b098c180f1d5" providerId="ADAL" clId="{150E4E09-492C-4431-8F1D-BB1F0170AB8D}" dt="2020-05-21T10:43:05.492" v="1363"/>
+          <ac:spMkLst>
+            <pc:docMk/>
+            <pc:sldMk cId="362486247" sldId="256"/>
+            <ac:spMk id="31" creationId="{47E28E08-C626-410D-97DC-FFEB05B0D3B3}"/>
+          </ac:spMkLst>
+        </pc:spChg>
+        <pc:spChg chg="mod">
+          <ac:chgData name="Andres Penuela-Fernandez" userId="26693260-5f72-4911-8218-b098c180f1d5" providerId="ADAL" clId="{150E4E09-492C-4431-8F1D-BB1F0170AB8D}" dt="2020-05-21T10:43:05.492" v="1363"/>
+          <ac:spMkLst>
+            <pc:docMk/>
+            <pc:sldMk cId="362486247" sldId="256"/>
+            <ac:spMk id="32" creationId="{FE8EBF0F-5F2F-45EA-A842-711F333835AA}"/>
+          </ac:spMkLst>
+        </pc:spChg>
+        <pc:spChg chg="mod">
+          <ac:chgData name="Andres Penuela-Fernandez" userId="26693260-5f72-4911-8218-b098c180f1d5" providerId="ADAL" clId="{150E4E09-492C-4431-8F1D-BB1F0170AB8D}" dt="2020-05-21T10:43:05.492" v="1363"/>
+          <ac:spMkLst>
+            <pc:docMk/>
+            <pc:sldMk cId="362486247" sldId="256"/>
+            <ac:spMk id="33" creationId="{F7EAE06E-29F7-4DD4-9BCC-4DBC4D277F95}"/>
+          </ac:spMkLst>
+        </pc:spChg>
+        <pc:spChg chg="mod">
+          <ac:chgData name="Andres Penuela-Fernandez" userId="26693260-5f72-4911-8218-b098c180f1d5" providerId="ADAL" clId="{150E4E09-492C-4431-8F1D-BB1F0170AB8D}" dt="2020-05-21T10:43:05.492" v="1363"/>
+          <ac:spMkLst>
+            <pc:docMk/>
+            <pc:sldMk cId="362486247" sldId="256"/>
+            <ac:spMk id="34" creationId="{515B350C-E8FE-4698-B73A-B3FBF8E2D8F8}"/>
+          </ac:spMkLst>
+        </pc:spChg>
+        <pc:spChg chg="mod">
+          <ac:chgData name="Andres Penuela-Fernandez" userId="26693260-5f72-4911-8218-b098c180f1d5" providerId="ADAL" clId="{150E4E09-492C-4431-8F1D-BB1F0170AB8D}" dt="2020-05-21T10:43:05.492" v="1363"/>
+          <ac:spMkLst>
+            <pc:docMk/>
+            <pc:sldMk cId="362486247" sldId="256"/>
+            <ac:spMk id="35" creationId="{15E33134-65FE-4236-BEBB-45DD6C1E26A6}"/>
+          </ac:spMkLst>
+        </pc:spChg>
+        <pc:spChg chg="mod">
+          <ac:chgData name="Andres Penuela-Fernandez" userId="26693260-5f72-4911-8218-b098c180f1d5" providerId="ADAL" clId="{150E4E09-492C-4431-8F1D-BB1F0170AB8D}" dt="2020-05-21T10:43:05.492" v="1363"/>
+          <ac:spMkLst>
+            <pc:docMk/>
+            <pc:sldMk cId="362486247" sldId="256"/>
+            <ac:spMk id="36" creationId="{1D6ACEB6-4BA7-4DE8-9F88-AC23CA26F6F8}"/>
+          </ac:spMkLst>
+        </pc:spChg>
+        <pc:spChg chg="mod">
+          <ac:chgData name="Andres Penuela-Fernandez" userId="26693260-5f72-4911-8218-b098c180f1d5" providerId="ADAL" clId="{150E4E09-492C-4431-8F1D-BB1F0170AB8D}" dt="2020-05-21T10:43:05.492" v="1363"/>
+          <ac:spMkLst>
+            <pc:docMk/>
+            <pc:sldMk cId="362486247" sldId="256"/>
+            <ac:spMk id="37" creationId="{890A74D1-3725-456B-AB58-6F5219711944}"/>
+          </ac:spMkLst>
+        </pc:spChg>
+        <pc:spChg chg="mod">
+          <ac:chgData name="Andres Penuela-Fernandez" userId="26693260-5f72-4911-8218-b098c180f1d5" providerId="ADAL" clId="{150E4E09-492C-4431-8F1D-BB1F0170AB8D}" dt="2020-05-21T10:43:05.492" v="1363"/>
+          <ac:spMkLst>
+            <pc:docMk/>
+            <pc:sldMk cId="362486247" sldId="256"/>
+            <ac:spMk id="38" creationId="{5C2ABAF1-37DD-4519-93B4-0D79C726A777}"/>
+          </ac:spMkLst>
+        </pc:spChg>
+        <pc:spChg chg="mod">
+          <ac:chgData name="Andres Penuela-Fernandez" userId="26693260-5f72-4911-8218-b098c180f1d5" providerId="ADAL" clId="{150E4E09-492C-4431-8F1D-BB1F0170AB8D}" dt="2020-05-21T10:43:05.492" v="1363"/>
+          <ac:spMkLst>
+            <pc:docMk/>
+            <pc:sldMk cId="362486247" sldId="256"/>
+            <ac:spMk id="39" creationId="{89C123CB-DDB9-40A0-8480-A2BD6D081F59}"/>
+          </ac:spMkLst>
+        </pc:spChg>
+        <pc:spChg chg="mod">
+          <ac:chgData name="Andres Penuela-Fernandez" userId="26693260-5f72-4911-8218-b098c180f1d5" providerId="ADAL" clId="{150E4E09-492C-4431-8F1D-BB1F0170AB8D}" dt="2020-05-21T10:43:05.492" v="1363"/>
+          <ac:spMkLst>
+            <pc:docMk/>
+            <pc:sldMk cId="362486247" sldId="256"/>
+            <ac:spMk id="40" creationId="{5115E10F-BBC8-47F8-9AA1-0D2CFA11EEAB}"/>
+          </ac:spMkLst>
+        </pc:spChg>
+        <pc:spChg chg="mod">
+          <ac:chgData name="Andres Penuela-Fernandez" userId="26693260-5f72-4911-8218-b098c180f1d5" providerId="ADAL" clId="{150E4E09-492C-4431-8F1D-BB1F0170AB8D}" dt="2020-05-21T10:43:05.492" v="1363"/>
+          <ac:spMkLst>
+            <pc:docMk/>
+            <pc:sldMk cId="362486247" sldId="256"/>
+            <ac:spMk id="41" creationId="{99089907-552E-49AF-BAE6-7F9B2CEB8227}"/>
+          </ac:spMkLst>
+        </pc:spChg>
+        <pc:spChg chg="mod">
+          <ac:chgData name="Andres Penuela-Fernandez" userId="26693260-5f72-4911-8218-b098c180f1d5" providerId="ADAL" clId="{150E4E09-492C-4431-8F1D-BB1F0170AB8D}" dt="2020-05-21T10:43:05.492" v="1363"/>
+          <ac:spMkLst>
+            <pc:docMk/>
+            <pc:sldMk cId="362486247" sldId="256"/>
+            <ac:spMk id="42" creationId="{975C8A16-D716-4BED-AA32-36B82CF23610}"/>
+          </ac:spMkLst>
+        </pc:spChg>
+        <pc:spChg chg="mod">
+          <ac:chgData name="Andres Penuela-Fernandez" userId="26693260-5f72-4911-8218-b098c180f1d5" providerId="ADAL" clId="{150E4E09-492C-4431-8F1D-BB1F0170AB8D}" dt="2020-05-21T10:43:05.492" v="1363"/>
+          <ac:spMkLst>
+            <pc:docMk/>
+            <pc:sldMk cId="362486247" sldId="256"/>
+            <ac:spMk id="46" creationId="{99934ACE-D606-4F9C-8E31-14BA83728561}"/>
+          </ac:spMkLst>
+        </pc:spChg>
+        <pc:spChg chg="mod">
+          <ac:chgData name="Andres Penuela-Fernandez" userId="26693260-5f72-4911-8218-b098c180f1d5" providerId="ADAL" clId="{150E4E09-492C-4431-8F1D-BB1F0170AB8D}" dt="2020-05-21T10:43:05.492" v="1363"/>
+          <ac:spMkLst>
+            <pc:docMk/>
+            <pc:sldMk cId="362486247" sldId="256"/>
+            <ac:spMk id="47" creationId="{40087102-4E0C-4F95-8A21-BC957D1D5186}"/>
+          </ac:spMkLst>
+        </pc:spChg>
+        <pc:spChg chg="mod">
+          <ac:chgData name="Andres Penuela-Fernandez" userId="26693260-5f72-4911-8218-b098c180f1d5" providerId="ADAL" clId="{150E4E09-492C-4431-8F1D-BB1F0170AB8D}" dt="2020-05-21T10:43:05.492" v="1363"/>
+          <ac:spMkLst>
+            <pc:docMk/>
+            <pc:sldMk cId="362486247" sldId="256"/>
+            <ac:spMk id="48" creationId="{D4BC5C05-3197-4F29-B22E-F8E3688AAEA9}"/>
+          </ac:spMkLst>
+        </pc:spChg>
+        <pc:spChg chg="mod">
+          <ac:chgData name="Andres Penuela-Fernandez" userId="26693260-5f72-4911-8218-b098c180f1d5" providerId="ADAL" clId="{150E4E09-492C-4431-8F1D-BB1F0170AB8D}" dt="2020-05-21T10:43:05.492" v="1363"/>
+          <ac:spMkLst>
+            <pc:docMk/>
+            <pc:sldMk cId="362486247" sldId="256"/>
+            <ac:spMk id="49" creationId="{52798062-9BEA-46ED-9699-B57E81650858}"/>
+          </ac:spMkLst>
+        </pc:spChg>
+        <pc:spChg chg="mod">
+          <ac:chgData name="Andres Penuela-Fernandez" userId="26693260-5f72-4911-8218-b098c180f1d5" providerId="ADAL" clId="{150E4E09-492C-4431-8F1D-BB1F0170AB8D}" dt="2020-05-21T10:43:05.492" v="1363"/>
+          <ac:spMkLst>
+            <pc:docMk/>
+            <pc:sldMk cId="362486247" sldId="256"/>
+            <ac:spMk id="60" creationId="{2E4557DF-7C69-4D26-A4D1-0C97098FAB15}"/>
+          </ac:spMkLst>
+        </pc:spChg>
+        <pc:spChg chg="mod">
+          <ac:chgData name="Andres Penuela-Fernandez" userId="26693260-5f72-4911-8218-b098c180f1d5" providerId="ADAL" clId="{150E4E09-492C-4431-8F1D-BB1F0170AB8D}" dt="2020-05-21T10:43:05.492" v="1363"/>
+          <ac:spMkLst>
+            <pc:docMk/>
+            <pc:sldMk cId="362486247" sldId="256"/>
+            <ac:spMk id="61" creationId="{511E4106-D432-45CA-A1C7-52545D901581}"/>
+          </ac:spMkLst>
+        </pc:spChg>
+        <pc:spChg chg="mod">
+          <ac:chgData name="Andres Penuela-Fernandez" userId="26693260-5f72-4911-8218-b098c180f1d5" providerId="ADAL" clId="{150E4E09-492C-4431-8F1D-BB1F0170AB8D}" dt="2020-05-21T10:43:05.492" v="1363"/>
+          <ac:spMkLst>
+            <pc:docMk/>
+            <pc:sldMk cId="362486247" sldId="256"/>
+            <ac:spMk id="62" creationId="{D98646D3-DDFA-407F-A41E-6784232BA6AB}"/>
+          </ac:spMkLst>
+        </pc:spChg>
+        <pc:spChg chg="mod">
+          <ac:chgData name="Andres Penuela-Fernandez" userId="26693260-5f72-4911-8218-b098c180f1d5" providerId="ADAL" clId="{150E4E09-492C-4431-8F1D-BB1F0170AB8D}" dt="2020-05-21T10:43:05.492" v="1363"/>
+          <ac:spMkLst>
+            <pc:docMk/>
+            <pc:sldMk cId="362486247" sldId="256"/>
+            <ac:spMk id="63" creationId="{0AD6C514-74C8-4EE3-BBD7-C030AEB8ED7D}"/>
+          </ac:spMkLst>
+        </pc:spChg>
+        <pc:spChg chg="mod">
+          <ac:chgData name="Andres Penuela-Fernandez" userId="26693260-5f72-4911-8218-b098c180f1d5" providerId="ADAL" clId="{150E4E09-492C-4431-8F1D-BB1F0170AB8D}" dt="2020-05-21T10:43:05.492" v="1363"/>
+          <ac:spMkLst>
+            <pc:docMk/>
+            <pc:sldMk cId="362486247" sldId="256"/>
+            <ac:spMk id="109" creationId="{68205DA4-2582-4F0E-AFCF-8D8FB1D3120C}"/>
+          </ac:spMkLst>
+        </pc:spChg>
+        <pc:spChg chg="mod">
+          <ac:chgData name="Andres Penuela-Fernandez" userId="26693260-5f72-4911-8218-b098c180f1d5" providerId="ADAL" clId="{150E4E09-492C-4431-8F1D-BB1F0170AB8D}" dt="2020-05-21T10:43:05.492" v="1363"/>
+          <ac:spMkLst>
+            <pc:docMk/>
+            <pc:sldMk cId="362486247" sldId="256"/>
+            <ac:spMk id="110" creationId="{F81E9F90-224A-4B0B-9BA7-7721C911CE66}"/>
+          </ac:spMkLst>
+        </pc:spChg>
+        <pc:spChg chg="mod">
+          <ac:chgData name="Andres Penuela-Fernandez" userId="26693260-5f72-4911-8218-b098c180f1d5" providerId="ADAL" clId="{150E4E09-492C-4431-8F1D-BB1F0170AB8D}" dt="2020-05-21T10:43:05.492" v="1363"/>
+          <ac:spMkLst>
+            <pc:docMk/>
+            <pc:sldMk cId="362486247" sldId="256"/>
+            <ac:spMk id="111" creationId="{74C19B8F-1060-4A0A-8E45-53C5014796F8}"/>
+          </ac:spMkLst>
+        </pc:spChg>
+        <pc:spChg chg="mod">
+          <ac:chgData name="Andres Penuela-Fernandez" userId="26693260-5f72-4911-8218-b098c180f1d5" providerId="ADAL" clId="{150E4E09-492C-4431-8F1D-BB1F0170AB8D}" dt="2020-05-21T10:43:05.492" v="1363"/>
+          <ac:spMkLst>
+            <pc:docMk/>
+            <pc:sldMk cId="362486247" sldId="256"/>
+            <ac:spMk id="112" creationId="{54C9E681-70E8-47FB-B572-434C5451FB64}"/>
+          </ac:spMkLst>
+        </pc:spChg>
+        <pc:spChg chg="mod">
+          <ac:chgData name="Andres Penuela-Fernandez" userId="26693260-5f72-4911-8218-b098c180f1d5" providerId="ADAL" clId="{150E4E09-492C-4431-8F1D-BB1F0170AB8D}" dt="2020-05-21T10:43:05.492" v="1363"/>
+          <ac:spMkLst>
+            <pc:docMk/>
+            <pc:sldMk cId="362486247" sldId="256"/>
+            <ac:spMk id="113" creationId="{CD0376D1-71DB-4653-8C93-04E897BB3FBA}"/>
+          </ac:spMkLst>
+        </pc:spChg>
+        <pc:spChg chg="mod">
+          <ac:chgData name="Andres Penuela-Fernandez" userId="26693260-5f72-4911-8218-b098c180f1d5" providerId="ADAL" clId="{150E4E09-492C-4431-8F1D-BB1F0170AB8D}" dt="2020-05-21T10:43:05.492" v="1363"/>
+          <ac:spMkLst>
+            <pc:docMk/>
+            <pc:sldMk cId="362486247" sldId="256"/>
+            <ac:spMk id="114" creationId="{8C853859-0BEE-4C39-A021-B68185A031E5}"/>
+          </ac:spMkLst>
+        </pc:spChg>
+        <pc:spChg chg="mod">
+          <ac:chgData name="Andres Penuela-Fernandez" userId="26693260-5f72-4911-8218-b098c180f1d5" providerId="ADAL" clId="{150E4E09-492C-4431-8F1D-BB1F0170AB8D}" dt="2020-05-21T10:43:05.492" v="1363"/>
+          <ac:spMkLst>
+            <pc:docMk/>
+            <pc:sldMk cId="362486247" sldId="256"/>
+            <ac:spMk id="115" creationId="{4526C923-E157-4384-AD7D-36E4183B9B72}"/>
+          </ac:spMkLst>
+        </pc:spChg>
+        <pc:grpChg chg="mod">
+          <ac:chgData name="Andres Penuela-Fernandez" userId="26693260-5f72-4911-8218-b098c180f1d5" providerId="ADAL" clId="{150E4E09-492C-4431-8F1D-BB1F0170AB8D}" dt="2020-05-21T10:43:05.492" v="1363"/>
+          <ac:grpSpMkLst>
+            <pc:docMk/>
+            <pc:sldMk cId="362486247" sldId="256"/>
+            <ac:grpSpMk id="10" creationId="{C1EFD205-980E-4775-8F71-F78320E376DA}"/>
+          </ac:grpSpMkLst>
+        </pc:grpChg>
+        <pc:grpChg chg="mod">
+          <ac:chgData name="Andres Penuela-Fernandez" userId="26693260-5f72-4911-8218-b098c180f1d5" providerId="ADAL" clId="{150E4E09-492C-4431-8F1D-BB1F0170AB8D}" dt="2020-05-21T10:43:05.492" v="1363"/>
+          <ac:grpSpMkLst>
+            <pc:docMk/>
+            <pc:sldMk cId="362486247" sldId="256"/>
+            <ac:grpSpMk id="11" creationId="{2C9D6C0F-0930-4A61-9E59-49C629338147}"/>
+          </ac:grpSpMkLst>
+        </pc:grpChg>
+        <pc:grpChg chg="mod">
+          <ac:chgData name="Andres Penuela-Fernandez" userId="26693260-5f72-4911-8218-b098c180f1d5" providerId="ADAL" clId="{150E4E09-492C-4431-8F1D-BB1F0170AB8D}" dt="2020-05-21T10:43:05.492" v="1363"/>
+          <ac:grpSpMkLst>
+            <pc:docMk/>
+            <pc:sldMk cId="362486247" sldId="256"/>
+            <ac:grpSpMk id="15" creationId="{306B27F0-F325-446D-BEEA-1D35512DCE8B}"/>
+          </ac:grpSpMkLst>
+        </pc:grpChg>
+        <pc:grpChg chg="mod">
+          <ac:chgData name="Andres Penuela-Fernandez" userId="26693260-5f72-4911-8218-b098c180f1d5" providerId="ADAL" clId="{150E4E09-492C-4431-8F1D-BB1F0170AB8D}" dt="2020-05-21T10:43:05.492" v="1363"/>
+          <ac:grpSpMkLst>
+            <pc:docMk/>
+            <pc:sldMk cId="362486247" sldId="256"/>
+            <ac:grpSpMk id="19" creationId="{BD05F6C5-1B05-4B28-867E-028D71DA3300}"/>
+          </ac:grpSpMkLst>
+        </pc:grpChg>
+        <pc:grpChg chg="mod">
+          <ac:chgData name="Andres Penuela-Fernandez" userId="26693260-5f72-4911-8218-b098c180f1d5" providerId="ADAL" clId="{150E4E09-492C-4431-8F1D-BB1F0170AB8D}" dt="2020-05-21T10:43:05.492" v="1363"/>
+          <ac:grpSpMkLst>
+            <pc:docMk/>
+            <pc:sldMk cId="362486247" sldId="256"/>
+            <ac:grpSpMk id="28" creationId="{BD81279C-8AAA-49AE-8854-B1B485425594}"/>
+          </ac:grpSpMkLst>
+        </pc:grpChg>
+        <pc:grpChg chg="mod">
+          <ac:chgData name="Andres Penuela-Fernandez" userId="26693260-5f72-4911-8218-b098c180f1d5" providerId="ADAL" clId="{150E4E09-492C-4431-8F1D-BB1F0170AB8D}" dt="2020-05-21T10:43:05.492" v="1363"/>
+          <ac:grpSpMkLst>
+            <pc:docMk/>
+            <pc:sldMk cId="362486247" sldId="256"/>
+            <ac:grpSpMk id="64" creationId="{ADD1CA04-86B6-4F65-827F-C1BCFBC5F9EA}"/>
+          </ac:grpSpMkLst>
+        </pc:grpChg>
+      </pc:sldChg>
+      <pc:sldChg chg="modSp">
+        <pc:chgData name="Andres Penuela-Fernandez" userId="26693260-5f72-4911-8218-b098c180f1d5" providerId="ADAL" clId="{150E4E09-492C-4431-8F1D-BB1F0170AB8D}" dt="2020-05-21T10:43:05.492" v="1363"/>
+        <pc:sldMkLst>
+          <pc:docMk/>
+          <pc:sldMk cId="1672019757" sldId="257"/>
+        </pc:sldMkLst>
+        <pc:spChg chg="mod">
+          <ac:chgData name="Andres Penuela-Fernandez" userId="26693260-5f72-4911-8218-b098c180f1d5" providerId="ADAL" clId="{150E4E09-492C-4431-8F1D-BB1F0170AB8D}" dt="2020-05-21T10:43:05.492" v="1363"/>
+          <ac:spMkLst>
+            <pc:docMk/>
+            <pc:sldMk cId="1672019757" sldId="257"/>
+            <ac:spMk id="20" creationId="{2016222D-A3BB-4D85-9C2D-8F18E175BA42}"/>
+          </ac:spMkLst>
+        </pc:spChg>
+        <pc:spChg chg="mod">
+          <ac:chgData name="Andres Penuela-Fernandez" userId="26693260-5f72-4911-8218-b098c180f1d5" providerId="ADAL" clId="{150E4E09-492C-4431-8F1D-BB1F0170AB8D}" dt="2020-05-21T10:43:05.492" v="1363"/>
+          <ac:spMkLst>
+            <pc:docMk/>
+            <pc:sldMk cId="1672019757" sldId="257"/>
+            <ac:spMk id="21" creationId="{10874EEC-A457-48DA-810D-FAE684848A87}"/>
+          </ac:spMkLst>
+        </pc:spChg>
+        <pc:spChg chg="mod">
+          <ac:chgData name="Andres Penuela-Fernandez" userId="26693260-5f72-4911-8218-b098c180f1d5" providerId="ADAL" clId="{150E4E09-492C-4431-8F1D-BB1F0170AB8D}" dt="2020-05-21T10:43:05.492" v="1363"/>
+          <ac:spMkLst>
+            <pc:docMk/>
+            <pc:sldMk cId="1672019757" sldId="257"/>
+            <ac:spMk id="22" creationId="{0D103A92-0789-43A3-AD4E-CE4295AC7874}"/>
+          </ac:spMkLst>
+        </pc:spChg>
+        <pc:spChg chg="mod">
+          <ac:chgData name="Andres Penuela-Fernandez" userId="26693260-5f72-4911-8218-b098c180f1d5" providerId="ADAL" clId="{150E4E09-492C-4431-8F1D-BB1F0170AB8D}" dt="2020-05-21T10:43:05.492" v="1363"/>
+          <ac:spMkLst>
+            <pc:docMk/>
+            <pc:sldMk cId="1672019757" sldId="257"/>
+            <ac:spMk id="25" creationId="{74812DC6-A432-48BB-8303-81443F07A546}"/>
+          </ac:spMkLst>
+        </pc:spChg>
+        <pc:spChg chg="mod">
+          <ac:chgData name="Andres Penuela-Fernandez" userId="26693260-5f72-4911-8218-b098c180f1d5" providerId="ADAL" clId="{150E4E09-492C-4431-8F1D-BB1F0170AB8D}" dt="2020-05-21T10:43:05.492" v="1363"/>
+          <ac:spMkLst>
+            <pc:docMk/>
+            <pc:sldMk cId="1672019757" sldId="257"/>
+            <ac:spMk id="26" creationId="{02DDADBD-6831-4350-B10D-7D831025899F}"/>
+          </ac:spMkLst>
+        </pc:spChg>
+        <pc:spChg chg="mod">
+          <ac:chgData name="Andres Penuela-Fernandez" userId="26693260-5f72-4911-8218-b098c180f1d5" providerId="ADAL" clId="{150E4E09-492C-4431-8F1D-BB1F0170AB8D}" dt="2020-05-21T10:43:05.492" v="1363"/>
+          <ac:spMkLst>
+            <pc:docMk/>
+            <pc:sldMk cId="1672019757" sldId="257"/>
+            <ac:spMk id="27" creationId="{ECB68BA0-3920-49BB-B9EE-A4E2F211DBA7}"/>
+          </ac:spMkLst>
+        </pc:spChg>
+        <pc:spChg chg="mod">
+          <ac:chgData name="Andres Penuela-Fernandez" userId="26693260-5f72-4911-8218-b098c180f1d5" providerId="ADAL" clId="{150E4E09-492C-4431-8F1D-BB1F0170AB8D}" dt="2020-05-21T10:43:05.492" v="1363"/>
+          <ac:spMkLst>
+            <pc:docMk/>
+            <pc:sldMk cId="1672019757" sldId="257"/>
+            <ac:spMk id="29" creationId="{A0FCFC05-1EB3-4C01-90BD-AF311BC494E7}"/>
+          </ac:spMkLst>
+        </pc:spChg>
+        <pc:spChg chg="mod">
+          <ac:chgData name="Andres Penuela-Fernandez" userId="26693260-5f72-4911-8218-b098c180f1d5" providerId="ADAL" clId="{150E4E09-492C-4431-8F1D-BB1F0170AB8D}" dt="2020-05-21T10:43:05.492" v="1363"/>
+          <ac:spMkLst>
+            <pc:docMk/>
+            <pc:sldMk cId="1672019757" sldId="257"/>
+            <ac:spMk id="30" creationId="{2216DF3E-EEDD-42E9-B896-AC4AB11CD074}"/>
+          </ac:spMkLst>
+        </pc:spChg>
+        <pc:spChg chg="mod">
+          <ac:chgData name="Andres Penuela-Fernandez" userId="26693260-5f72-4911-8218-b098c180f1d5" providerId="ADAL" clId="{150E4E09-492C-4431-8F1D-BB1F0170AB8D}" dt="2020-05-21T10:43:05.492" v="1363"/>
+          <ac:spMkLst>
+            <pc:docMk/>
+            <pc:sldMk cId="1672019757" sldId="257"/>
+            <ac:spMk id="31" creationId="{47E28E08-C626-410D-97DC-FFEB05B0D3B3}"/>
+          </ac:spMkLst>
+        </pc:spChg>
+        <pc:spChg chg="mod">
+          <ac:chgData name="Andres Penuela-Fernandez" userId="26693260-5f72-4911-8218-b098c180f1d5" providerId="ADAL" clId="{150E4E09-492C-4431-8F1D-BB1F0170AB8D}" dt="2020-05-21T10:43:05.492" v="1363"/>
+          <ac:spMkLst>
+            <pc:docMk/>
+            <pc:sldMk cId="1672019757" sldId="257"/>
+            <ac:spMk id="32" creationId="{FE8EBF0F-5F2F-45EA-A842-711F333835AA}"/>
+          </ac:spMkLst>
+        </pc:spChg>
+        <pc:spChg chg="mod">
+          <ac:chgData name="Andres Penuela-Fernandez" userId="26693260-5f72-4911-8218-b098c180f1d5" providerId="ADAL" clId="{150E4E09-492C-4431-8F1D-BB1F0170AB8D}" dt="2020-05-21T10:43:05.492" v="1363"/>
+          <ac:spMkLst>
+            <pc:docMk/>
+            <pc:sldMk cId="1672019757" sldId="257"/>
+            <ac:spMk id="34" creationId="{515B350C-E8FE-4698-B73A-B3FBF8E2D8F8}"/>
+          </ac:spMkLst>
+        </pc:spChg>
+        <pc:spChg chg="mod">
+          <ac:chgData name="Andres Penuela-Fernandez" userId="26693260-5f72-4911-8218-b098c180f1d5" providerId="ADAL" clId="{150E4E09-492C-4431-8F1D-BB1F0170AB8D}" dt="2020-05-21T10:43:05.492" v="1363"/>
+          <ac:spMkLst>
+            <pc:docMk/>
+            <pc:sldMk cId="1672019757" sldId="257"/>
+            <ac:spMk id="35" creationId="{15E33134-65FE-4236-BEBB-45DD6C1E26A6}"/>
+          </ac:spMkLst>
+        </pc:spChg>
+        <pc:spChg chg="mod">
+          <ac:chgData name="Andres Penuela-Fernandez" userId="26693260-5f72-4911-8218-b098c180f1d5" providerId="ADAL" clId="{150E4E09-492C-4431-8F1D-BB1F0170AB8D}" dt="2020-05-21T10:43:05.492" v="1363"/>
+          <ac:spMkLst>
+            <pc:docMk/>
+            <pc:sldMk cId="1672019757" sldId="257"/>
+            <ac:spMk id="39" creationId="{89C123CB-DDB9-40A0-8480-A2BD6D081F59}"/>
+          </ac:spMkLst>
+        </pc:spChg>
+        <pc:spChg chg="mod">
+          <ac:chgData name="Andres Penuela-Fernandez" userId="26693260-5f72-4911-8218-b098c180f1d5" providerId="ADAL" clId="{150E4E09-492C-4431-8F1D-BB1F0170AB8D}" dt="2020-05-21T10:43:05.492" v="1363"/>
+          <ac:spMkLst>
+            <pc:docMk/>
+            <pc:sldMk cId="1672019757" sldId="257"/>
+            <ac:spMk id="40" creationId="{5115E10F-BBC8-47F8-9AA1-0D2CFA11EEAB}"/>
+          </ac:spMkLst>
+        </pc:spChg>
+        <pc:spChg chg="mod">
+          <ac:chgData name="Andres Penuela-Fernandez" userId="26693260-5f72-4911-8218-b098c180f1d5" providerId="ADAL" clId="{150E4E09-492C-4431-8F1D-BB1F0170AB8D}" dt="2020-05-21T10:43:05.492" v="1363"/>
+          <ac:spMkLst>
+            <pc:docMk/>
+            <pc:sldMk cId="1672019757" sldId="257"/>
+            <ac:spMk id="41" creationId="{99089907-552E-49AF-BAE6-7F9B2CEB8227}"/>
+          </ac:spMkLst>
+        </pc:spChg>
+        <pc:spChg chg="mod">
+          <ac:chgData name="Andres Penuela-Fernandez" userId="26693260-5f72-4911-8218-b098c180f1d5" providerId="ADAL" clId="{150E4E09-492C-4431-8F1D-BB1F0170AB8D}" dt="2020-05-21T10:43:05.492" v="1363"/>
+          <ac:spMkLst>
+            <pc:docMk/>
+            <pc:sldMk cId="1672019757" sldId="257"/>
+            <ac:spMk id="42" creationId="{F8ED41ED-8EB3-4C6D-A206-26E229948846}"/>
+          </ac:spMkLst>
+        </pc:spChg>
+        <pc:spChg chg="mod">
+          <ac:chgData name="Andres Penuela-Fernandez" userId="26693260-5f72-4911-8218-b098c180f1d5" providerId="ADAL" clId="{150E4E09-492C-4431-8F1D-BB1F0170AB8D}" dt="2020-05-21T10:43:05.492" v="1363"/>
+          <ac:spMkLst>
+            <pc:docMk/>
+            <pc:sldMk cId="1672019757" sldId="257"/>
+            <ac:spMk id="43" creationId="{A6F5ED13-0976-4CD0-9BB4-D6B97711A123}"/>
+          </ac:spMkLst>
+        </pc:spChg>
+        <pc:spChg chg="mod">
+          <ac:chgData name="Andres Penuela-Fernandez" userId="26693260-5f72-4911-8218-b098c180f1d5" providerId="ADAL" clId="{150E4E09-492C-4431-8F1D-BB1F0170AB8D}" dt="2020-05-21T10:43:05.492" v="1363"/>
+          <ac:spMkLst>
+            <pc:docMk/>
+            <pc:sldMk cId="1672019757" sldId="257"/>
+            <ac:spMk id="48" creationId="{D4BC5C05-3197-4F29-B22E-F8E3688AAEA9}"/>
+          </ac:spMkLst>
+        </pc:spChg>
+        <pc:spChg chg="mod">
+          <ac:chgData name="Andres Penuela-Fernandez" userId="26693260-5f72-4911-8218-b098c180f1d5" providerId="ADAL" clId="{150E4E09-492C-4431-8F1D-BB1F0170AB8D}" dt="2020-05-21T10:43:05.492" v="1363"/>
+          <ac:spMkLst>
+            <pc:docMk/>
+            <pc:sldMk cId="1672019757" sldId="257"/>
+            <ac:spMk id="49" creationId="{52798062-9BEA-46ED-9699-B57E81650858}"/>
+          </ac:spMkLst>
+        </pc:spChg>
+        <pc:spChg chg="mod">
+          <ac:chgData name="Andres Penuela-Fernandez" userId="26693260-5f72-4911-8218-b098c180f1d5" providerId="ADAL" clId="{150E4E09-492C-4431-8F1D-BB1F0170AB8D}" dt="2020-05-21T10:43:05.492" v="1363"/>
+          <ac:spMkLst>
+            <pc:docMk/>
+            <pc:sldMk cId="1672019757" sldId="257"/>
+            <ac:spMk id="50" creationId="{DB684470-2A45-439F-9AD4-B9AF383A06EC}"/>
+          </ac:spMkLst>
+        </pc:spChg>
+        <pc:spChg chg="mod">
+          <ac:chgData name="Andres Penuela-Fernandez" userId="26693260-5f72-4911-8218-b098c180f1d5" providerId="ADAL" clId="{150E4E09-492C-4431-8F1D-BB1F0170AB8D}" dt="2020-05-21T10:43:05.492" v="1363"/>
+          <ac:spMkLst>
+            <pc:docMk/>
+            <pc:sldMk cId="1672019757" sldId="257"/>
+            <ac:spMk id="51" creationId="{997794C1-CCAC-45DA-9B37-94E3CA67A66F}"/>
+          </ac:spMkLst>
+        </pc:spChg>
+        <pc:spChg chg="mod">
+          <ac:chgData name="Andres Penuela-Fernandez" userId="26693260-5f72-4911-8218-b098c180f1d5" providerId="ADAL" clId="{150E4E09-492C-4431-8F1D-BB1F0170AB8D}" dt="2020-05-21T10:43:05.492" v="1363"/>
+          <ac:spMkLst>
+            <pc:docMk/>
+            <pc:sldMk cId="1672019757" sldId="257"/>
+            <ac:spMk id="52" creationId="{CAB22519-C29C-4F58-8411-CBA82DEB0EC8}"/>
+          </ac:spMkLst>
+        </pc:spChg>
+        <pc:spChg chg="mod">
+          <ac:chgData name="Andres Penuela-Fernandez" userId="26693260-5f72-4911-8218-b098c180f1d5" providerId="ADAL" clId="{150E4E09-492C-4431-8F1D-BB1F0170AB8D}" dt="2020-05-21T10:43:05.492" v="1363"/>
+          <ac:spMkLst>
+            <pc:docMk/>
+            <pc:sldMk cId="1672019757" sldId="257"/>
+            <ac:spMk id="53" creationId="{637A57E2-7DA7-417F-8B6F-C3B32EC2E29C}"/>
+          </ac:spMkLst>
+        </pc:spChg>
+        <pc:spChg chg="mod">
+          <ac:chgData name="Andres Penuela-Fernandez" userId="26693260-5f72-4911-8218-b098c180f1d5" providerId="ADAL" clId="{150E4E09-492C-4431-8F1D-BB1F0170AB8D}" dt="2020-05-21T10:43:05.492" v="1363"/>
+          <ac:spMkLst>
+            <pc:docMk/>
+            <pc:sldMk cId="1672019757" sldId="257"/>
+            <ac:spMk id="60" creationId="{2E4557DF-7C69-4D26-A4D1-0C97098FAB15}"/>
+          </ac:spMkLst>
+        </pc:spChg>
+        <pc:spChg chg="mod">
+          <ac:chgData name="Andres Penuela-Fernandez" userId="26693260-5f72-4911-8218-b098c180f1d5" providerId="ADAL" clId="{150E4E09-492C-4431-8F1D-BB1F0170AB8D}" dt="2020-05-21T10:43:05.492" v="1363"/>
+          <ac:spMkLst>
+            <pc:docMk/>
+            <pc:sldMk cId="1672019757" sldId="257"/>
+            <ac:spMk id="62" creationId="{D98646D3-DDFA-407F-A41E-6784232BA6AB}"/>
+          </ac:spMkLst>
+        </pc:spChg>
+        <pc:spChg chg="mod">
+          <ac:chgData name="Andres Penuela-Fernandez" userId="26693260-5f72-4911-8218-b098c180f1d5" providerId="ADAL" clId="{150E4E09-492C-4431-8F1D-BB1F0170AB8D}" dt="2020-05-21T10:43:05.492" v="1363"/>
+          <ac:spMkLst>
+            <pc:docMk/>
+            <pc:sldMk cId="1672019757" sldId="257"/>
+            <ac:spMk id="63" creationId="{0AD6C514-74C8-4EE3-BBD7-C030AEB8ED7D}"/>
+          </ac:spMkLst>
+        </pc:spChg>
+        <pc:spChg chg="mod">
+          <ac:chgData name="Andres Penuela-Fernandez" userId="26693260-5f72-4911-8218-b098c180f1d5" providerId="ADAL" clId="{150E4E09-492C-4431-8F1D-BB1F0170AB8D}" dt="2020-05-21T10:43:05.492" v="1363"/>
+          <ac:spMkLst>
+            <pc:docMk/>
+            <pc:sldMk cId="1672019757" sldId="257"/>
+            <ac:spMk id="87" creationId="{0E504532-683C-4B77-B4BC-2695F66F6AE9}"/>
+          </ac:spMkLst>
+        </pc:spChg>
+        <pc:spChg chg="mod">
+          <ac:chgData name="Andres Penuela-Fernandez" userId="26693260-5f72-4911-8218-b098c180f1d5" providerId="ADAL" clId="{150E4E09-492C-4431-8F1D-BB1F0170AB8D}" dt="2020-05-21T10:43:05.492" v="1363"/>
+          <ac:spMkLst>
+            <pc:docMk/>
+            <pc:sldMk cId="1672019757" sldId="257"/>
+            <ac:spMk id="88" creationId="{E629EAB3-F12F-41AD-BBCC-41A2469E1E51}"/>
+          </ac:spMkLst>
+        </pc:spChg>
+        <pc:spChg chg="mod">
+          <ac:chgData name="Andres Penuela-Fernandez" userId="26693260-5f72-4911-8218-b098c180f1d5" providerId="ADAL" clId="{150E4E09-492C-4431-8F1D-BB1F0170AB8D}" dt="2020-05-21T10:43:05.492" v="1363"/>
+          <ac:spMkLst>
+            <pc:docMk/>
+            <pc:sldMk cId="1672019757" sldId="257"/>
+            <ac:spMk id="89" creationId="{BE62BD90-F05B-45E0-B736-95D99D0F8E46}"/>
+          </ac:spMkLst>
+        </pc:spChg>
+        <pc:spChg chg="mod">
+          <ac:chgData name="Andres Penuela-Fernandez" userId="26693260-5f72-4911-8218-b098c180f1d5" providerId="ADAL" clId="{150E4E09-492C-4431-8F1D-BB1F0170AB8D}" dt="2020-05-21T10:43:05.492" v="1363"/>
+          <ac:spMkLst>
+            <pc:docMk/>
+            <pc:sldMk cId="1672019757" sldId="257"/>
+            <ac:spMk id="90" creationId="{E4055267-88E4-490A-967E-11F44B9D3918}"/>
+          </ac:spMkLst>
+        </pc:spChg>
+        <pc:spChg chg="mod">
+          <ac:chgData name="Andres Penuela-Fernandez" userId="26693260-5f72-4911-8218-b098c180f1d5" providerId="ADAL" clId="{150E4E09-492C-4431-8F1D-BB1F0170AB8D}" dt="2020-05-21T10:43:05.492" v="1363"/>
+          <ac:spMkLst>
+            <pc:docMk/>
+            <pc:sldMk cId="1672019757" sldId="257"/>
+            <ac:spMk id="91" creationId="{00A73081-1115-410F-9926-04EE5B99300E}"/>
+          </ac:spMkLst>
+        </pc:spChg>
+        <pc:spChg chg="mod">
+          <ac:chgData name="Andres Penuela-Fernandez" userId="26693260-5f72-4911-8218-b098c180f1d5" providerId="ADAL" clId="{150E4E09-492C-4431-8F1D-BB1F0170AB8D}" dt="2020-05-21T10:43:05.492" v="1363"/>
+          <ac:spMkLst>
+            <pc:docMk/>
+            <pc:sldMk cId="1672019757" sldId="257"/>
+            <ac:spMk id="92" creationId="{C3E58038-1745-4283-AEE9-72F74D96A523}"/>
+          </ac:spMkLst>
+        </pc:spChg>
+        <pc:spChg chg="mod">
+          <ac:chgData name="Andres Penuela-Fernandez" userId="26693260-5f72-4911-8218-b098c180f1d5" providerId="ADAL" clId="{150E4E09-492C-4431-8F1D-BB1F0170AB8D}" dt="2020-05-21T10:43:05.492" v="1363"/>
+          <ac:spMkLst>
+            <pc:docMk/>
+            <pc:sldMk cId="1672019757" sldId="257"/>
+            <ac:spMk id="93" creationId="{D5204214-7884-4956-9E62-73EA918E1396}"/>
+          </ac:spMkLst>
+        </pc:spChg>
+        <pc:grpChg chg="mod">
+          <ac:chgData name="Andres Penuela-Fernandez" userId="26693260-5f72-4911-8218-b098c180f1d5" providerId="ADAL" clId="{150E4E09-492C-4431-8F1D-BB1F0170AB8D}" dt="2020-05-21T10:43:05.492" v="1363"/>
+          <ac:grpSpMkLst>
+            <pc:docMk/>
+            <pc:sldMk cId="1672019757" sldId="257"/>
+            <ac:grpSpMk id="3" creationId="{CC50F664-61C2-4E1D-9E45-A96F60B5516C}"/>
+          </ac:grpSpMkLst>
+        </pc:grpChg>
+        <pc:grpChg chg="mod">
+          <ac:chgData name="Andres Penuela-Fernandez" userId="26693260-5f72-4911-8218-b098c180f1d5" providerId="ADAL" clId="{150E4E09-492C-4431-8F1D-BB1F0170AB8D}" dt="2020-05-21T10:43:05.492" v="1363"/>
+          <ac:grpSpMkLst>
+            <pc:docMk/>
+            <pc:sldMk cId="1672019757" sldId="257"/>
+            <ac:grpSpMk id="4" creationId="{705D34A0-9821-4647-90D4-3D24D139F86B}"/>
+          </ac:grpSpMkLst>
+        </pc:grpChg>
+        <pc:grpChg chg="mod">
+          <ac:chgData name="Andres Penuela-Fernandez" userId="26693260-5f72-4911-8218-b098c180f1d5" providerId="ADAL" clId="{150E4E09-492C-4431-8F1D-BB1F0170AB8D}" dt="2020-05-21T10:43:05.492" v="1363"/>
+          <ac:grpSpMkLst>
+            <pc:docMk/>
+            <pc:sldMk cId="1672019757" sldId="257"/>
+            <ac:grpSpMk id="19" creationId="{BD05F6C5-1B05-4B28-867E-028D71DA3300}"/>
+          </ac:grpSpMkLst>
+        </pc:grpChg>
+        <pc:grpChg chg="mod">
+          <ac:chgData name="Andres Penuela-Fernandez" userId="26693260-5f72-4911-8218-b098c180f1d5" providerId="ADAL" clId="{150E4E09-492C-4431-8F1D-BB1F0170AB8D}" dt="2020-05-21T10:43:05.492" v="1363"/>
+          <ac:grpSpMkLst>
+            <pc:docMk/>
+            <pc:sldMk cId="1672019757" sldId="257"/>
+            <ac:grpSpMk id="28" creationId="{BD81279C-8AAA-49AE-8854-B1B485425594}"/>
+          </ac:grpSpMkLst>
+        </pc:grpChg>
+        <pc:grpChg chg="mod">
+          <ac:chgData name="Andres Penuela-Fernandez" userId="26693260-5f72-4911-8218-b098c180f1d5" providerId="ADAL" clId="{150E4E09-492C-4431-8F1D-BB1F0170AB8D}" dt="2020-05-21T10:43:05.492" v="1363"/>
+          <ac:grpSpMkLst>
+            <pc:docMk/>
+            <pc:sldMk cId="1672019757" sldId="257"/>
+            <ac:grpSpMk id="45" creationId="{2DF85EE3-F350-4DF3-A6E3-36A7D8BA7B59}"/>
+          </ac:grpSpMkLst>
+        </pc:grpChg>
+      </pc:sldChg>
+      <pc:sldChg chg="modSp">
+        <pc:chgData name="Andres Penuela-Fernandez" userId="26693260-5f72-4911-8218-b098c180f1d5" providerId="ADAL" clId="{150E4E09-492C-4431-8F1D-BB1F0170AB8D}" dt="2020-05-21T10:43:05.492" v="1363"/>
+        <pc:sldMkLst>
+          <pc:docMk/>
+          <pc:sldMk cId="3748580455" sldId="259"/>
+        </pc:sldMkLst>
+        <pc:spChg chg="mod">
+          <ac:chgData name="Andres Penuela-Fernandez" userId="26693260-5f72-4911-8218-b098c180f1d5" providerId="ADAL" clId="{150E4E09-492C-4431-8F1D-BB1F0170AB8D}" dt="2020-05-21T10:43:05.492" v="1363"/>
+          <ac:spMkLst>
+            <pc:docMk/>
+            <pc:sldMk cId="3748580455" sldId="259"/>
+            <ac:spMk id="20" creationId="{2016222D-A3BB-4D85-9C2D-8F18E175BA42}"/>
+          </ac:spMkLst>
+        </pc:spChg>
+        <pc:spChg chg="mod">
+          <ac:chgData name="Andres Penuela-Fernandez" userId="26693260-5f72-4911-8218-b098c180f1d5" providerId="ADAL" clId="{150E4E09-492C-4431-8F1D-BB1F0170AB8D}" dt="2020-05-21T10:43:05.492" v="1363"/>
+          <ac:spMkLst>
+            <pc:docMk/>
+            <pc:sldMk cId="3748580455" sldId="259"/>
+            <ac:spMk id="21" creationId="{10874EEC-A457-48DA-810D-FAE684848A87}"/>
+          </ac:spMkLst>
+        </pc:spChg>
+        <pc:spChg chg="mod">
+          <ac:chgData name="Andres Penuela-Fernandez" userId="26693260-5f72-4911-8218-b098c180f1d5" providerId="ADAL" clId="{150E4E09-492C-4431-8F1D-BB1F0170AB8D}" dt="2020-05-21T10:43:05.492" v="1363"/>
+          <ac:spMkLst>
+            <pc:docMk/>
+            <pc:sldMk cId="3748580455" sldId="259"/>
+            <ac:spMk id="22" creationId="{0D103A92-0789-43A3-AD4E-CE4295AC7874}"/>
+          </ac:spMkLst>
+        </pc:spChg>
+        <pc:spChg chg="mod">
+          <ac:chgData name="Andres Penuela-Fernandez" userId="26693260-5f72-4911-8218-b098c180f1d5" providerId="ADAL" clId="{150E4E09-492C-4431-8F1D-BB1F0170AB8D}" dt="2020-05-21T10:43:05.492" v="1363"/>
+          <ac:spMkLst>
+            <pc:docMk/>
+            <pc:sldMk cId="3748580455" sldId="259"/>
+            <ac:spMk id="25" creationId="{74812DC6-A432-48BB-8303-81443F07A546}"/>
+          </ac:spMkLst>
+        </pc:spChg>
+        <pc:spChg chg="mod">
+          <ac:chgData name="Andres Penuela-Fernandez" userId="26693260-5f72-4911-8218-b098c180f1d5" providerId="ADAL" clId="{150E4E09-492C-4431-8F1D-BB1F0170AB8D}" dt="2020-05-21T10:43:05.492" v="1363"/>
+          <ac:spMkLst>
+            <pc:docMk/>
+            <pc:sldMk cId="3748580455" sldId="259"/>
+            <ac:spMk id="29" creationId="{A0FCFC05-1EB3-4C01-90BD-AF311BC494E7}"/>
+          </ac:spMkLst>
+        </pc:spChg>
+        <pc:spChg chg="mod">
+          <ac:chgData name="Andres Penuela-Fernandez" userId="26693260-5f72-4911-8218-b098c180f1d5" providerId="ADAL" clId="{150E4E09-492C-4431-8F1D-BB1F0170AB8D}" dt="2020-05-21T10:43:05.492" v="1363"/>
+          <ac:spMkLst>
+            <pc:docMk/>
+            <pc:sldMk cId="3748580455" sldId="259"/>
+            <ac:spMk id="30" creationId="{2216DF3E-EEDD-42E9-B896-AC4AB11CD074}"/>
+          </ac:spMkLst>
+        </pc:spChg>
+        <pc:spChg chg="mod">
+          <ac:chgData name="Andres Penuela-Fernandez" userId="26693260-5f72-4911-8218-b098c180f1d5" providerId="ADAL" clId="{150E4E09-492C-4431-8F1D-BB1F0170AB8D}" dt="2020-05-21T10:43:05.492" v="1363"/>
+          <ac:spMkLst>
+            <pc:docMk/>
+            <pc:sldMk cId="3748580455" sldId="259"/>
+            <ac:spMk id="31" creationId="{47E28E08-C626-410D-97DC-FFEB05B0D3B3}"/>
+          </ac:spMkLst>
+        </pc:spChg>
+        <pc:spChg chg="mod">
+          <ac:chgData name="Andres Penuela-Fernandez" userId="26693260-5f72-4911-8218-b098c180f1d5" providerId="ADAL" clId="{150E4E09-492C-4431-8F1D-BB1F0170AB8D}" dt="2020-05-21T10:43:05.492" v="1363"/>
+          <ac:spMkLst>
+            <pc:docMk/>
+            <pc:sldMk cId="3748580455" sldId="259"/>
+            <ac:spMk id="32" creationId="{FE8EBF0F-5F2F-45EA-A842-711F333835AA}"/>
+          </ac:spMkLst>
+        </pc:spChg>
+        <pc:spChg chg="mod">
+          <ac:chgData name="Andres Penuela-Fernandez" userId="26693260-5f72-4911-8218-b098c180f1d5" providerId="ADAL" clId="{150E4E09-492C-4431-8F1D-BB1F0170AB8D}" dt="2020-05-21T10:43:05.492" v="1363"/>
+          <ac:spMkLst>
+            <pc:docMk/>
+            <pc:sldMk cId="3748580455" sldId="259"/>
+            <ac:spMk id="39" creationId="{89C123CB-DDB9-40A0-8480-A2BD6D081F59}"/>
+          </ac:spMkLst>
+        </pc:spChg>
+        <pc:spChg chg="mod">
+          <ac:chgData name="Andres Penuela-Fernandez" userId="26693260-5f72-4911-8218-b098c180f1d5" providerId="ADAL" clId="{150E4E09-492C-4431-8F1D-BB1F0170AB8D}" dt="2020-05-21T10:43:05.492" v="1363"/>
+          <ac:spMkLst>
+            <pc:docMk/>
+            <pc:sldMk cId="3748580455" sldId="259"/>
+            <ac:spMk id="40" creationId="{5115E10F-BBC8-47F8-9AA1-0D2CFA11EEAB}"/>
+          </ac:spMkLst>
+        </pc:spChg>
+        <pc:spChg chg="mod">
+          <ac:chgData name="Andres Penuela-Fernandez" userId="26693260-5f72-4911-8218-b098c180f1d5" providerId="ADAL" clId="{150E4E09-492C-4431-8F1D-BB1F0170AB8D}" dt="2020-05-21T10:43:05.492" v="1363"/>
+          <ac:spMkLst>
+            <pc:docMk/>
+            <pc:sldMk cId="3748580455" sldId="259"/>
+            <ac:spMk id="41" creationId="{99089907-552E-49AF-BAE6-7F9B2CEB8227}"/>
+          </ac:spMkLst>
+        </pc:spChg>
+        <pc:spChg chg="mod">
+          <ac:chgData name="Andres Penuela-Fernandez" userId="26693260-5f72-4911-8218-b098c180f1d5" providerId="ADAL" clId="{150E4E09-492C-4431-8F1D-BB1F0170AB8D}" dt="2020-05-21T10:43:05.492" v="1363"/>
+          <ac:spMkLst>
+            <pc:docMk/>
+            <pc:sldMk cId="3748580455" sldId="259"/>
+            <ac:spMk id="50" creationId="{DB684470-2A45-439F-9AD4-B9AF383A06EC}"/>
+          </ac:spMkLst>
+        </pc:spChg>
+        <pc:spChg chg="mod">
+          <ac:chgData name="Andres Penuela-Fernandez" userId="26693260-5f72-4911-8218-b098c180f1d5" providerId="ADAL" clId="{150E4E09-492C-4431-8F1D-BB1F0170AB8D}" dt="2020-05-21T10:43:05.492" v="1363"/>
+          <ac:spMkLst>
+            <pc:docMk/>
+            <pc:sldMk cId="3748580455" sldId="259"/>
+            <ac:spMk id="51" creationId="{997794C1-CCAC-45DA-9B37-94E3CA67A66F}"/>
+          </ac:spMkLst>
+        </pc:spChg>
+        <pc:spChg chg="mod">
+          <ac:chgData name="Andres Penuela-Fernandez" userId="26693260-5f72-4911-8218-b098c180f1d5" providerId="ADAL" clId="{150E4E09-492C-4431-8F1D-BB1F0170AB8D}" dt="2020-05-21T10:43:05.492" v="1363"/>
+          <ac:spMkLst>
+            <pc:docMk/>
+            <pc:sldMk cId="3748580455" sldId="259"/>
+            <ac:spMk id="52" creationId="{CAB22519-C29C-4F58-8411-CBA82DEB0EC8}"/>
+          </ac:spMkLst>
+        </pc:spChg>
+        <pc:spChg chg="mod">
+          <ac:chgData name="Andres Penuela-Fernandez" userId="26693260-5f72-4911-8218-b098c180f1d5" providerId="ADAL" clId="{150E4E09-492C-4431-8F1D-BB1F0170AB8D}" dt="2020-05-21T10:43:05.492" v="1363"/>
+          <ac:spMkLst>
+            <pc:docMk/>
+            <pc:sldMk cId="3748580455" sldId="259"/>
+            <ac:spMk id="53" creationId="{637A57E2-7DA7-417F-8B6F-C3B32EC2E29C}"/>
+          </ac:spMkLst>
+        </pc:spChg>
+        <pc:spChg chg="mod">
+          <ac:chgData name="Andres Penuela-Fernandez" userId="26693260-5f72-4911-8218-b098c180f1d5" providerId="ADAL" clId="{150E4E09-492C-4431-8F1D-BB1F0170AB8D}" dt="2020-05-21T10:43:05.492" v="1363"/>
+          <ac:spMkLst>
+            <pc:docMk/>
+            <pc:sldMk cId="3748580455" sldId="259"/>
+            <ac:spMk id="60" creationId="{2E4557DF-7C69-4D26-A4D1-0C97098FAB15}"/>
+          </ac:spMkLst>
+        </pc:spChg>
+        <pc:spChg chg="mod">
+          <ac:chgData name="Andres Penuela-Fernandez" userId="26693260-5f72-4911-8218-b098c180f1d5" providerId="ADAL" clId="{150E4E09-492C-4431-8F1D-BB1F0170AB8D}" dt="2020-05-21T10:43:05.492" v="1363"/>
+          <ac:spMkLst>
+            <pc:docMk/>
+            <pc:sldMk cId="3748580455" sldId="259"/>
+            <ac:spMk id="62" creationId="{D98646D3-DDFA-407F-A41E-6784232BA6AB}"/>
+          </ac:spMkLst>
+        </pc:spChg>
+        <pc:spChg chg="mod">
+          <ac:chgData name="Andres Penuela-Fernandez" userId="26693260-5f72-4911-8218-b098c180f1d5" providerId="ADAL" clId="{150E4E09-492C-4431-8F1D-BB1F0170AB8D}" dt="2020-05-21T10:43:05.492" v="1363"/>
+          <ac:spMkLst>
+            <pc:docMk/>
+            <pc:sldMk cId="3748580455" sldId="259"/>
+            <ac:spMk id="63" creationId="{0AD6C514-74C8-4EE3-BBD7-C030AEB8ED7D}"/>
+          </ac:spMkLst>
+        </pc:spChg>
+        <pc:spChg chg="mod">
+          <ac:chgData name="Andres Penuela-Fernandez" userId="26693260-5f72-4911-8218-b098c180f1d5" providerId="ADAL" clId="{150E4E09-492C-4431-8F1D-BB1F0170AB8D}" dt="2020-05-21T10:43:05.492" v="1363"/>
+          <ac:spMkLst>
+            <pc:docMk/>
+            <pc:sldMk cId="3748580455" sldId="259"/>
+            <ac:spMk id="87" creationId="{0E504532-683C-4B77-B4BC-2695F66F6AE9}"/>
+          </ac:spMkLst>
+        </pc:spChg>
+        <pc:spChg chg="mod">
+          <ac:chgData name="Andres Penuela-Fernandez" userId="26693260-5f72-4911-8218-b098c180f1d5" providerId="ADAL" clId="{150E4E09-492C-4431-8F1D-BB1F0170AB8D}" dt="2020-05-21T10:43:05.492" v="1363"/>
+          <ac:spMkLst>
+            <pc:docMk/>
+            <pc:sldMk cId="3748580455" sldId="259"/>
+            <ac:spMk id="88" creationId="{E629EAB3-F12F-41AD-BBCC-41A2469E1E51}"/>
+          </ac:spMkLst>
+        </pc:spChg>
+        <pc:spChg chg="mod">
+          <ac:chgData name="Andres Penuela-Fernandez" userId="26693260-5f72-4911-8218-b098c180f1d5" providerId="ADAL" clId="{150E4E09-492C-4431-8F1D-BB1F0170AB8D}" dt="2020-05-21T10:43:05.492" v="1363"/>
+          <ac:spMkLst>
+            <pc:docMk/>
+            <pc:sldMk cId="3748580455" sldId="259"/>
+            <ac:spMk id="89" creationId="{BE62BD90-F05B-45E0-B736-95D99D0F8E46}"/>
+          </ac:spMkLst>
+        </pc:spChg>
+        <pc:spChg chg="mod">
+          <ac:chgData name="Andres Penuela-Fernandez" userId="26693260-5f72-4911-8218-b098c180f1d5" providerId="ADAL" clId="{150E4E09-492C-4431-8F1D-BB1F0170AB8D}" dt="2020-05-21T10:43:05.492" v="1363"/>
+          <ac:spMkLst>
+            <pc:docMk/>
+            <pc:sldMk cId="3748580455" sldId="259"/>
+            <ac:spMk id="90" creationId="{E4055267-88E4-490A-967E-11F44B9D3918}"/>
+          </ac:spMkLst>
+        </pc:spChg>
+        <pc:spChg chg="mod">
+          <ac:chgData name="Andres Penuela-Fernandez" userId="26693260-5f72-4911-8218-b098c180f1d5" providerId="ADAL" clId="{150E4E09-492C-4431-8F1D-BB1F0170AB8D}" dt="2020-05-21T10:43:05.492" v="1363"/>
+          <ac:spMkLst>
+            <pc:docMk/>
+            <pc:sldMk cId="3748580455" sldId="259"/>
+            <ac:spMk id="91" creationId="{00A73081-1115-410F-9926-04EE5B99300E}"/>
+          </ac:spMkLst>
+        </pc:spChg>
+        <pc:spChg chg="mod">
+          <ac:chgData name="Andres Penuela-Fernandez" userId="26693260-5f72-4911-8218-b098c180f1d5" providerId="ADAL" clId="{150E4E09-492C-4431-8F1D-BB1F0170AB8D}" dt="2020-05-21T10:43:05.492" v="1363"/>
+          <ac:spMkLst>
+            <pc:docMk/>
+            <pc:sldMk cId="3748580455" sldId="259"/>
+            <ac:spMk id="92" creationId="{C3E58038-1745-4283-AEE9-72F74D96A523}"/>
+          </ac:spMkLst>
+        </pc:spChg>
+        <pc:spChg chg="mod">
+          <ac:chgData name="Andres Penuela-Fernandez" userId="26693260-5f72-4911-8218-b098c180f1d5" providerId="ADAL" clId="{150E4E09-492C-4431-8F1D-BB1F0170AB8D}" dt="2020-05-21T10:43:05.492" v="1363"/>
+          <ac:spMkLst>
+            <pc:docMk/>
+            <pc:sldMk cId="3748580455" sldId="259"/>
+            <ac:spMk id="93" creationId="{D5204214-7884-4956-9E62-73EA918E1396}"/>
+          </ac:spMkLst>
+        </pc:spChg>
+        <pc:grpChg chg="mod">
+          <ac:chgData name="Andres Penuela-Fernandez" userId="26693260-5f72-4911-8218-b098c180f1d5" providerId="ADAL" clId="{150E4E09-492C-4431-8F1D-BB1F0170AB8D}" dt="2020-05-21T10:43:05.492" v="1363"/>
+          <ac:grpSpMkLst>
+            <pc:docMk/>
+            <pc:sldMk cId="3748580455" sldId="259"/>
+            <ac:grpSpMk id="3" creationId="{D0A163C3-F9F9-404E-AE3E-393760722DDD}"/>
+          </ac:grpSpMkLst>
+        </pc:grpChg>
+        <pc:grpChg chg="mod">
+          <ac:chgData name="Andres Penuela-Fernandez" userId="26693260-5f72-4911-8218-b098c180f1d5" providerId="ADAL" clId="{150E4E09-492C-4431-8F1D-BB1F0170AB8D}" dt="2020-05-21T10:43:05.492" v="1363"/>
+          <ac:grpSpMkLst>
+            <pc:docMk/>
+            <pc:sldMk cId="3748580455" sldId="259"/>
+            <ac:grpSpMk id="19" creationId="{BD05F6C5-1B05-4B28-867E-028D71DA3300}"/>
+          </ac:grpSpMkLst>
+        </pc:grpChg>
+        <pc:grpChg chg="mod">
+          <ac:chgData name="Andres Penuela-Fernandez" userId="26693260-5f72-4911-8218-b098c180f1d5" providerId="ADAL" clId="{150E4E09-492C-4431-8F1D-BB1F0170AB8D}" dt="2020-05-21T10:43:05.492" v="1363"/>
+          <ac:grpSpMkLst>
+            <pc:docMk/>
+            <pc:sldMk cId="3748580455" sldId="259"/>
+            <ac:grpSpMk id="45" creationId="{2DF85EE3-F350-4DF3-A6E3-36A7D8BA7B59}"/>
+          </ac:grpSpMkLst>
+        </pc:grpChg>
+      </pc:sldChg>
       <pc:sldChg chg="addSp delSp modSp add mod">
-        <pc:chgData name="Andres Penuela-Fernandez" userId="26693260-5f72-4911-8218-b098c180f1d5" providerId="ADAL" clId="{150E4E09-492C-4431-8F1D-BB1F0170AB8D}" dt="2020-05-08T12:46:15.326" v="286" actId="404"/>
+        <pc:chgData name="Andres Penuela-Fernandez" userId="26693260-5f72-4911-8218-b098c180f1d5" providerId="ADAL" clId="{150E4E09-492C-4431-8F1D-BB1F0170AB8D}" dt="2020-05-21T10:43:05.492" v="1363"/>
         <pc:sldMkLst>
           <pc:docMk/>
           <pc:sldMk cId="3003778335" sldId="260"/>
@@ -157,7 +1108,7 @@
           </ac:spMkLst>
         </pc:spChg>
         <pc:spChg chg="add mod">
-          <ac:chgData name="Andres Penuela-Fernandez" userId="26693260-5f72-4911-8218-b098c180f1d5" providerId="ADAL" clId="{150E4E09-492C-4431-8F1D-BB1F0170AB8D}" dt="2020-05-08T12:39:40.094" v="232" actId="14100"/>
+          <ac:chgData name="Andres Penuela-Fernandez" userId="26693260-5f72-4911-8218-b098c180f1d5" providerId="ADAL" clId="{150E4E09-492C-4431-8F1D-BB1F0170AB8D}" dt="2020-05-21T10:43:05.492" v="1363"/>
           <ac:spMkLst>
             <pc:docMk/>
             <pc:sldMk cId="3003778335" sldId="260"/>
@@ -165,7 +1116,7 @@
           </ac:spMkLst>
         </pc:spChg>
         <pc:spChg chg="add mod">
-          <ac:chgData name="Andres Penuela-Fernandez" userId="26693260-5f72-4911-8218-b098c180f1d5" providerId="ADAL" clId="{150E4E09-492C-4431-8F1D-BB1F0170AB8D}" dt="2020-05-08T12:45:45.927" v="284" actId="692"/>
+          <ac:chgData name="Andres Penuela-Fernandez" userId="26693260-5f72-4911-8218-b098c180f1d5" providerId="ADAL" clId="{150E4E09-492C-4431-8F1D-BB1F0170AB8D}" dt="2020-05-21T10:43:05.492" v="1363"/>
           <ac:spMkLst>
             <pc:docMk/>
             <pc:sldMk cId="3003778335" sldId="260"/>
@@ -245,7 +1196,7 @@
           </ac:spMkLst>
         </pc:spChg>
         <pc:spChg chg="mod ord topLvl">
-          <ac:chgData name="Andres Penuela-Fernandez" userId="26693260-5f72-4911-8218-b098c180f1d5" providerId="ADAL" clId="{150E4E09-492C-4431-8F1D-BB1F0170AB8D}" dt="2020-05-08T12:26:58.772" v="40" actId="165"/>
+          <ac:chgData name="Andres Penuela-Fernandez" userId="26693260-5f72-4911-8218-b098c180f1d5" providerId="ADAL" clId="{150E4E09-492C-4431-8F1D-BB1F0170AB8D}" dt="2020-05-21T10:43:05.492" v="1363"/>
           <ac:spMkLst>
             <pc:docMk/>
             <pc:sldMk cId="3003778335" sldId="260"/>
@@ -269,7 +1220,7 @@
           </ac:spMkLst>
         </pc:spChg>
         <pc:spChg chg="mod topLvl">
-          <ac:chgData name="Andres Penuela-Fernandez" userId="26693260-5f72-4911-8218-b098c180f1d5" providerId="ADAL" clId="{150E4E09-492C-4431-8F1D-BB1F0170AB8D}" dt="2020-05-08T12:33:14.739" v="135" actId="1076"/>
+          <ac:chgData name="Andres Penuela-Fernandez" userId="26693260-5f72-4911-8218-b098c180f1d5" providerId="ADAL" clId="{150E4E09-492C-4431-8F1D-BB1F0170AB8D}" dt="2020-05-21T10:43:05.492" v="1363"/>
           <ac:spMkLst>
             <pc:docMk/>
             <pc:sldMk cId="3003778335" sldId="260"/>
@@ -277,7 +1228,7 @@
           </ac:spMkLst>
         </pc:spChg>
         <pc:spChg chg="mod ord topLvl">
-          <ac:chgData name="Andres Penuela-Fernandez" userId="26693260-5f72-4911-8218-b098c180f1d5" providerId="ADAL" clId="{150E4E09-492C-4431-8F1D-BB1F0170AB8D}" dt="2020-05-08T12:40:38.743" v="261" actId="20577"/>
+          <ac:chgData name="Andres Penuela-Fernandez" userId="26693260-5f72-4911-8218-b098c180f1d5" providerId="ADAL" clId="{150E4E09-492C-4431-8F1D-BB1F0170AB8D}" dt="2020-05-21T10:43:05.492" v="1363"/>
           <ac:spMkLst>
             <pc:docMk/>
             <pc:sldMk cId="3003778335" sldId="260"/>
@@ -365,7 +1316,7 @@
           </ac:spMkLst>
         </pc:spChg>
         <pc:spChg chg="add mod ord">
-          <ac:chgData name="Andres Penuela-Fernandez" userId="26693260-5f72-4911-8218-b098c180f1d5" providerId="ADAL" clId="{150E4E09-492C-4431-8F1D-BB1F0170AB8D}" dt="2020-05-08T12:25:47.437" v="26" actId="171"/>
+          <ac:chgData name="Andres Penuela-Fernandez" userId="26693260-5f72-4911-8218-b098c180f1d5" providerId="ADAL" clId="{150E4E09-492C-4431-8F1D-BB1F0170AB8D}" dt="2020-05-21T10:43:05.492" v="1363"/>
           <ac:spMkLst>
             <pc:docMk/>
             <pc:sldMk cId="3003778335" sldId="260"/>
@@ -373,7 +1324,7 @@
           </ac:spMkLst>
         </pc:spChg>
         <pc:spChg chg="add mod">
-          <ac:chgData name="Andres Penuela-Fernandez" userId="26693260-5f72-4911-8218-b098c180f1d5" providerId="ADAL" clId="{150E4E09-492C-4431-8F1D-BB1F0170AB8D}" dt="2020-05-08T12:30:23.334" v="100" actId="1076"/>
+          <ac:chgData name="Andres Penuela-Fernandez" userId="26693260-5f72-4911-8218-b098c180f1d5" providerId="ADAL" clId="{150E4E09-492C-4431-8F1D-BB1F0170AB8D}" dt="2020-05-21T10:43:05.492" v="1363"/>
           <ac:spMkLst>
             <pc:docMk/>
             <pc:sldMk cId="3003778335" sldId="260"/>
@@ -389,7 +1340,7 @@
           </ac:spMkLst>
         </pc:spChg>
         <pc:spChg chg="add mod">
-          <ac:chgData name="Andres Penuela-Fernandez" userId="26693260-5f72-4911-8218-b098c180f1d5" providerId="ADAL" clId="{150E4E09-492C-4431-8F1D-BB1F0170AB8D}" dt="2020-05-08T12:44:20.916" v="275" actId="14100"/>
+          <ac:chgData name="Andres Penuela-Fernandez" userId="26693260-5f72-4911-8218-b098c180f1d5" providerId="ADAL" clId="{150E4E09-492C-4431-8F1D-BB1F0170AB8D}" dt="2020-05-21T10:43:05.492" v="1363"/>
           <ac:spMkLst>
             <pc:docMk/>
             <pc:sldMk cId="3003778335" sldId="260"/>
@@ -397,7 +1348,7 @@
           </ac:spMkLst>
         </pc:spChg>
         <pc:spChg chg="add mod">
-          <ac:chgData name="Andres Penuela-Fernandez" userId="26693260-5f72-4911-8218-b098c180f1d5" providerId="ADAL" clId="{150E4E09-492C-4431-8F1D-BB1F0170AB8D}" dt="2020-05-08T12:44:36.695" v="279" actId="1076"/>
+          <ac:chgData name="Andres Penuela-Fernandez" userId="26693260-5f72-4911-8218-b098c180f1d5" providerId="ADAL" clId="{150E4E09-492C-4431-8F1D-BB1F0170AB8D}" dt="2020-05-21T10:43:05.492" v="1363"/>
           <ac:spMkLst>
             <pc:docMk/>
             <pc:sldMk cId="3003778335" sldId="260"/>
@@ -405,7 +1356,7 @@
           </ac:spMkLst>
         </pc:spChg>
         <pc:spChg chg="add mod">
-          <ac:chgData name="Andres Penuela-Fernandez" userId="26693260-5f72-4911-8218-b098c180f1d5" providerId="ADAL" clId="{150E4E09-492C-4431-8F1D-BB1F0170AB8D}" dt="2020-05-08T12:44:32.517" v="278" actId="1076"/>
+          <ac:chgData name="Andres Penuela-Fernandez" userId="26693260-5f72-4911-8218-b098c180f1d5" providerId="ADAL" clId="{150E4E09-492C-4431-8F1D-BB1F0170AB8D}" dt="2020-05-21T10:43:05.492" v="1363"/>
           <ac:spMkLst>
             <pc:docMk/>
             <pc:sldMk cId="3003778335" sldId="260"/>
@@ -421,7 +1372,7 @@
           </ac:spMkLst>
         </pc:spChg>
         <pc:spChg chg="add mod">
-          <ac:chgData name="Andres Penuela-Fernandez" userId="26693260-5f72-4911-8218-b098c180f1d5" providerId="ADAL" clId="{150E4E09-492C-4431-8F1D-BB1F0170AB8D}" dt="2020-05-08T12:44:53.045" v="281" actId="1076"/>
+          <ac:chgData name="Andres Penuela-Fernandez" userId="26693260-5f72-4911-8218-b098c180f1d5" providerId="ADAL" clId="{150E4E09-492C-4431-8F1D-BB1F0170AB8D}" dt="2020-05-21T10:43:05.492" v="1363"/>
           <ac:spMkLst>
             <pc:docMk/>
             <pc:sldMk cId="3003778335" sldId="260"/>
@@ -429,7 +1380,7 @@
           </ac:spMkLst>
         </pc:spChg>
         <pc:spChg chg="mod topLvl">
-          <ac:chgData name="Andres Penuela-Fernandez" userId="26693260-5f72-4911-8218-b098c180f1d5" providerId="ADAL" clId="{150E4E09-492C-4431-8F1D-BB1F0170AB8D}" dt="2020-05-08T12:44:44.493" v="280" actId="1076"/>
+          <ac:chgData name="Andres Penuela-Fernandez" userId="26693260-5f72-4911-8218-b098c180f1d5" providerId="ADAL" clId="{150E4E09-492C-4431-8F1D-BB1F0170AB8D}" dt="2020-05-21T10:43:05.492" v="1363"/>
           <ac:spMkLst>
             <pc:docMk/>
             <pc:sldMk cId="3003778335" sldId="260"/>
@@ -437,7 +1388,7 @@
           </ac:spMkLst>
         </pc:spChg>
         <pc:spChg chg="mod topLvl">
-          <ac:chgData name="Andres Penuela-Fernandez" userId="26693260-5f72-4911-8218-b098c180f1d5" providerId="ADAL" clId="{150E4E09-492C-4431-8F1D-BB1F0170AB8D}" dt="2020-05-08T12:46:15.326" v="286" actId="404"/>
+          <ac:chgData name="Andres Penuela-Fernandez" userId="26693260-5f72-4911-8218-b098c180f1d5" providerId="ADAL" clId="{150E4E09-492C-4431-8F1D-BB1F0170AB8D}" dt="2020-05-21T10:43:05.492" v="1363"/>
           <ac:spMkLst>
             <pc:docMk/>
             <pc:sldMk cId="3003778335" sldId="260"/>
@@ -445,7 +1396,7 @@
           </ac:spMkLst>
         </pc:spChg>
         <pc:spChg chg="mod topLvl">
-          <ac:chgData name="Andres Penuela-Fernandez" userId="26693260-5f72-4911-8218-b098c180f1d5" providerId="ADAL" clId="{150E4E09-492C-4431-8F1D-BB1F0170AB8D}" dt="2020-05-08T12:30:08.727" v="86" actId="207"/>
+          <ac:chgData name="Andres Penuela-Fernandez" userId="26693260-5f72-4911-8218-b098c180f1d5" providerId="ADAL" clId="{150E4E09-492C-4431-8F1D-BB1F0170AB8D}" dt="2020-05-21T10:43:05.492" v="1363"/>
           <ac:spMkLst>
             <pc:docMk/>
             <pc:sldMk cId="3003778335" sldId="260"/>
@@ -453,7 +1404,7 @@
           </ac:spMkLst>
         </pc:spChg>
         <pc:spChg chg="mod topLvl">
-          <ac:chgData name="Andres Penuela-Fernandez" userId="26693260-5f72-4911-8218-b098c180f1d5" providerId="ADAL" clId="{150E4E09-492C-4431-8F1D-BB1F0170AB8D}" dt="2020-05-08T12:28:05.104" v="54" actId="1076"/>
+          <ac:chgData name="Andres Penuela-Fernandez" userId="26693260-5f72-4911-8218-b098c180f1d5" providerId="ADAL" clId="{150E4E09-492C-4431-8F1D-BB1F0170AB8D}" dt="2020-05-21T10:43:05.492" v="1363"/>
           <ac:spMkLst>
             <pc:docMk/>
             <pc:sldMk cId="3003778335" sldId="260"/>
@@ -485,7 +1436,7 @@
           </ac:spMkLst>
         </pc:spChg>
         <pc:spChg chg="mod topLvl">
-          <ac:chgData name="Andres Penuela-Fernandez" userId="26693260-5f72-4911-8218-b098c180f1d5" providerId="ADAL" clId="{150E4E09-492C-4431-8F1D-BB1F0170AB8D}" dt="2020-05-08T12:29:47.404" v="77" actId="1076"/>
+          <ac:chgData name="Andres Penuela-Fernandez" userId="26693260-5f72-4911-8218-b098c180f1d5" providerId="ADAL" clId="{150E4E09-492C-4431-8F1D-BB1F0170AB8D}" dt="2020-05-21T10:43:05.492" v="1363"/>
           <ac:spMkLst>
             <pc:docMk/>
             <pc:sldMk cId="3003778335" sldId="260"/>
@@ -613,7 +1564,7 @@
         </pc:spChg>
       </pc:sldChg>
       <pc:sldChg chg="addSp delSp modSp add mod">
-        <pc:chgData name="Andres Penuela-Fernandez" userId="26693260-5f72-4911-8218-b098c180f1d5" providerId="ADAL" clId="{150E4E09-492C-4431-8F1D-BB1F0170AB8D}" dt="2020-05-10T10:18:15.502" v="565" actId="1076"/>
+        <pc:chgData name="Andres Penuela-Fernandez" userId="26693260-5f72-4911-8218-b098c180f1d5" providerId="ADAL" clId="{150E4E09-492C-4431-8F1D-BB1F0170AB8D}" dt="2020-05-21T10:43:05.492" v="1363"/>
         <pc:sldMkLst>
           <pc:docMk/>
           <pc:sldMk cId="3214301066" sldId="261"/>
@@ -627,7 +1578,7 @@
           </ac:spMkLst>
         </pc:spChg>
         <pc:spChg chg="mod">
-          <ac:chgData name="Andres Penuela-Fernandez" userId="26693260-5f72-4911-8218-b098c180f1d5" providerId="ADAL" clId="{150E4E09-492C-4431-8F1D-BB1F0170AB8D}" dt="2020-05-08T13:43:54.753" v="365" actId="1076"/>
+          <ac:chgData name="Andres Penuela-Fernandez" userId="26693260-5f72-4911-8218-b098c180f1d5" providerId="ADAL" clId="{150E4E09-492C-4431-8F1D-BB1F0170AB8D}" dt="2020-05-21T10:43:05.492" v="1363"/>
           <ac:spMkLst>
             <pc:docMk/>
             <pc:sldMk cId="3214301066" sldId="261"/>
@@ -642,8 +1593,16 @@
             <ac:spMk id="17" creationId="{7F08C409-876E-40DB-B7E8-9F483BD9256A}"/>
           </ac:spMkLst>
         </pc:spChg>
+        <pc:spChg chg="mod">
+          <ac:chgData name="Andres Penuela-Fernandez" userId="26693260-5f72-4911-8218-b098c180f1d5" providerId="ADAL" clId="{150E4E09-492C-4431-8F1D-BB1F0170AB8D}" dt="2020-05-21T10:43:05.492" v="1363"/>
+          <ac:spMkLst>
+            <pc:docMk/>
+            <pc:sldMk cId="3214301066" sldId="261"/>
+            <ac:spMk id="32" creationId="{FE8EBF0F-5F2F-45EA-A842-711F333835AA}"/>
+          </ac:spMkLst>
+        </pc:spChg>
         <pc:spChg chg="add mod">
-          <ac:chgData name="Andres Penuela-Fernandez" userId="26693260-5f72-4911-8218-b098c180f1d5" providerId="ADAL" clId="{150E4E09-492C-4431-8F1D-BB1F0170AB8D}" dt="2020-05-08T13:43:54.753" v="365" actId="1076"/>
+          <ac:chgData name="Andres Penuela-Fernandez" userId="26693260-5f72-4911-8218-b098c180f1d5" providerId="ADAL" clId="{150E4E09-492C-4431-8F1D-BB1F0170AB8D}" dt="2020-05-21T10:43:05.492" v="1363"/>
           <ac:spMkLst>
             <pc:docMk/>
             <pc:sldMk cId="3214301066" sldId="261"/>
@@ -651,7 +1610,7 @@
           </ac:spMkLst>
         </pc:spChg>
         <pc:spChg chg="add mod">
-          <ac:chgData name="Andres Penuela-Fernandez" userId="26693260-5f72-4911-8218-b098c180f1d5" providerId="ADAL" clId="{150E4E09-492C-4431-8F1D-BB1F0170AB8D}" dt="2020-05-08T13:43:54.753" v="365" actId="1076"/>
+          <ac:chgData name="Andres Penuela-Fernandez" userId="26693260-5f72-4911-8218-b098c180f1d5" providerId="ADAL" clId="{150E4E09-492C-4431-8F1D-BB1F0170AB8D}" dt="2020-05-21T10:43:05.492" v="1363"/>
           <ac:spMkLst>
             <pc:docMk/>
             <pc:sldMk cId="3214301066" sldId="261"/>
@@ -659,7 +1618,7 @@
           </ac:spMkLst>
         </pc:spChg>
         <pc:spChg chg="mod">
-          <ac:chgData name="Andres Penuela-Fernandez" userId="26693260-5f72-4911-8218-b098c180f1d5" providerId="ADAL" clId="{150E4E09-492C-4431-8F1D-BB1F0170AB8D}" dt="2020-05-10T09:02:16.821" v="392" actId="1076"/>
+          <ac:chgData name="Andres Penuela-Fernandez" userId="26693260-5f72-4911-8218-b098c180f1d5" providerId="ADAL" clId="{150E4E09-492C-4431-8F1D-BB1F0170AB8D}" dt="2020-05-21T10:43:05.492" v="1363"/>
           <ac:spMkLst>
             <pc:docMk/>
             <pc:sldMk cId="3214301066" sldId="261"/>
@@ -667,7 +1626,23 @@
           </ac:spMkLst>
         </pc:spChg>
         <pc:spChg chg="mod">
-          <ac:chgData name="Andres Penuela-Fernandez" userId="26693260-5f72-4911-8218-b098c180f1d5" providerId="ADAL" clId="{150E4E09-492C-4431-8F1D-BB1F0170AB8D}" dt="2020-05-10T10:18:15.502" v="565" actId="1076"/>
+          <ac:chgData name="Andres Penuela-Fernandez" userId="26693260-5f72-4911-8218-b098c180f1d5" providerId="ADAL" clId="{150E4E09-492C-4431-8F1D-BB1F0170AB8D}" dt="2020-05-21T10:43:05.492" v="1363"/>
+          <ac:spMkLst>
+            <pc:docMk/>
+            <pc:sldMk cId="3214301066" sldId="261"/>
+            <ac:spMk id="40" creationId="{5115E10F-BBC8-47F8-9AA1-0D2CFA11EEAB}"/>
+          </ac:spMkLst>
+        </pc:spChg>
+        <pc:spChg chg="mod">
+          <ac:chgData name="Andres Penuela-Fernandez" userId="26693260-5f72-4911-8218-b098c180f1d5" providerId="ADAL" clId="{150E4E09-492C-4431-8F1D-BB1F0170AB8D}" dt="2020-05-21T10:43:05.492" v="1363"/>
+          <ac:spMkLst>
+            <pc:docMk/>
+            <pc:sldMk cId="3214301066" sldId="261"/>
+            <ac:spMk id="54" creationId="{CE587531-A530-40AD-9102-D1BD646AD635}"/>
+          </ac:spMkLst>
+        </pc:spChg>
+        <pc:spChg chg="mod">
+          <ac:chgData name="Andres Penuela-Fernandez" userId="26693260-5f72-4911-8218-b098c180f1d5" providerId="ADAL" clId="{150E4E09-492C-4431-8F1D-BB1F0170AB8D}" dt="2020-05-21T10:43:05.492" v="1363"/>
           <ac:spMkLst>
             <pc:docMk/>
             <pc:sldMk cId="3214301066" sldId="261"/>
@@ -675,7 +1650,7 @@
           </ac:spMkLst>
         </pc:spChg>
         <pc:spChg chg="mod">
-          <ac:chgData name="Andres Penuela-Fernandez" userId="26693260-5f72-4911-8218-b098c180f1d5" providerId="ADAL" clId="{150E4E09-492C-4431-8F1D-BB1F0170AB8D}" dt="2020-05-08T13:43:54.753" v="365" actId="1076"/>
+          <ac:chgData name="Andres Penuela-Fernandez" userId="26693260-5f72-4911-8218-b098c180f1d5" providerId="ADAL" clId="{150E4E09-492C-4431-8F1D-BB1F0170AB8D}" dt="2020-05-21T10:43:05.492" v="1363"/>
           <ac:spMkLst>
             <pc:docMk/>
             <pc:sldMk cId="3214301066" sldId="261"/>
@@ -683,7 +1658,7 @@
           </ac:spMkLst>
         </pc:spChg>
         <pc:spChg chg="mod">
-          <ac:chgData name="Andres Penuela-Fernandez" userId="26693260-5f72-4911-8218-b098c180f1d5" providerId="ADAL" clId="{150E4E09-492C-4431-8F1D-BB1F0170AB8D}" dt="2020-05-08T13:43:54.753" v="365" actId="1076"/>
+          <ac:chgData name="Andres Penuela-Fernandez" userId="26693260-5f72-4911-8218-b098c180f1d5" providerId="ADAL" clId="{150E4E09-492C-4431-8F1D-BB1F0170AB8D}" dt="2020-05-21T10:43:05.492" v="1363"/>
           <ac:spMkLst>
             <pc:docMk/>
             <pc:sldMk cId="3214301066" sldId="261"/>
@@ -691,7 +1666,7 @@
           </ac:spMkLst>
         </pc:spChg>
         <pc:spChg chg="mod">
-          <ac:chgData name="Andres Penuela-Fernandez" userId="26693260-5f72-4911-8218-b098c180f1d5" providerId="ADAL" clId="{150E4E09-492C-4431-8F1D-BB1F0170AB8D}" dt="2020-05-08T13:43:54.753" v="365" actId="1076"/>
+          <ac:chgData name="Andres Penuela-Fernandez" userId="26693260-5f72-4911-8218-b098c180f1d5" providerId="ADAL" clId="{150E4E09-492C-4431-8F1D-BB1F0170AB8D}" dt="2020-05-21T10:43:05.492" v="1363"/>
           <ac:spMkLst>
             <pc:docMk/>
             <pc:sldMk cId="3214301066" sldId="261"/>
@@ -707,7 +1682,7 @@
           </ac:spMkLst>
         </pc:spChg>
         <pc:spChg chg="mod">
-          <ac:chgData name="Andres Penuela-Fernandez" userId="26693260-5f72-4911-8218-b098c180f1d5" providerId="ADAL" clId="{150E4E09-492C-4431-8F1D-BB1F0170AB8D}" dt="2020-05-08T13:43:54.753" v="365" actId="1076"/>
+          <ac:chgData name="Andres Penuela-Fernandez" userId="26693260-5f72-4911-8218-b098c180f1d5" providerId="ADAL" clId="{150E4E09-492C-4431-8F1D-BB1F0170AB8D}" dt="2020-05-21T10:43:05.492" v="1363"/>
           <ac:spMkLst>
             <pc:docMk/>
             <pc:sldMk cId="3214301066" sldId="261"/>
@@ -715,11 +1690,35 @@
           </ac:spMkLst>
         </pc:spChg>
         <pc:spChg chg="mod">
-          <ac:chgData name="Andres Penuela-Fernandez" userId="26693260-5f72-4911-8218-b098c180f1d5" providerId="ADAL" clId="{150E4E09-492C-4431-8F1D-BB1F0170AB8D}" dt="2020-05-08T13:43:54.753" v="365" actId="1076"/>
+          <ac:chgData name="Andres Penuela-Fernandez" userId="26693260-5f72-4911-8218-b098c180f1d5" providerId="ADAL" clId="{150E4E09-492C-4431-8F1D-BB1F0170AB8D}" dt="2020-05-21T10:43:05.492" v="1363"/>
           <ac:spMkLst>
             <pc:docMk/>
             <pc:sldMk cId="3214301066" sldId="261"/>
             <ac:spMk id="63" creationId="{0AD6C514-74C8-4EE3-BBD7-C030AEB8ED7D}"/>
+          </ac:spMkLst>
+        </pc:spChg>
+        <pc:spChg chg="mod">
+          <ac:chgData name="Andres Penuela-Fernandez" userId="26693260-5f72-4911-8218-b098c180f1d5" providerId="ADAL" clId="{150E4E09-492C-4431-8F1D-BB1F0170AB8D}" dt="2020-05-21T10:43:05.492" v="1363"/>
+          <ac:spMkLst>
+            <pc:docMk/>
+            <pc:sldMk cId="3214301066" sldId="261"/>
+            <ac:spMk id="87" creationId="{0E504532-683C-4B77-B4BC-2695F66F6AE9}"/>
+          </ac:spMkLst>
+        </pc:spChg>
+        <pc:spChg chg="mod">
+          <ac:chgData name="Andres Penuela-Fernandez" userId="26693260-5f72-4911-8218-b098c180f1d5" providerId="ADAL" clId="{150E4E09-492C-4431-8F1D-BB1F0170AB8D}" dt="2020-05-21T10:43:05.492" v="1363"/>
+          <ac:spMkLst>
+            <pc:docMk/>
+            <pc:sldMk cId="3214301066" sldId="261"/>
+            <ac:spMk id="88" creationId="{E629EAB3-F12F-41AD-BBCC-41A2469E1E51}"/>
+          </ac:spMkLst>
+        </pc:spChg>
+        <pc:spChg chg="mod">
+          <ac:chgData name="Andres Penuela-Fernandez" userId="26693260-5f72-4911-8218-b098c180f1d5" providerId="ADAL" clId="{150E4E09-492C-4431-8F1D-BB1F0170AB8D}" dt="2020-05-21T10:43:05.492" v="1363"/>
+          <ac:spMkLst>
+            <pc:docMk/>
+            <pc:sldMk cId="3214301066" sldId="261"/>
+            <ac:spMk id="92" creationId="{C3E58038-1745-4283-AEE9-72F74D96A523}"/>
           </ac:spMkLst>
         </pc:spChg>
         <pc:cxnChg chg="add del mod">
@@ -731,7 +1730,7 @@
           </ac:cxnSpMkLst>
         </pc:cxnChg>
         <pc:cxnChg chg="add mod">
-          <ac:chgData name="Andres Penuela-Fernandez" userId="26693260-5f72-4911-8218-b098c180f1d5" providerId="ADAL" clId="{150E4E09-492C-4431-8F1D-BB1F0170AB8D}" dt="2020-05-10T09:02:18.478" v="397" actId="1076"/>
+          <ac:chgData name="Andres Penuela-Fernandez" userId="26693260-5f72-4911-8218-b098c180f1d5" providerId="ADAL" clId="{150E4E09-492C-4431-8F1D-BB1F0170AB8D}" dt="2020-05-21T10:43:05.492" v="1363"/>
           <ac:cxnSpMkLst>
             <pc:docMk/>
             <pc:sldMk cId="3214301066" sldId="261"/>
@@ -739,7 +1738,7 @@
           </ac:cxnSpMkLst>
         </pc:cxnChg>
         <pc:cxnChg chg="add mod">
-          <ac:chgData name="Andres Penuela-Fernandez" userId="26693260-5f72-4911-8218-b098c180f1d5" providerId="ADAL" clId="{150E4E09-492C-4431-8F1D-BB1F0170AB8D}" dt="2020-05-08T13:43:54.753" v="365" actId="1076"/>
+          <ac:chgData name="Andres Penuela-Fernandez" userId="26693260-5f72-4911-8218-b098c180f1d5" providerId="ADAL" clId="{150E4E09-492C-4431-8F1D-BB1F0170AB8D}" dt="2020-05-21T10:43:05.492" v="1363"/>
           <ac:cxnSpMkLst>
             <pc:docMk/>
             <pc:sldMk cId="3214301066" sldId="261"/>
@@ -779,7 +1778,7 @@
           </ac:cxnSpMkLst>
         </pc:cxnChg>
         <pc:cxnChg chg="add mod">
-          <ac:chgData name="Andres Penuela-Fernandez" userId="26693260-5f72-4911-8218-b098c180f1d5" providerId="ADAL" clId="{150E4E09-492C-4431-8F1D-BB1F0170AB8D}" dt="2020-05-10T09:02:15.998" v="391" actId="14100"/>
+          <ac:chgData name="Andres Penuela-Fernandez" userId="26693260-5f72-4911-8218-b098c180f1d5" providerId="ADAL" clId="{150E4E09-492C-4431-8F1D-BB1F0170AB8D}" dt="2020-05-21T10:43:05.492" v="1363"/>
           <ac:cxnSpMkLst>
             <pc:docMk/>
             <pc:sldMk cId="3214301066" sldId="261"/>
@@ -788,7 +1787,7 @@
         </pc:cxnChg>
       </pc:sldChg>
       <pc:sldChg chg="addSp delSp modSp new mod addAnim delAnim modAnim">
-        <pc:chgData name="Andres Penuela-Fernandez" userId="26693260-5f72-4911-8218-b098c180f1d5" providerId="ADAL" clId="{150E4E09-492C-4431-8F1D-BB1F0170AB8D}" dt="2020-05-11T12:08:07.790" v="1240"/>
+        <pc:chgData name="Andres Penuela-Fernandez" userId="26693260-5f72-4911-8218-b098c180f1d5" providerId="ADAL" clId="{150E4E09-492C-4431-8F1D-BB1F0170AB8D}" dt="2020-05-21T18:54:32.243" v="1393" actId="478"/>
         <pc:sldMkLst>
           <pc:docMk/>
           <pc:sldMk cId="3128699872" sldId="262"/>
@@ -810,7 +1809,7 @@
           </ac:spMkLst>
         </pc:spChg>
         <pc:spChg chg="add mod ord">
-          <ac:chgData name="Andres Penuela-Fernandez" userId="26693260-5f72-4911-8218-b098c180f1d5" providerId="ADAL" clId="{150E4E09-492C-4431-8F1D-BB1F0170AB8D}" dt="2020-05-10T12:34:39.862" v="805" actId="167"/>
+          <ac:chgData name="Andres Penuela-Fernandez" userId="26693260-5f72-4911-8218-b098c180f1d5" providerId="ADAL" clId="{150E4E09-492C-4431-8F1D-BB1F0170AB8D}" dt="2020-05-21T10:43:05.492" v="1363"/>
           <ac:spMkLst>
             <pc:docMk/>
             <pc:sldMk cId="3128699872" sldId="262"/>
@@ -818,7 +1817,7 @@
           </ac:spMkLst>
         </pc:spChg>
         <pc:spChg chg="add mod">
-          <ac:chgData name="Andres Penuela-Fernandez" userId="26693260-5f72-4911-8218-b098c180f1d5" providerId="ADAL" clId="{150E4E09-492C-4431-8F1D-BB1F0170AB8D}" dt="2020-05-10T12:58:40.700" v="932" actId="1076"/>
+          <ac:chgData name="Andres Penuela-Fernandez" userId="26693260-5f72-4911-8218-b098c180f1d5" providerId="ADAL" clId="{150E4E09-492C-4431-8F1D-BB1F0170AB8D}" dt="2020-05-21T10:43:05.492" v="1363"/>
           <ac:spMkLst>
             <pc:docMk/>
             <pc:sldMk cId="3128699872" sldId="262"/>
@@ -826,7 +1825,7 @@
           </ac:spMkLst>
         </pc:spChg>
         <pc:spChg chg="add del mod">
-          <ac:chgData name="Andres Penuela-Fernandez" userId="26693260-5f72-4911-8218-b098c180f1d5" providerId="ADAL" clId="{150E4E09-492C-4431-8F1D-BB1F0170AB8D}" dt="2020-05-10T12:53:53.347" v="920" actId="478"/>
+          <ac:chgData name="Andres Penuela-Fernandez" userId="26693260-5f72-4911-8218-b098c180f1d5" providerId="ADAL" clId="{150E4E09-492C-4431-8F1D-BB1F0170AB8D}" dt="2020-05-21T10:43:05.492" v="1363"/>
           <ac:spMkLst>
             <pc:docMk/>
             <pc:sldMk cId="3128699872" sldId="262"/>
@@ -842,7 +1841,7 @@
           </ac:spMkLst>
         </pc:spChg>
         <pc:spChg chg="add mod">
-          <ac:chgData name="Andres Penuela-Fernandez" userId="26693260-5f72-4911-8218-b098c180f1d5" providerId="ADAL" clId="{150E4E09-492C-4431-8F1D-BB1F0170AB8D}" dt="2020-05-10T09:02:24.944" v="399"/>
+          <ac:chgData name="Andres Penuela-Fernandez" userId="26693260-5f72-4911-8218-b098c180f1d5" providerId="ADAL" clId="{150E4E09-492C-4431-8F1D-BB1F0170AB8D}" dt="2020-05-21T10:43:05.492" v="1363"/>
           <ac:spMkLst>
             <pc:docMk/>
             <pc:sldMk cId="3128699872" sldId="262"/>
@@ -850,7 +1849,7 @@
           </ac:spMkLst>
         </pc:spChg>
         <pc:spChg chg="add mod">
-          <ac:chgData name="Andres Penuela-Fernandez" userId="26693260-5f72-4911-8218-b098c180f1d5" providerId="ADAL" clId="{150E4E09-492C-4431-8F1D-BB1F0170AB8D}" dt="2020-05-10T09:02:24.944" v="399"/>
+          <ac:chgData name="Andres Penuela-Fernandez" userId="26693260-5f72-4911-8218-b098c180f1d5" providerId="ADAL" clId="{150E4E09-492C-4431-8F1D-BB1F0170AB8D}" dt="2020-05-21T10:43:05.492" v="1363"/>
           <ac:spMkLst>
             <pc:docMk/>
             <pc:sldMk cId="3128699872" sldId="262"/>
@@ -858,7 +1857,7 @@
           </ac:spMkLst>
         </pc:spChg>
         <pc:spChg chg="add mod">
-          <ac:chgData name="Andres Penuela-Fernandez" userId="26693260-5f72-4911-8218-b098c180f1d5" providerId="ADAL" clId="{150E4E09-492C-4431-8F1D-BB1F0170AB8D}" dt="2020-05-10T09:02:24.944" v="399"/>
+          <ac:chgData name="Andres Penuela-Fernandez" userId="26693260-5f72-4911-8218-b098c180f1d5" providerId="ADAL" clId="{150E4E09-492C-4431-8F1D-BB1F0170AB8D}" dt="2020-05-21T10:43:05.492" v="1363"/>
           <ac:spMkLst>
             <pc:docMk/>
             <pc:sldMk cId="3128699872" sldId="262"/>
@@ -866,7 +1865,7 @@
           </ac:spMkLst>
         </pc:spChg>
         <pc:spChg chg="add mod ord">
-          <ac:chgData name="Andres Penuela-Fernandez" userId="26693260-5f72-4911-8218-b098c180f1d5" providerId="ADAL" clId="{150E4E09-492C-4431-8F1D-BB1F0170AB8D}" dt="2020-05-10T12:34:56.031" v="811" actId="171"/>
+          <ac:chgData name="Andres Penuela-Fernandez" userId="26693260-5f72-4911-8218-b098c180f1d5" providerId="ADAL" clId="{150E4E09-492C-4431-8F1D-BB1F0170AB8D}" dt="2020-05-21T10:43:05.492" v="1363"/>
           <ac:spMkLst>
             <pc:docMk/>
             <pc:sldMk cId="3128699872" sldId="262"/>
@@ -874,7 +1873,7 @@
           </ac:spMkLst>
         </pc:spChg>
         <pc:spChg chg="add mod">
-          <ac:chgData name="Andres Penuela-Fernandez" userId="26693260-5f72-4911-8218-b098c180f1d5" providerId="ADAL" clId="{150E4E09-492C-4431-8F1D-BB1F0170AB8D}" dt="2020-05-10T12:54:53.827" v="930" actId="1076"/>
+          <ac:chgData name="Andres Penuela-Fernandez" userId="26693260-5f72-4911-8218-b098c180f1d5" providerId="ADAL" clId="{150E4E09-492C-4431-8F1D-BB1F0170AB8D}" dt="2020-05-21T10:43:05.492" v="1363"/>
           <ac:spMkLst>
             <pc:docMk/>
             <pc:sldMk cId="3128699872" sldId="262"/>
@@ -882,7 +1881,7 @@
           </ac:spMkLst>
         </pc:spChg>
         <pc:spChg chg="add mod">
-          <ac:chgData name="Andres Penuela-Fernandez" userId="26693260-5f72-4911-8218-b098c180f1d5" providerId="ADAL" clId="{150E4E09-492C-4431-8F1D-BB1F0170AB8D}" dt="2020-05-10T09:02:24.944" v="399"/>
+          <ac:chgData name="Andres Penuela-Fernandez" userId="26693260-5f72-4911-8218-b098c180f1d5" providerId="ADAL" clId="{150E4E09-492C-4431-8F1D-BB1F0170AB8D}" dt="2020-05-21T10:43:05.492" v="1363"/>
           <ac:spMkLst>
             <pc:docMk/>
             <pc:sldMk cId="3128699872" sldId="262"/>
@@ -890,7 +1889,7 @@
           </ac:spMkLst>
         </pc:spChg>
         <pc:spChg chg="add mod">
-          <ac:chgData name="Andres Penuela-Fernandez" userId="26693260-5f72-4911-8218-b098c180f1d5" providerId="ADAL" clId="{150E4E09-492C-4431-8F1D-BB1F0170AB8D}" dt="2020-05-10T10:12:07.926" v="518" actId="1076"/>
+          <ac:chgData name="Andres Penuela-Fernandez" userId="26693260-5f72-4911-8218-b098c180f1d5" providerId="ADAL" clId="{150E4E09-492C-4431-8F1D-BB1F0170AB8D}" dt="2020-05-21T10:43:05.492" v="1363"/>
           <ac:spMkLst>
             <pc:docMk/>
             <pc:sldMk cId="3128699872" sldId="262"/>
@@ -906,7 +1905,7 @@
           </ac:spMkLst>
         </pc:spChg>
         <pc:spChg chg="add mod">
-          <ac:chgData name="Andres Penuela-Fernandez" userId="26693260-5f72-4911-8218-b098c180f1d5" providerId="ADAL" clId="{150E4E09-492C-4431-8F1D-BB1F0170AB8D}" dt="2020-05-10T10:14:28.629" v="531" actId="1076"/>
+          <ac:chgData name="Andres Penuela-Fernandez" userId="26693260-5f72-4911-8218-b098c180f1d5" providerId="ADAL" clId="{150E4E09-492C-4431-8F1D-BB1F0170AB8D}" dt="2020-05-21T10:43:05.492" v="1363"/>
           <ac:spMkLst>
             <pc:docMk/>
             <pc:sldMk cId="3128699872" sldId="262"/>
@@ -914,7 +1913,7 @@
           </ac:spMkLst>
         </pc:spChg>
         <pc:spChg chg="add mod">
-          <ac:chgData name="Andres Penuela-Fernandez" userId="26693260-5f72-4911-8218-b098c180f1d5" providerId="ADAL" clId="{150E4E09-492C-4431-8F1D-BB1F0170AB8D}" dt="2020-05-10T10:43:42.352" v="679" actId="1076"/>
+          <ac:chgData name="Andres Penuela-Fernandez" userId="26693260-5f72-4911-8218-b098c180f1d5" providerId="ADAL" clId="{150E4E09-492C-4431-8F1D-BB1F0170AB8D}" dt="2020-05-21T10:43:05.492" v="1363"/>
           <ac:spMkLst>
             <pc:docMk/>
             <pc:sldMk cId="3128699872" sldId="262"/>
@@ -922,15 +1921,15 @@
           </ac:spMkLst>
         </pc:spChg>
         <pc:spChg chg="add mod">
-          <ac:chgData name="Andres Penuela-Fernandez" userId="26693260-5f72-4911-8218-b098c180f1d5" providerId="ADAL" clId="{150E4E09-492C-4431-8F1D-BB1F0170AB8D}" dt="2020-05-10T10:43:51.838" v="680" actId="14100"/>
+          <ac:chgData name="Andres Penuela-Fernandez" userId="26693260-5f72-4911-8218-b098c180f1d5" providerId="ADAL" clId="{150E4E09-492C-4431-8F1D-BB1F0170AB8D}" dt="2020-05-21T10:43:05.492" v="1363"/>
           <ac:spMkLst>
             <pc:docMk/>
             <pc:sldMk cId="3128699872" sldId="262"/>
             <ac:spMk id="19" creationId="{75084465-DCA5-4F6B-B1ED-935791DB3C33}"/>
           </ac:spMkLst>
         </pc:spChg>
-        <pc:spChg chg="add mod">
-          <ac:chgData name="Andres Penuela-Fernandez" userId="26693260-5f72-4911-8218-b098c180f1d5" providerId="ADAL" clId="{150E4E09-492C-4431-8F1D-BB1F0170AB8D}" dt="2020-05-10T12:54:05.313" v="924" actId="368"/>
+        <pc:spChg chg="add del mod">
+          <ac:chgData name="Andres Penuela-Fernandez" userId="26693260-5f72-4911-8218-b098c180f1d5" providerId="ADAL" clId="{150E4E09-492C-4431-8F1D-BB1F0170AB8D}" dt="2020-05-21T18:54:32.243" v="1393" actId="478"/>
           <ac:spMkLst>
             <pc:docMk/>
             <pc:sldMk cId="3128699872" sldId="262"/>
@@ -970,7 +1969,7 @@
           </ac:spMkLst>
         </pc:spChg>
         <pc:spChg chg="add mod">
-          <ac:chgData name="Andres Penuela-Fernandez" userId="26693260-5f72-4911-8218-b098c180f1d5" providerId="ADAL" clId="{150E4E09-492C-4431-8F1D-BB1F0170AB8D}" dt="2020-05-10T16:14:31.171" v="1000" actId="20577"/>
+          <ac:chgData name="Andres Penuela-Fernandez" userId="26693260-5f72-4911-8218-b098c180f1d5" providerId="ADAL" clId="{150E4E09-492C-4431-8F1D-BB1F0170AB8D}" dt="2020-05-21T10:43:05.492" v="1363"/>
           <ac:spMkLst>
             <pc:docMk/>
             <pc:sldMk cId="3128699872" sldId="262"/>
@@ -978,7 +1977,7 @@
           </ac:spMkLst>
         </pc:spChg>
         <pc:spChg chg="add mod">
-          <ac:chgData name="Andres Penuela-Fernandez" userId="26693260-5f72-4911-8218-b098c180f1d5" providerId="ADAL" clId="{150E4E09-492C-4431-8F1D-BB1F0170AB8D}" dt="2020-05-10T10:43:39.772" v="678" actId="14100"/>
+          <ac:chgData name="Andres Penuela-Fernandez" userId="26693260-5f72-4911-8218-b098c180f1d5" providerId="ADAL" clId="{150E4E09-492C-4431-8F1D-BB1F0170AB8D}" dt="2020-05-21T10:43:05.492" v="1363"/>
           <ac:spMkLst>
             <pc:docMk/>
             <pc:sldMk cId="3128699872" sldId="262"/>
@@ -993,8 +1992,16 @@
             <ac:picMk id="2" creationId="{01E0DDCB-685F-4381-9B49-C4B69667DCA4}"/>
           </ac:picMkLst>
         </pc:picChg>
-        <pc:picChg chg="add mod modCrop">
-          <ac:chgData name="Andres Penuela-Fernandez" userId="26693260-5f72-4911-8218-b098c180f1d5" providerId="ADAL" clId="{150E4E09-492C-4431-8F1D-BB1F0170AB8D}" dt="2020-05-11T12:07:36.456" v="1235" actId="1076"/>
+        <pc:picChg chg="add mod ord modCrop">
+          <ac:chgData name="Andres Penuela-Fernandez" userId="26693260-5f72-4911-8218-b098c180f1d5" providerId="ADAL" clId="{150E4E09-492C-4431-8F1D-BB1F0170AB8D}" dt="2020-05-21T18:54:14.614" v="1392" actId="1076"/>
+          <ac:picMkLst>
+            <pc:docMk/>
+            <pc:sldMk cId="3128699872" sldId="262"/>
+            <ac:picMk id="2" creationId="{DF2D9515-10EF-47D0-9291-861500103BB5}"/>
+          </ac:picMkLst>
+        </pc:picChg>
+        <pc:picChg chg="add del mod modCrop">
+          <ac:chgData name="Andres Penuela-Fernandez" userId="26693260-5f72-4911-8218-b098c180f1d5" providerId="ADAL" clId="{150E4E09-492C-4431-8F1D-BB1F0170AB8D}" dt="2020-05-21T18:54:00.649" v="1388" actId="478"/>
           <ac:picMkLst>
             <pc:docMk/>
             <pc:sldMk cId="3128699872" sldId="262"/>
@@ -1034,8 +2041,8 @@
           </ac:cxnSpMkLst>
         </pc:cxnChg>
       </pc:sldChg>
-      <pc:sldChg chg="addSp delSp modSp new mod">
-        <pc:chgData name="Andres Penuela-Fernandez" userId="26693260-5f72-4911-8218-b098c180f1d5" providerId="ADAL" clId="{150E4E09-492C-4431-8F1D-BB1F0170AB8D}" dt="2020-05-11T17:33:01.644" v="1242" actId="478"/>
+      <pc:sldChg chg="addSp delSp modSp new mod ord">
+        <pc:chgData name="Andres Penuela-Fernandez" userId="26693260-5f72-4911-8218-b098c180f1d5" providerId="ADAL" clId="{150E4E09-492C-4431-8F1D-BB1F0170AB8D}" dt="2020-05-21T10:43:05.492" v="1363"/>
         <pc:sldMkLst>
           <pc:docMk/>
           <pc:sldMk cId="2928199836" sldId="263"/>
@@ -1056,12 +2063,20 @@
             <ac:spMk id="3" creationId="{9115CB0B-A2FC-4148-8C29-8F29E2A4BD55}"/>
           </ac:spMkLst>
         </pc:spChg>
-        <pc:picChg chg="add mod">
-          <ac:chgData name="Andres Penuela-Fernandez" userId="26693260-5f72-4911-8218-b098c180f1d5" providerId="ADAL" clId="{150E4E09-492C-4431-8F1D-BB1F0170AB8D}" dt="2020-05-10T09:49:35.765" v="434" actId="1076"/>
+        <pc:picChg chg="add del mod">
+          <ac:chgData name="Andres Penuela-Fernandez" userId="26693260-5f72-4911-8218-b098c180f1d5" providerId="ADAL" clId="{150E4E09-492C-4431-8F1D-BB1F0170AB8D}" dt="2020-05-20T11:13:50.259" v="1277" actId="478"/>
           <ac:picMkLst>
             <pc:docMk/>
             <pc:sldMk cId="2928199836" sldId="263"/>
             <ac:picMk id="4" creationId="{2CA3F82E-93B2-4864-882E-620D4EDC3902}"/>
+          </ac:picMkLst>
+        </pc:picChg>
+        <pc:picChg chg="add mod">
+          <ac:chgData name="Andres Penuela-Fernandez" userId="26693260-5f72-4911-8218-b098c180f1d5" providerId="ADAL" clId="{150E4E09-492C-4431-8F1D-BB1F0170AB8D}" dt="2020-05-21T10:43:05.492" v="1363"/>
+          <ac:picMkLst>
+            <pc:docMk/>
+            <pc:sldMk cId="2928199836" sldId="263"/>
+            <ac:picMk id="1026" creationId="{1A0B9F74-19E7-442D-ACE3-9342D3E9AB3B}"/>
           </ac:picMkLst>
         </pc:picChg>
         <pc:picChg chg="add del">
@@ -1072,8 +2087,8 @@
             <ac:picMk id="1026" creationId="{F7E8C065-134F-4A85-BA19-01B1AD49071D}"/>
           </ac:picMkLst>
         </pc:picChg>
-        <pc:picChg chg="add mod">
-          <ac:chgData name="Andres Penuela-Fernandez" userId="26693260-5f72-4911-8218-b098c180f1d5" providerId="ADAL" clId="{150E4E09-492C-4431-8F1D-BB1F0170AB8D}" dt="2020-05-10T09:49:45.732" v="437" actId="1076"/>
+        <pc:picChg chg="add del mod">
+          <ac:chgData name="Andres Penuela-Fernandez" userId="26693260-5f72-4911-8218-b098c180f1d5" providerId="ADAL" clId="{150E4E09-492C-4431-8F1D-BB1F0170AB8D}" dt="2020-05-20T11:13:49.493" v="1276" actId="478"/>
           <ac:picMkLst>
             <pc:docMk/>
             <pc:sldMk cId="2928199836" sldId="263"/>
@@ -1090,7 +2105,7 @@
         </pc:picChg>
       </pc:sldChg>
       <pc:sldChg chg="addSp delSp modSp new mod modAnim">
-        <pc:chgData name="Andres Penuela-Fernandez" userId="26693260-5f72-4911-8218-b098c180f1d5" providerId="ADAL" clId="{150E4E09-492C-4431-8F1D-BB1F0170AB8D}" dt="2020-05-16T18:52:37.659" v="1261" actId="21"/>
+        <pc:chgData name="Andres Penuela-Fernandez" userId="26693260-5f72-4911-8218-b098c180f1d5" providerId="ADAL" clId="{150E4E09-492C-4431-8F1D-BB1F0170AB8D}" dt="2020-05-21T10:43:05.492" v="1363"/>
         <pc:sldMkLst>
           <pc:docMk/>
           <pc:sldMk cId="2655506590" sldId="264"/>
@@ -1112,7 +2127,7 @@
           </ac:spMkLst>
         </pc:spChg>
         <pc:spChg chg="add mod">
-          <ac:chgData name="Andres Penuela-Fernandez" userId="26693260-5f72-4911-8218-b098c180f1d5" providerId="ADAL" clId="{150E4E09-492C-4431-8F1D-BB1F0170AB8D}" dt="2020-05-10T10:23:13.357" v="600" actId="1076"/>
+          <ac:chgData name="Andres Penuela-Fernandez" userId="26693260-5f72-4911-8218-b098c180f1d5" providerId="ADAL" clId="{150E4E09-492C-4431-8F1D-BB1F0170AB8D}" dt="2020-05-21T10:43:05.492" v="1363"/>
           <ac:spMkLst>
             <pc:docMk/>
             <pc:sldMk cId="2655506590" sldId="264"/>
@@ -1144,7 +2159,7 @@
           </ac:spMkLst>
         </pc:spChg>
         <pc:spChg chg="add mod">
-          <ac:chgData name="Andres Penuela-Fernandez" userId="26693260-5f72-4911-8218-b098c180f1d5" providerId="ADAL" clId="{150E4E09-492C-4431-8F1D-BB1F0170AB8D}" dt="2020-05-10T10:23:57.368" v="604" actId="14100"/>
+          <ac:chgData name="Andres Penuela-Fernandez" userId="26693260-5f72-4911-8218-b098c180f1d5" providerId="ADAL" clId="{150E4E09-492C-4431-8F1D-BB1F0170AB8D}" dt="2020-05-21T10:43:05.492" v="1363"/>
           <ac:spMkLst>
             <pc:docMk/>
             <pc:sldMk cId="2655506590" sldId="264"/>
@@ -1152,7 +2167,7 @@
           </ac:spMkLst>
         </pc:spChg>
         <pc:spChg chg="add mod">
-          <ac:chgData name="Andres Penuela-Fernandez" userId="26693260-5f72-4911-8218-b098c180f1d5" providerId="ADAL" clId="{150E4E09-492C-4431-8F1D-BB1F0170AB8D}" dt="2020-05-10T10:26:10.901" v="610"/>
+          <ac:chgData name="Andres Penuela-Fernandez" userId="26693260-5f72-4911-8218-b098c180f1d5" providerId="ADAL" clId="{150E4E09-492C-4431-8F1D-BB1F0170AB8D}" dt="2020-05-21T10:43:05.492" v="1363"/>
           <ac:spMkLst>
             <pc:docMk/>
             <pc:sldMk cId="2655506590" sldId="264"/>
@@ -1160,7 +2175,7 @@
           </ac:spMkLst>
         </pc:spChg>
         <pc:spChg chg="add mod">
-          <ac:chgData name="Andres Penuela-Fernandez" userId="26693260-5f72-4911-8218-b098c180f1d5" providerId="ADAL" clId="{150E4E09-492C-4431-8F1D-BB1F0170AB8D}" dt="2020-05-10T11:26:15.298" v="684" actId="14861"/>
+          <ac:chgData name="Andres Penuela-Fernandez" userId="26693260-5f72-4911-8218-b098c180f1d5" providerId="ADAL" clId="{150E4E09-492C-4431-8F1D-BB1F0170AB8D}" dt="2020-05-21T10:43:05.492" v="1363"/>
           <ac:spMkLst>
             <pc:docMk/>
             <pc:sldMk cId="2655506590" sldId="264"/>
@@ -1168,7 +2183,7 @@
           </ac:spMkLst>
         </pc:spChg>
         <pc:spChg chg="add mod">
-          <ac:chgData name="Andres Penuela-Fernandez" userId="26693260-5f72-4911-8218-b098c180f1d5" providerId="ADAL" clId="{150E4E09-492C-4431-8F1D-BB1F0170AB8D}" dt="2020-05-10T10:27:10.005" v="623" actId="207"/>
+          <ac:chgData name="Andres Penuela-Fernandez" userId="26693260-5f72-4911-8218-b098c180f1d5" providerId="ADAL" clId="{150E4E09-492C-4431-8F1D-BB1F0170AB8D}" dt="2020-05-21T10:43:05.492" v="1363"/>
           <ac:spMkLst>
             <pc:docMk/>
             <pc:sldMk cId="2655506590" sldId="264"/>
@@ -1176,7 +2191,7 @@
           </ac:spMkLst>
         </pc:spChg>
         <pc:spChg chg="add mod">
-          <ac:chgData name="Andres Penuela-Fernandez" userId="26693260-5f72-4911-8218-b098c180f1d5" providerId="ADAL" clId="{150E4E09-492C-4431-8F1D-BB1F0170AB8D}" dt="2020-05-10T11:26:23.186" v="685" actId="14861"/>
+          <ac:chgData name="Andres Penuela-Fernandez" userId="26693260-5f72-4911-8218-b098c180f1d5" providerId="ADAL" clId="{150E4E09-492C-4431-8F1D-BB1F0170AB8D}" dt="2020-05-21T10:43:05.492" v="1363"/>
           <ac:spMkLst>
             <pc:docMk/>
             <pc:sldMk cId="2655506590" sldId="264"/>
@@ -1184,7 +2199,7 @@
           </ac:spMkLst>
         </pc:spChg>
         <pc:spChg chg="add mod">
-          <ac:chgData name="Andres Penuela-Fernandez" userId="26693260-5f72-4911-8218-b098c180f1d5" providerId="ADAL" clId="{150E4E09-492C-4431-8F1D-BB1F0170AB8D}" dt="2020-05-10T10:29:47.310" v="658" actId="1076"/>
+          <ac:chgData name="Andres Penuela-Fernandez" userId="26693260-5f72-4911-8218-b098c180f1d5" providerId="ADAL" clId="{150E4E09-492C-4431-8F1D-BB1F0170AB8D}" dt="2020-05-21T10:43:05.492" v="1363"/>
           <ac:spMkLst>
             <pc:docMk/>
             <pc:sldMk cId="2655506590" sldId="264"/>
@@ -1192,7 +2207,7 @@
           </ac:spMkLst>
         </pc:spChg>
         <pc:spChg chg="add mod">
-          <ac:chgData name="Andres Penuela-Fernandez" userId="26693260-5f72-4911-8218-b098c180f1d5" providerId="ADAL" clId="{150E4E09-492C-4431-8F1D-BB1F0170AB8D}" dt="2020-05-10T10:23:51.959" v="603" actId="14100"/>
+          <ac:chgData name="Andres Penuela-Fernandez" userId="26693260-5f72-4911-8218-b098c180f1d5" providerId="ADAL" clId="{150E4E09-492C-4431-8F1D-BB1F0170AB8D}" dt="2020-05-21T10:43:05.492" v="1363"/>
           <ac:spMkLst>
             <pc:docMk/>
             <pc:sldMk cId="2655506590" sldId="264"/>
@@ -1200,7 +2215,7 @@
           </ac:spMkLst>
         </pc:spChg>
         <pc:spChg chg="add mod">
-          <ac:chgData name="Andres Penuela-Fernandez" userId="26693260-5f72-4911-8218-b098c180f1d5" providerId="ADAL" clId="{150E4E09-492C-4431-8F1D-BB1F0170AB8D}" dt="2020-05-10T10:28:59.431" v="655" actId="1076"/>
+          <ac:chgData name="Andres Penuela-Fernandez" userId="26693260-5f72-4911-8218-b098c180f1d5" providerId="ADAL" clId="{150E4E09-492C-4431-8F1D-BB1F0170AB8D}" dt="2020-05-21T10:43:05.492" v="1363"/>
           <ac:spMkLst>
             <pc:docMk/>
             <pc:sldMk cId="2655506590" sldId="264"/>
@@ -1208,7 +2223,7 @@
           </ac:spMkLst>
         </pc:spChg>
         <pc:spChg chg="add mod">
-          <ac:chgData name="Andres Penuela-Fernandez" userId="26693260-5f72-4911-8218-b098c180f1d5" providerId="ADAL" clId="{150E4E09-492C-4431-8F1D-BB1F0170AB8D}" dt="2020-05-10T10:27:32.750" v="635" actId="1076"/>
+          <ac:chgData name="Andres Penuela-Fernandez" userId="26693260-5f72-4911-8218-b098c180f1d5" providerId="ADAL" clId="{150E4E09-492C-4431-8F1D-BB1F0170AB8D}" dt="2020-05-21T10:43:05.492" v="1363"/>
           <ac:spMkLst>
             <pc:docMk/>
             <pc:sldMk cId="2655506590" sldId="264"/>
@@ -1216,7 +2231,7 @@
           </ac:spMkLst>
         </pc:spChg>
         <pc:spChg chg="add mod">
-          <ac:chgData name="Andres Penuela-Fernandez" userId="26693260-5f72-4911-8218-b098c180f1d5" providerId="ADAL" clId="{150E4E09-492C-4431-8F1D-BB1F0170AB8D}" dt="2020-05-10T10:28:20.564" v="654" actId="1076"/>
+          <ac:chgData name="Andres Penuela-Fernandez" userId="26693260-5f72-4911-8218-b098c180f1d5" providerId="ADAL" clId="{150E4E09-492C-4431-8F1D-BB1F0170AB8D}" dt="2020-05-21T10:43:05.492" v="1363"/>
           <ac:spMkLst>
             <pc:docMk/>
             <pc:sldMk cId="2655506590" sldId="264"/>
@@ -1256,7 +2271,7 @@
           </ac:picMkLst>
         </pc:picChg>
         <pc:picChg chg="add del mod modCrop">
-          <ac:chgData name="Andres Penuela-Fernandez" userId="26693260-5f72-4911-8218-b098c180f1d5" providerId="ADAL" clId="{150E4E09-492C-4431-8F1D-BB1F0170AB8D}" dt="2020-05-10T10:28:15.457" v="653" actId="1076"/>
+          <ac:chgData name="Andres Penuela-Fernandez" userId="26693260-5f72-4911-8218-b098c180f1d5" providerId="ADAL" clId="{150E4E09-492C-4431-8F1D-BB1F0170AB8D}" dt="2020-05-21T10:43:05.492" v="1363"/>
           <ac:picMkLst>
             <pc:docMk/>
             <pc:sldMk cId="2655506590" sldId="264"/>
@@ -1304,13 +2319,21 @@
         </pc:picChg>
       </pc:sldChg>
       <pc:sldChg chg="addSp delSp modSp add mod addAnim delAnim modAnim">
-        <pc:chgData name="Andres Penuela-Fernandez" userId="26693260-5f72-4911-8218-b098c180f1d5" providerId="ADAL" clId="{150E4E09-492C-4431-8F1D-BB1F0170AB8D}" dt="2020-05-11T10:55:32.626" v="1198" actId="1076"/>
+        <pc:chgData name="Andres Penuela-Fernandez" userId="26693260-5f72-4911-8218-b098c180f1d5" providerId="ADAL" clId="{150E4E09-492C-4431-8F1D-BB1F0170AB8D}" dt="2020-05-23T13:09:27.075" v="1417" actId="1076"/>
         <pc:sldMkLst>
           <pc:docMk/>
           <pc:sldMk cId="4105040030" sldId="266"/>
         </pc:sldMkLst>
         <pc:spChg chg="mod">
-          <ac:chgData name="Andres Penuela-Fernandez" userId="26693260-5f72-4911-8218-b098c180f1d5" providerId="ADAL" clId="{150E4E09-492C-4431-8F1D-BB1F0170AB8D}" dt="2020-05-11T10:35:31.190" v="1080" actId="1076"/>
+          <ac:chgData name="Andres Penuela-Fernandez" userId="26693260-5f72-4911-8218-b098c180f1d5" providerId="ADAL" clId="{150E4E09-492C-4431-8F1D-BB1F0170AB8D}" dt="2020-05-21T10:43:05.492" v="1363"/>
+          <ac:spMkLst>
+            <pc:docMk/>
+            <pc:sldMk cId="4105040030" sldId="266"/>
+            <ac:spMk id="4" creationId="{A1A941B3-5F96-49B2-BA05-250E41BC2C4C}"/>
+          </ac:spMkLst>
+        </pc:spChg>
+        <pc:spChg chg="mod">
+          <ac:chgData name="Andres Penuela-Fernandez" userId="26693260-5f72-4911-8218-b098c180f1d5" providerId="ADAL" clId="{150E4E09-492C-4431-8F1D-BB1F0170AB8D}" dt="2020-05-23T13:08:12.867" v="1396" actId="20577"/>
           <ac:spMkLst>
             <pc:docMk/>
             <pc:sldMk cId="4105040030" sldId="266"/>
@@ -1325,6 +2348,14 @@
             <ac:spMk id="6" creationId="{8E1989F0-A3EE-4095-A45F-67521BC25A1F}"/>
           </ac:spMkLst>
         </pc:spChg>
+        <pc:spChg chg="mod">
+          <ac:chgData name="Andres Penuela-Fernandez" userId="26693260-5f72-4911-8218-b098c180f1d5" providerId="ADAL" clId="{150E4E09-492C-4431-8F1D-BB1F0170AB8D}" dt="2020-05-21T10:43:05.492" v="1363"/>
+          <ac:spMkLst>
+            <pc:docMk/>
+            <pc:sldMk cId="4105040030" sldId="266"/>
+            <ac:spMk id="8" creationId="{7B042F47-1059-4D6E-B5E5-FA9889B7A9CC}"/>
+          </ac:spMkLst>
+        </pc:spChg>
         <pc:spChg chg="del">
           <ac:chgData name="Andres Penuela-Fernandez" userId="26693260-5f72-4911-8218-b098c180f1d5" providerId="ADAL" clId="{150E4E09-492C-4431-8F1D-BB1F0170AB8D}" dt="2020-05-11T10:33:15.639" v="1021" actId="478"/>
           <ac:spMkLst>
@@ -1341,6 +2372,14 @@
             <ac:spMk id="10" creationId="{6461C14E-70A7-4BB2-A918-6ACE34B021D9}"/>
           </ac:spMkLst>
         </pc:spChg>
+        <pc:spChg chg="mod">
+          <ac:chgData name="Andres Penuela-Fernandez" userId="26693260-5f72-4911-8218-b098c180f1d5" providerId="ADAL" clId="{150E4E09-492C-4431-8F1D-BB1F0170AB8D}" dt="2020-05-21T10:43:05.492" v="1363"/>
+          <ac:spMkLst>
+            <pc:docMk/>
+            <pc:sldMk cId="4105040030" sldId="266"/>
+            <ac:spMk id="11" creationId="{4C0DDE01-F6E4-435D-875E-79B3CCCC8A0B}"/>
+          </ac:spMkLst>
+        </pc:spChg>
         <pc:spChg chg="del">
           <ac:chgData name="Andres Penuela-Fernandez" userId="26693260-5f72-4911-8218-b098c180f1d5" providerId="ADAL" clId="{150E4E09-492C-4431-8F1D-BB1F0170AB8D}" dt="2020-05-11T10:32:45.796" v="1011" actId="478"/>
           <ac:spMkLst>
@@ -1350,7 +2389,7 @@
           </ac:spMkLst>
         </pc:spChg>
         <pc:spChg chg="mod">
-          <ac:chgData name="Andres Penuela-Fernandez" userId="26693260-5f72-4911-8218-b098c180f1d5" providerId="ADAL" clId="{150E4E09-492C-4431-8F1D-BB1F0170AB8D}" dt="2020-05-11T10:33:12.639" v="1020" actId="1076"/>
+          <ac:chgData name="Andres Penuela-Fernandez" userId="26693260-5f72-4911-8218-b098c180f1d5" providerId="ADAL" clId="{150E4E09-492C-4431-8F1D-BB1F0170AB8D}" dt="2020-05-23T13:08:18.700" v="1399" actId="20577"/>
           <ac:spMkLst>
             <pc:docMk/>
             <pc:sldMk cId="4105040030" sldId="266"/>
@@ -1358,7 +2397,23 @@
           </ac:spMkLst>
         </pc:spChg>
         <pc:spChg chg="mod">
-          <ac:chgData name="Andres Penuela-Fernandez" userId="26693260-5f72-4911-8218-b098c180f1d5" providerId="ADAL" clId="{150E4E09-492C-4431-8F1D-BB1F0170AB8D}" dt="2020-05-11T10:36:44.320" v="1113" actId="1076"/>
+          <ac:chgData name="Andres Penuela-Fernandez" userId="26693260-5f72-4911-8218-b098c180f1d5" providerId="ADAL" clId="{150E4E09-492C-4431-8F1D-BB1F0170AB8D}" dt="2020-05-21T10:43:05.492" v="1363"/>
+          <ac:spMkLst>
+            <pc:docMk/>
+            <pc:sldMk cId="4105040030" sldId="266"/>
+            <ac:spMk id="14" creationId="{31428B88-108C-406E-89D9-BB3F7C86A22A}"/>
+          </ac:spMkLst>
+        </pc:spChg>
+        <pc:spChg chg="add del mod">
+          <ac:chgData name="Andres Penuela-Fernandez" userId="26693260-5f72-4911-8218-b098c180f1d5" providerId="ADAL" clId="{150E4E09-492C-4431-8F1D-BB1F0170AB8D}" dt="2020-05-23T13:08:41.064" v="1405"/>
+          <ac:spMkLst>
+            <pc:docMk/>
+            <pc:sldMk cId="4105040030" sldId="266"/>
+            <ac:spMk id="15" creationId="{B4CB73EF-5B92-474E-AB6F-9EBA91C339C6}"/>
+          </ac:spMkLst>
+        </pc:spChg>
+        <pc:spChg chg="mod">
+          <ac:chgData name="Andres Penuela-Fernandez" userId="26693260-5f72-4911-8218-b098c180f1d5" providerId="ADAL" clId="{150E4E09-492C-4431-8F1D-BB1F0170AB8D}" dt="2020-05-21T10:43:05.492" v="1363"/>
           <ac:spMkLst>
             <pc:docMk/>
             <pc:sldMk cId="4105040030" sldId="266"/>
@@ -1366,13 +2421,21 @@
           </ac:spMkLst>
         </pc:spChg>
         <pc:spChg chg="mod">
-          <ac:chgData name="Andres Penuela-Fernandez" userId="26693260-5f72-4911-8218-b098c180f1d5" providerId="ADAL" clId="{150E4E09-492C-4431-8F1D-BB1F0170AB8D}" dt="2020-05-11T10:36:48.304" v="1114" actId="1076"/>
+          <ac:chgData name="Andres Penuela-Fernandez" userId="26693260-5f72-4911-8218-b098c180f1d5" providerId="ADAL" clId="{150E4E09-492C-4431-8F1D-BB1F0170AB8D}" dt="2020-05-21T10:43:05.492" v="1363"/>
           <ac:spMkLst>
             <pc:docMk/>
             <pc:sldMk cId="4105040030" sldId="266"/>
             <ac:spMk id="17" creationId="{15389957-0FCB-48EC-837C-12570ABA9DC1}"/>
           </ac:spMkLst>
         </pc:spChg>
+        <pc:spChg chg="add del mod">
+          <ac:chgData name="Andres Penuela-Fernandez" userId="26693260-5f72-4911-8218-b098c180f1d5" providerId="ADAL" clId="{150E4E09-492C-4431-8F1D-BB1F0170AB8D}" dt="2020-05-23T13:08:41.064" v="1405"/>
+          <ac:spMkLst>
+            <pc:docMk/>
+            <pc:sldMk cId="4105040030" sldId="266"/>
+            <ac:spMk id="18" creationId="{E30F611D-C942-4424-B27E-0C5E4725EC3F}"/>
+          </ac:spMkLst>
+        </pc:spChg>
         <pc:spChg chg="add del">
           <ac:chgData name="Andres Penuela-Fernandez" userId="26693260-5f72-4911-8218-b098c180f1d5" providerId="ADAL" clId="{150E4E09-492C-4431-8F1D-BB1F0170AB8D}" dt="2020-05-11T10:55:04.324" v="1192" actId="478"/>
           <ac:spMkLst>
@@ -1381,6 +2444,14 @@
             <ac:spMk id="19" creationId="{75084465-DCA5-4F6B-B1ED-935791DB3C33}"/>
           </ac:spMkLst>
         </pc:spChg>
+        <pc:spChg chg="add del mod">
+          <ac:chgData name="Andres Penuela-Fernandez" userId="26693260-5f72-4911-8218-b098c180f1d5" providerId="ADAL" clId="{150E4E09-492C-4431-8F1D-BB1F0170AB8D}" dt="2020-05-23T13:08:41.064" v="1405"/>
+          <ac:spMkLst>
+            <pc:docMk/>
+            <pc:sldMk cId="4105040030" sldId="266"/>
+            <ac:spMk id="19" creationId="{E628CC49-2A64-4A5D-8B66-1CC97DEB5504}"/>
+          </ac:spMkLst>
+        </pc:spChg>
         <pc:spChg chg="add del">
           <ac:chgData name="Andres Penuela-Fernandez" userId="26693260-5f72-4911-8218-b098c180f1d5" providerId="ADAL" clId="{150E4E09-492C-4431-8F1D-BB1F0170AB8D}" dt="2020-05-11T10:35:09.160" v="1078" actId="478"/>
           <ac:spMkLst>
@@ -1389,20 +2460,100 @@
             <ac:spMk id="20" creationId="{BD0F9DF7-6584-4E85-A661-2246C430150B}"/>
           </ac:spMkLst>
         </pc:spChg>
+        <pc:spChg chg="add del mod">
+          <ac:chgData name="Andres Penuela-Fernandez" userId="26693260-5f72-4911-8218-b098c180f1d5" providerId="ADAL" clId="{150E4E09-492C-4431-8F1D-BB1F0170AB8D}" dt="2020-05-23T13:08:41.064" v="1405"/>
+          <ac:spMkLst>
+            <pc:docMk/>
+            <pc:sldMk cId="4105040030" sldId="266"/>
+            <ac:spMk id="20" creationId="{F41EAABC-B06A-4341-9130-D2A376C3E935}"/>
+          </ac:spMkLst>
+        </pc:spChg>
+        <pc:spChg chg="add del mod">
+          <ac:chgData name="Andres Penuela-Fernandez" userId="26693260-5f72-4911-8218-b098c180f1d5" providerId="ADAL" clId="{150E4E09-492C-4431-8F1D-BB1F0170AB8D}" dt="2020-05-23T13:08:41.064" v="1405"/>
+          <ac:spMkLst>
+            <pc:docMk/>
+            <pc:sldMk cId="4105040030" sldId="266"/>
+            <ac:spMk id="21" creationId="{706539D4-0CA6-47C0-822C-9261293E8B18}"/>
+          </ac:spMkLst>
+        </pc:spChg>
+        <pc:spChg chg="add del mod">
+          <ac:chgData name="Andres Penuela-Fernandez" userId="26693260-5f72-4911-8218-b098c180f1d5" providerId="ADAL" clId="{150E4E09-492C-4431-8F1D-BB1F0170AB8D}" dt="2020-05-23T13:08:41.064" v="1405"/>
+          <ac:spMkLst>
+            <pc:docMk/>
+            <pc:sldMk cId="4105040030" sldId="266"/>
+            <ac:spMk id="22" creationId="{C840A4C7-254F-4C69-AC2B-E8F60E3C4A9F}"/>
+          </ac:spMkLst>
+        </pc:spChg>
+        <pc:spChg chg="add del mod">
+          <ac:chgData name="Andres Penuela-Fernandez" userId="26693260-5f72-4911-8218-b098c180f1d5" providerId="ADAL" clId="{150E4E09-492C-4431-8F1D-BB1F0170AB8D}" dt="2020-05-23T13:08:41.064" v="1405"/>
+          <ac:spMkLst>
+            <pc:docMk/>
+            <pc:sldMk cId="4105040030" sldId="266"/>
+            <ac:spMk id="23" creationId="{731B8087-BA1F-492F-A2B9-B10C8DDC4832}"/>
+          </ac:spMkLst>
+        </pc:spChg>
+        <pc:spChg chg="add del mod">
+          <ac:chgData name="Andres Penuela-Fernandez" userId="26693260-5f72-4911-8218-b098c180f1d5" providerId="ADAL" clId="{150E4E09-492C-4431-8F1D-BB1F0170AB8D}" dt="2020-05-23T13:08:41.064" v="1405"/>
+          <ac:spMkLst>
+            <pc:docMk/>
+            <pc:sldMk cId="4105040030" sldId="266"/>
+            <ac:spMk id="24" creationId="{DC0F774B-7B33-4ACF-83D8-E0A8BF92FE62}"/>
+          </ac:spMkLst>
+        </pc:spChg>
+        <pc:spChg chg="add del mod">
+          <ac:chgData name="Andres Penuela-Fernandez" userId="26693260-5f72-4911-8218-b098c180f1d5" providerId="ADAL" clId="{150E4E09-492C-4431-8F1D-BB1F0170AB8D}" dt="2020-05-23T13:08:41.064" v="1405"/>
+          <ac:spMkLst>
+            <pc:docMk/>
+            <pc:sldMk cId="4105040030" sldId="266"/>
+            <ac:spMk id="25" creationId="{621571E2-1233-41FF-97A2-6C8771D3E240}"/>
+          </ac:spMkLst>
+        </pc:spChg>
+        <pc:spChg chg="add del mod">
+          <ac:chgData name="Andres Penuela-Fernandez" userId="26693260-5f72-4911-8218-b098c180f1d5" providerId="ADAL" clId="{150E4E09-492C-4431-8F1D-BB1F0170AB8D}" dt="2020-05-23T13:08:41.064" v="1405"/>
+          <ac:spMkLst>
+            <pc:docMk/>
+            <pc:sldMk cId="4105040030" sldId="266"/>
+            <ac:spMk id="26" creationId="{DF4DDF96-73F7-45D0-A736-9C32B686F3CB}"/>
+          </ac:spMkLst>
+        </pc:spChg>
         <pc:spChg chg="mod">
-          <ac:chgData name="Andres Penuela-Fernandez" userId="26693260-5f72-4911-8218-b098c180f1d5" providerId="ADAL" clId="{150E4E09-492C-4431-8F1D-BB1F0170AB8D}" dt="2020-05-11T10:34:20.806" v="1069" actId="20577"/>
+          <ac:chgData name="Andres Penuela-Fernandez" userId="26693260-5f72-4911-8218-b098c180f1d5" providerId="ADAL" clId="{150E4E09-492C-4431-8F1D-BB1F0170AB8D}" dt="2020-05-21T10:43:05.492" v="1363"/>
           <ac:spMkLst>
             <pc:docMk/>
             <pc:sldMk cId="4105040030" sldId="266"/>
             <ac:spMk id="34" creationId="{4405910D-3AA0-4C7D-BA6C-1876E470D898}"/>
           </ac:spMkLst>
         </pc:spChg>
+        <pc:spChg chg="mod">
+          <ac:chgData name="Andres Penuela-Fernandez" userId="26693260-5f72-4911-8218-b098c180f1d5" providerId="ADAL" clId="{150E4E09-492C-4431-8F1D-BB1F0170AB8D}" dt="2020-05-21T10:43:05.492" v="1363"/>
+          <ac:spMkLst>
+            <pc:docMk/>
+            <pc:sldMk cId="4105040030" sldId="266"/>
+            <ac:spMk id="1024" creationId="{CB3083F4-5E52-4ED5-93FB-C804E21A1301}"/>
+          </ac:spMkLst>
+        </pc:spChg>
+        <pc:picChg chg="add mod">
+          <ac:chgData name="Andres Penuela-Fernandez" userId="26693260-5f72-4911-8218-b098c180f1d5" providerId="ADAL" clId="{150E4E09-492C-4431-8F1D-BB1F0170AB8D}" dt="2020-05-23T13:09:04.353" v="1408" actId="1076"/>
+          <ac:picMkLst>
+            <pc:docMk/>
+            <pc:sldMk cId="4105040030" sldId="266"/>
+            <ac:picMk id="2" creationId="{A0894B47-B54E-438C-9056-8468D17E343E}"/>
+          </ac:picMkLst>
+        </pc:picChg>
         <pc:picChg chg="add del">
           <ac:chgData name="Andres Penuela-Fernandez" userId="26693260-5f72-4911-8218-b098c180f1d5" providerId="ADAL" clId="{150E4E09-492C-4431-8F1D-BB1F0170AB8D}" dt="2020-05-11T10:53:44.597" v="1178"/>
           <ac:picMkLst>
             <pc:docMk/>
             <pc:sldMk cId="4105040030" sldId="266"/>
             <ac:picMk id="2" creationId="{CB4B086A-D820-4563-A34A-6FB256B0ECA6}"/>
+          </ac:picMkLst>
+        </pc:picChg>
+        <pc:picChg chg="add mod modCrop">
+          <ac:chgData name="Andres Penuela-Fernandez" userId="26693260-5f72-4911-8218-b098c180f1d5" providerId="ADAL" clId="{150E4E09-492C-4431-8F1D-BB1F0170AB8D}" dt="2020-05-23T13:09:27.075" v="1417" actId="1076"/>
+          <ac:picMkLst>
+            <pc:docMk/>
+            <pc:sldMk cId="4105040030" sldId="266"/>
+            <ac:picMk id="3" creationId="{0537ADAC-6401-41AB-9FB7-DA3D66C58EF9}"/>
           </ac:picMkLst>
         </pc:picChg>
         <pc:picChg chg="add del mod modCrop">
@@ -1413,8 +2564,8 @@
             <ac:picMk id="3" creationId="{4713E716-CF24-4818-8CA3-0E210697F56E}"/>
           </ac:picMkLst>
         </pc:picChg>
-        <pc:picChg chg="add mod modCrop">
-          <ac:chgData name="Andres Penuela-Fernandez" userId="26693260-5f72-4911-8218-b098c180f1d5" providerId="ADAL" clId="{150E4E09-492C-4431-8F1D-BB1F0170AB8D}" dt="2020-05-11T10:55:32.626" v="1198" actId="1076"/>
+        <pc:picChg chg="add del mod modCrop">
+          <ac:chgData name="Andres Penuela-Fernandez" userId="26693260-5f72-4911-8218-b098c180f1d5" providerId="ADAL" clId="{150E4E09-492C-4431-8F1D-BB1F0170AB8D}" dt="2020-05-23T13:08:29.844" v="1401" actId="478"/>
           <ac:picMkLst>
             <pc:docMk/>
             <pc:sldMk cId="4105040030" sldId="266"/>
@@ -1423,11 +2574,35 @@
         </pc:picChg>
       </pc:sldChg>
       <pc:sldChg chg="addSp delSp modSp add mod modTransition delAnim modAnim">
-        <pc:chgData name="Andres Penuela-Fernandez" userId="26693260-5f72-4911-8218-b098c180f1d5" providerId="ADAL" clId="{150E4E09-492C-4431-8F1D-BB1F0170AB8D}" dt="2020-05-11T10:49:36.635" v="1173"/>
+        <pc:chgData name="Andres Penuela-Fernandez" userId="26693260-5f72-4911-8218-b098c180f1d5" providerId="ADAL" clId="{150E4E09-492C-4431-8F1D-BB1F0170AB8D}" dt="2020-05-21T10:43:05.492" v="1363"/>
         <pc:sldMkLst>
           <pc:docMk/>
           <pc:sldMk cId="2711089319" sldId="267"/>
         </pc:sldMkLst>
+        <pc:spChg chg="mod">
+          <ac:chgData name="Andres Penuela-Fernandez" userId="26693260-5f72-4911-8218-b098c180f1d5" providerId="ADAL" clId="{150E4E09-492C-4431-8F1D-BB1F0170AB8D}" dt="2020-05-21T10:43:05.492" v="1363"/>
+          <ac:spMkLst>
+            <pc:docMk/>
+            <pc:sldMk cId="2711089319" sldId="267"/>
+            <ac:spMk id="4" creationId="{A1A941B3-5F96-49B2-BA05-250E41BC2C4C}"/>
+          </ac:spMkLst>
+        </pc:spChg>
+        <pc:spChg chg="mod">
+          <ac:chgData name="Andres Penuela-Fernandez" userId="26693260-5f72-4911-8218-b098c180f1d5" providerId="ADAL" clId="{150E4E09-492C-4431-8F1D-BB1F0170AB8D}" dt="2020-05-21T10:43:05.492" v="1363"/>
+          <ac:spMkLst>
+            <pc:docMk/>
+            <pc:sldMk cId="2711089319" sldId="267"/>
+            <ac:spMk id="5" creationId="{AF7AC00F-048B-4718-B554-EF40D1F40C33}"/>
+          </ac:spMkLst>
+        </pc:spChg>
+        <pc:spChg chg="mod">
+          <ac:chgData name="Andres Penuela-Fernandez" userId="26693260-5f72-4911-8218-b098c180f1d5" providerId="ADAL" clId="{150E4E09-492C-4431-8F1D-BB1F0170AB8D}" dt="2020-05-21T10:43:05.492" v="1363"/>
+          <ac:spMkLst>
+            <pc:docMk/>
+            <pc:sldMk cId="2711089319" sldId="267"/>
+            <ac:spMk id="6" creationId="{8E1989F0-A3EE-4095-A45F-67521BC25A1F}"/>
+          </ac:spMkLst>
+        </pc:spChg>
         <pc:spChg chg="del">
           <ac:chgData name="Andres Penuela-Fernandez" userId="26693260-5f72-4911-8218-b098c180f1d5" providerId="ADAL" clId="{150E4E09-492C-4431-8F1D-BB1F0170AB8D}" dt="2020-05-11T10:48:01.198" v="1166" actId="478"/>
           <ac:spMkLst>
@@ -1436,12 +2611,84 @@
             <ac:spMk id="8" creationId="{7B042F47-1059-4D6E-B5E5-FA9889B7A9CC}"/>
           </ac:spMkLst>
         </pc:spChg>
+        <pc:spChg chg="mod">
+          <ac:chgData name="Andres Penuela-Fernandez" userId="26693260-5f72-4911-8218-b098c180f1d5" providerId="ADAL" clId="{150E4E09-492C-4431-8F1D-BB1F0170AB8D}" dt="2020-05-21T10:43:05.492" v="1363"/>
+          <ac:spMkLst>
+            <pc:docMk/>
+            <pc:sldMk cId="2711089319" sldId="267"/>
+            <ac:spMk id="10" creationId="{6461C14E-70A7-4BB2-A918-6ACE34B021D9}"/>
+          </ac:spMkLst>
+        </pc:spChg>
+        <pc:spChg chg="mod">
+          <ac:chgData name="Andres Penuela-Fernandez" userId="26693260-5f72-4911-8218-b098c180f1d5" providerId="ADAL" clId="{150E4E09-492C-4431-8F1D-BB1F0170AB8D}" dt="2020-05-21T10:43:05.492" v="1363"/>
+          <ac:spMkLst>
+            <pc:docMk/>
+            <pc:sldMk cId="2711089319" sldId="267"/>
+            <ac:spMk id="11" creationId="{4C0DDE01-F6E4-435D-875E-79B3CCCC8A0B}"/>
+          </ac:spMkLst>
+        </pc:spChg>
+        <pc:spChg chg="mod">
+          <ac:chgData name="Andres Penuela-Fernandez" userId="26693260-5f72-4911-8218-b098c180f1d5" providerId="ADAL" clId="{150E4E09-492C-4431-8F1D-BB1F0170AB8D}" dt="2020-05-21T10:43:05.492" v="1363"/>
+          <ac:spMkLst>
+            <pc:docMk/>
+            <pc:sldMk cId="2711089319" sldId="267"/>
+            <ac:spMk id="13" creationId="{D6A0BCBB-5E7E-4D4E-9BA1-C3FAB5F9AB97}"/>
+          </ac:spMkLst>
+        </pc:spChg>
+        <pc:spChg chg="mod">
+          <ac:chgData name="Andres Penuela-Fernandez" userId="26693260-5f72-4911-8218-b098c180f1d5" providerId="ADAL" clId="{150E4E09-492C-4431-8F1D-BB1F0170AB8D}" dt="2020-05-21T10:43:05.492" v="1363"/>
+          <ac:spMkLst>
+            <pc:docMk/>
+            <pc:sldMk cId="2711089319" sldId="267"/>
+            <ac:spMk id="14" creationId="{31428B88-108C-406E-89D9-BB3F7C86A22A}"/>
+          </ac:spMkLst>
+        </pc:spChg>
         <pc:spChg chg="add mod">
-          <ac:chgData name="Andres Penuela-Fernandez" userId="26693260-5f72-4911-8218-b098c180f1d5" providerId="ADAL" clId="{150E4E09-492C-4431-8F1D-BB1F0170AB8D}" dt="2020-05-11T10:48:01.716" v="1167"/>
+          <ac:chgData name="Andres Penuela-Fernandez" userId="26693260-5f72-4911-8218-b098c180f1d5" providerId="ADAL" clId="{150E4E09-492C-4431-8F1D-BB1F0170AB8D}" dt="2020-05-21T10:43:05.492" v="1363"/>
           <ac:spMkLst>
             <pc:docMk/>
             <pc:sldMk cId="2711089319" sldId="267"/>
             <ac:spMk id="15" creationId="{3D87278E-BCA0-40F7-88FC-120A3AD85D36}"/>
+          </ac:spMkLst>
+        </pc:spChg>
+        <pc:spChg chg="mod">
+          <ac:chgData name="Andres Penuela-Fernandez" userId="26693260-5f72-4911-8218-b098c180f1d5" providerId="ADAL" clId="{150E4E09-492C-4431-8F1D-BB1F0170AB8D}" dt="2020-05-21T10:43:05.492" v="1363"/>
+          <ac:spMkLst>
+            <pc:docMk/>
+            <pc:sldMk cId="2711089319" sldId="267"/>
+            <ac:spMk id="16" creationId="{3EDD548B-6F05-48F5-B886-0D93F7864327}"/>
+          </ac:spMkLst>
+        </pc:spChg>
+        <pc:spChg chg="mod">
+          <ac:chgData name="Andres Penuela-Fernandez" userId="26693260-5f72-4911-8218-b098c180f1d5" providerId="ADAL" clId="{150E4E09-492C-4431-8F1D-BB1F0170AB8D}" dt="2020-05-21T10:43:05.492" v="1363"/>
+          <ac:spMkLst>
+            <pc:docMk/>
+            <pc:sldMk cId="2711089319" sldId="267"/>
+            <ac:spMk id="17" creationId="{15389957-0FCB-48EC-837C-12570ABA9DC1}"/>
+          </ac:spMkLst>
+        </pc:spChg>
+        <pc:spChg chg="mod">
+          <ac:chgData name="Andres Penuela-Fernandez" userId="26693260-5f72-4911-8218-b098c180f1d5" providerId="ADAL" clId="{150E4E09-492C-4431-8F1D-BB1F0170AB8D}" dt="2020-05-21T10:43:05.492" v="1363"/>
+          <ac:spMkLst>
+            <pc:docMk/>
+            <pc:sldMk cId="2711089319" sldId="267"/>
+            <ac:spMk id="19" creationId="{75084465-DCA5-4F6B-B1ED-935791DB3C33}"/>
+          </ac:spMkLst>
+        </pc:spChg>
+        <pc:spChg chg="mod">
+          <ac:chgData name="Andres Penuela-Fernandez" userId="26693260-5f72-4911-8218-b098c180f1d5" providerId="ADAL" clId="{150E4E09-492C-4431-8F1D-BB1F0170AB8D}" dt="2020-05-21T10:43:05.492" v="1363"/>
+          <ac:spMkLst>
+            <pc:docMk/>
+            <pc:sldMk cId="2711089319" sldId="267"/>
+            <ac:spMk id="34" creationId="{4405910D-3AA0-4C7D-BA6C-1876E470D898}"/>
+          </ac:spMkLst>
+        </pc:spChg>
+        <pc:spChg chg="mod">
+          <ac:chgData name="Andres Penuela-Fernandez" userId="26693260-5f72-4911-8218-b098c180f1d5" providerId="ADAL" clId="{150E4E09-492C-4431-8F1D-BB1F0170AB8D}" dt="2020-05-21T10:43:05.492" v="1363"/>
+          <ac:spMkLst>
+            <pc:docMk/>
+            <pc:sldMk cId="2711089319" sldId="267"/>
+            <ac:spMk id="1024" creationId="{CB3083F4-5E52-4ED5-93FB-C804E21A1301}"/>
           </ac:spMkLst>
         </pc:spChg>
       </pc:sldChg>
@@ -1483,19 +2730,227 @@
           <pc:sldMk cId="3071756839" sldId="269"/>
         </pc:sldMkLst>
       </pc:sldChg>
-      <pc:sldChg chg="add">
-        <pc:chgData name="Andres Penuela-Fernandez" userId="26693260-5f72-4911-8218-b098c180f1d5" providerId="ADAL" clId="{150E4E09-492C-4431-8F1D-BB1F0170AB8D}" dt="2020-05-11T10:45:53.212" v="1154"/>
+      <pc:sldChg chg="modSp add">
+        <pc:chgData name="Andres Penuela-Fernandez" userId="26693260-5f72-4911-8218-b098c180f1d5" providerId="ADAL" clId="{150E4E09-492C-4431-8F1D-BB1F0170AB8D}" dt="2020-05-21T10:43:05.492" v="1363"/>
         <pc:sldMkLst>
           <pc:docMk/>
           <pc:sldMk cId="3178617893" sldId="269"/>
         </pc:sldMkLst>
+        <pc:spChg chg="mod">
+          <ac:chgData name="Andres Penuela-Fernandez" userId="26693260-5f72-4911-8218-b098c180f1d5" providerId="ADAL" clId="{150E4E09-492C-4431-8F1D-BB1F0170AB8D}" dt="2020-05-21T10:43:05.492" v="1363"/>
+          <ac:spMkLst>
+            <pc:docMk/>
+            <pc:sldMk cId="3178617893" sldId="269"/>
+            <ac:spMk id="4" creationId="{A1A941B3-5F96-49B2-BA05-250E41BC2C4C}"/>
+          </ac:spMkLst>
+        </pc:spChg>
+        <pc:spChg chg="mod">
+          <ac:chgData name="Andres Penuela-Fernandez" userId="26693260-5f72-4911-8218-b098c180f1d5" providerId="ADAL" clId="{150E4E09-492C-4431-8F1D-BB1F0170AB8D}" dt="2020-05-21T10:43:05.492" v="1363"/>
+          <ac:spMkLst>
+            <pc:docMk/>
+            <pc:sldMk cId="3178617893" sldId="269"/>
+            <ac:spMk id="5" creationId="{AF7AC00F-048B-4718-B554-EF40D1F40C33}"/>
+          </ac:spMkLst>
+        </pc:spChg>
+        <pc:spChg chg="mod">
+          <ac:chgData name="Andres Penuela-Fernandez" userId="26693260-5f72-4911-8218-b098c180f1d5" providerId="ADAL" clId="{150E4E09-492C-4431-8F1D-BB1F0170AB8D}" dt="2020-05-21T10:43:05.492" v="1363"/>
+          <ac:spMkLst>
+            <pc:docMk/>
+            <pc:sldMk cId="3178617893" sldId="269"/>
+            <ac:spMk id="6" creationId="{8E1989F0-A3EE-4095-A45F-67521BC25A1F}"/>
+          </ac:spMkLst>
+        </pc:spChg>
+        <pc:spChg chg="mod">
+          <ac:chgData name="Andres Penuela-Fernandez" userId="26693260-5f72-4911-8218-b098c180f1d5" providerId="ADAL" clId="{150E4E09-492C-4431-8F1D-BB1F0170AB8D}" dt="2020-05-21T10:43:05.492" v="1363"/>
+          <ac:spMkLst>
+            <pc:docMk/>
+            <pc:sldMk cId="3178617893" sldId="269"/>
+            <ac:spMk id="8" creationId="{7B042F47-1059-4D6E-B5E5-FA9889B7A9CC}"/>
+          </ac:spMkLst>
+        </pc:spChg>
+        <pc:spChg chg="mod">
+          <ac:chgData name="Andres Penuela-Fernandez" userId="26693260-5f72-4911-8218-b098c180f1d5" providerId="ADAL" clId="{150E4E09-492C-4431-8F1D-BB1F0170AB8D}" dt="2020-05-21T10:43:05.492" v="1363"/>
+          <ac:spMkLst>
+            <pc:docMk/>
+            <pc:sldMk cId="3178617893" sldId="269"/>
+            <ac:spMk id="10" creationId="{6461C14E-70A7-4BB2-A918-6ACE34B021D9}"/>
+          </ac:spMkLst>
+        </pc:spChg>
+        <pc:spChg chg="mod">
+          <ac:chgData name="Andres Penuela-Fernandez" userId="26693260-5f72-4911-8218-b098c180f1d5" providerId="ADAL" clId="{150E4E09-492C-4431-8F1D-BB1F0170AB8D}" dt="2020-05-21T10:43:05.492" v="1363"/>
+          <ac:spMkLst>
+            <pc:docMk/>
+            <pc:sldMk cId="3178617893" sldId="269"/>
+            <ac:spMk id="11" creationId="{4C0DDE01-F6E4-435D-875E-79B3CCCC8A0B}"/>
+          </ac:spMkLst>
+        </pc:spChg>
+        <pc:spChg chg="mod">
+          <ac:chgData name="Andres Penuela-Fernandez" userId="26693260-5f72-4911-8218-b098c180f1d5" providerId="ADAL" clId="{150E4E09-492C-4431-8F1D-BB1F0170AB8D}" dt="2020-05-21T10:43:05.492" v="1363"/>
+          <ac:spMkLst>
+            <pc:docMk/>
+            <pc:sldMk cId="3178617893" sldId="269"/>
+            <ac:spMk id="13" creationId="{D6A0BCBB-5E7E-4D4E-9BA1-C3FAB5F9AB97}"/>
+          </ac:spMkLst>
+        </pc:spChg>
+        <pc:spChg chg="mod">
+          <ac:chgData name="Andres Penuela-Fernandez" userId="26693260-5f72-4911-8218-b098c180f1d5" providerId="ADAL" clId="{150E4E09-492C-4431-8F1D-BB1F0170AB8D}" dt="2020-05-21T10:43:05.492" v="1363"/>
+          <ac:spMkLst>
+            <pc:docMk/>
+            <pc:sldMk cId="3178617893" sldId="269"/>
+            <ac:spMk id="14" creationId="{31428B88-108C-406E-89D9-BB3F7C86A22A}"/>
+          </ac:spMkLst>
+        </pc:spChg>
+        <pc:spChg chg="mod">
+          <ac:chgData name="Andres Penuela-Fernandez" userId="26693260-5f72-4911-8218-b098c180f1d5" providerId="ADAL" clId="{150E4E09-492C-4431-8F1D-BB1F0170AB8D}" dt="2020-05-21T10:43:05.492" v="1363"/>
+          <ac:spMkLst>
+            <pc:docMk/>
+            <pc:sldMk cId="3178617893" sldId="269"/>
+            <ac:spMk id="16" creationId="{3EDD548B-6F05-48F5-B886-0D93F7864327}"/>
+          </ac:spMkLst>
+        </pc:spChg>
+        <pc:spChg chg="mod">
+          <ac:chgData name="Andres Penuela-Fernandez" userId="26693260-5f72-4911-8218-b098c180f1d5" providerId="ADAL" clId="{150E4E09-492C-4431-8F1D-BB1F0170AB8D}" dt="2020-05-21T10:43:05.492" v="1363"/>
+          <ac:spMkLst>
+            <pc:docMk/>
+            <pc:sldMk cId="3178617893" sldId="269"/>
+            <ac:spMk id="17" creationId="{15389957-0FCB-48EC-837C-12570ABA9DC1}"/>
+          </ac:spMkLst>
+        </pc:spChg>
+        <pc:spChg chg="mod">
+          <ac:chgData name="Andres Penuela-Fernandez" userId="26693260-5f72-4911-8218-b098c180f1d5" providerId="ADAL" clId="{150E4E09-492C-4431-8F1D-BB1F0170AB8D}" dt="2020-05-21T10:43:05.492" v="1363"/>
+          <ac:spMkLst>
+            <pc:docMk/>
+            <pc:sldMk cId="3178617893" sldId="269"/>
+            <ac:spMk id="19" creationId="{75084465-DCA5-4F6B-B1ED-935791DB3C33}"/>
+          </ac:spMkLst>
+        </pc:spChg>
+        <pc:spChg chg="mod">
+          <ac:chgData name="Andres Penuela-Fernandez" userId="26693260-5f72-4911-8218-b098c180f1d5" providerId="ADAL" clId="{150E4E09-492C-4431-8F1D-BB1F0170AB8D}" dt="2020-05-21T10:43:05.492" v="1363"/>
+          <ac:spMkLst>
+            <pc:docMk/>
+            <pc:sldMk cId="3178617893" sldId="269"/>
+            <ac:spMk id="34" creationId="{4405910D-3AA0-4C7D-BA6C-1876E470D898}"/>
+          </ac:spMkLst>
+        </pc:spChg>
+        <pc:spChg chg="mod">
+          <ac:chgData name="Andres Penuela-Fernandez" userId="26693260-5f72-4911-8218-b098c180f1d5" providerId="ADAL" clId="{150E4E09-492C-4431-8F1D-BB1F0170AB8D}" dt="2020-05-21T10:43:05.492" v="1363"/>
+          <ac:spMkLst>
+            <pc:docMk/>
+            <pc:sldMk cId="3178617893" sldId="269"/>
+            <ac:spMk id="1024" creationId="{CB3083F4-5E52-4ED5-93FB-C804E21A1301}"/>
+          </ac:spMkLst>
+        </pc:spChg>
       </pc:sldChg>
-      <pc:sldChg chg="add modTransition">
-        <pc:chgData name="Andres Penuela-Fernandez" userId="26693260-5f72-4911-8218-b098c180f1d5" providerId="ADAL" clId="{150E4E09-492C-4431-8F1D-BB1F0170AB8D}" dt="2020-05-11T10:49:46.351" v="1174"/>
+      <pc:sldChg chg="modSp add modTransition">
+        <pc:chgData name="Andres Penuela-Fernandez" userId="26693260-5f72-4911-8218-b098c180f1d5" providerId="ADAL" clId="{150E4E09-492C-4431-8F1D-BB1F0170AB8D}" dt="2020-05-21T10:43:05.492" v="1363"/>
         <pc:sldMkLst>
           <pc:docMk/>
           <pc:sldMk cId="2622771114" sldId="270"/>
         </pc:sldMkLst>
+        <pc:spChg chg="mod">
+          <ac:chgData name="Andres Penuela-Fernandez" userId="26693260-5f72-4911-8218-b098c180f1d5" providerId="ADAL" clId="{150E4E09-492C-4431-8F1D-BB1F0170AB8D}" dt="2020-05-21T10:43:05.492" v="1363"/>
+          <ac:spMkLst>
+            <pc:docMk/>
+            <pc:sldMk cId="2622771114" sldId="270"/>
+            <ac:spMk id="4" creationId="{A1A941B3-5F96-49B2-BA05-250E41BC2C4C}"/>
+          </ac:spMkLst>
+        </pc:spChg>
+        <pc:spChg chg="mod">
+          <ac:chgData name="Andres Penuela-Fernandez" userId="26693260-5f72-4911-8218-b098c180f1d5" providerId="ADAL" clId="{150E4E09-492C-4431-8F1D-BB1F0170AB8D}" dt="2020-05-21T10:43:05.492" v="1363"/>
+          <ac:spMkLst>
+            <pc:docMk/>
+            <pc:sldMk cId="2622771114" sldId="270"/>
+            <ac:spMk id="5" creationId="{AF7AC00F-048B-4718-B554-EF40D1F40C33}"/>
+          </ac:spMkLst>
+        </pc:spChg>
+        <pc:spChg chg="mod">
+          <ac:chgData name="Andres Penuela-Fernandez" userId="26693260-5f72-4911-8218-b098c180f1d5" providerId="ADAL" clId="{150E4E09-492C-4431-8F1D-BB1F0170AB8D}" dt="2020-05-21T10:43:05.492" v="1363"/>
+          <ac:spMkLst>
+            <pc:docMk/>
+            <pc:sldMk cId="2622771114" sldId="270"/>
+            <ac:spMk id="6" creationId="{8E1989F0-A3EE-4095-A45F-67521BC25A1F}"/>
+          </ac:spMkLst>
+        </pc:spChg>
+        <pc:spChg chg="mod">
+          <ac:chgData name="Andres Penuela-Fernandez" userId="26693260-5f72-4911-8218-b098c180f1d5" providerId="ADAL" clId="{150E4E09-492C-4431-8F1D-BB1F0170AB8D}" dt="2020-05-21T10:43:05.492" v="1363"/>
+          <ac:spMkLst>
+            <pc:docMk/>
+            <pc:sldMk cId="2622771114" sldId="270"/>
+            <ac:spMk id="8" creationId="{7B042F47-1059-4D6E-B5E5-FA9889B7A9CC}"/>
+          </ac:spMkLst>
+        </pc:spChg>
+        <pc:spChg chg="mod">
+          <ac:chgData name="Andres Penuela-Fernandez" userId="26693260-5f72-4911-8218-b098c180f1d5" providerId="ADAL" clId="{150E4E09-492C-4431-8F1D-BB1F0170AB8D}" dt="2020-05-21T10:43:05.492" v="1363"/>
+          <ac:spMkLst>
+            <pc:docMk/>
+            <pc:sldMk cId="2622771114" sldId="270"/>
+            <ac:spMk id="10" creationId="{6461C14E-70A7-4BB2-A918-6ACE34B021D9}"/>
+          </ac:spMkLst>
+        </pc:spChg>
+        <pc:spChg chg="mod">
+          <ac:chgData name="Andres Penuela-Fernandez" userId="26693260-5f72-4911-8218-b098c180f1d5" providerId="ADAL" clId="{150E4E09-492C-4431-8F1D-BB1F0170AB8D}" dt="2020-05-21T10:43:05.492" v="1363"/>
+          <ac:spMkLst>
+            <pc:docMk/>
+            <pc:sldMk cId="2622771114" sldId="270"/>
+            <ac:spMk id="11" creationId="{4C0DDE01-F6E4-435D-875E-79B3CCCC8A0B}"/>
+          </ac:spMkLst>
+        </pc:spChg>
+        <pc:spChg chg="mod">
+          <ac:chgData name="Andres Penuela-Fernandez" userId="26693260-5f72-4911-8218-b098c180f1d5" providerId="ADAL" clId="{150E4E09-492C-4431-8F1D-BB1F0170AB8D}" dt="2020-05-21T10:43:05.492" v="1363"/>
+          <ac:spMkLst>
+            <pc:docMk/>
+            <pc:sldMk cId="2622771114" sldId="270"/>
+            <ac:spMk id="13" creationId="{D6A0BCBB-5E7E-4D4E-9BA1-C3FAB5F9AB97}"/>
+          </ac:spMkLst>
+        </pc:spChg>
+        <pc:spChg chg="mod">
+          <ac:chgData name="Andres Penuela-Fernandez" userId="26693260-5f72-4911-8218-b098c180f1d5" providerId="ADAL" clId="{150E4E09-492C-4431-8F1D-BB1F0170AB8D}" dt="2020-05-21T10:43:05.492" v="1363"/>
+          <ac:spMkLst>
+            <pc:docMk/>
+            <pc:sldMk cId="2622771114" sldId="270"/>
+            <ac:spMk id="14" creationId="{31428B88-108C-406E-89D9-BB3F7C86A22A}"/>
+          </ac:spMkLst>
+        </pc:spChg>
+        <pc:spChg chg="mod">
+          <ac:chgData name="Andres Penuela-Fernandez" userId="26693260-5f72-4911-8218-b098c180f1d5" providerId="ADAL" clId="{150E4E09-492C-4431-8F1D-BB1F0170AB8D}" dt="2020-05-21T10:43:05.492" v="1363"/>
+          <ac:spMkLst>
+            <pc:docMk/>
+            <pc:sldMk cId="2622771114" sldId="270"/>
+            <ac:spMk id="16" creationId="{3EDD548B-6F05-48F5-B886-0D93F7864327}"/>
+          </ac:spMkLst>
+        </pc:spChg>
+        <pc:spChg chg="mod">
+          <ac:chgData name="Andres Penuela-Fernandez" userId="26693260-5f72-4911-8218-b098c180f1d5" providerId="ADAL" clId="{150E4E09-492C-4431-8F1D-BB1F0170AB8D}" dt="2020-05-21T10:43:05.492" v="1363"/>
+          <ac:spMkLst>
+            <pc:docMk/>
+            <pc:sldMk cId="2622771114" sldId="270"/>
+            <ac:spMk id="17" creationId="{15389957-0FCB-48EC-837C-12570ABA9DC1}"/>
+          </ac:spMkLst>
+        </pc:spChg>
+        <pc:spChg chg="mod">
+          <ac:chgData name="Andres Penuela-Fernandez" userId="26693260-5f72-4911-8218-b098c180f1d5" providerId="ADAL" clId="{150E4E09-492C-4431-8F1D-BB1F0170AB8D}" dt="2020-05-21T10:43:05.492" v="1363"/>
+          <ac:spMkLst>
+            <pc:docMk/>
+            <pc:sldMk cId="2622771114" sldId="270"/>
+            <ac:spMk id="19" creationId="{75084465-DCA5-4F6B-B1ED-935791DB3C33}"/>
+          </ac:spMkLst>
+        </pc:spChg>
+        <pc:spChg chg="mod">
+          <ac:chgData name="Andres Penuela-Fernandez" userId="26693260-5f72-4911-8218-b098c180f1d5" providerId="ADAL" clId="{150E4E09-492C-4431-8F1D-BB1F0170AB8D}" dt="2020-05-21T10:43:05.492" v="1363"/>
+          <ac:spMkLst>
+            <pc:docMk/>
+            <pc:sldMk cId="2622771114" sldId="270"/>
+            <ac:spMk id="34" creationId="{4405910D-3AA0-4C7D-BA6C-1876E470D898}"/>
+          </ac:spMkLst>
+        </pc:spChg>
+        <pc:spChg chg="mod">
+          <ac:chgData name="Andres Penuela-Fernandez" userId="26693260-5f72-4911-8218-b098c180f1d5" providerId="ADAL" clId="{150E4E09-492C-4431-8F1D-BB1F0170AB8D}" dt="2020-05-21T10:43:05.492" v="1363"/>
+          <ac:spMkLst>
+            <pc:docMk/>
+            <pc:sldMk cId="2622771114" sldId="270"/>
+            <ac:spMk id="1024" creationId="{CB3083F4-5E52-4ED5-93FB-C804E21A1301}"/>
+          </ac:spMkLst>
+        </pc:spChg>
       </pc:sldChg>
       <pc:sldChg chg="add del">
         <pc:chgData name="Andres Penuela-Fernandez" userId="26693260-5f72-4911-8218-b098c180f1d5" providerId="ADAL" clId="{150E4E09-492C-4431-8F1D-BB1F0170AB8D}" dt="2020-05-11T10:49:06.682" v="1169" actId="47"/>
@@ -1511,15 +2966,119 @@
           <pc:sldMk cId="2031579084" sldId="271"/>
         </pc:sldMkLst>
       </pc:sldChg>
-      <pc:sldChg chg="add modAnim">
-        <pc:chgData name="Andres Penuela-Fernandez" userId="26693260-5f72-4911-8218-b098c180f1d5" providerId="ADAL" clId="{150E4E09-492C-4431-8F1D-BB1F0170AB8D}" dt="2020-05-11T10:50:22.938" v="1176"/>
+      <pc:sldChg chg="modSp add modAnim">
+        <pc:chgData name="Andres Penuela-Fernandez" userId="26693260-5f72-4911-8218-b098c180f1d5" providerId="ADAL" clId="{150E4E09-492C-4431-8F1D-BB1F0170AB8D}" dt="2020-05-21T10:43:05.492" v="1363"/>
         <pc:sldMkLst>
           <pc:docMk/>
           <pc:sldMk cId="3821307322" sldId="271"/>
         </pc:sldMkLst>
+        <pc:spChg chg="mod">
+          <ac:chgData name="Andres Penuela-Fernandez" userId="26693260-5f72-4911-8218-b098c180f1d5" providerId="ADAL" clId="{150E4E09-492C-4431-8F1D-BB1F0170AB8D}" dt="2020-05-21T10:43:05.492" v="1363"/>
+          <ac:spMkLst>
+            <pc:docMk/>
+            <pc:sldMk cId="3821307322" sldId="271"/>
+            <ac:spMk id="4" creationId="{A1A941B3-5F96-49B2-BA05-250E41BC2C4C}"/>
+          </ac:spMkLst>
+        </pc:spChg>
+        <pc:spChg chg="mod">
+          <ac:chgData name="Andres Penuela-Fernandez" userId="26693260-5f72-4911-8218-b098c180f1d5" providerId="ADAL" clId="{150E4E09-492C-4431-8F1D-BB1F0170AB8D}" dt="2020-05-21T10:43:05.492" v="1363"/>
+          <ac:spMkLst>
+            <pc:docMk/>
+            <pc:sldMk cId="3821307322" sldId="271"/>
+            <ac:spMk id="5" creationId="{AF7AC00F-048B-4718-B554-EF40D1F40C33}"/>
+          </ac:spMkLst>
+        </pc:spChg>
+        <pc:spChg chg="mod">
+          <ac:chgData name="Andres Penuela-Fernandez" userId="26693260-5f72-4911-8218-b098c180f1d5" providerId="ADAL" clId="{150E4E09-492C-4431-8F1D-BB1F0170AB8D}" dt="2020-05-21T10:43:05.492" v="1363"/>
+          <ac:spMkLst>
+            <pc:docMk/>
+            <pc:sldMk cId="3821307322" sldId="271"/>
+            <ac:spMk id="6" creationId="{8E1989F0-A3EE-4095-A45F-67521BC25A1F}"/>
+          </ac:spMkLst>
+        </pc:spChg>
+        <pc:spChg chg="mod">
+          <ac:chgData name="Andres Penuela-Fernandez" userId="26693260-5f72-4911-8218-b098c180f1d5" providerId="ADAL" clId="{150E4E09-492C-4431-8F1D-BB1F0170AB8D}" dt="2020-05-21T10:43:05.492" v="1363"/>
+          <ac:spMkLst>
+            <pc:docMk/>
+            <pc:sldMk cId="3821307322" sldId="271"/>
+            <ac:spMk id="8" creationId="{7B042F47-1059-4D6E-B5E5-FA9889B7A9CC}"/>
+          </ac:spMkLst>
+        </pc:spChg>
+        <pc:spChg chg="mod">
+          <ac:chgData name="Andres Penuela-Fernandez" userId="26693260-5f72-4911-8218-b098c180f1d5" providerId="ADAL" clId="{150E4E09-492C-4431-8F1D-BB1F0170AB8D}" dt="2020-05-21T10:43:05.492" v="1363"/>
+          <ac:spMkLst>
+            <pc:docMk/>
+            <pc:sldMk cId="3821307322" sldId="271"/>
+            <ac:spMk id="10" creationId="{6461C14E-70A7-4BB2-A918-6ACE34B021D9}"/>
+          </ac:spMkLst>
+        </pc:spChg>
+        <pc:spChg chg="mod">
+          <ac:chgData name="Andres Penuela-Fernandez" userId="26693260-5f72-4911-8218-b098c180f1d5" providerId="ADAL" clId="{150E4E09-492C-4431-8F1D-BB1F0170AB8D}" dt="2020-05-21T10:43:05.492" v="1363"/>
+          <ac:spMkLst>
+            <pc:docMk/>
+            <pc:sldMk cId="3821307322" sldId="271"/>
+            <ac:spMk id="11" creationId="{4C0DDE01-F6E4-435D-875E-79B3CCCC8A0B}"/>
+          </ac:spMkLst>
+        </pc:spChg>
+        <pc:spChg chg="mod">
+          <ac:chgData name="Andres Penuela-Fernandez" userId="26693260-5f72-4911-8218-b098c180f1d5" providerId="ADAL" clId="{150E4E09-492C-4431-8F1D-BB1F0170AB8D}" dt="2020-05-21T10:43:05.492" v="1363"/>
+          <ac:spMkLst>
+            <pc:docMk/>
+            <pc:sldMk cId="3821307322" sldId="271"/>
+            <ac:spMk id="13" creationId="{D6A0BCBB-5E7E-4D4E-9BA1-C3FAB5F9AB97}"/>
+          </ac:spMkLst>
+        </pc:spChg>
+        <pc:spChg chg="mod">
+          <ac:chgData name="Andres Penuela-Fernandez" userId="26693260-5f72-4911-8218-b098c180f1d5" providerId="ADAL" clId="{150E4E09-492C-4431-8F1D-BB1F0170AB8D}" dt="2020-05-21T10:43:05.492" v="1363"/>
+          <ac:spMkLst>
+            <pc:docMk/>
+            <pc:sldMk cId="3821307322" sldId="271"/>
+            <ac:spMk id="14" creationId="{31428B88-108C-406E-89D9-BB3F7C86A22A}"/>
+          </ac:spMkLst>
+        </pc:spChg>
+        <pc:spChg chg="mod">
+          <ac:chgData name="Andres Penuela-Fernandez" userId="26693260-5f72-4911-8218-b098c180f1d5" providerId="ADAL" clId="{150E4E09-492C-4431-8F1D-BB1F0170AB8D}" dt="2020-05-21T10:43:05.492" v="1363"/>
+          <ac:spMkLst>
+            <pc:docMk/>
+            <pc:sldMk cId="3821307322" sldId="271"/>
+            <ac:spMk id="16" creationId="{3EDD548B-6F05-48F5-B886-0D93F7864327}"/>
+          </ac:spMkLst>
+        </pc:spChg>
+        <pc:spChg chg="mod">
+          <ac:chgData name="Andres Penuela-Fernandez" userId="26693260-5f72-4911-8218-b098c180f1d5" providerId="ADAL" clId="{150E4E09-492C-4431-8F1D-BB1F0170AB8D}" dt="2020-05-21T10:43:05.492" v="1363"/>
+          <ac:spMkLst>
+            <pc:docMk/>
+            <pc:sldMk cId="3821307322" sldId="271"/>
+            <ac:spMk id="17" creationId="{15389957-0FCB-48EC-837C-12570ABA9DC1}"/>
+          </ac:spMkLst>
+        </pc:spChg>
+        <pc:spChg chg="mod">
+          <ac:chgData name="Andres Penuela-Fernandez" userId="26693260-5f72-4911-8218-b098c180f1d5" providerId="ADAL" clId="{150E4E09-492C-4431-8F1D-BB1F0170AB8D}" dt="2020-05-21T10:43:05.492" v="1363"/>
+          <ac:spMkLst>
+            <pc:docMk/>
+            <pc:sldMk cId="3821307322" sldId="271"/>
+            <ac:spMk id="19" creationId="{75084465-DCA5-4F6B-B1ED-935791DB3C33}"/>
+          </ac:spMkLst>
+        </pc:spChg>
+        <pc:spChg chg="mod">
+          <ac:chgData name="Andres Penuela-Fernandez" userId="26693260-5f72-4911-8218-b098c180f1d5" providerId="ADAL" clId="{150E4E09-492C-4431-8F1D-BB1F0170AB8D}" dt="2020-05-21T10:43:05.492" v="1363"/>
+          <ac:spMkLst>
+            <pc:docMk/>
+            <pc:sldMk cId="3821307322" sldId="271"/>
+            <ac:spMk id="34" creationId="{4405910D-3AA0-4C7D-BA6C-1876E470D898}"/>
+          </ac:spMkLst>
+        </pc:spChg>
+        <pc:spChg chg="mod">
+          <ac:chgData name="Andres Penuela-Fernandez" userId="26693260-5f72-4911-8218-b098c180f1d5" providerId="ADAL" clId="{150E4E09-492C-4431-8F1D-BB1F0170AB8D}" dt="2020-05-21T10:43:05.492" v="1363"/>
+          <ac:spMkLst>
+            <pc:docMk/>
+            <pc:sldMk cId="3821307322" sldId="271"/>
+            <ac:spMk id="1024" creationId="{CB3083F4-5E52-4ED5-93FB-C804E21A1301}"/>
+          </ac:spMkLst>
+        </pc:spChg>
       </pc:sldChg>
       <pc:sldChg chg="addSp delSp modSp new mod delAnim modAnim">
-        <pc:chgData name="Andres Penuela-Fernandez" userId="26693260-5f72-4911-8218-b098c180f1d5" providerId="ADAL" clId="{150E4E09-492C-4431-8F1D-BB1F0170AB8D}" dt="2020-05-16T18:54:35.626" v="1275" actId="164"/>
+        <pc:chgData name="Andres Penuela-Fernandez" userId="26693260-5f72-4911-8218-b098c180f1d5" providerId="ADAL" clId="{150E4E09-492C-4431-8F1D-BB1F0170AB8D}" dt="2020-05-21T10:43:05.492" v="1363"/>
         <pc:sldMkLst>
           <pc:docMk/>
           <pc:sldMk cId="1247981119" sldId="272"/>
@@ -1541,7 +3100,7 @@
           </ac:spMkLst>
         </pc:spChg>
         <pc:spChg chg="add mod">
-          <ac:chgData name="Andres Penuela-Fernandez" userId="26693260-5f72-4911-8218-b098c180f1d5" providerId="ADAL" clId="{150E4E09-492C-4431-8F1D-BB1F0170AB8D}" dt="2020-05-16T18:54:35.626" v="1275" actId="164"/>
+          <ac:chgData name="Andres Penuela-Fernandez" userId="26693260-5f72-4911-8218-b098c180f1d5" providerId="ADAL" clId="{150E4E09-492C-4431-8F1D-BB1F0170AB8D}" dt="2020-05-21T10:43:05.492" v="1363"/>
           <ac:spMkLst>
             <pc:docMk/>
             <pc:sldMk cId="1247981119" sldId="272"/>
@@ -1549,7 +3108,7 @@
           </ac:spMkLst>
         </pc:spChg>
         <pc:spChg chg="add mod">
-          <ac:chgData name="Andres Penuela-Fernandez" userId="26693260-5f72-4911-8218-b098c180f1d5" providerId="ADAL" clId="{150E4E09-492C-4431-8F1D-BB1F0170AB8D}" dt="2020-05-16T18:54:35.626" v="1275" actId="164"/>
+          <ac:chgData name="Andres Penuela-Fernandez" userId="26693260-5f72-4911-8218-b098c180f1d5" providerId="ADAL" clId="{150E4E09-492C-4431-8F1D-BB1F0170AB8D}" dt="2020-05-21T10:43:05.492" v="1363"/>
           <ac:spMkLst>
             <pc:docMk/>
             <pc:sldMk cId="1247981119" sldId="272"/>
@@ -1557,7 +3116,7 @@
           </ac:spMkLst>
         </pc:spChg>
         <pc:spChg chg="add mod">
-          <ac:chgData name="Andres Penuela-Fernandez" userId="26693260-5f72-4911-8218-b098c180f1d5" providerId="ADAL" clId="{150E4E09-492C-4431-8F1D-BB1F0170AB8D}" dt="2020-05-16T18:54:35.626" v="1275" actId="164"/>
+          <ac:chgData name="Andres Penuela-Fernandez" userId="26693260-5f72-4911-8218-b098c180f1d5" providerId="ADAL" clId="{150E4E09-492C-4431-8F1D-BB1F0170AB8D}" dt="2020-05-21T10:43:05.492" v="1363"/>
           <ac:spMkLst>
             <pc:docMk/>
             <pc:sldMk cId="1247981119" sldId="272"/>
@@ -1565,7 +3124,7 @@
           </ac:spMkLst>
         </pc:spChg>
         <pc:spChg chg="add mod">
-          <ac:chgData name="Andres Penuela-Fernandez" userId="26693260-5f72-4911-8218-b098c180f1d5" providerId="ADAL" clId="{150E4E09-492C-4431-8F1D-BB1F0170AB8D}" dt="2020-05-16T18:54:35.626" v="1275" actId="164"/>
+          <ac:chgData name="Andres Penuela-Fernandez" userId="26693260-5f72-4911-8218-b098c180f1d5" providerId="ADAL" clId="{150E4E09-492C-4431-8F1D-BB1F0170AB8D}" dt="2020-05-21T10:43:05.492" v="1363"/>
           <ac:spMkLst>
             <pc:docMk/>
             <pc:sldMk cId="1247981119" sldId="272"/>
@@ -1589,7 +3148,7 @@
           </ac:spMkLst>
         </pc:spChg>
         <pc:spChg chg="add mod">
-          <ac:chgData name="Andres Penuela-Fernandez" userId="26693260-5f72-4911-8218-b098c180f1d5" providerId="ADAL" clId="{150E4E09-492C-4431-8F1D-BB1F0170AB8D}" dt="2020-05-16T18:54:35.626" v="1275" actId="164"/>
+          <ac:chgData name="Andres Penuela-Fernandez" userId="26693260-5f72-4911-8218-b098c180f1d5" providerId="ADAL" clId="{150E4E09-492C-4431-8F1D-BB1F0170AB8D}" dt="2020-05-21T10:43:05.492" v="1363"/>
           <ac:spMkLst>
             <pc:docMk/>
             <pc:sldMk cId="1247981119" sldId="272"/>
@@ -1597,7 +3156,7 @@
           </ac:spMkLst>
         </pc:spChg>
         <pc:grpChg chg="add mod">
-          <ac:chgData name="Andres Penuela-Fernandez" userId="26693260-5f72-4911-8218-b098c180f1d5" providerId="ADAL" clId="{150E4E09-492C-4431-8F1D-BB1F0170AB8D}" dt="2020-05-16T18:54:35.626" v="1275" actId="164"/>
+          <ac:chgData name="Andres Penuela-Fernandez" userId="26693260-5f72-4911-8218-b098c180f1d5" providerId="ADAL" clId="{150E4E09-492C-4431-8F1D-BB1F0170AB8D}" dt="2020-05-21T10:43:05.492" v="1363"/>
           <ac:grpSpMkLst>
             <pc:docMk/>
             <pc:sldMk cId="1247981119" sldId="272"/>
@@ -1605,7 +3164,7 @@
           </ac:grpSpMkLst>
         </pc:grpChg>
         <pc:picChg chg="add mod">
-          <ac:chgData name="Andres Penuela-Fernandez" userId="26693260-5f72-4911-8218-b098c180f1d5" providerId="ADAL" clId="{150E4E09-492C-4431-8F1D-BB1F0170AB8D}" dt="2020-05-16T18:54:35.626" v="1275" actId="164"/>
+          <ac:chgData name="Andres Penuela-Fernandez" userId="26693260-5f72-4911-8218-b098c180f1d5" providerId="ADAL" clId="{150E4E09-492C-4431-8F1D-BB1F0170AB8D}" dt="2020-05-21T10:43:05.492" v="1363"/>
           <ac:picMkLst>
             <pc:docMk/>
             <pc:sldMk cId="1247981119" sldId="272"/>
@@ -1613,6 +3172,460 @@
           </ac:picMkLst>
         </pc:picChg>
       </pc:sldChg>
+      <pc:sldChg chg="addSp delSp modSp new mod">
+        <pc:chgData name="Andres Penuela-Fernandez" userId="26693260-5f72-4911-8218-b098c180f1d5" providerId="ADAL" clId="{150E4E09-492C-4431-8F1D-BB1F0170AB8D}" dt="2020-05-21T10:43:05.492" v="1363"/>
+        <pc:sldMkLst>
+          <pc:docMk/>
+          <pc:sldMk cId="1448337255" sldId="273"/>
+        </pc:sldMkLst>
+        <pc:spChg chg="del">
+          <ac:chgData name="Andres Penuela-Fernandez" userId="26693260-5f72-4911-8218-b098c180f1d5" providerId="ADAL" clId="{150E4E09-492C-4431-8F1D-BB1F0170AB8D}" dt="2020-05-20T11:20:20.088" v="1281" actId="478"/>
+          <ac:spMkLst>
+            <pc:docMk/>
+            <pc:sldMk cId="1448337255" sldId="273"/>
+            <ac:spMk id="2" creationId="{814CD0E2-12EF-4470-9C9D-25F5BA6D9E23}"/>
+          </ac:spMkLst>
+        </pc:spChg>
+        <pc:spChg chg="del">
+          <ac:chgData name="Andres Penuela-Fernandez" userId="26693260-5f72-4911-8218-b098c180f1d5" providerId="ADAL" clId="{150E4E09-492C-4431-8F1D-BB1F0170AB8D}" dt="2020-05-20T11:20:18.934" v="1280" actId="478"/>
+          <ac:spMkLst>
+            <pc:docMk/>
+            <pc:sldMk cId="1448337255" sldId="273"/>
+            <ac:spMk id="3" creationId="{B83C295B-5A18-4AD3-B4CF-0B0359B8396A}"/>
+          </ac:spMkLst>
+        </pc:spChg>
+        <pc:picChg chg="add mod">
+          <ac:chgData name="Andres Penuela-Fernandez" userId="26693260-5f72-4911-8218-b098c180f1d5" providerId="ADAL" clId="{150E4E09-492C-4431-8F1D-BB1F0170AB8D}" dt="2020-05-21T10:43:05.492" v="1363"/>
+          <ac:picMkLst>
+            <pc:docMk/>
+            <pc:sldMk cId="1448337255" sldId="273"/>
+            <ac:picMk id="2050" creationId="{477C8B2D-A53D-4441-AC3A-35AA4C1E6C04}"/>
+          </ac:picMkLst>
+        </pc:picChg>
+      </pc:sldChg>
+      <pc:sldChg chg="new del">
+        <pc:chgData name="Andres Penuela-Fernandez" userId="26693260-5f72-4911-8218-b098c180f1d5" providerId="ADAL" clId="{150E4E09-492C-4431-8F1D-BB1F0170AB8D}" dt="2020-05-21T09:09:34.762" v="1287" actId="47"/>
+        <pc:sldMkLst>
+          <pc:docMk/>
+          <pc:sldMk cId="3139723108" sldId="274"/>
+        </pc:sldMkLst>
+      </pc:sldChg>
+      <pc:sldChg chg="addSp delSp modSp add del mod">
+        <pc:chgData name="Andres Penuela-Fernandez" userId="26693260-5f72-4911-8218-b098c180f1d5" providerId="ADAL" clId="{150E4E09-492C-4431-8F1D-BB1F0170AB8D}" dt="2020-05-21T10:40:56.397" v="1359" actId="47"/>
+        <pc:sldMkLst>
+          <pc:docMk/>
+          <pc:sldMk cId="2077074064" sldId="275"/>
+        </pc:sldMkLst>
+        <pc:picChg chg="add mod ord">
+          <ac:chgData name="Andres Penuela-Fernandez" userId="26693260-5f72-4911-8218-b098c180f1d5" providerId="ADAL" clId="{150E4E09-492C-4431-8F1D-BB1F0170AB8D}" dt="2020-05-21T09:10:09.634" v="1294" actId="962"/>
+          <ac:picMkLst>
+            <pc:docMk/>
+            <pc:sldMk cId="2077074064" sldId="275"/>
+            <ac:picMk id="3" creationId="{74658D40-A80A-4C85-AB07-31710A753243}"/>
+          </ac:picMkLst>
+        </pc:picChg>
+        <pc:picChg chg="del">
+          <ac:chgData name="Andres Penuela-Fernandez" userId="26693260-5f72-4911-8218-b098c180f1d5" providerId="ADAL" clId="{150E4E09-492C-4431-8F1D-BB1F0170AB8D}" dt="2020-05-21T09:09:37.262" v="1288" actId="478"/>
+          <ac:picMkLst>
+            <pc:docMk/>
+            <pc:sldMk cId="2077074064" sldId="275"/>
+            <ac:picMk id="6" creationId="{FC03C948-C843-437F-B8D0-19D5B2335D3D}"/>
+          </ac:picMkLst>
+        </pc:picChg>
+      </pc:sldChg>
+      <pc:sldChg chg="addSp delSp modSp add mod modAnim">
+        <pc:chgData name="Andres Penuela-Fernandez" userId="26693260-5f72-4911-8218-b098c180f1d5" providerId="ADAL" clId="{150E4E09-492C-4431-8F1D-BB1F0170AB8D}" dt="2020-05-21T10:43:05.492" v="1363"/>
+        <pc:sldMkLst>
+          <pc:docMk/>
+          <pc:sldMk cId="396955749" sldId="276"/>
+        </pc:sldMkLst>
+        <pc:spChg chg="mod">
+          <ac:chgData name="Andres Penuela-Fernandez" userId="26693260-5f72-4911-8218-b098c180f1d5" providerId="ADAL" clId="{150E4E09-492C-4431-8F1D-BB1F0170AB8D}" dt="2020-05-21T10:43:05.492" v="1363"/>
+          <ac:spMkLst>
+            <pc:docMk/>
+            <pc:sldMk cId="396955749" sldId="276"/>
+            <ac:spMk id="7" creationId="{11FEF672-478C-42C1-912D-CA2AFD880299}"/>
+          </ac:spMkLst>
+        </pc:spChg>
+        <pc:spChg chg="mod">
+          <ac:chgData name="Andres Penuela-Fernandez" userId="26693260-5f72-4911-8218-b098c180f1d5" providerId="ADAL" clId="{150E4E09-492C-4431-8F1D-BB1F0170AB8D}" dt="2020-05-21T10:43:05.492" v="1363"/>
+          <ac:spMkLst>
+            <pc:docMk/>
+            <pc:sldMk cId="396955749" sldId="276"/>
+            <ac:spMk id="14" creationId="{1080AE0D-4FD3-40B0-9B53-08B0696B062C}"/>
+          </ac:spMkLst>
+        </pc:spChg>
+        <pc:spChg chg="mod">
+          <ac:chgData name="Andres Penuela-Fernandez" userId="26693260-5f72-4911-8218-b098c180f1d5" providerId="ADAL" clId="{150E4E09-492C-4431-8F1D-BB1F0170AB8D}" dt="2020-05-21T10:43:05.492" v="1363"/>
+          <ac:spMkLst>
+            <pc:docMk/>
+            <pc:sldMk cId="396955749" sldId="276"/>
+            <ac:spMk id="15" creationId="{AAE3AA05-8A75-43CF-94F9-EA0D771B9ADC}"/>
+          </ac:spMkLst>
+        </pc:spChg>
+        <pc:spChg chg="mod">
+          <ac:chgData name="Andres Penuela-Fernandez" userId="26693260-5f72-4911-8218-b098c180f1d5" providerId="ADAL" clId="{150E4E09-492C-4431-8F1D-BB1F0170AB8D}" dt="2020-05-21T10:43:05.492" v="1363"/>
+          <ac:spMkLst>
+            <pc:docMk/>
+            <pc:sldMk cId="396955749" sldId="276"/>
+            <ac:spMk id="16" creationId="{6096CDA3-282B-4A97-A853-1C1CBAA633BC}"/>
+          </ac:spMkLst>
+        </pc:spChg>
+        <pc:spChg chg="mod">
+          <ac:chgData name="Andres Penuela-Fernandez" userId="26693260-5f72-4911-8218-b098c180f1d5" providerId="ADAL" clId="{150E4E09-492C-4431-8F1D-BB1F0170AB8D}" dt="2020-05-21T10:43:05.492" v="1363"/>
+          <ac:spMkLst>
+            <pc:docMk/>
+            <pc:sldMk cId="396955749" sldId="276"/>
+            <ac:spMk id="17" creationId="{B5AECEAF-E915-46A6-B96C-3C36EE4E35CC}"/>
+          </ac:spMkLst>
+        </pc:spChg>
+        <pc:spChg chg="mod">
+          <ac:chgData name="Andres Penuela-Fernandez" userId="26693260-5f72-4911-8218-b098c180f1d5" providerId="ADAL" clId="{150E4E09-492C-4431-8F1D-BB1F0170AB8D}" dt="2020-05-21T10:43:05.492" v="1363"/>
+          <ac:spMkLst>
+            <pc:docMk/>
+            <pc:sldMk cId="396955749" sldId="276"/>
+            <ac:spMk id="18" creationId="{D3B2CCCE-1D9F-4670-954E-A78415596338}"/>
+          </ac:spMkLst>
+        </pc:spChg>
+        <pc:spChg chg="mod">
+          <ac:chgData name="Andres Penuela-Fernandez" userId="26693260-5f72-4911-8218-b098c180f1d5" providerId="ADAL" clId="{150E4E09-492C-4431-8F1D-BB1F0170AB8D}" dt="2020-05-21T10:43:05.492" v="1363"/>
+          <ac:spMkLst>
+            <pc:docMk/>
+            <pc:sldMk cId="396955749" sldId="276"/>
+            <ac:spMk id="19" creationId="{F831E989-02A6-406B-A75B-252FC08534B2}"/>
+          </ac:spMkLst>
+        </pc:spChg>
+        <pc:spChg chg="mod">
+          <ac:chgData name="Andres Penuela-Fernandez" userId="26693260-5f72-4911-8218-b098c180f1d5" providerId="ADAL" clId="{150E4E09-492C-4431-8F1D-BB1F0170AB8D}" dt="2020-05-21T10:43:05.492" v="1363"/>
+          <ac:spMkLst>
+            <pc:docMk/>
+            <pc:sldMk cId="396955749" sldId="276"/>
+            <ac:spMk id="20" creationId="{72E38A7B-4281-40F8-92B3-A44AA3396760}"/>
+          </ac:spMkLst>
+        </pc:spChg>
+        <pc:spChg chg="mod">
+          <ac:chgData name="Andres Penuela-Fernandez" userId="26693260-5f72-4911-8218-b098c180f1d5" providerId="ADAL" clId="{150E4E09-492C-4431-8F1D-BB1F0170AB8D}" dt="2020-05-21T10:43:05.492" v="1363"/>
+          <ac:spMkLst>
+            <pc:docMk/>
+            <pc:sldMk cId="396955749" sldId="276"/>
+            <ac:spMk id="21" creationId="{C4C6B78E-D51D-4BC8-AE8B-B48D53776471}"/>
+          </ac:spMkLst>
+        </pc:spChg>
+        <pc:spChg chg="add del mod">
+          <ac:chgData name="Andres Penuela-Fernandez" userId="26693260-5f72-4911-8218-b098c180f1d5" providerId="ADAL" clId="{150E4E09-492C-4431-8F1D-BB1F0170AB8D}" dt="2020-05-21T10:43:05.492" v="1363"/>
+          <ac:spMkLst>
+            <pc:docMk/>
+            <pc:sldMk cId="396955749" sldId="276"/>
+            <ac:spMk id="22" creationId="{B02212F3-A26A-4092-835E-9ECCD2C1D685}"/>
+          </ac:spMkLst>
+        </pc:spChg>
+        <pc:spChg chg="add del">
+          <ac:chgData name="Andres Penuela-Fernandez" userId="26693260-5f72-4911-8218-b098c180f1d5" providerId="ADAL" clId="{150E4E09-492C-4431-8F1D-BB1F0170AB8D}" dt="2020-05-21T10:00:27.570" v="1329" actId="478"/>
+          <ac:spMkLst>
+            <pc:docMk/>
+            <pc:sldMk cId="396955749" sldId="276"/>
+            <ac:spMk id="23" creationId="{8619B631-3F03-42B9-AB54-38403209C808}"/>
+          </ac:spMkLst>
+        </pc:spChg>
+        <pc:grpChg chg="add mod">
+          <ac:chgData name="Andres Penuela-Fernandez" userId="26693260-5f72-4911-8218-b098c180f1d5" providerId="ADAL" clId="{150E4E09-492C-4431-8F1D-BB1F0170AB8D}" dt="2020-05-21T10:41:05.287" v="1361" actId="164"/>
+          <ac:grpSpMkLst>
+            <pc:docMk/>
+            <pc:sldMk cId="396955749" sldId="276"/>
+            <ac:grpSpMk id="5" creationId="{5FBAA8ED-5EB9-4FBE-902C-6BB5DC6A0D15}"/>
+          </ac:grpSpMkLst>
+        </pc:grpChg>
+        <pc:picChg chg="del mod">
+          <ac:chgData name="Andres Penuela-Fernandez" userId="26693260-5f72-4911-8218-b098c180f1d5" providerId="ADAL" clId="{150E4E09-492C-4431-8F1D-BB1F0170AB8D}" dt="2020-05-21T09:58:07.365" v="1310" actId="478"/>
+          <ac:picMkLst>
+            <pc:docMk/>
+            <pc:sldMk cId="396955749" sldId="276"/>
+            <ac:picMk id="3" creationId="{74658D40-A80A-4C85-AB07-31710A753243}"/>
+          </ac:picMkLst>
+        </pc:picChg>
+        <pc:picChg chg="add mod ord">
+          <ac:chgData name="Andres Penuela-Fernandez" userId="26693260-5f72-4911-8218-b098c180f1d5" providerId="ADAL" clId="{150E4E09-492C-4431-8F1D-BB1F0170AB8D}" dt="2020-05-21T10:43:05.492" v="1363"/>
+          <ac:picMkLst>
+            <pc:docMk/>
+            <pc:sldMk cId="396955749" sldId="276"/>
+            <ac:picMk id="4" creationId="{579EB6CF-F859-4912-BE2A-0F9AE6F5904C}"/>
+          </ac:picMkLst>
+        </pc:picChg>
+      </pc:sldChg>
+      <pc:sldMasterChg chg="modSp modSldLayout">
+        <pc:chgData name="Andres Penuela-Fernandez" userId="26693260-5f72-4911-8218-b098c180f1d5" providerId="ADAL" clId="{150E4E09-492C-4431-8F1D-BB1F0170AB8D}" dt="2020-05-21T10:43:05.492" v="1363"/>
+        <pc:sldMasterMkLst>
+          <pc:docMk/>
+          <pc:sldMasterMk cId="2919629687" sldId="2147483648"/>
+        </pc:sldMasterMkLst>
+        <pc:spChg chg="mod">
+          <ac:chgData name="Andres Penuela-Fernandez" userId="26693260-5f72-4911-8218-b098c180f1d5" providerId="ADAL" clId="{150E4E09-492C-4431-8F1D-BB1F0170AB8D}" dt="2020-05-21T10:43:05.492" v="1363"/>
+          <ac:spMkLst>
+            <pc:docMk/>
+            <pc:sldMasterMk cId="2919629687" sldId="2147483648"/>
+            <ac:spMk id="2" creationId="{27F9D61B-EE14-4A42-9CE6-87BE031CCF4D}"/>
+          </ac:spMkLst>
+        </pc:spChg>
+        <pc:spChg chg="mod">
+          <ac:chgData name="Andres Penuela-Fernandez" userId="26693260-5f72-4911-8218-b098c180f1d5" providerId="ADAL" clId="{150E4E09-492C-4431-8F1D-BB1F0170AB8D}" dt="2020-05-21T10:43:05.492" v="1363"/>
+          <ac:spMkLst>
+            <pc:docMk/>
+            <pc:sldMasterMk cId="2919629687" sldId="2147483648"/>
+            <ac:spMk id="3" creationId="{071251E8-D8A6-4B0C-A4A1-C0B47F8E1D51}"/>
+          </ac:spMkLst>
+        </pc:spChg>
+        <pc:spChg chg="mod">
+          <ac:chgData name="Andres Penuela-Fernandez" userId="26693260-5f72-4911-8218-b098c180f1d5" providerId="ADAL" clId="{150E4E09-492C-4431-8F1D-BB1F0170AB8D}" dt="2020-05-21T10:43:05.492" v="1363"/>
+          <ac:spMkLst>
+            <pc:docMk/>
+            <pc:sldMasterMk cId="2919629687" sldId="2147483648"/>
+            <ac:spMk id="4" creationId="{588D6492-B0B4-4E50-B7E9-C172B95565CA}"/>
+          </ac:spMkLst>
+        </pc:spChg>
+        <pc:spChg chg="mod">
+          <ac:chgData name="Andres Penuela-Fernandez" userId="26693260-5f72-4911-8218-b098c180f1d5" providerId="ADAL" clId="{150E4E09-492C-4431-8F1D-BB1F0170AB8D}" dt="2020-05-21T10:43:05.492" v="1363"/>
+          <ac:spMkLst>
+            <pc:docMk/>
+            <pc:sldMasterMk cId="2919629687" sldId="2147483648"/>
+            <ac:spMk id="5" creationId="{77C16FB2-000F-4926-9B8F-B01822644D02}"/>
+          </ac:spMkLst>
+        </pc:spChg>
+        <pc:spChg chg="mod">
+          <ac:chgData name="Andres Penuela-Fernandez" userId="26693260-5f72-4911-8218-b098c180f1d5" providerId="ADAL" clId="{150E4E09-492C-4431-8F1D-BB1F0170AB8D}" dt="2020-05-21T10:43:05.492" v="1363"/>
+          <ac:spMkLst>
+            <pc:docMk/>
+            <pc:sldMasterMk cId="2919629687" sldId="2147483648"/>
+            <ac:spMk id="6" creationId="{2F51C7ED-8265-4F83-AFED-80F87A30AA88}"/>
+          </ac:spMkLst>
+        </pc:spChg>
+        <pc:sldLayoutChg chg="modSp">
+          <pc:chgData name="Andres Penuela-Fernandez" userId="26693260-5f72-4911-8218-b098c180f1d5" providerId="ADAL" clId="{150E4E09-492C-4431-8F1D-BB1F0170AB8D}" dt="2020-05-21T10:43:05.492" v="1363"/>
+          <pc:sldLayoutMkLst>
+            <pc:docMk/>
+            <pc:sldMasterMk cId="2919629687" sldId="2147483648"/>
+            <pc:sldLayoutMk cId="2215751708" sldId="2147483649"/>
+          </pc:sldLayoutMkLst>
+          <pc:spChg chg="mod">
+            <ac:chgData name="Andres Penuela-Fernandez" userId="26693260-5f72-4911-8218-b098c180f1d5" providerId="ADAL" clId="{150E4E09-492C-4431-8F1D-BB1F0170AB8D}" dt="2020-05-21T10:43:05.492" v="1363"/>
+            <ac:spMkLst>
+              <pc:docMk/>
+              <pc:sldMasterMk cId="2919629687" sldId="2147483648"/>
+              <pc:sldLayoutMk cId="2215751708" sldId="2147483649"/>
+              <ac:spMk id="2" creationId="{45EEE822-A546-444E-A698-049B40267CEE}"/>
+            </ac:spMkLst>
+          </pc:spChg>
+          <pc:spChg chg="mod">
+            <ac:chgData name="Andres Penuela-Fernandez" userId="26693260-5f72-4911-8218-b098c180f1d5" providerId="ADAL" clId="{150E4E09-492C-4431-8F1D-BB1F0170AB8D}" dt="2020-05-21T10:43:05.492" v="1363"/>
+            <ac:spMkLst>
+              <pc:docMk/>
+              <pc:sldMasterMk cId="2919629687" sldId="2147483648"/>
+              <pc:sldLayoutMk cId="2215751708" sldId="2147483649"/>
+              <ac:spMk id="3" creationId="{E64E9EDD-2AC3-4384-8ADE-C73B4449E180}"/>
+            </ac:spMkLst>
+          </pc:spChg>
+        </pc:sldLayoutChg>
+        <pc:sldLayoutChg chg="modSp">
+          <pc:chgData name="Andres Penuela-Fernandez" userId="26693260-5f72-4911-8218-b098c180f1d5" providerId="ADAL" clId="{150E4E09-492C-4431-8F1D-BB1F0170AB8D}" dt="2020-05-21T10:43:05.492" v="1363"/>
+          <pc:sldLayoutMkLst>
+            <pc:docMk/>
+            <pc:sldMasterMk cId="2919629687" sldId="2147483648"/>
+            <pc:sldLayoutMk cId="3739777990" sldId="2147483651"/>
+          </pc:sldLayoutMkLst>
+          <pc:spChg chg="mod">
+            <ac:chgData name="Andres Penuela-Fernandez" userId="26693260-5f72-4911-8218-b098c180f1d5" providerId="ADAL" clId="{150E4E09-492C-4431-8F1D-BB1F0170AB8D}" dt="2020-05-21T10:43:05.492" v="1363"/>
+            <ac:spMkLst>
+              <pc:docMk/>
+              <pc:sldMasterMk cId="2919629687" sldId="2147483648"/>
+              <pc:sldLayoutMk cId="3739777990" sldId="2147483651"/>
+              <ac:spMk id="2" creationId="{C609DE72-C26D-4C42-97EA-17F99DE9A2C7}"/>
+            </ac:spMkLst>
+          </pc:spChg>
+          <pc:spChg chg="mod">
+            <ac:chgData name="Andres Penuela-Fernandez" userId="26693260-5f72-4911-8218-b098c180f1d5" providerId="ADAL" clId="{150E4E09-492C-4431-8F1D-BB1F0170AB8D}" dt="2020-05-21T10:43:05.492" v="1363"/>
+            <ac:spMkLst>
+              <pc:docMk/>
+              <pc:sldMasterMk cId="2919629687" sldId="2147483648"/>
+              <pc:sldLayoutMk cId="3739777990" sldId="2147483651"/>
+              <ac:spMk id="3" creationId="{2F41CFF4-BA24-43C0-8368-9B38681813F4}"/>
+            </ac:spMkLst>
+          </pc:spChg>
+        </pc:sldLayoutChg>
+        <pc:sldLayoutChg chg="modSp">
+          <pc:chgData name="Andres Penuela-Fernandez" userId="26693260-5f72-4911-8218-b098c180f1d5" providerId="ADAL" clId="{150E4E09-492C-4431-8F1D-BB1F0170AB8D}" dt="2020-05-21T10:43:05.492" v="1363"/>
+          <pc:sldLayoutMkLst>
+            <pc:docMk/>
+            <pc:sldMasterMk cId="2919629687" sldId="2147483648"/>
+            <pc:sldLayoutMk cId="1863484687" sldId="2147483652"/>
+          </pc:sldLayoutMkLst>
+          <pc:spChg chg="mod">
+            <ac:chgData name="Andres Penuela-Fernandez" userId="26693260-5f72-4911-8218-b098c180f1d5" providerId="ADAL" clId="{150E4E09-492C-4431-8F1D-BB1F0170AB8D}" dt="2020-05-21T10:43:05.492" v="1363"/>
+            <ac:spMkLst>
+              <pc:docMk/>
+              <pc:sldMasterMk cId="2919629687" sldId="2147483648"/>
+              <pc:sldLayoutMk cId="1863484687" sldId="2147483652"/>
+              <ac:spMk id="3" creationId="{F3426929-A0BF-47E8-BA02-01D538DEEAB0}"/>
+            </ac:spMkLst>
+          </pc:spChg>
+          <pc:spChg chg="mod">
+            <ac:chgData name="Andres Penuela-Fernandez" userId="26693260-5f72-4911-8218-b098c180f1d5" providerId="ADAL" clId="{150E4E09-492C-4431-8F1D-BB1F0170AB8D}" dt="2020-05-21T10:43:05.492" v="1363"/>
+            <ac:spMkLst>
+              <pc:docMk/>
+              <pc:sldMasterMk cId="2919629687" sldId="2147483648"/>
+              <pc:sldLayoutMk cId="1863484687" sldId="2147483652"/>
+              <ac:spMk id="4" creationId="{751AF042-DBA7-497C-876A-E12F4668381F}"/>
+            </ac:spMkLst>
+          </pc:spChg>
+        </pc:sldLayoutChg>
+        <pc:sldLayoutChg chg="modSp">
+          <pc:chgData name="Andres Penuela-Fernandez" userId="26693260-5f72-4911-8218-b098c180f1d5" providerId="ADAL" clId="{150E4E09-492C-4431-8F1D-BB1F0170AB8D}" dt="2020-05-21T10:43:05.492" v="1363"/>
+          <pc:sldLayoutMkLst>
+            <pc:docMk/>
+            <pc:sldMasterMk cId="2919629687" sldId="2147483648"/>
+            <pc:sldLayoutMk cId="3487716644" sldId="2147483653"/>
+          </pc:sldLayoutMkLst>
+          <pc:spChg chg="mod">
+            <ac:chgData name="Andres Penuela-Fernandez" userId="26693260-5f72-4911-8218-b098c180f1d5" providerId="ADAL" clId="{150E4E09-492C-4431-8F1D-BB1F0170AB8D}" dt="2020-05-21T10:43:05.492" v="1363"/>
+            <ac:spMkLst>
+              <pc:docMk/>
+              <pc:sldMasterMk cId="2919629687" sldId="2147483648"/>
+              <pc:sldLayoutMk cId="3487716644" sldId="2147483653"/>
+              <ac:spMk id="2" creationId="{42112206-0C4F-49EC-8AC5-4DBD7E90A0BD}"/>
+            </ac:spMkLst>
+          </pc:spChg>
+          <pc:spChg chg="mod">
+            <ac:chgData name="Andres Penuela-Fernandez" userId="26693260-5f72-4911-8218-b098c180f1d5" providerId="ADAL" clId="{150E4E09-492C-4431-8F1D-BB1F0170AB8D}" dt="2020-05-21T10:43:05.492" v="1363"/>
+            <ac:spMkLst>
+              <pc:docMk/>
+              <pc:sldMasterMk cId="2919629687" sldId="2147483648"/>
+              <pc:sldLayoutMk cId="3487716644" sldId="2147483653"/>
+              <ac:spMk id="3" creationId="{F7A8EF64-15C1-420A-BD0A-9C633C25347A}"/>
+            </ac:spMkLst>
+          </pc:spChg>
+          <pc:spChg chg="mod">
+            <ac:chgData name="Andres Penuela-Fernandez" userId="26693260-5f72-4911-8218-b098c180f1d5" providerId="ADAL" clId="{150E4E09-492C-4431-8F1D-BB1F0170AB8D}" dt="2020-05-21T10:43:05.492" v="1363"/>
+            <ac:spMkLst>
+              <pc:docMk/>
+              <pc:sldMasterMk cId="2919629687" sldId="2147483648"/>
+              <pc:sldLayoutMk cId="3487716644" sldId="2147483653"/>
+              <ac:spMk id="4" creationId="{84F80497-08B4-4AC0-87F5-3D7F7122654A}"/>
+            </ac:spMkLst>
+          </pc:spChg>
+          <pc:spChg chg="mod">
+            <ac:chgData name="Andres Penuela-Fernandez" userId="26693260-5f72-4911-8218-b098c180f1d5" providerId="ADAL" clId="{150E4E09-492C-4431-8F1D-BB1F0170AB8D}" dt="2020-05-21T10:43:05.492" v="1363"/>
+            <ac:spMkLst>
+              <pc:docMk/>
+              <pc:sldMasterMk cId="2919629687" sldId="2147483648"/>
+              <pc:sldLayoutMk cId="3487716644" sldId="2147483653"/>
+              <ac:spMk id="5" creationId="{343DBCB7-1898-4DFB-B994-E8FECEE00CAD}"/>
+            </ac:spMkLst>
+          </pc:spChg>
+          <pc:spChg chg="mod">
+            <ac:chgData name="Andres Penuela-Fernandez" userId="26693260-5f72-4911-8218-b098c180f1d5" providerId="ADAL" clId="{150E4E09-492C-4431-8F1D-BB1F0170AB8D}" dt="2020-05-21T10:43:05.492" v="1363"/>
+            <ac:spMkLst>
+              <pc:docMk/>
+              <pc:sldMasterMk cId="2919629687" sldId="2147483648"/>
+              <pc:sldLayoutMk cId="3487716644" sldId="2147483653"/>
+              <ac:spMk id="6" creationId="{42429C8A-2C90-47C7-90A9-C12EECDA3A24}"/>
+            </ac:spMkLst>
+          </pc:spChg>
+        </pc:sldLayoutChg>
+        <pc:sldLayoutChg chg="modSp">
+          <pc:chgData name="Andres Penuela-Fernandez" userId="26693260-5f72-4911-8218-b098c180f1d5" providerId="ADAL" clId="{150E4E09-492C-4431-8F1D-BB1F0170AB8D}" dt="2020-05-21T10:43:05.492" v="1363"/>
+          <pc:sldLayoutMkLst>
+            <pc:docMk/>
+            <pc:sldMasterMk cId="2919629687" sldId="2147483648"/>
+            <pc:sldLayoutMk cId="2785681487" sldId="2147483656"/>
+          </pc:sldLayoutMkLst>
+          <pc:spChg chg="mod">
+            <ac:chgData name="Andres Penuela-Fernandez" userId="26693260-5f72-4911-8218-b098c180f1d5" providerId="ADAL" clId="{150E4E09-492C-4431-8F1D-BB1F0170AB8D}" dt="2020-05-21T10:43:05.492" v="1363"/>
+            <ac:spMkLst>
+              <pc:docMk/>
+              <pc:sldMasterMk cId="2919629687" sldId="2147483648"/>
+              <pc:sldLayoutMk cId="2785681487" sldId="2147483656"/>
+              <ac:spMk id="2" creationId="{AEB1EC3D-B671-41B2-BCE3-70908EE03E90}"/>
+            </ac:spMkLst>
+          </pc:spChg>
+          <pc:spChg chg="mod">
+            <ac:chgData name="Andres Penuela-Fernandez" userId="26693260-5f72-4911-8218-b098c180f1d5" providerId="ADAL" clId="{150E4E09-492C-4431-8F1D-BB1F0170AB8D}" dt="2020-05-21T10:43:05.492" v="1363"/>
+            <ac:spMkLst>
+              <pc:docMk/>
+              <pc:sldMasterMk cId="2919629687" sldId="2147483648"/>
+              <pc:sldLayoutMk cId="2785681487" sldId="2147483656"/>
+              <ac:spMk id="3" creationId="{DBA029EB-E673-4441-8322-4DB7040BC7DB}"/>
+            </ac:spMkLst>
+          </pc:spChg>
+          <pc:spChg chg="mod">
+            <ac:chgData name="Andres Penuela-Fernandez" userId="26693260-5f72-4911-8218-b098c180f1d5" providerId="ADAL" clId="{150E4E09-492C-4431-8F1D-BB1F0170AB8D}" dt="2020-05-21T10:43:05.492" v="1363"/>
+            <ac:spMkLst>
+              <pc:docMk/>
+              <pc:sldMasterMk cId="2919629687" sldId="2147483648"/>
+              <pc:sldLayoutMk cId="2785681487" sldId="2147483656"/>
+              <ac:spMk id="4" creationId="{01677807-4771-4334-B7BC-0B7CFD09D965}"/>
+            </ac:spMkLst>
+          </pc:spChg>
+        </pc:sldLayoutChg>
+        <pc:sldLayoutChg chg="modSp">
+          <pc:chgData name="Andres Penuela-Fernandez" userId="26693260-5f72-4911-8218-b098c180f1d5" providerId="ADAL" clId="{150E4E09-492C-4431-8F1D-BB1F0170AB8D}" dt="2020-05-21T10:43:05.492" v="1363"/>
+          <pc:sldLayoutMkLst>
+            <pc:docMk/>
+            <pc:sldMasterMk cId="2919629687" sldId="2147483648"/>
+            <pc:sldLayoutMk cId="2649862477" sldId="2147483657"/>
+          </pc:sldLayoutMkLst>
+          <pc:spChg chg="mod">
+            <ac:chgData name="Andres Penuela-Fernandez" userId="26693260-5f72-4911-8218-b098c180f1d5" providerId="ADAL" clId="{150E4E09-492C-4431-8F1D-BB1F0170AB8D}" dt="2020-05-21T10:43:05.492" v="1363"/>
+            <ac:spMkLst>
+              <pc:docMk/>
+              <pc:sldMasterMk cId="2919629687" sldId="2147483648"/>
+              <pc:sldLayoutMk cId="2649862477" sldId="2147483657"/>
+              <ac:spMk id="2" creationId="{608FF0CB-A9B9-4FC3-BD79-C3DCBF5CCC57}"/>
+            </ac:spMkLst>
+          </pc:spChg>
+          <pc:spChg chg="mod">
+            <ac:chgData name="Andres Penuela-Fernandez" userId="26693260-5f72-4911-8218-b098c180f1d5" providerId="ADAL" clId="{150E4E09-492C-4431-8F1D-BB1F0170AB8D}" dt="2020-05-21T10:43:05.492" v="1363"/>
+            <ac:spMkLst>
+              <pc:docMk/>
+              <pc:sldMasterMk cId="2919629687" sldId="2147483648"/>
+              <pc:sldLayoutMk cId="2649862477" sldId="2147483657"/>
+              <ac:spMk id="3" creationId="{BE1F1562-72D2-4F1B-9390-F3B4ECC7D3E4}"/>
+            </ac:spMkLst>
+          </pc:spChg>
+          <pc:spChg chg="mod">
+            <ac:chgData name="Andres Penuela-Fernandez" userId="26693260-5f72-4911-8218-b098c180f1d5" providerId="ADAL" clId="{150E4E09-492C-4431-8F1D-BB1F0170AB8D}" dt="2020-05-21T10:43:05.492" v="1363"/>
+            <ac:spMkLst>
+              <pc:docMk/>
+              <pc:sldMasterMk cId="2919629687" sldId="2147483648"/>
+              <pc:sldLayoutMk cId="2649862477" sldId="2147483657"/>
+              <ac:spMk id="4" creationId="{67DD7169-F288-4EC7-A4AD-1B7DAEB96F85}"/>
+            </ac:spMkLst>
+          </pc:spChg>
+        </pc:sldLayoutChg>
+        <pc:sldLayoutChg chg="modSp">
+          <pc:chgData name="Andres Penuela-Fernandez" userId="26693260-5f72-4911-8218-b098c180f1d5" providerId="ADAL" clId="{150E4E09-492C-4431-8F1D-BB1F0170AB8D}" dt="2020-05-21T10:43:05.492" v="1363"/>
+          <pc:sldLayoutMkLst>
+            <pc:docMk/>
+            <pc:sldMasterMk cId="2919629687" sldId="2147483648"/>
+            <pc:sldLayoutMk cId="257995414" sldId="2147483659"/>
+          </pc:sldLayoutMkLst>
+          <pc:spChg chg="mod">
+            <ac:chgData name="Andres Penuela-Fernandez" userId="26693260-5f72-4911-8218-b098c180f1d5" providerId="ADAL" clId="{150E4E09-492C-4431-8F1D-BB1F0170AB8D}" dt="2020-05-21T10:43:05.492" v="1363"/>
+            <ac:spMkLst>
+              <pc:docMk/>
+              <pc:sldMasterMk cId="2919629687" sldId="2147483648"/>
+              <pc:sldLayoutMk cId="257995414" sldId="2147483659"/>
+              <ac:spMk id="2" creationId="{278444E5-F00D-4533-8E04-D961309FB23D}"/>
+            </ac:spMkLst>
+          </pc:spChg>
+          <pc:spChg chg="mod">
+            <ac:chgData name="Andres Penuela-Fernandez" userId="26693260-5f72-4911-8218-b098c180f1d5" providerId="ADAL" clId="{150E4E09-492C-4431-8F1D-BB1F0170AB8D}" dt="2020-05-21T10:43:05.492" v="1363"/>
+            <ac:spMkLst>
+              <pc:docMk/>
+              <pc:sldMasterMk cId="2919629687" sldId="2147483648"/>
+              <pc:sldLayoutMk cId="257995414" sldId="2147483659"/>
+              <ac:spMk id="3" creationId="{EDBD0198-0F4E-4276-9733-A8C7CDF63A6A}"/>
+            </ac:spMkLst>
+          </pc:spChg>
+        </pc:sldLayoutChg>
+      </pc:sldMasterChg>
     </pc:docChg>
   </pc:docChgLst>
   <pc:docChgLst>
@@ -3041,7 +5054,7 @@
 
 <file path=ppt/slideLayouts/slideLayout1.xml><?xml version="1.0" encoding="utf-8"?>
 <p:sldLayout xmlns:a="http://schemas.openxmlformats.org/drawingml/2006/main" xmlns:r="http://schemas.openxmlformats.org/officeDocument/2006/relationships" xmlns:p="http://schemas.openxmlformats.org/presentationml/2006/main" type="title" preserve="1">
-  <p:cSld name="Title Slide">
+  <p:cSld name="Diapositiva de título">
     <p:spTree>
       <p:nvGrpSpPr>
         <p:cNvPr id="1" name=""/>
@@ -3058,13 +5071,7 @@
       </p:grpSpPr>
       <p:sp>
         <p:nvSpPr>
-          <p:cNvPr id="2" name="Title 1">
-            <a:extLst>
-              <a:ext uri="{FF2B5EF4-FFF2-40B4-BE49-F238E27FC236}">
-                <a16:creationId xmlns:a16="http://schemas.microsoft.com/office/drawing/2014/main" id="{45EEE822-A546-444E-A698-049B40267CEE}"/>
-              </a:ext>
-            </a:extLst>
-          </p:cNvPr>
+          <p:cNvPr id="2" name="Title 1"/>
           <p:cNvSpPr>
             <a:spLocks noGrp="1"/>
           </p:cNvSpPr>
@@ -3074,35 +5081,29 @@
         </p:nvSpPr>
         <p:spPr>
           <a:xfrm>
-            <a:off x="1524000" y="1122363"/>
-            <a:ext cx="9144000" cy="2387600"/>
+            <a:off x="1633538" y="1307865"/>
+            <a:ext cx="9801225" cy="2782217"/>
           </a:xfrm>
         </p:spPr>
         <p:txBody>
           <a:bodyPr anchor="b"/>
           <a:lstStyle>
             <a:lvl1pPr algn="ctr">
-              <a:defRPr sz="6000"/>
+              <a:defRPr sz="6431"/>
             </a:lvl1pPr>
           </a:lstStyle>
           <a:p>
             <a:r>
-              <a:rPr lang="en-US"/>
-              <a:t>Click to edit Master title style</a:t>
+              <a:rPr lang="es-ES"/>
+              <a:t>Haga clic para modificar el estilo de título del patrón</a:t>
             </a:r>
-            <a:endParaRPr lang="en-GB"/>
+            <a:endParaRPr lang="en-US" dirty="0"/>
           </a:p>
         </p:txBody>
       </p:sp>
       <p:sp>
         <p:nvSpPr>
-          <p:cNvPr id="3" name="Subtitle 2">
-            <a:extLst>
-              <a:ext uri="{FF2B5EF4-FFF2-40B4-BE49-F238E27FC236}">
-                <a16:creationId xmlns:a16="http://schemas.microsoft.com/office/drawing/2014/main" id="{E64E9EDD-2AC3-4384-8ADE-C73B4449E180}"/>
-              </a:ext>
-            </a:extLst>
-          </p:cNvPr>
+          <p:cNvPr id="3" name="Subtitle 2"/>
           <p:cNvSpPr>
             <a:spLocks noGrp="1"/>
           </p:cNvSpPr>
@@ -3112,8 +5113,8 @@
         </p:nvSpPr>
         <p:spPr>
           <a:xfrm>
-            <a:off x="1524000" y="3602038"/>
-            <a:ext cx="9144000" cy="1655762"/>
+            <a:off x="1633538" y="4197375"/>
+            <a:ext cx="9801225" cy="1929423"/>
           </a:xfrm>
         </p:spPr>
         <p:txBody>
@@ -3121,59 +5122,53 @@
           <a:lstStyle>
             <a:lvl1pPr marL="0" indent="0" algn="ctr">
               <a:buNone/>
-              <a:defRPr sz="2400"/>
+              <a:defRPr sz="2573"/>
             </a:lvl1pPr>
-            <a:lvl2pPr marL="457200" indent="0" algn="ctr">
+            <a:lvl2pPr marL="490073" indent="0" algn="ctr">
               <a:buNone/>
-              <a:defRPr sz="2000"/>
+              <a:defRPr sz="2144"/>
             </a:lvl2pPr>
-            <a:lvl3pPr marL="914400" indent="0" algn="ctr">
+            <a:lvl3pPr marL="980145" indent="0" algn="ctr">
               <a:buNone/>
-              <a:defRPr sz="1800"/>
+              <a:defRPr sz="1929"/>
             </a:lvl3pPr>
-            <a:lvl4pPr marL="1371600" indent="0" algn="ctr">
+            <a:lvl4pPr marL="1470218" indent="0" algn="ctr">
               <a:buNone/>
-              <a:defRPr sz="1600"/>
+              <a:defRPr sz="1715"/>
             </a:lvl4pPr>
-            <a:lvl5pPr marL="1828800" indent="0" algn="ctr">
+            <a:lvl5pPr marL="1960291" indent="0" algn="ctr">
               <a:buNone/>
-              <a:defRPr sz="1600"/>
+              <a:defRPr sz="1715"/>
             </a:lvl5pPr>
-            <a:lvl6pPr marL="2286000" indent="0" algn="ctr">
+            <a:lvl6pPr marL="2450363" indent="0" algn="ctr">
               <a:buNone/>
-              <a:defRPr sz="1600"/>
+              <a:defRPr sz="1715"/>
             </a:lvl6pPr>
-            <a:lvl7pPr marL="2743200" indent="0" algn="ctr">
+            <a:lvl7pPr marL="2940436" indent="0" algn="ctr">
               <a:buNone/>
-              <a:defRPr sz="1600"/>
+              <a:defRPr sz="1715"/>
             </a:lvl7pPr>
-            <a:lvl8pPr marL="3200400" indent="0" algn="ctr">
+            <a:lvl8pPr marL="3430509" indent="0" algn="ctr">
               <a:buNone/>
-              <a:defRPr sz="1600"/>
+              <a:defRPr sz="1715"/>
             </a:lvl8pPr>
-            <a:lvl9pPr marL="3657600" indent="0" algn="ctr">
+            <a:lvl9pPr marL="3920581" indent="0" algn="ctr">
               <a:buNone/>
-              <a:defRPr sz="1600"/>
+              <a:defRPr sz="1715"/>
             </a:lvl9pPr>
           </a:lstStyle>
           <a:p>
             <a:r>
-              <a:rPr lang="en-US"/>
-              <a:t>Click to edit Master subtitle style</a:t>
+              <a:rPr lang="es-ES"/>
+              <a:t>Haga clic para modificar el estilo de subtítulo del patrón</a:t>
             </a:r>
-            <a:endParaRPr lang="en-GB"/>
+            <a:endParaRPr lang="en-US" dirty="0"/>
           </a:p>
         </p:txBody>
       </p:sp>
       <p:sp>
         <p:nvSpPr>
-          <p:cNvPr id="4" name="Date Placeholder 3">
-            <a:extLst>
-              <a:ext uri="{FF2B5EF4-FFF2-40B4-BE49-F238E27FC236}">
-                <a16:creationId xmlns:a16="http://schemas.microsoft.com/office/drawing/2014/main" id="{248ABC20-CE44-4CA7-9A62-4538BD283BF6}"/>
-              </a:ext>
-            </a:extLst>
-          </p:cNvPr>
+          <p:cNvPr id="4" name="Date Placeholder 3"/>
           <p:cNvSpPr>
             <a:spLocks noGrp="1"/>
           </p:cNvSpPr>
@@ -3188,7 +5183,7 @@
           <a:p>
             <a:fld id="{2B42517C-430C-49A5-AADD-62D98583ED58}" type="datetimeFigureOut">
               <a:rPr lang="en-GB" smtClean="0"/>
-              <a:t>16/05/2020</a:t>
+              <a:t>23/05/2020</a:t>
             </a:fld>
             <a:endParaRPr lang="en-GB"/>
           </a:p>
@@ -3196,13 +5191,7 @@
       </p:sp>
       <p:sp>
         <p:nvSpPr>
-          <p:cNvPr id="5" name="Footer Placeholder 4">
-            <a:extLst>
-              <a:ext uri="{FF2B5EF4-FFF2-40B4-BE49-F238E27FC236}">
-                <a16:creationId xmlns:a16="http://schemas.microsoft.com/office/drawing/2014/main" id="{884CC500-AFA1-403A-B103-1145C48AA2E0}"/>
-              </a:ext>
-            </a:extLst>
-          </p:cNvPr>
+          <p:cNvPr id="5" name="Footer Placeholder 4"/>
           <p:cNvSpPr>
             <a:spLocks noGrp="1"/>
           </p:cNvSpPr>
@@ -3221,13 +5210,7 @@
       </p:sp>
       <p:sp>
         <p:nvSpPr>
-          <p:cNvPr id="6" name="Slide Number Placeholder 5">
-            <a:extLst>
-              <a:ext uri="{FF2B5EF4-FFF2-40B4-BE49-F238E27FC236}">
-                <a16:creationId xmlns:a16="http://schemas.microsoft.com/office/drawing/2014/main" id="{A1F0E09B-6FF1-4CC1-824F-6CCFB81E302A}"/>
-              </a:ext>
-            </a:extLst>
-          </p:cNvPr>
+          <p:cNvPr id="6" name="Slide Number Placeholder 5"/>
           <p:cNvSpPr>
             <a:spLocks noGrp="1"/>
           </p:cNvSpPr>
@@ -3251,7 +5234,7 @@
     </p:spTree>
     <p:extLst>
       <p:ext uri="{BB962C8B-B14F-4D97-AF65-F5344CB8AC3E}">
-        <p14:creationId xmlns:p14="http://schemas.microsoft.com/office/powerpoint/2010/main" val="2215751708"/>
+        <p14:creationId xmlns:p14="http://schemas.microsoft.com/office/powerpoint/2010/main" val="3091228987"/>
       </p:ext>
     </p:extLst>
   </p:cSld>
@@ -3263,7 +5246,7 @@
 
 <file path=ppt/slideLayouts/slideLayout10.xml><?xml version="1.0" encoding="utf-8"?>
 <p:sldLayout xmlns:a="http://schemas.openxmlformats.org/drawingml/2006/main" xmlns:r="http://schemas.openxmlformats.org/officeDocument/2006/relationships" xmlns:p="http://schemas.openxmlformats.org/presentationml/2006/main" type="vertTx" preserve="1">
-  <p:cSld name="Title and Vertical Text">
+  <p:cSld name="Título y texto vertical">
     <p:spTree>
       <p:nvGrpSpPr>
         <p:cNvPr id="1" name=""/>
@@ -3280,13 +5263,7 @@
       </p:grpSpPr>
       <p:sp>
         <p:nvSpPr>
-          <p:cNvPr id="2" name="Title 1">
-            <a:extLst>
-              <a:ext uri="{FF2B5EF4-FFF2-40B4-BE49-F238E27FC236}">
-                <a16:creationId xmlns:a16="http://schemas.microsoft.com/office/drawing/2014/main" id="{42BE7E46-1016-40E0-B2F7-9E8A72DA4328}"/>
-              </a:ext>
-            </a:extLst>
-          </p:cNvPr>
+          <p:cNvPr id="2" name="Title 1"/>
           <p:cNvSpPr>
             <a:spLocks noGrp="1"/>
           </p:cNvSpPr>
@@ -3300,22 +5277,16 @@
           <a:lstStyle/>
           <a:p>
             <a:r>
-              <a:rPr lang="en-US"/>
-              <a:t>Click to edit Master title style</a:t>
+              <a:rPr lang="es-ES"/>
+              <a:t>Haga clic para modificar el estilo de título del patrón</a:t>
             </a:r>
-            <a:endParaRPr lang="en-GB"/>
+            <a:endParaRPr lang="en-US" dirty="0"/>
           </a:p>
         </p:txBody>
       </p:sp>
       <p:sp>
         <p:nvSpPr>
-          <p:cNvPr id="3" name="Vertical Text Placeholder 2">
-            <a:extLst>
-              <a:ext uri="{FF2B5EF4-FFF2-40B4-BE49-F238E27FC236}">
-                <a16:creationId xmlns:a16="http://schemas.microsoft.com/office/drawing/2014/main" id="{1A7FAE47-2ADD-4600-A1E3-5A803A319620}"/>
-              </a:ext>
-            </a:extLst>
-          </p:cNvPr>
+          <p:cNvPr id="3" name="Vertical Text Placeholder 2"/>
           <p:cNvSpPr>
             <a:spLocks noGrp="1"/>
           </p:cNvSpPr>
@@ -3330,50 +5301,44 @@
           <a:p>
             <a:pPr lvl="0"/>
             <a:r>
-              <a:rPr lang="en-US"/>
-              <a:t>Click to edit Master text styles</a:t>
+              <a:rPr lang="es-ES"/>
+              <a:t>Haga clic para modificar los estilos de texto del patrón</a:t>
             </a:r>
           </a:p>
           <a:p>
             <a:pPr lvl="1"/>
             <a:r>
-              <a:rPr lang="en-US"/>
-              <a:t>Second level</a:t>
+              <a:rPr lang="es-ES"/>
+              <a:t>Segundo nivel</a:t>
             </a:r>
           </a:p>
           <a:p>
             <a:pPr lvl="2"/>
             <a:r>
-              <a:rPr lang="en-US"/>
-              <a:t>Third level</a:t>
+              <a:rPr lang="es-ES"/>
+              <a:t>Tercer nivel</a:t>
             </a:r>
           </a:p>
           <a:p>
             <a:pPr lvl="3"/>
             <a:r>
-              <a:rPr lang="en-US"/>
-              <a:t>Fourth level</a:t>
+              <a:rPr lang="es-ES"/>
+              <a:t>Cuarto nivel</a:t>
             </a:r>
           </a:p>
           <a:p>
             <a:pPr lvl="4"/>
             <a:r>
-              <a:rPr lang="en-US"/>
-              <a:t>Fifth level</a:t>
+              <a:rPr lang="es-ES"/>
+              <a:t>Quinto nivel</a:t>
             </a:r>
-            <a:endParaRPr lang="en-GB"/>
+            <a:endParaRPr lang="en-US" dirty="0"/>
           </a:p>
         </p:txBody>
       </p:sp>
       <p:sp>
         <p:nvSpPr>
-          <p:cNvPr id="4" name="Date Placeholder 3">
-            <a:extLst>
-              <a:ext uri="{FF2B5EF4-FFF2-40B4-BE49-F238E27FC236}">
-                <a16:creationId xmlns:a16="http://schemas.microsoft.com/office/drawing/2014/main" id="{EE025B1D-8F40-4175-A019-F816C08AE047}"/>
-              </a:ext>
-            </a:extLst>
-          </p:cNvPr>
+          <p:cNvPr id="4" name="Date Placeholder 3"/>
           <p:cNvSpPr>
             <a:spLocks noGrp="1"/>
           </p:cNvSpPr>
@@ -3388,7 +5353,7 @@
           <a:p>
             <a:fld id="{2B42517C-430C-49A5-AADD-62D98583ED58}" type="datetimeFigureOut">
               <a:rPr lang="en-GB" smtClean="0"/>
-              <a:t>16/05/2020</a:t>
+              <a:t>23/05/2020</a:t>
             </a:fld>
             <a:endParaRPr lang="en-GB"/>
           </a:p>
@@ -3396,13 +5361,7 @@
       </p:sp>
       <p:sp>
         <p:nvSpPr>
-          <p:cNvPr id="5" name="Footer Placeholder 4">
-            <a:extLst>
-              <a:ext uri="{FF2B5EF4-FFF2-40B4-BE49-F238E27FC236}">
-                <a16:creationId xmlns:a16="http://schemas.microsoft.com/office/drawing/2014/main" id="{143766FB-468D-4253-BA1B-974661FE28C2}"/>
-              </a:ext>
-            </a:extLst>
-          </p:cNvPr>
+          <p:cNvPr id="5" name="Footer Placeholder 4"/>
           <p:cNvSpPr>
             <a:spLocks noGrp="1"/>
           </p:cNvSpPr>
@@ -3421,13 +5380,7 @@
       </p:sp>
       <p:sp>
         <p:nvSpPr>
-          <p:cNvPr id="6" name="Slide Number Placeholder 5">
-            <a:extLst>
-              <a:ext uri="{FF2B5EF4-FFF2-40B4-BE49-F238E27FC236}">
-                <a16:creationId xmlns:a16="http://schemas.microsoft.com/office/drawing/2014/main" id="{F3AF24B5-676B-47ED-9833-44CA1590C539}"/>
-              </a:ext>
-            </a:extLst>
-          </p:cNvPr>
+          <p:cNvPr id="6" name="Slide Number Placeholder 5"/>
           <p:cNvSpPr>
             <a:spLocks noGrp="1"/>
           </p:cNvSpPr>
@@ -3451,7 +5404,7 @@
     </p:spTree>
     <p:extLst>
       <p:ext uri="{BB962C8B-B14F-4D97-AF65-F5344CB8AC3E}">
-        <p14:creationId xmlns:p14="http://schemas.microsoft.com/office/powerpoint/2010/main" val="1453730696"/>
+        <p14:creationId xmlns:p14="http://schemas.microsoft.com/office/powerpoint/2010/main" val="32360917"/>
       </p:ext>
     </p:extLst>
   </p:cSld>
@@ -3463,7 +5416,7 @@
 
 <file path=ppt/slideLayouts/slideLayout11.xml><?xml version="1.0" encoding="utf-8"?>
 <p:sldLayout xmlns:a="http://schemas.openxmlformats.org/drawingml/2006/main" xmlns:r="http://schemas.openxmlformats.org/officeDocument/2006/relationships" xmlns:p="http://schemas.openxmlformats.org/presentationml/2006/main" type="vertTitleAndTx" preserve="1">
-  <p:cSld name="Vertical Title and Text">
+  <p:cSld name="Título vertical y texto">
     <p:spTree>
       <p:nvGrpSpPr>
         <p:cNvPr id="1" name=""/>
@@ -3480,13 +5433,7 @@
       </p:grpSpPr>
       <p:sp>
         <p:nvSpPr>
-          <p:cNvPr id="2" name="Vertical Title 1">
-            <a:extLst>
-              <a:ext uri="{FF2B5EF4-FFF2-40B4-BE49-F238E27FC236}">
-                <a16:creationId xmlns:a16="http://schemas.microsoft.com/office/drawing/2014/main" id="{278444E5-F00D-4533-8E04-D961309FB23D}"/>
-              </a:ext>
-            </a:extLst>
-          </p:cNvPr>
+          <p:cNvPr id="2" name="Vertical Title 1"/>
           <p:cNvSpPr>
             <a:spLocks noGrp="1"/>
           </p:cNvSpPr>
@@ -3496,8 +5443,8 @@
         </p:nvSpPr>
         <p:spPr>
           <a:xfrm>
-            <a:off x="8724900" y="365125"/>
-            <a:ext cx="2628900" cy="5811838"/>
+            <a:off x="9352002" y="425472"/>
+            <a:ext cx="2817852" cy="6772406"/>
           </a:xfrm>
         </p:spPr>
         <p:txBody>
@@ -3505,22 +5452,16 @@
           <a:lstStyle/>
           <a:p>
             <a:r>
-              <a:rPr lang="en-US"/>
-              <a:t>Click to edit Master title style</a:t>
+              <a:rPr lang="es-ES"/>
+              <a:t>Haga clic para modificar el estilo de título del patrón</a:t>
             </a:r>
-            <a:endParaRPr lang="en-GB"/>
+            <a:endParaRPr lang="en-US" dirty="0"/>
           </a:p>
         </p:txBody>
       </p:sp>
       <p:sp>
         <p:nvSpPr>
-          <p:cNvPr id="3" name="Vertical Text Placeholder 2">
-            <a:extLst>
-              <a:ext uri="{FF2B5EF4-FFF2-40B4-BE49-F238E27FC236}">
-                <a16:creationId xmlns:a16="http://schemas.microsoft.com/office/drawing/2014/main" id="{EDBD0198-0F4E-4276-9733-A8C7CDF63A6A}"/>
-              </a:ext>
-            </a:extLst>
-          </p:cNvPr>
+          <p:cNvPr id="3" name="Vertical Text Placeholder 2"/>
           <p:cNvSpPr>
             <a:spLocks noGrp="1"/>
           </p:cNvSpPr>
@@ -3530,8 +5471,8 @@
         </p:nvSpPr>
         <p:spPr>
           <a:xfrm>
-            <a:off x="838200" y="365125"/>
-            <a:ext cx="7734300" cy="5811838"/>
+            <a:off x="898446" y="425472"/>
+            <a:ext cx="8290203" cy="6772406"/>
           </a:xfrm>
         </p:spPr>
         <p:txBody>
@@ -3540,50 +5481,44 @@
           <a:p>
             <a:pPr lvl="0"/>
             <a:r>
-              <a:rPr lang="en-US"/>
-              <a:t>Click to edit Master text styles</a:t>
+              <a:rPr lang="es-ES"/>
+              <a:t>Haga clic para modificar los estilos de texto del patrón</a:t>
             </a:r>
           </a:p>
           <a:p>
             <a:pPr lvl="1"/>
             <a:r>
-              <a:rPr lang="en-US"/>
-              <a:t>Second level</a:t>
+              <a:rPr lang="es-ES"/>
+              <a:t>Segundo nivel</a:t>
             </a:r>
           </a:p>
           <a:p>
             <a:pPr lvl="2"/>
             <a:r>
-              <a:rPr lang="en-US"/>
-              <a:t>Third level</a:t>
+              <a:rPr lang="es-ES"/>
+              <a:t>Tercer nivel</a:t>
             </a:r>
           </a:p>
           <a:p>
             <a:pPr lvl="3"/>
             <a:r>
-              <a:rPr lang="en-US"/>
-              <a:t>Fourth level</a:t>
+              <a:rPr lang="es-ES"/>
+              <a:t>Cuarto nivel</a:t>
             </a:r>
           </a:p>
           <a:p>
             <a:pPr lvl="4"/>
             <a:r>
-              <a:rPr lang="en-US"/>
-              <a:t>Fifth level</a:t>
+              <a:rPr lang="es-ES"/>
+              <a:t>Quinto nivel</a:t>
             </a:r>
-            <a:endParaRPr lang="en-GB"/>
+            <a:endParaRPr lang="en-US" dirty="0"/>
           </a:p>
         </p:txBody>
       </p:sp>
       <p:sp>
         <p:nvSpPr>
-          <p:cNvPr id="4" name="Date Placeholder 3">
-            <a:extLst>
-              <a:ext uri="{FF2B5EF4-FFF2-40B4-BE49-F238E27FC236}">
-                <a16:creationId xmlns:a16="http://schemas.microsoft.com/office/drawing/2014/main" id="{2D1D66BA-707F-4986-9D55-1AF89289255C}"/>
-              </a:ext>
-            </a:extLst>
-          </p:cNvPr>
+          <p:cNvPr id="4" name="Date Placeholder 3"/>
           <p:cNvSpPr>
             <a:spLocks noGrp="1"/>
           </p:cNvSpPr>
@@ -3598,7 +5533,7 @@
           <a:p>
             <a:fld id="{2B42517C-430C-49A5-AADD-62D98583ED58}" type="datetimeFigureOut">
               <a:rPr lang="en-GB" smtClean="0"/>
-              <a:t>16/05/2020</a:t>
+              <a:t>23/05/2020</a:t>
             </a:fld>
             <a:endParaRPr lang="en-GB"/>
           </a:p>
@@ -3606,13 +5541,7 @@
       </p:sp>
       <p:sp>
         <p:nvSpPr>
-          <p:cNvPr id="5" name="Footer Placeholder 4">
-            <a:extLst>
-              <a:ext uri="{FF2B5EF4-FFF2-40B4-BE49-F238E27FC236}">
-                <a16:creationId xmlns:a16="http://schemas.microsoft.com/office/drawing/2014/main" id="{BE1DEEB3-7793-4D6A-928D-A6641328F734}"/>
-              </a:ext>
-            </a:extLst>
-          </p:cNvPr>
+          <p:cNvPr id="5" name="Footer Placeholder 4"/>
           <p:cNvSpPr>
             <a:spLocks noGrp="1"/>
           </p:cNvSpPr>
@@ -3631,13 +5560,7 @@
       </p:sp>
       <p:sp>
         <p:nvSpPr>
-          <p:cNvPr id="6" name="Slide Number Placeholder 5">
-            <a:extLst>
-              <a:ext uri="{FF2B5EF4-FFF2-40B4-BE49-F238E27FC236}">
-                <a16:creationId xmlns:a16="http://schemas.microsoft.com/office/drawing/2014/main" id="{33718887-1683-4F4F-A452-C87AE3E05BEB}"/>
-              </a:ext>
-            </a:extLst>
-          </p:cNvPr>
+          <p:cNvPr id="6" name="Slide Number Placeholder 5"/>
           <p:cNvSpPr>
             <a:spLocks noGrp="1"/>
           </p:cNvSpPr>
@@ -3661,7 +5584,7 @@
     </p:spTree>
     <p:extLst>
       <p:ext uri="{BB962C8B-B14F-4D97-AF65-F5344CB8AC3E}">
-        <p14:creationId xmlns:p14="http://schemas.microsoft.com/office/powerpoint/2010/main" val="257995414"/>
+        <p14:creationId xmlns:p14="http://schemas.microsoft.com/office/powerpoint/2010/main" val="3880011300"/>
       </p:ext>
     </p:extLst>
   </p:cSld>
@@ -3673,7 +5596,7 @@
 
 <file path=ppt/slideLayouts/slideLayout2.xml><?xml version="1.0" encoding="utf-8"?>
 <p:sldLayout xmlns:a="http://schemas.openxmlformats.org/drawingml/2006/main" xmlns:r="http://schemas.openxmlformats.org/officeDocument/2006/relationships" xmlns:p="http://schemas.openxmlformats.org/presentationml/2006/main" type="obj" preserve="1">
-  <p:cSld name="Title and Content">
+  <p:cSld name="Título y objetos">
     <p:spTree>
       <p:nvGrpSpPr>
         <p:cNvPr id="1" name=""/>
@@ -3690,13 +5613,7 @@
       </p:grpSpPr>
       <p:sp>
         <p:nvSpPr>
-          <p:cNvPr id="2" name="Title 1">
-            <a:extLst>
-              <a:ext uri="{FF2B5EF4-FFF2-40B4-BE49-F238E27FC236}">
-                <a16:creationId xmlns:a16="http://schemas.microsoft.com/office/drawing/2014/main" id="{F8DD99B2-EA53-424F-8A20-69BC2BE3279E}"/>
-              </a:ext>
-            </a:extLst>
-          </p:cNvPr>
+          <p:cNvPr id="2" name="Title 1"/>
           <p:cNvSpPr>
             <a:spLocks noGrp="1"/>
           </p:cNvSpPr>
@@ -3710,22 +5627,16 @@
           <a:lstStyle/>
           <a:p>
             <a:r>
-              <a:rPr lang="en-US"/>
-              <a:t>Click to edit Master title style</a:t>
+              <a:rPr lang="es-ES"/>
+              <a:t>Haga clic para modificar el estilo de título del patrón</a:t>
             </a:r>
-            <a:endParaRPr lang="en-GB"/>
+            <a:endParaRPr lang="en-US" dirty="0"/>
           </a:p>
         </p:txBody>
       </p:sp>
       <p:sp>
         <p:nvSpPr>
-          <p:cNvPr id="3" name="Content Placeholder 2">
-            <a:extLst>
-              <a:ext uri="{FF2B5EF4-FFF2-40B4-BE49-F238E27FC236}">
-                <a16:creationId xmlns:a16="http://schemas.microsoft.com/office/drawing/2014/main" id="{4944BDF4-7315-4D1A-8FB5-3994A7383F4D}"/>
-              </a:ext>
-            </a:extLst>
-          </p:cNvPr>
+          <p:cNvPr id="3" name="Content Placeholder 2"/>
           <p:cNvSpPr>
             <a:spLocks noGrp="1"/>
           </p:cNvSpPr>
@@ -3740,50 +5651,44 @@
           <a:p>
             <a:pPr lvl="0"/>
             <a:r>
-              <a:rPr lang="en-US"/>
-              <a:t>Click to edit Master text styles</a:t>
+              <a:rPr lang="es-ES"/>
+              <a:t>Haga clic para modificar los estilos de texto del patrón</a:t>
             </a:r>
           </a:p>
           <a:p>
             <a:pPr lvl="1"/>
             <a:r>
-              <a:rPr lang="en-US"/>
-              <a:t>Second level</a:t>
+              <a:rPr lang="es-ES"/>
+              <a:t>Segundo nivel</a:t>
             </a:r>
           </a:p>
           <a:p>
             <a:pPr lvl="2"/>
             <a:r>
-              <a:rPr lang="en-US"/>
-              <a:t>Third level</a:t>
+              <a:rPr lang="es-ES"/>
+              <a:t>Tercer nivel</a:t>
             </a:r>
           </a:p>
           <a:p>
             <a:pPr lvl="3"/>
             <a:r>
-              <a:rPr lang="en-US"/>
-              <a:t>Fourth level</a:t>
+              <a:rPr lang="es-ES"/>
+              <a:t>Cuarto nivel</a:t>
             </a:r>
           </a:p>
           <a:p>
             <a:pPr lvl="4"/>
             <a:r>
-              <a:rPr lang="en-US"/>
-              <a:t>Fifth level</a:t>
+              <a:rPr lang="es-ES"/>
+              <a:t>Quinto nivel</a:t>
             </a:r>
-            <a:endParaRPr lang="en-GB"/>
+            <a:endParaRPr lang="en-US" dirty="0"/>
           </a:p>
         </p:txBody>
       </p:sp>
       <p:sp>
         <p:nvSpPr>
-          <p:cNvPr id="4" name="Date Placeholder 3">
-            <a:extLst>
-              <a:ext uri="{FF2B5EF4-FFF2-40B4-BE49-F238E27FC236}">
-                <a16:creationId xmlns:a16="http://schemas.microsoft.com/office/drawing/2014/main" id="{34AD79AF-665B-4AA1-81A7-7E9EE84B133A}"/>
-              </a:ext>
-            </a:extLst>
-          </p:cNvPr>
+          <p:cNvPr id="4" name="Date Placeholder 3"/>
           <p:cNvSpPr>
             <a:spLocks noGrp="1"/>
           </p:cNvSpPr>
@@ -3798,7 +5703,7 @@
           <a:p>
             <a:fld id="{2B42517C-430C-49A5-AADD-62D98583ED58}" type="datetimeFigureOut">
               <a:rPr lang="en-GB" smtClean="0"/>
-              <a:t>16/05/2020</a:t>
+              <a:t>23/05/2020</a:t>
             </a:fld>
             <a:endParaRPr lang="en-GB"/>
           </a:p>
@@ -3806,13 +5711,7 @@
       </p:sp>
       <p:sp>
         <p:nvSpPr>
-          <p:cNvPr id="5" name="Footer Placeholder 4">
-            <a:extLst>
-              <a:ext uri="{FF2B5EF4-FFF2-40B4-BE49-F238E27FC236}">
-                <a16:creationId xmlns:a16="http://schemas.microsoft.com/office/drawing/2014/main" id="{E0D10618-D327-4E23-BE6F-952789C1B658}"/>
-              </a:ext>
-            </a:extLst>
-          </p:cNvPr>
+          <p:cNvPr id="5" name="Footer Placeholder 4"/>
           <p:cNvSpPr>
             <a:spLocks noGrp="1"/>
           </p:cNvSpPr>
@@ -3831,13 +5730,7 @@
       </p:sp>
       <p:sp>
         <p:nvSpPr>
-          <p:cNvPr id="6" name="Slide Number Placeholder 5">
-            <a:extLst>
-              <a:ext uri="{FF2B5EF4-FFF2-40B4-BE49-F238E27FC236}">
-                <a16:creationId xmlns:a16="http://schemas.microsoft.com/office/drawing/2014/main" id="{44756CC5-AF56-4CB1-9333-60CD3ACF4F06}"/>
-              </a:ext>
-            </a:extLst>
-          </p:cNvPr>
+          <p:cNvPr id="6" name="Slide Number Placeholder 5"/>
           <p:cNvSpPr>
             <a:spLocks noGrp="1"/>
           </p:cNvSpPr>
@@ -3861,7 +5754,7 @@
     </p:spTree>
     <p:extLst>
       <p:ext uri="{BB962C8B-B14F-4D97-AF65-F5344CB8AC3E}">
-        <p14:creationId xmlns:p14="http://schemas.microsoft.com/office/powerpoint/2010/main" val="3744145782"/>
+        <p14:creationId xmlns:p14="http://schemas.microsoft.com/office/powerpoint/2010/main" val="1694578636"/>
       </p:ext>
     </p:extLst>
   </p:cSld>
@@ -3873,7 +5766,7 @@
 
 <file path=ppt/slideLayouts/slideLayout3.xml><?xml version="1.0" encoding="utf-8"?>
 <p:sldLayout xmlns:a="http://schemas.openxmlformats.org/drawingml/2006/main" xmlns:r="http://schemas.openxmlformats.org/officeDocument/2006/relationships" xmlns:p="http://schemas.openxmlformats.org/presentationml/2006/main" type="secHead" preserve="1">
-  <p:cSld name="Section Header">
+  <p:cSld name="Encabezado de sección">
     <p:spTree>
       <p:nvGrpSpPr>
         <p:cNvPr id="1" name=""/>
@@ -3890,13 +5783,7 @@
       </p:grpSpPr>
       <p:sp>
         <p:nvSpPr>
-          <p:cNvPr id="2" name="Title 1">
-            <a:extLst>
-              <a:ext uri="{FF2B5EF4-FFF2-40B4-BE49-F238E27FC236}">
-                <a16:creationId xmlns:a16="http://schemas.microsoft.com/office/drawing/2014/main" id="{C609DE72-C26D-4C42-97EA-17F99DE9A2C7}"/>
-              </a:ext>
-            </a:extLst>
-          </p:cNvPr>
+          <p:cNvPr id="2" name="Title 1"/>
           <p:cNvSpPr>
             <a:spLocks noGrp="1"/>
           </p:cNvSpPr>
@@ -3906,35 +5793,29 @@
         </p:nvSpPr>
         <p:spPr>
           <a:xfrm>
-            <a:off x="831850" y="1709738"/>
-            <a:ext cx="10515600" cy="2852737"/>
+            <a:off x="891639" y="1992320"/>
+            <a:ext cx="11271409" cy="3324231"/>
           </a:xfrm>
         </p:spPr>
         <p:txBody>
           <a:bodyPr anchor="b"/>
           <a:lstStyle>
             <a:lvl1pPr>
-              <a:defRPr sz="6000"/>
+              <a:defRPr sz="6431"/>
             </a:lvl1pPr>
           </a:lstStyle>
           <a:p>
             <a:r>
-              <a:rPr lang="en-US"/>
-              <a:t>Click to edit Master title style</a:t>
+              <a:rPr lang="es-ES"/>
+              <a:t>Haga clic para modificar el estilo de título del patrón</a:t>
             </a:r>
-            <a:endParaRPr lang="en-GB"/>
+            <a:endParaRPr lang="en-US" dirty="0"/>
           </a:p>
         </p:txBody>
       </p:sp>
       <p:sp>
         <p:nvSpPr>
-          <p:cNvPr id="3" name="Text Placeholder 2">
-            <a:extLst>
-              <a:ext uri="{FF2B5EF4-FFF2-40B4-BE49-F238E27FC236}">
-                <a16:creationId xmlns:a16="http://schemas.microsoft.com/office/drawing/2014/main" id="{2F41CFF4-BA24-43C0-8368-9B38681813F4}"/>
-              </a:ext>
-            </a:extLst>
-          </p:cNvPr>
+          <p:cNvPr id="3" name="Text Placeholder 2"/>
           <p:cNvSpPr>
             <a:spLocks noGrp="1"/>
           </p:cNvSpPr>
@@ -3944,8 +5825,8 @@
         </p:nvSpPr>
         <p:spPr>
           <a:xfrm>
-            <a:off x="831850" y="4589463"/>
-            <a:ext cx="10515600" cy="1500187"/>
+            <a:off x="891639" y="5348000"/>
+            <a:ext cx="11271409" cy="1748135"/>
           </a:xfrm>
         </p:spPr>
         <p:txBody>
@@ -3953,7 +5834,7 @@
           <a:lstStyle>
             <a:lvl1pPr marL="0" indent="0">
               <a:buNone/>
-              <a:defRPr sz="2400">
+              <a:defRPr sz="2573">
                 <a:solidFill>
                   <a:schemeClr val="tx1">
                     <a:tint val="75000"/>
@@ -3961,9 +5842,9 @@
                 </a:solidFill>
               </a:defRPr>
             </a:lvl1pPr>
-            <a:lvl2pPr marL="457200" indent="0">
+            <a:lvl2pPr marL="490073" indent="0">
               <a:buNone/>
-              <a:defRPr sz="2000">
+              <a:defRPr sz="2144">
                 <a:solidFill>
                   <a:schemeClr val="tx1">
                     <a:tint val="75000"/>
@@ -3971,9 +5852,9 @@
                 </a:solidFill>
               </a:defRPr>
             </a:lvl2pPr>
-            <a:lvl3pPr marL="914400" indent="0">
+            <a:lvl3pPr marL="980145" indent="0">
               <a:buNone/>
-              <a:defRPr sz="1800">
+              <a:defRPr sz="1929">
                 <a:solidFill>
                   <a:schemeClr val="tx1">
                     <a:tint val="75000"/>
@@ -3981,9 +5862,9 @@
                 </a:solidFill>
               </a:defRPr>
             </a:lvl3pPr>
-            <a:lvl4pPr marL="1371600" indent="0">
+            <a:lvl4pPr marL="1470218" indent="0">
               <a:buNone/>
-              <a:defRPr sz="1600">
+              <a:defRPr sz="1715">
                 <a:solidFill>
                   <a:schemeClr val="tx1">
                     <a:tint val="75000"/>
@@ -3991,9 +5872,9 @@
                 </a:solidFill>
               </a:defRPr>
             </a:lvl4pPr>
-            <a:lvl5pPr marL="1828800" indent="0">
+            <a:lvl5pPr marL="1960291" indent="0">
               <a:buNone/>
-              <a:defRPr sz="1600">
+              <a:defRPr sz="1715">
                 <a:solidFill>
                   <a:schemeClr val="tx1">
                     <a:tint val="75000"/>
@@ -4001,9 +5882,9 @@
                 </a:solidFill>
               </a:defRPr>
             </a:lvl5pPr>
-            <a:lvl6pPr marL="2286000" indent="0">
+            <a:lvl6pPr marL="2450363" indent="0">
               <a:buNone/>
-              <a:defRPr sz="1600">
+              <a:defRPr sz="1715">
                 <a:solidFill>
                   <a:schemeClr val="tx1">
                     <a:tint val="75000"/>
@@ -4011,9 +5892,9 @@
                 </a:solidFill>
               </a:defRPr>
             </a:lvl6pPr>
-            <a:lvl7pPr marL="2743200" indent="0">
+            <a:lvl7pPr marL="2940436" indent="0">
               <a:buNone/>
-              <a:defRPr sz="1600">
+              <a:defRPr sz="1715">
                 <a:solidFill>
                   <a:schemeClr val="tx1">
                     <a:tint val="75000"/>
@@ -4021,9 +5902,9 @@
                 </a:solidFill>
               </a:defRPr>
             </a:lvl7pPr>
-            <a:lvl8pPr marL="3200400" indent="0">
+            <a:lvl8pPr marL="3430509" indent="0">
               <a:buNone/>
-              <a:defRPr sz="1600">
+              <a:defRPr sz="1715">
                 <a:solidFill>
                   <a:schemeClr val="tx1">
                     <a:tint val="75000"/>
@@ -4031,9 +5912,9 @@
                 </a:solidFill>
               </a:defRPr>
             </a:lvl8pPr>
-            <a:lvl9pPr marL="3657600" indent="0">
+            <a:lvl9pPr marL="3920581" indent="0">
               <a:buNone/>
-              <a:defRPr sz="1600">
+              <a:defRPr sz="1715">
                 <a:solidFill>
                   <a:schemeClr val="tx1">
                     <a:tint val="75000"/>
@@ -4045,21 +5926,15 @@
           <a:p>
             <a:pPr lvl="0"/>
             <a:r>
-              <a:rPr lang="en-US"/>
-              <a:t>Click to edit Master text styles</a:t>
+              <a:rPr lang="es-ES"/>
+              <a:t>Haga clic para modificar los estilos de texto del patrón</a:t>
             </a:r>
           </a:p>
         </p:txBody>
       </p:sp>
       <p:sp>
         <p:nvSpPr>
-          <p:cNvPr id="4" name="Date Placeholder 3">
-            <a:extLst>
-              <a:ext uri="{FF2B5EF4-FFF2-40B4-BE49-F238E27FC236}">
-                <a16:creationId xmlns:a16="http://schemas.microsoft.com/office/drawing/2014/main" id="{7581BA9E-2505-4C95-9729-DC85F47A9BF3}"/>
-              </a:ext>
-            </a:extLst>
-          </p:cNvPr>
+          <p:cNvPr id="4" name="Date Placeholder 3"/>
           <p:cNvSpPr>
             <a:spLocks noGrp="1"/>
           </p:cNvSpPr>
@@ -4074,7 +5949,7 @@
           <a:p>
             <a:fld id="{2B42517C-430C-49A5-AADD-62D98583ED58}" type="datetimeFigureOut">
               <a:rPr lang="en-GB" smtClean="0"/>
-              <a:t>16/05/2020</a:t>
+              <a:t>23/05/2020</a:t>
             </a:fld>
             <a:endParaRPr lang="en-GB"/>
           </a:p>
@@ -4082,13 +5957,7 @@
       </p:sp>
       <p:sp>
         <p:nvSpPr>
-          <p:cNvPr id="5" name="Footer Placeholder 4">
-            <a:extLst>
-              <a:ext uri="{FF2B5EF4-FFF2-40B4-BE49-F238E27FC236}">
-                <a16:creationId xmlns:a16="http://schemas.microsoft.com/office/drawing/2014/main" id="{1C81DD35-352E-43EC-A031-9F1E52ABBD37}"/>
-              </a:ext>
-            </a:extLst>
-          </p:cNvPr>
+          <p:cNvPr id="5" name="Footer Placeholder 4"/>
           <p:cNvSpPr>
             <a:spLocks noGrp="1"/>
           </p:cNvSpPr>
@@ -4107,13 +5976,7 @@
       </p:sp>
       <p:sp>
         <p:nvSpPr>
-          <p:cNvPr id="6" name="Slide Number Placeholder 5">
-            <a:extLst>
-              <a:ext uri="{FF2B5EF4-FFF2-40B4-BE49-F238E27FC236}">
-                <a16:creationId xmlns:a16="http://schemas.microsoft.com/office/drawing/2014/main" id="{0397E51E-0961-42EE-AE83-12199231DF4E}"/>
-              </a:ext>
-            </a:extLst>
-          </p:cNvPr>
+          <p:cNvPr id="6" name="Slide Number Placeholder 5"/>
           <p:cNvSpPr>
             <a:spLocks noGrp="1"/>
           </p:cNvSpPr>
@@ -4137,7 +6000,7 @@
     </p:spTree>
     <p:extLst>
       <p:ext uri="{BB962C8B-B14F-4D97-AF65-F5344CB8AC3E}">
-        <p14:creationId xmlns:p14="http://schemas.microsoft.com/office/powerpoint/2010/main" val="3739777990"/>
+        <p14:creationId xmlns:p14="http://schemas.microsoft.com/office/powerpoint/2010/main" val="2400027573"/>
       </p:ext>
     </p:extLst>
   </p:cSld>
@@ -4149,7 +6012,7 @@
 
 <file path=ppt/slideLayouts/slideLayout4.xml><?xml version="1.0" encoding="utf-8"?>
 <p:sldLayout xmlns:a="http://schemas.openxmlformats.org/drawingml/2006/main" xmlns:r="http://schemas.openxmlformats.org/officeDocument/2006/relationships" xmlns:p="http://schemas.openxmlformats.org/presentationml/2006/main" type="twoObj" preserve="1">
-  <p:cSld name="Two Content">
+  <p:cSld name="Dos objetos">
     <p:spTree>
       <p:nvGrpSpPr>
         <p:cNvPr id="1" name=""/>
@@ -4166,13 +6029,7 @@
       </p:grpSpPr>
       <p:sp>
         <p:nvSpPr>
-          <p:cNvPr id="2" name="Title 1">
-            <a:extLst>
-              <a:ext uri="{FF2B5EF4-FFF2-40B4-BE49-F238E27FC236}">
-                <a16:creationId xmlns:a16="http://schemas.microsoft.com/office/drawing/2014/main" id="{E644DD46-D730-433B-B1DF-BB239264552E}"/>
-              </a:ext>
-            </a:extLst>
-          </p:cNvPr>
+          <p:cNvPr id="2" name="Title 1"/>
           <p:cNvSpPr>
             <a:spLocks noGrp="1"/>
           </p:cNvSpPr>
@@ -4186,22 +6043,16 @@
           <a:lstStyle/>
           <a:p>
             <a:r>
-              <a:rPr lang="en-US"/>
-              <a:t>Click to edit Master title style</a:t>
+              <a:rPr lang="es-ES"/>
+              <a:t>Haga clic para modificar el estilo de título del patrón</a:t>
             </a:r>
-            <a:endParaRPr lang="en-GB"/>
+            <a:endParaRPr lang="en-US" dirty="0"/>
           </a:p>
         </p:txBody>
       </p:sp>
       <p:sp>
         <p:nvSpPr>
-          <p:cNvPr id="3" name="Content Placeholder 2">
-            <a:extLst>
-              <a:ext uri="{FF2B5EF4-FFF2-40B4-BE49-F238E27FC236}">
-                <a16:creationId xmlns:a16="http://schemas.microsoft.com/office/drawing/2014/main" id="{F3426929-A0BF-47E8-BA02-01D538DEEAB0}"/>
-              </a:ext>
-            </a:extLst>
-          </p:cNvPr>
+          <p:cNvPr id="3" name="Content Placeholder 2"/>
           <p:cNvSpPr>
             <a:spLocks noGrp="1"/>
           </p:cNvSpPr>
@@ -4211,8 +6062,8 @@
         </p:nvSpPr>
         <p:spPr>
           <a:xfrm>
-            <a:off x="838200" y="1825625"/>
-            <a:ext cx="5181600" cy="4351338"/>
+            <a:off x="898445" y="2127360"/>
+            <a:ext cx="5554028" cy="5070517"/>
           </a:xfrm>
         </p:spPr>
         <p:txBody>
@@ -4221,50 +6072,44 @@
           <a:p>
             <a:pPr lvl="0"/>
             <a:r>
-              <a:rPr lang="en-US"/>
-              <a:t>Click to edit Master text styles</a:t>
+              <a:rPr lang="es-ES"/>
+              <a:t>Haga clic para modificar los estilos de texto del patrón</a:t>
             </a:r>
           </a:p>
           <a:p>
             <a:pPr lvl="1"/>
             <a:r>
-              <a:rPr lang="en-US"/>
-              <a:t>Second level</a:t>
+              <a:rPr lang="es-ES"/>
+              <a:t>Segundo nivel</a:t>
             </a:r>
           </a:p>
           <a:p>
             <a:pPr lvl="2"/>
             <a:r>
-              <a:rPr lang="en-US"/>
-              <a:t>Third level</a:t>
+              <a:rPr lang="es-ES"/>
+              <a:t>Tercer nivel</a:t>
             </a:r>
           </a:p>
           <a:p>
             <a:pPr lvl="3"/>
             <a:r>
-              <a:rPr lang="en-US"/>
-              <a:t>Fourth level</a:t>
+              <a:rPr lang="es-ES"/>
+              <a:t>Cuarto nivel</a:t>
             </a:r>
           </a:p>
           <a:p>
             <a:pPr lvl="4"/>
             <a:r>
-              <a:rPr lang="en-US"/>
-              <a:t>Fifth level</a:t>
+              <a:rPr lang="es-ES"/>
+              <a:t>Quinto nivel</a:t>
             </a:r>
-            <a:endParaRPr lang="en-GB"/>
+            <a:endParaRPr lang="en-US" dirty="0"/>
           </a:p>
         </p:txBody>
       </p:sp>
       <p:sp>
         <p:nvSpPr>
-          <p:cNvPr id="4" name="Content Placeholder 3">
-            <a:extLst>
-              <a:ext uri="{FF2B5EF4-FFF2-40B4-BE49-F238E27FC236}">
-                <a16:creationId xmlns:a16="http://schemas.microsoft.com/office/drawing/2014/main" id="{751AF042-DBA7-497C-876A-E12F4668381F}"/>
-              </a:ext>
-            </a:extLst>
-          </p:cNvPr>
+          <p:cNvPr id="4" name="Content Placeholder 3"/>
           <p:cNvSpPr>
             <a:spLocks noGrp="1"/>
           </p:cNvSpPr>
@@ -4274,8 +6119,8 @@
         </p:nvSpPr>
         <p:spPr>
           <a:xfrm>
-            <a:off x="6172200" y="1825625"/>
-            <a:ext cx="5181600" cy="4351338"/>
+            <a:off x="6615827" y="2127360"/>
+            <a:ext cx="5554028" cy="5070517"/>
           </a:xfrm>
         </p:spPr>
         <p:txBody>
@@ -4284,50 +6129,44 @@
           <a:p>
             <a:pPr lvl="0"/>
             <a:r>
-              <a:rPr lang="en-US"/>
-              <a:t>Click to edit Master text styles</a:t>
+              <a:rPr lang="es-ES"/>
+              <a:t>Haga clic para modificar los estilos de texto del patrón</a:t>
             </a:r>
           </a:p>
           <a:p>
             <a:pPr lvl="1"/>
             <a:r>
-              <a:rPr lang="en-US"/>
-              <a:t>Second level</a:t>
+              <a:rPr lang="es-ES"/>
+              <a:t>Segundo nivel</a:t>
             </a:r>
           </a:p>
           <a:p>
             <a:pPr lvl="2"/>
             <a:r>
-              <a:rPr lang="en-US"/>
-              <a:t>Third level</a:t>
+              <a:rPr lang="es-ES"/>
+              <a:t>Tercer nivel</a:t>
             </a:r>
           </a:p>
           <a:p>
             <a:pPr lvl="3"/>
             <a:r>
-              <a:rPr lang="en-US"/>
-              <a:t>Fourth level</a:t>
+              <a:rPr lang="es-ES"/>
+              <a:t>Cuarto nivel</a:t>
             </a:r>
           </a:p>
           <a:p>
             <a:pPr lvl="4"/>
             <a:r>
-              <a:rPr lang="en-US"/>
-              <a:t>Fifth level</a:t>
+              <a:rPr lang="es-ES"/>
+              <a:t>Quinto nivel</a:t>
             </a:r>
-            <a:endParaRPr lang="en-GB"/>
+            <a:endParaRPr lang="en-US" dirty="0"/>
           </a:p>
         </p:txBody>
       </p:sp>
       <p:sp>
         <p:nvSpPr>
-          <p:cNvPr id="5" name="Date Placeholder 4">
-            <a:extLst>
-              <a:ext uri="{FF2B5EF4-FFF2-40B4-BE49-F238E27FC236}">
-                <a16:creationId xmlns:a16="http://schemas.microsoft.com/office/drawing/2014/main" id="{42FEA48A-88DF-4D89-A40B-1C15266B5F6B}"/>
-              </a:ext>
-            </a:extLst>
-          </p:cNvPr>
+          <p:cNvPr id="5" name="Date Placeholder 4"/>
           <p:cNvSpPr>
             <a:spLocks noGrp="1"/>
           </p:cNvSpPr>
@@ -4342,7 +6181,7 @@
           <a:p>
             <a:fld id="{2B42517C-430C-49A5-AADD-62D98583ED58}" type="datetimeFigureOut">
               <a:rPr lang="en-GB" smtClean="0"/>
-              <a:t>16/05/2020</a:t>
+              <a:t>23/05/2020</a:t>
             </a:fld>
             <a:endParaRPr lang="en-GB"/>
           </a:p>
@@ -4350,13 +6189,7 @@
       </p:sp>
       <p:sp>
         <p:nvSpPr>
-          <p:cNvPr id="6" name="Footer Placeholder 5">
-            <a:extLst>
-              <a:ext uri="{FF2B5EF4-FFF2-40B4-BE49-F238E27FC236}">
-                <a16:creationId xmlns:a16="http://schemas.microsoft.com/office/drawing/2014/main" id="{ABA4ABFB-DABD-4966-8C3D-DD0503EE6150}"/>
-              </a:ext>
-            </a:extLst>
-          </p:cNvPr>
+          <p:cNvPr id="6" name="Footer Placeholder 5"/>
           <p:cNvSpPr>
             <a:spLocks noGrp="1"/>
           </p:cNvSpPr>
@@ -4375,13 +6208,7 @@
       </p:sp>
       <p:sp>
         <p:nvSpPr>
-          <p:cNvPr id="7" name="Slide Number Placeholder 6">
-            <a:extLst>
-              <a:ext uri="{FF2B5EF4-FFF2-40B4-BE49-F238E27FC236}">
-                <a16:creationId xmlns:a16="http://schemas.microsoft.com/office/drawing/2014/main" id="{1E8E126A-18E8-448C-B292-B3758AE91FD7}"/>
-              </a:ext>
-            </a:extLst>
-          </p:cNvPr>
+          <p:cNvPr id="7" name="Slide Number Placeholder 6"/>
           <p:cNvSpPr>
             <a:spLocks noGrp="1"/>
           </p:cNvSpPr>
@@ -4405,7 +6232,7 @@
     </p:spTree>
     <p:extLst>
       <p:ext uri="{BB962C8B-B14F-4D97-AF65-F5344CB8AC3E}">
-        <p14:creationId xmlns:p14="http://schemas.microsoft.com/office/powerpoint/2010/main" val="1863484687"/>
+        <p14:creationId xmlns:p14="http://schemas.microsoft.com/office/powerpoint/2010/main" val="734335866"/>
       </p:ext>
     </p:extLst>
   </p:cSld>
@@ -4417,7 +6244,7 @@
 
 <file path=ppt/slideLayouts/slideLayout5.xml><?xml version="1.0" encoding="utf-8"?>
 <p:sldLayout xmlns:a="http://schemas.openxmlformats.org/drawingml/2006/main" xmlns:r="http://schemas.openxmlformats.org/officeDocument/2006/relationships" xmlns:p="http://schemas.openxmlformats.org/presentationml/2006/main" type="twoTxTwoObj" preserve="1">
-  <p:cSld name="Comparison">
+  <p:cSld name="Comparación">
     <p:spTree>
       <p:nvGrpSpPr>
         <p:cNvPr id="1" name=""/>
@@ -4434,13 +6261,7 @@
       </p:grpSpPr>
       <p:sp>
         <p:nvSpPr>
-          <p:cNvPr id="2" name="Title 1">
-            <a:extLst>
-              <a:ext uri="{FF2B5EF4-FFF2-40B4-BE49-F238E27FC236}">
-                <a16:creationId xmlns:a16="http://schemas.microsoft.com/office/drawing/2014/main" id="{42112206-0C4F-49EC-8AC5-4DBD7E90A0BD}"/>
-              </a:ext>
-            </a:extLst>
-          </p:cNvPr>
+          <p:cNvPr id="2" name="Title 1"/>
           <p:cNvSpPr>
             <a:spLocks noGrp="1"/>
           </p:cNvSpPr>
@@ -4450,8 +6271,8 @@
         </p:nvSpPr>
         <p:spPr>
           <a:xfrm>
-            <a:off x="839788" y="365125"/>
-            <a:ext cx="10515600" cy="1325563"/>
+            <a:off x="900148" y="425473"/>
+            <a:ext cx="11271409" cy="1544649"/>
           </a:xfrm>
         </p:spPr>
         <p:txBody>
@@ -4459,22 +6280,16 @@
           <a:lstStyle/>
           <a:p>
             <a:r>
-              <a:rPr lang="en-US"/>
-              <a:t>Click to edit Master title style</a:t>
+              <a:rPr lang="es-ES"/>
+              <a:t>Haga clic para modificar el estilo de título del patrón</a:t>
             </a:r>
-            <a:endParaRPr lang="en-GB"/>
+            <a:endParaRPr lang="en-US" dirty="0"/>
           </a:p>
         </p:txBody>
       </p:sp>
       <p:sp>
         <p:nvSpPr>
-          <p:cNvPr id="3" name="Text Placeholder 2">
-            <a:extLst>
-              <a:ext uri="{FF2B5EF4-FFF2-40B4-BE49-F238E27FC236}">
-                <a16:creationId xmlns:a16="http://schemas.microsoft.com/office/drawing/2014/main" id="{F7A8EF64-15C1-420A-BD0A-9C633C25347A}"/>
-              </a:ext>
-            </a:extLst>
-          </p:cNvPr>
+          <p:cNvPr id="3" name="Text Placeholder 2"/>
           <p:cNvSpPr>
             <a:spLocks noGrp="1"/>
           </p:cNvSpPr>
@@ -4484,8 +6299,8 @@
         </p:nvSpPr>
         <p:spPr>
           <a:xfrm>
-            <a:off x="839788" y="1681163"/>
-            <a:ext cx="5157787" cy="823912"/>
+            <a:off x="900148" y="1959022"/>
+            <a:ext cx="5528503" cy="960086"/>
           </a:xfrm>
         </p:spPr>
         <p:txBody>
@@ -4493,59 +6308,53 @@
           <a:lstStyle>
             <a:lvl1pPr marL="0" indent="0">
               <a:buNone/>
-              <a:defRPr sz="2400" b="1"/>
+              <a:defRPr sz="2573" b="1"/>
             </a:lvl1pPr>
-            <a:lvl2pPr marL="457200" indent="0">
+            <a:lvl2pPr marL="490073" indent="0">
               <a:buNone/>
-              <a:defRPr sz="2000" b="1"/>
+              <a:defRPr sz="2144" b="1"/>
             </a:lvl2pPr>
-            <a:lvl3pPr marL="914400" indent="0">
+            <a:lvl3pPr marL="980145" indent="0">
               <a:buNone/>
-              <a:defRPr sz="1800" b="1"/>
+              <a:defRPr sz="1929" b="1"/>
             </a:lvl3pPr>
-            <a:lvl4pPr marL="1371600" indent="0">
+            <a:lvl4pPr marL="1470218" indent="0">
               <a:buNone/>
-              <a:defRPr sz="1600" b="1"/>
+              <a:defRPr sz="1715" b="1"/>
             </a:lvl4pPr>
-            <a:lvl5pPr marL="1828800" indent="0">
+            <a:lvl5pPr marL="1960291" indent="0">
               <a:buNone/>
-              <a:defRPr sz="1600" b="1"/>
+              <a:defRPr sz="1715" b="1"/>
             </a:lvl5pPr>
-            <a:lvl6pPr marL="2286000" indent="0">
+            <a:lvl6pPr marL="2450363" indent="0">
               <a:buNone/>
-              <a:defRPr sz="1600" b="1"/>
+              <a:defRPr sz="1715" b="1"/>
             </a:lvl6pPr>
-            <a:lvl7pPr marL="2743200" indent="0">
+            <a:lvl7pPr marL="2940436" indent="0">
               <a:buNone/>
-              <a:defRPr sz="1600" b="1"/>
+              <a:defRPr sz="1715" b="1"/>
             </a:lvl7pPr>
-            <a:lvl8pPr marL="3200400" indent="0">
+            <a:lvl8pPr marL="3430509" indent="0">
               <a:buNone/>
-              <a:defRPr sz="1600" b="1"/>
+              <a:defRPr sz="1715" b="1"/>
             </a:lvl8pPr>
-            <a:lvl9pPr marL="3657600" indent="0">
+            <a:lvl9pPr marL="3920581" indent="0">
               <a:buNone/>
-              <a:defRPr sz="1600" b="1"/>
+              <a:defRPr sz="1715" b="1"/>
             </a:lvl9pPr>
           </a:lstStyle>
           <a:p>
             <a:pPr lvl="0"/>
             <a:r>
-              <a:rPr lang="en-US"/>
-              <a:t>Click to edit Master text styles</a:t>
+              <a:rPr lang="es-ES"/>
+              <a:t>Haga clic para modificar los estilos de texto del patrón</a:t>
             </a:r>
           </a:p>
         </p:txBody>
       </p:sp>
       <p:sp>
         <p:nvSpPr>
-          <p:cNvPr id="4" name="Content Placeholder 3">
-            <a:extLst>
-              <a:ext uri="{FF2B5EF4-FFF2-40B4-BE49-F238E27FC236}">
-                <a16:creationId xmlns:a16="http://schemas.microsoft.com/office/drawing/2014/main" id="{84F80497-08B4-4AC0-87F5-3D7F7122654A}"/>
-              </a:ext>
-            </a:extLst>
-          </p:cNvPr>
+          <p:cNvPr id="4" name="Content Placeholder 3"/>
           <p:cNvSpPr>
             <a:spLocks noGrp="1"/>
           </p:cNvSpPr>
@@ -4555,8 +6364,8 @@
         </p:nvSpPr>
         <p:spPr>
           <a:xfrm>
-            <a:off x="839788" y="2505075"/>
-            <a:ext cx="5157787" cy="3684588"/>
+            <a:off x="900148" y="2919108"/>
+            <a:ext cx="5528503" cy="4293569"/>
           </a:xfrm>
         </p:spPr>
         <p:txBody>
@@ -4565,50 +6374,44 @@
           <a:p>
             <a:pPr lvl="0"/>
             <a:r>
-              <a:rPr lang="en-US"/>
-              <a:t>Click to edit Master text styles</a:t>
+              <a:rPr lang="es-ES"/>
+              <a:t>Haga clic para modificar los estilos de texto del patrón</a:t>
             </a:r>
           </a:p>
           <a:p>
             <a:pPr lvl="1"/>
             <a:r>
-              <a:rPr lang="en-US"/>
-              <a:t>Second level</a:t>
+              <a:rPr lang="es-ES"/>
+              <a:t>Segundo nivel</a:t>
             </a:r>
           </a:p>
           <a:p>
             <a:pPr lvl="2"/>
             <a:r>
-              <a:rPr lang="en-US"/>
-              <a:t>Third level</a:t>
+              <a:rPr lang="es-ES"/>
+              <a:t>Tercer nivel</a:t>
             </a:r>
           </a:p>
           <a:p>
             <a:pPr lvl="3"/>
             <a:r>
-              <a:rPr lang="en-US"/>
-              <a:t>Fourth level</a:t>
+              <a:rPr lang="es-ES"/>
+              <a:t>Cuarto nivel</a:t>
             </a:r>
           </a:p>
           <a:p>
             <a:pPr lvl="4"/>
             <a:r>
-              <a:rPr lang="en-US"/>
-              <a:t>Fifth level</a:t>
+              <a:rPr lang="es-ES"/>
+              <a:t>Quinto nivel</a:t>
             </a:r>
-            <a:endParaRPr lang="en-GB"/>
+            <a:endParaRPr lang="en-US" dirty="0"/>
           </a:p>
         </p:txBody>
       </p:sp>
       <p:sp>
         <p:nvSpPr>
-          <p:cNvPr id="5" name="Text Placeholder 4">
-            <a:extLst>
-              <a:ext uri="{FF2B5EF4-FFF2-40B4-BE49-F238E27FC236}">
-                <a16:creationId xmlns:a16="http://schemas.microsoft.com/office/drawing/2014/main" id="{343DBCB7-1898-4DFB-B994-E8FECEE00CAD}"/>
-              </a:ext>
-            </a:extLst>
-          </p:cNvPr>
+          <p:cNvPr id="5" name="Text Placeholder 4"/>
           <p:cNvSpPr>
             <a:spLocks noGrp="1"/>
           </p:cNvSpPr>
@@ -4618,8 +6421,8 @@
         </p:nvSpPr>
         <p:spPr>
           <a:xfrm>
-            <a:off x="6172200" y="1681163"/>
-            <a:ext cx="5183188" cy="823912"/>
+            <a:off x="6615827" y="1959022"/>
+            <a:ext cx="5555730" cy="960086"/>
           </a:xfrm>
         </p:spPr>
         <p:txBody>
@@ -4627,59 +6430,53 @@
           <a:lstStyle>
             <a:lvl1pPr marL="0" indent="0">
               <a:buNone/>
-              <a:defRPr sz="2400" b="1"/>
+              <a:defRPr sz="2573" b="1"/>
             </a:lvl1pPr>
-            <a:lvl2pPr marL="457200" indent="0">
+            <a:lvl2pPr marL="490073" indent="0">
               <a:buNone/>
-              <a:defRPr sz="2000" b="1"/>
+              <a:defRPr sz="2144" b="1"/>
             </a:lvl2pPr>
-            <a:lvl3pPr marL="914400" indent="0">
+            <a:lvl3pPr marL="980145" indent="0">
               <a:buNone/>
-              <a:defRPr sz="1800" b="1"/>
+              <a:defRPr sz="1929" b="1"/>
             </a:lvl3pPr>
-            <a:lvl4pPr marL="1371600" indent="0">
+            <a:lvl4pPr marL="1470218" indent="0">
               <a:buNone/>
-              <a:defRPr sz="1600" b="1"/>
+              <a:defRPr sz="1715" b="1"/>
             </a:lvl4pPr>
-            <a:lvl5pPr marL="1828800" indent="0">
+            <a:lvl5pPr marL="1960291" indent="0">
               <a:buNone/>
-              <a:defRPr sz="1600" b="1"/>
+              <a:defRPr sz="1715" b="1"/>
             </a:lvl5pPr>
-            <a:lvl6pPr marL="2286000" indent="0">
+            <a:lvl6pPr marL="2450363" indent="0">
               <a:buNone/>
-              <a:defRPr sz="1600" b="1"/>
+              <a:defRPr sz="1715" b="1"/>
             </a:lvl6pPr>
-            <a:lvl7pPr marL="2743200" indent="0">
+            <a:lvl7pPr marL="2940436" indent="0">
               <a:buNone/>
-              <a:defRPr sz="1600" b="1"/>
+              <a:defRPr sz="1715" b="1"/>
             </a:lvl7pPr>
-            <a:lvl8pPr marL="3200400" indent="0">
+            <a:lvl8pPr marL="3430509" indent="0">
               <a:buNone/>
-              <a:defRPr sz="1600" b="1"/>
+              <a:defRPr sz="1715" b="1"/>
             </a:lvl8pPr>
-            <a:lvl9pPr marL="3657600" indent="0">
+            <a:lvl9pPr marL="3920581" indent="0">
               <a:buNone/>
-              <a:defRPr sz="1600" b="1"/>
+              <a:defRPr sz="1715" b="1"/>
             </a:lvl9pPr>
           </a:lstStyle>
           <a:p>
             <a:pPr lvl="0"/>
             <a:r>
-              <a:rPr lang="en-US"/>
-              <a:t>Click to edit Master text styles</a:t>
+              <a:rPr lang="es-ES"/>
+              <a:t>Haga clic para modificar los estilos de texto del patrón</a:t>
             </a:r>
           </a:p>
         </p:txBody>
       </p:sp>
       <p:sp>
         <p:nvSpPr>
-          <p:cNvPr id="6" name="Content Placeholder 5">
-            <a:extLst>
-              <a:ext uri="{FF2B5EF4-FFF2-40B4-BE49-F238E27FC236}">
-                <a16:creationId xmlns:a16="http://schemas.microsoft.com/office/drawing/2014/main" id="{42429C8A-2C90-47C7-90A9-C12EECDA3A24}"/>
-              </a:ext>
-            </a:extLst>
-          </p:cNvPr>
+          <p:cNvPr id="6" name="Content Placeholder 5"/>
           <p:cNvSpPr>
             <a:spLocks noGrp="1"/>
           </p:cNvSpPr>
@@ -4689,8 +6486,8 @@
         </p:nvSpPr>
         <p:spPr>
           <a:xfrm>
-            <a:off x="6172200" y="2505075"/>
-            <a:ext cx="5183188" cy="3684588"/>
+            <a:off x="6615827" y="2919108"/>
+            <a:ext cx="5555730" cy="4293569"/>
           </a:xfrm>
         </p:spPr>
         <p:txBody>
@@ -4699,50 +6496,44 @@
           <a:p>
             <a:pPr lvl="0"/>
             <a:r>
-              <a:rPr lang="en-US"/>
-              <a:t>Click to edit Master text styles</a:t>
+              <a:rPr lang="es-ES"/>
+              <a:t>Haga clic para modificar los estilos de texto del patrón</a:t>
             </a:r>
           </a:p>
           <a:p>
             <a:pPr lvl="1"/>
             <a:r>
-              <a:rPr lang="en-US"/>
-              <a:t>Second level</a:t>
+              <a:rPr lang="es-ES"/>
+              <a:t>Segundo nivel</a:t>
             </a:r>
           </a:p>
           <a:p>
             <a:pPr lvl="2"/>
             <a:r>
-              <a:rPr lang="en-US"/>
-              <a:t>Third level</a:t>
+              <a:rPr lang="es-ES"/>
+              <a:t>Tercer nivel</a:t>
             </a:r>
           </a:p>
           <a:p>
             <a:pPr lvl="3"/>
             <a:r>
-              <a:rPr lang="en-US"/>
-              <a:t>Fourth level</a:t>
+              <a:rPr lang="es-ES"/>
+              <a:t>Cuarto nivel</a:t>
             </a:r>
           </a:p>
           <a:p>
             <a:pPr lvl="4"/>
             <a:r>
-              <a:rPr lang="en-US"/>
-              <a:t>Fifth level</a:t>
+              <a:rPr lang="es-ES"/>
+              <a:t>Quinto nivel</a:t>
             </a:r>
-            <a:endParaRPr lang="en-GB"/>
+            <a:endParaRPr lang="en-US" dirty="0"/>
           </a:p>
         </p:txBody>
       </p:sp>
       <p:sp>
         <p:nvSpPr>
-          <p:cNvPr id="7" name="Date Placeholder 6">
-            <a:extLst>
-              <a:ext uri="{FF2B5EF4-FFF2-40B4-BE49-F238E27FC236}">
-                <a16:creationId xmlns:a16="http://schemas.microsoft.com/office/drawing/2014/main" id="{99095F94-E8C6-487B-99C1-7FBEFD1689A1}"/>
-              </a:ext>
-            </a:extLst>
-          </p:cNvPr>
+          <p:cNvPr id="7" name="Date Placeholder 6"/>
           <p:cNvSpPr>
             <a:spLocks noGrp="1"/>
           </p:cNvSpPr>
@@ -4757,7 +6548,7 @@
           <a:p>
             <a:fld id="{2B42517C-430C-49A5-AADD-62D98583ED58}" type="datetimeFigureOut">
               <a:rPr lang="en-GB" smtClean="0"/>
-              <a:t>16/05/2020</a:t>
+              <a:t>23/05/2020</a:t>
             </a:fld>
             <a:endParaRPr lang="en-GB"/>
           </a:p>
@@ -4765,13 +6556,7 @@
       </p:sp>
       <p:sp>
         <p:nvSpPr>
-          <p:cNvPr id="8" name="Footer Placeholder 7">
-            <a:extLst>
-              <a:ext uri="{FF2B5EF4-FFF2-40B4-BE49-F238E27FC236}">
-                <a16:creationId xmlns:a16="http://schemas.microsoft.com/office/drawing/2014/main" id="{F47A9C73-0CF3-4BFB-9F81-C9CE9FFC95C0}"/>
-              </a:ext>
-            </a:extLst>
-          </p:cNvPr>
+          <p:cNvPr id="8" name="Footer Placeholder 7"/>
           <p:cNvSpPr>
             <a:spLocks noGrp="1"/>
           </p:cNvSpPr>
@@ -4790,13 +6575,7 @@
       </p:sp>
       <p:sp>
         <p:nvSpPr>
-          <p:cNvPr id="9" name="Slide Number Placeholder 8">
-            <a:extLst>
-              <a:ext uri="{FF2B5EF4-FFF2-40B4-BE49-F238E27FC236}">
-                <a16:creationId xmlns:a16="http://schemas.microsoft.com/office/drawing/2014/main" id="{31CC22AB-B2F2-430E-80D9-F545D0EFD597}"/>
-              </a:ext>
-            </a:extLst>
-          </p:cNvPr>
+          <p:cNvPr id="9" name="Slide Number Placeholder 8"/>
           <p:cNvSpPr>
             <a:spLocks noGrp="1"/>
           </p:cNvSpPr>
@@ -4820,7 +6599,7 @@
     </p:spTree>
     <p:extLst>
       <p:ext uri="{BB962C8B-B14F-4D97-AF65-F5344CB8AC3E}">
-        <p14:creationId xmlns:p14="http://schemas.microsoft.com/office/powerpoint/2010/main" val="3487716644"/>
+        <p14:creationId xmlns:p14="http://schemas.microsoft.com/office/powerpoint/2010/main" val="2123764403"/>
       </p:ext>
     </p:extLst>
   </p:cSld>
@@ -4832,7 +6611,7 @@
 
 <file path=ppt/slideLayouts/slideLayout6.xml><?xml version="1.0" encoding="utf-8"?>
 <p:sldLayout xmlns:a="http://schemas.openxmlformats.org/drawingml/2006/main" xmlns:r="http://schemas.openxmlformats.org/officeDocument/2006/relationships" xmlns:p="http://schemas.openxmlformats.org/presentationml/2006/main" type="titleOnly" preserve="1">
-  <p:cSld name="Title Only">
+  <p:cSld name="Solo el título">
     <p:spTree>
       <p:nvGrpSpPr>
         <p:cNvPr id="1" name=""/>
@@ -4849,13 +6628,7 @@
       </p:grpSpPr>
       <p:sp>
         <p:nvSpPr>
-          <p:cNvPr id="2" name="Title 1">
-            <a:extLst>
-              <a:ext uri="{FF2B5EF4-FFF2-40B4-BE49-F238E27FC236}">
-                <a16:creationId xmlns:a16="http://schemas.microsoft.com/office/drawing/2014/main" id="{79D0C373-86C0-4094-BDFE-EC061CB2E75A}"/>
-              </a:ext>
-            </a:extLst>
-          </p:cNvPr>
+          <p:cNvPr id="2" name="Title 1"/>
           <p:cNvSpPr>
             <a:spLocks noGrp="1"/>
           </p:cNvSpPr>
@@ -4869,22 +6642,16 @@
           <a:lstStyle/>
           <a:p>
             <a:r>
-              <a:rPr lang="en-US"/>
-              <a:t>Click to edit Master title style</a:t>
+              <a:rPr lang="es-ES"/>
+              <a:t>Haga clic para modificar el estilo de título del patrón</a:t>
             </a:r>
-            <a:endParaRPr lang="en-GB"/>
+            <a:endParaRPr lang="en-US" dirty="0"/>
           </a:p>
         </p:txBody>
       </p:sp>
       <p:sp>
         <p:nvSpPr>
-          <p:cNvPr id="3" name="Date Placeholder 2">
-            <a:extLst>
-              <a:ext uri="{FF2B5EF4-FFF2-40B4-BE49-F238E27FC236}">
-                <a16:creationId xmlns:a16="http://schemas.microsoft.com/office/drawing/2014/main" id="{344CCE5A-9DDA-4258-9201-0086EA6EE433}"/>
-              </a:ext>
-            </a:extLst>
-          </p:cNvPr>
+          <p:cNvPr id="3" name="Date Placeholder 2"/>
           <p:cNvSpPr>
             <a:spLocks noGrp="1"/>
           </p:cNvSpPr>
@@ -4899,7 +6666,7 @@
           <a:p>
             <a:fld id="{2B42517C-430C-49A5-AADD-62D98583ED58}" type="datetimeFigureOut">
               <a:rPr lang="en-GB" smtClean="0"/>
-              <a:t>16/05/2020</a:t>
+              <a:t>23/05/2020</a:t>
             </a:fld>
             <a:endParaRPr lang="en-GB"/>
           </a:p>
@@ -4907,13 +6674,7 @@
       </p:sp>
       <p:sp>
         <p:nvSpPr>
-          <p:cNvPr id="4" name="Footer Placeholder 3">
-            <a:extLst>
-              <a:ext uri="{FF2B5EF4-FFF2-40B4-BE49-F238E27FC236}">
-                <a16:creationId xmlns:a16="http://schemas.microsoft.com/office/drawing/2014/main" id="{BC7945A2-962B-449B-9284-403971C088FE}"/>
-              </a:ext>
-            </a:extLst>
-          </p:cNvPr>
+          <p:cNvPr id="4" name="Footer Placeholder 3"/>
           <p:cNvSpPr>
             <a:spLocks noGrp="1"/>
           </p:cNvSpPr>
@@ -4932,13 +6693,7 @@
       </p:sp>
       <p:sp>
         <p:nvSpPr>
-          <p:cNvPr id="5" name="Slide Number Placeholder 4">
-            <a:extLst>
-              <a:ext uri="{FF2B5EF4-FFF2-40B4-BE49-F238E27FC236}">
-                <a16:creationId xmlns:a16="http://schemas.microsoft.com/office/drawing/2014/main" id="{22BBBE75-7258-4729-B078-525B444607C2}"/>
-              </a:ext>
-            </a:extLst>
-          </p:cNvPr>
+          <p:cNvPr id="5" name="Slide Number Placeholder 4"/>
           <p:cNvSpPr>
             <a:spLocks noGrp="1"/>
           </p:cNvSpPr>
@@ -4962,7 +6717,7 @@
     </p:spTree>
     <p:extLst>
       <p:ext uri="{BB962C8B-B14F-4D97-AF65-F5344CB8AC3E}">
-        <p14:creationId xmlns:p14="http://schemas.microsoft.com/office/powerpoint/2010/main" val="2383976812"/>
+        <p14:creationId xmlns:p14="http://schemas.microsoft.com/office/powerpoint/2010/main" val="499317267"/>
       </p:ext>
     </p:extLst>
   </p:cSld>
@@ -4974,7 +6729,7 @@
 
 <file path=ppt/slideLayouts/slideLayout7.xml><?xml version="1.0" encoding="utf-8"?>
 <p:sldLayout xmlns:a="http://schemas.openxmlformats.org/drawingml/2006/main" xmlns:r="http://schemas.openxmlformats.org/officeDocument/2006/relationships" xmlns:p="http://schemas.openxmlformats.org/presentationml/2006/main" type="blank" preserve="1">
-  <p:cSld name="Blank">
+  <p:cSld name="En blanco">
     <p:spTree>
       <p:nvGrpSpPr>
         <p:cNvPr id="1" name=""/>
@@ -4991,13 +6746,7 @@
       </p:grpSpPr>
       <p:sp>
         <p:nvSpPr>
-          <p:cNvPr id="2" name="Date Placeholder 1">
-            <a:extLst>
-              <a:ext uri="{FF2B5EF4-FFF2-40B4-BE49-F238E27FC236}">
-                <a16:creationId xmlns:a16="http://schemas.microsoft.com/office/drawing/2014/main" id="{65A466C3-D8C9-4AB1-A3FE-71D648B43C5E}"/>
-              </a:ext>
-            </a:extLst>
-          </p:cNvPr>
+          <p:cNvPr id="2" name="Date Placeholder 1"/>
           <p:cNvSpPr>
             <a:spLocks noGrp="1"/>
           </p:cNvSpPr>
@@ -5012,7 +6761,7 @@
           <a:p>
             <a:fld id="{2B42517C-430C-49A5-AADD-62D98583ED58}" type="datetimeFigureOut">
               <a:rPr lang="en-GB" smtClean="0"/>
-              <a:t>16/05/2020</a:t>
+              <a:t>23/05/2020</a:t>
             </a:fld>
             <a:endParaRPr lang="en-GB"/>
           </a:p>
@@ -5020,13 +6769,7 @@
       </p:sp>
       <p:sp>
         <p:nvSpPr>
-          <p:cNvPr id="3" name="Footer Placeholder 2">
-            <a:extLst>
-              <a:ext uri="{FF2B5EF4-FFF2-40B4-BE49-F238E27FC236}">
-                <a16:creationId xmlns:a16="http://schemas.microsoft.com/office/drawing/2014/main" id="{57980739-8C03-4A6D-8F8C-579788191F54}"/>
-              </a:ext>
-            </a:extLst>
-          </p:cNvPr>
+          <p:cNvPr id="3" name="Footer Placeholder 2"/>
           <p:cNvSpPr>
             <a:spLocks noGrp="1"/>
           </p:cNvSpPr>
@@ -5045,13 +6788,7 @@
       </p:sp>
       <p:sp>
         <p:nvSpPr>
-          <p:cNvPr id="4" name="Slide Number Placeholder 3">
-            <a:extLst>
-              <a:ext uri="{FF2B5EF4-FFF2-40B4-BE49-F238E27FC236}">
-                <a16:creationId xmlns:a16="http://schemas.microsoft.com/office/drawing/2014/main" id="{96BEFBBC-D791-4F08-9CA3-A96EDC3852C3}"/>
-              </a:ext>
-            </a:extLst>
-          </p:cNvPr>
+          <p:cNvPr id="4" name="Slide Number Placeholder 3"/>
           <p:cNvSpPr>
             <a:spLocks noGrp="1"/>
           </p:cNvSpPr>
@@ -5075,7 +6812,7 @@
     </p:spTree>
     <p:extLst>
       <p:ext uri="{BB962C8B-B14F-4D97-AF65-F5344CB8AC3E}">
-        <p14:creationId xmlns:p14="http://schemas.microsoft.com/office/powerpoint/2010/main" val="15951444"/>
+        <p14:creationId xmlns:p14="http://schemas.microsoft.com/office/powerpoint/2010/main" val="1838954349"/>
       </p:ext>
     </p:extLst>
   </p:cSld>
@@ -5087,7 +6824,7 @@
 
 <file path=ppt/slideLayouts/slideLayout8.xml><?xml version="1.0" encoding="utf-8"?>
 <p:sldLayout xmlns:a="http://schemas.openxmlformats.org/drawingml/2006/main" xmlns:r="http://schemas.openxmlformats.org/officeDocument/2006/relationships" xmlns:p="http://schemas.openxmlformats.org/presentationml/2006/main" type="objTx" preserve="1">
-  <p:cSld name="Content with Caption">
+  <p:cSld name="Contenido con título">
     <p:spTree>
       <p:nvGrpSpPr>
         <p:cNvPr id="1" name=""/>
@@ -5104,13 +6841,7 @@
       </p:grpSpPr>
       <p:sp>
         <p:nvSpPr>
-          <p:cNvPr id="2" name="Title 1">
-            <a:extLst>
-              <a:ext uri="{FF2B5EF4-FFF2-40B4-BE49-F238E27FC236}">
-                <a16:creationId xmlns:a16="http://schemas.microsoft.com/office/drawing/2014/main" id="{AEB1EC3D-B671-41B2-BCE3-70908EE03E90}"/>
-              </a:ext>
-            </a:extLst>
-          </p:cNvPr>
+          <p:cNvPr id="2" name="Title 1"/>
           <p:cNvSpPr>
             <a:spLocks noGrp="1"/>
           </p:cNvSpPr>
@@ -5120,35 +6851,29 @@
         </p:nvSpPr>
         <p:spPr>
           <a:xfrm>
-            <a:off x="839788" y="457200"/>
-            <a:ext cx="3932237" cy="1600200"/>
+            <a:off x="900148" y="532765"/>
+            <a:ext cx="4214867" cy="1864678"/>
           </a:xfrm>
         </p:spPr>
         <p:txBody>
           <a:bodyPr anchor="b"/>
           <a:lstStyle>
             <a:lvl1pPr>
-              <a:defRPr sz="3200"/>
+              <a:defRPr sz="3430"/>
             </a:lvl1pPr>
           </a:lstStyle>
           <a:p>
             <a:r>
-              <a:rPr lang="en-US"/>
-              <a:t>Click to edit Master title style</a:t>
+              <a:rPr lang="es-ES"/>
+              <a:t>Haga clic para modificar el estilo de título del patrón</a:t>
             </a:r>
-            <a:endParaRPr lang="en-GB"/>
+            <a:endParaRPr lang="en-US" dirty="0"/>
           </a:p>
         </p:txBody>
       </p:sp>
       <p:sp>
         <p:nvSpPr>
-          <p:cNvPr id="3" name="Content Placeholder 2">
-            <a:extLst>
-              <a:ext uri="{FF2B5EF4-FFF2-40B4-BE49-F238E27FC236}">
-                <a16:creationId xmlns:a16="http://schemas.microsoft.com/office/drawing/2014/main" id="{DBA029EB-E673-4441-8322-4DB7040BC7DB}"/>
-              </a:ext>
-            </a:extLst>
-          </p:cNvPr>
+          <p:cNvPr id="3" name="Content Placeholder 2"/>
           <p:cNvSpPr>
             <a:spLocks noGrp="1"/>
           </p:cNvSpPr>
@@ -5158,88 +6883,82 @@
         </p:nvSpPr>
         <p:spPr>
           <a:xfrm>
-            <a:off x="5183188" y="987425"/>
-            <a:ext cx="6172200" cy="4873625"/>
+            <a:off x="5555730" y="1150625"/>
+            <a:ext cx="6615827" cy="5679127"/>
           </a:xfrm>
         </p:spPr>
         <p:txBody>
           <a:bodyPr/>
           <a:lstStyle>
             <a:lvl1pPr>
-              <a:defRPr sz="3200"/>
+              <a:defRPr sz="3430"/>
             </a:lvl1pPr>
             <a:lvl2pPr>
-              <a:defRPr sz="2800"/>
+              <a:defRPr sz="3001"/>
             </a:lvl2pPr>
             <a:lvl3pPr>
-              <a:defRPr sz="2400"/>
+              <a:defRPr sz="2573"/>
             </a:lvl3pPr>
             <a:lvl4pPr>
-              <a:defRPr sz="2000"/>
+              <a:defRPr sz="2144"/>
             </a:lvl4pPr>
             <a:lvl5pPr>
-              <a:defRPr sz="2000"/>
+              <a:defRPr sz="2144"/>
             </a:lvl5pPr>
             <a:lvl6pPr>
-              <a:defRPr sz="2000"/>
+              <a:defRPr sz="2144"/>
             </a:lvl6pPr>
             <a:lvl7pPr>
-              <a:defRPr sz="2000"/>
+              <a:defRPr sz="2144"/>
             </a:lvl7pPr>
             <a:lvl8pPr>
-              <a:defRPr sz="2000"/>
+              <a:defRPr sz="2144"/>
             </a:lvl8pPr>
             <a:lvl9pPr>
-              <a:defRPr sz="2000"/>
+              <a:defRPr sz="2144"/>
             </a:lvl9pPr>
           </a:lstStyle>
           <a:p>
             <a:pPr lvl="0"/>
             <a:r>
-              <a:rPr lang="en-US"/>
-              <a:t>Click to edit Master text styles</a:t>
+              <a:rPr lang="es-ES"/>
+              <a:t>Haga clic para modificar los estilos de texto del patrón</a:t>
             </a:r>
           </a:p>
           <a:p>
             <a:pPr lvl="1"/>
             <a:r>
-              <a:rPr lang="en-US"/>
-              <a:t>Second level</a:t>
+              <a:rPr lang="es-ES"/>
+              <a:t>Segundo nivel</a:t>
             </a:r>
           </a:p>
           <a:p>
             <a:pPr lvl="2"/>
             <a:r>
-              <a:rPr lang="en-US"/>
-              <a:t>Third level</a:t>
+              <a:rPr lang="es-ES"/>
+              <a:t>Tercer nivel</a:t>
             </a:r>
           </a:p>
           <a:p>
             <a:pPr lvl="3"/>
             <a:r>
-              <a:rPr lang="en-US"/>
-              <a:t>Fourth level</a:t>
+              <a:rPr lang="es-ES"/>
+              <a:t>Cuarto nivel</a:t>
             </a:r>
           </a:p>
           <a:p>
             <a:pPr lvl="4"/>
             <a:r>
-              <a:rPr lang="en-US"/>
-              <a:t>Fifth level</a:t>
+              <a:rPr lang="es-ES"/>
+              <a:t>Quinto nivel</a:t>
             </a:r>
-            <a:endParaRPr lang="en-GB"/>
+            <a:endParaRPr lang="en-US" dirty="0"/>
           </a:p>
         </p:txBody>
       </p:sp>
       <p:sp>
         <p:nvSpPr>
-          <p:cNvPr id="4" name="Text Placeholder 3">
-            <a:extLst>
-              <a:ext uri="{FF2B5EF4-FFF2-40B4-BE49-F238E27FC236}">
-                <a16:creationId xmlns:a16="http://schemas.microsoft.com/office/drawing/2014/main" id="{01677807-4771-4334-B7BC-0B7CFD09D965}"/>
-              </a:ext>
-            </a:extLst>
-          </p:cNvPr>
+          <p:cNvPr id="4" name="Text Placeholder 3"/>
           <p:cNvSpPr>
             <a:spLocks noGrp="1"/>
           </p:cNvSpPr>
@@ -5249,8 +6968,8 @@
         </p:nvSpPr>
         <p:spPr>
           <a:xfrm>
-            <a:off x="839788" y="2057400"/>
-            <a:ext cx="3932237" cy="3811588"/>
+            <a:off x="900148" y="2397442"/>
+            <a:ext cx="4214867" cy="4441559"/>
           </a:xfrm>
         </p:spPr>
         <p:txBody>
@@ -5258,59 +6977,53 @@
           <a:lstStyle>
             <a:lvl1pPr marL="0" indent="0">
               <a:buNone/>
-              <a:defRPr sz="1600"/>
+              <a:defRPr sz="1715"/>
             </a:lvl1pPr>
-            <a:lvl2pPr marL="457200" indent="0">
+            <a:lvl2pPr marL="490073" indent="0">
               <a:buNone/>
-              <a:defRPr sz="1400"/>
+              <a:defRPr sz="1501"/>
             </a:lvl2pPr>
-            <a:lvl3pPr marL="914400" indent="0">
+            <a:lvl3pPr marL="980145" indent="0">
               <a:buNone/>
-              <a:defRPr sz="1200"/>
+              <a:defRPr sz="1286"/>
             </a:lvl3pPr>
-            <a:lvl4pPr marL="1371600" indent="0">
+            <a:lvl4pPr marL="1470218" indent="0">
               <a:buNone/>
-              <a:defRPr sz="1000"/>
+              <a:defRPr sz="1072"/>
             </a:lvl4pPr>
-            <a:lvl5pPr marL="1828800" indent="0">
+            <a:lvl5pPr marL="1960291" indent="0">
               <a:buNone/>
-              <a:defRPr sz="1000"/>
+              <a:defRPr sz="1072"/>
             </a:lvl5pPr>
-            <a:lvl6pPr marL="2286000" indent="0">
+            <a:lvl6pPr marL="2450363" indent="0">
               <a:buNone/>
-              <a:defRPr sz="1000"/>
+              <a:defRPr sz="1072"/>
             </a:lvl6pPr>
-            <a:lvl7pPr marL="2743200" indent="0">
+            <a:lvl7pPr marL="2940436" indent="0">
               <a:buNone/>
-              <a:defRPr sz="1000"/>
+              <a:defRPr sz="1072"/>
             </a:lvl7pPr>
-            <a:lvl8pPr marL="3200400" indent="0">
+            <a:lvl8pPr marL="3430509" indent="0">
               <a:buNone/>
-              <a:defRPr sz="1000"/>
+              <a:defRPr sz="1072"/>
             </a:lvl8pPr>
-            <a:lvl9pPr marL="3657600" indent="0">
+            <a:lvl9pPr marL="3920581" indent="0">
               <a:buNone/>
-              <a:defRPr sz="1000"/>
+              <a:defRPr sz="1072"/>
             </a:lvl9pPr>
           </a:lstStyle>
           <a:p>
             <a:pPr lvl="0"/>
             <a:r>
-              <a:rPr lang="en-US"/>
-              <a:t>Click to edit Master text styles</a:t>
+              <a:rPr lang="es-ES"/>
+              <a:t>Haga clic para modificar los estilos de texto del patrón</a:t>
             </a:r>
           </a:p>
         </p:txBody>
       </p:sp>
       <p:sp>
         <p:nvSpPr>
-          <p:cNvPr id="5" name="Date Placeholder 4">
-            <a:extLst>
-              <a:ext uri="{FF2B5EF4-FFF2-40B4-BE49-F238E27FC236}">
-                <a16:creationId xmlns:a16="http://schemas.microsoft.com/office/drawing/2014/main" id="{851E7CE7-32BB-460C-B6DF-15693D1AA6AF}"/>
-              </a:ext>
-            </a:extLst>
-          </p:cNvPr>
+          <p:cNvPr id="5" name="Date Placeholder 4"/>
           <p:cNvSpPr>
             <a:spLocks noGrp="1"/>
           </p:cNvSpPr>
@@ -5325,7 +7038,7 @@
           <a:p>
             <a:fld id="{2B42517C-430C-49A5-AADD-62D98583ED58}" type="datetimeFigureOut">
               <a:rPr lang="en-GB" smtClean="0"/>
-              <a:t>16/05/2020</a:t>
+              <a:t>23/05/2020</a:t>
             </a:fld>
             <a:endParaRPr lang="en-GB"/>
           </a:p>
@@ -5333,13 +7046,7 @@
       </p:sp>
       <p:sp>
         <p:nvSpPr>
-          <p:cNvPr id="6" name="Footer Placeholder 5">
-            <a:extLst>
-              <a:ext uri="{FF2B5EF4-FFF2-40B4-BE49-F238E27FC236}">
-                <a16:creationId xmlns:a16="http://schemas.microsoft.com/office/drawing/2014/main" id="{C4BC8557-9846-49C6-820E-3527941658A6}"/>
-              </a:ext>
-            </a:extLst>
-          </p:cNvPr>
+          <p:cNvPr id="6" name="Footer Placeholder 5"/>
           <p:cNvSpPr>
             <a:spLocks noGrp="1"/>
           </p:cNvSpPr>
@@ -5358,13 +7065,7 @@
       </p:sp>
       <p:sp>
         <p:nvSpPr>
-          <p:cNvPr id="7" name="Slide Number Placeholder 6">
-            <a:extLst>
-              <a:ext uri="{FF2B5EF4-FFF2-40B4-BE49-F238E27FC236}">
-                <a16:creationId xmlns:a16="http://schemas.microsoft.com/office/drawing/2014/main" id="{2F4F87B9-0593-4271-877B-3704289CE63C}"/>
-              </a:ext>
-            </a:extLst>
-          </p:cNvPr>
+          <p:cNvPr id="7" name="Slide Number Placeholder 6"/>
           <p:cNvSpPr>
             <a:spLocks noGrp="1"/>
           </p:cNvSpPr>
@@ -5388,7 +7089,7 @@
     </p:spTree>
     <p:extLst>
       <p:ext uri="{BB962C8B-B14F-4D97-AF65-F5344CB8AC3E}">
-        <p14:creationId xmlns:p14="http://schemas.microsoft.com/office/powerpoint/2010/main" val="2785681487"/>
+        <p14:creationId xmlns:p14="http://schemas.microsoft.com/office/powerpoint/2010/main" val="4118585017"/>
       </p:ext>
     </p:extLst>
   </p:cSld>
@@ -5400,7 +7101,7 @@
 
 <file path=ppt/slideLayouts/slideLayout9.xml><?xml version="1.0" encoding="utf-8"?>
 <p:sldLayout xmlns:a="http://schemas.openxmlformats.org/drawingml/2006/main" xmlns:r="http://schemas.openxmlformats.org/officeDocument/2006/relationships" xmlns:p="http://schemas.openxmlformats.org/presentationml/2006/main" type="picTx" preserve="1">
-  <p:cSld name="Picture with Caption">
+  <p:cSld name="Imagen con título">
     <p:spTree>
       <p:nvGrpSpPr>
         <p:cNvPr id="1" name=""/>
@@ -5417,13 +7118,7 @@
       </p:grpSpPr>
       <p:sp>
         <p:nvSpPr>
-          <p:cNvPr id="2" name="Title 1">
-            <a:extLst>
-              <a:ext uri="{FF2B5EF4-FFF2-40B4-BE49-F238E27FC236}">
-                <a16:creationId xmlns:a16="http://schemas.microsoft.com/office/drawing/2014/main" id="{608FF0CB-A9B9-4FC3-BD79-C3DCBF5CCC57}"/>
-              </a:ext>
-            </a:extLst>
-          </p:cNvPr>
+          <p:cNvPr id="2" name="Title 1"/>
           <p:cNvSpPr>
             <a:spLocks noGrp="1"/>
           </p:cNvSpPr>
@@ -5433,37 +7128,31 @@
         </p:nvSpPr>
         <p:spPr>
           <a:xfrm>
-            <a:off x="839788" y="457200"/>
-            <a:ext cx="3932237" cy="1600200"/>
+            <a:off x="900148" y="532765"/>
+            <a:ext cx="4214867" cy="1864678"/>
           </a:xfrm>
         </p:spPr>
         <p:txBody>
           <a:bodyPr anchor="b"/>
           <a:lstStyle>
             <a:lvl1pPr>
-              <a:defRPr sz="3200"/>
+              <a:defRPr sz="3430"/>
             </a:lvl1pPr>
           </a:lstStyle>
           <a:p>
             <a:r>
-              <a:rPr lang="en-US"/>
-              <a:t>Click to edit Master title style</a:t>
+              <a:rPr lang="es-ES"/>
+              <a:t>Haga clic para modificar el estilo de título del patrón</a:t>
             </a:r>
-            <a:endParaRPr lang="en-GB"/>
+            <a:endParaRPr lang="en-US" dirty="0"/>
           </a:p>
         </p:txBody>
       </p:sp>
       <p:sp>
         <p:nvSpPr>
-          <p:cNvPr id="3" name="Picture Placeholder 2">
-            <a:extLst>
-              <a:ext uri="{FF2B5EF4-FFF2-40B4-BE49-F238E27FC236}">
-                <a16:creationId xmlns:a16="http://schemas.microsoft.com/office/drawing/2014/main" id="{BE1F1562-72D2-4F1B-9390-F3B4ECC7D3E4}"/>
-              </a:ext>
-            </a:extLst>
-          </p:cNvPr>
+          <p:cNvPr id="3" name="Picture Placeholder 2"/>
           <p:cNvSpPr>
-            <a:spLocks noGrp="1"/>
+            <a:spLocks noGrp="1" noChangeAspect="1"/>
           </p:cNvSpPr>
           <p:nvPr>
             <p:ph type="pic" idx="1"/>
@@ -5471,64 +7160,62 @@
         </p:nvSpPr>
         <p:spPr>
           <a:xfrm>
-            <a:off x="5183188" y="987425"/>
-            <a:ext cx="6172200" cy="4873625"/>
+            <a:off x="5555730" y="1150625"/>
+            <a:ext cx="6615827" cy="5679127"/>
           </a:xfrm>
         </p:spPr>
         <p:txBody>
-          <a:bodyPr/>
+          <a:bodyPr anchor="t"/>
           <a:lstStyle>
             <a:lvl1pPr marL="0" indent="0">
               <a:buNone/>
-              <a:defRPr sz="3200"/>
+              <a:defRPr sz="3430"/>
             </a:lvl1pPr>
-            <a:lvl2pPr marL="457200" indent="0">
+            <a:lvl2pPr marL="490073" indent="0">
               <a:buNone/>
-              <a:defRPr sz="2800"/>
+              <a:defRPr sz="3001"/>
             </a:lvl2pPr>
-            <a:lvl3pPr marL="914400" indent="0">
+            <a:lvl3pPr marL="980145" indent="0">
               <a:buNone/>
-              <a:defRPr sz="2400"/>
+              <a:defRPr sz="2573"/>
             </a:lvl3pPr>
-            <a:lvl4pPr marL="1371600" indent="0">
+            <a:lvl4pPr marL="1470218" indent="0">
               <a:buNone/>
-              <a:defRPr sz="2000"/>
+              <a:defRPr sz="2144"/>
             </a:lvl4pPr>
-            <a:lvl5pPr marL="1828800" indent="0">
+            <a:lvl5pPr marL="1960291" indent="0">
               <a:buNone/>
-              <a:defRPr sz="2000"/>
+              <a:defRPr sz="2144"/>
             </a:lvl5pPr>
-            <a:lvl6pPr marL="2286000" indent="0">
+            <a:lvl6pPr marL="2450363" indent="0">
               <a:buNone/>
-              <a:defRPr sz="2000"/>
+              <a:defRPr sz="2144"/>
             </a:lvl6pPr>
-            <a:lvl7pPr marL="2743200" indent="0">
+            <a:lvl7pPr marL="2940436" indent="0">
               <a:buNone/>
-              <a:defRPr sz="2000"/>
+              <a:defRPr sz="2144"/>
             </a:lvl7pPr>
-            <a:lvl8pPr marL="3200400" indent="0">
+            <a:lvl8pPr marL="3430509" indent="0">
               <a:buNone/>
-              <a:defRPr sz="2000"/>
+              <a:defRPr sz="2144"/>
             </a:lvl8pPr>
-            <a:lvl9pPr marL="3657600" indent="0">
+            <a:lvl9pPr marL="3920581" indent="0">
               <a:buNone/>
-              <a:defRPr sz="2000"/>
+              <a:defRPr sz="2144"/>
             </a:lvl9pPr>
           </a:lstStyle>
           <a:p>
-            <a:endParaRPr lang="en-GB"/>
+            <a:r>
+              <a:rPr lang="es-ES"/>
+              <a:t>Haga clic en el icono para agregar una imagen</a:t>
+            </a:r>
+            <a:endParaRPr lang="en-US" dirty="0"/>
           </a:p>
         </p:txBody>
       </p:sp>
       <p:sp>
         <p:nvSpPr>
-          <p:cNvPr id="4" name="Text Placeholder 3">
-            <a:extLst>
-              <a:ext uri="{FF2B5EF4-FFF2-40B4-BE49-F238E27FC236}">
-                <a16:creationId xmlns:a16="http://schemas.microsoft.com/office/drawing/2014/main" id="{67DD7169-F288-4EC7-A4AD-1B7DAEB96F85}"/>
-              </a:ext>
-            </a:extLst>
-          </p:cNvPr>
+          <p:cNvPr id="4" name="Text Placeholder 3"/>
           <p:cNvSpPr>
             <a:spLocks noGrp="1"/>
           </p:cNvSpPr>
@@ -5538,8 +7225,8 @@
         </p:nvSpPr>
         <p:spPr>
           <a:xfrm>
-            <a:off x="839788" y="2057400"/>
-            <a:ext cx="3932237" cy="3811588"/>
+            <a:off x="900148" y="2397442"/>
+            <a:ext cx="4214867" cy="4441559"/>
           </a:xfrm>
         </p:spPr>
         <p:txBody>
@@ -5547,59 +7234,53 @@
           <a:lstStyle>
             <a:lvl1pPr marL="0" indent="0">
               <a:buNone/>
-              <a:defRPr sz="1600"/>
+              <a:defRPr sz="1715"/>
             </a:lvl1pPr>
-            <a:lvl2pPr marL="457200" indent="0">
+            <a:lvl2pPr marL="490073" indent="0">
               <a:buNone/>
-              <a:defRPr sz="1400"/>
+              <a:defRPr sz="1501"/>
             </a:lvl2pPr>
-            <a:lvl3pPr marL="914400" indent="0">
+            <a:lvl3pPr marL="980145" indent="0">
               <a:buNone/>
-              <a:defRPr sz="1200"/>
+              <a:defRPr sz="1286"/>
             </a:lvl3pPr>
-            <a:lvl4pPr marL="1371600" indent="0">
+            <a:lvl4pPr marL="1470218" indent="0">
               <a:buNone/>
-              <a:defRPr sz="1000"/>
+              <a:defRPr sz="1072"/>
             </a:lvl4pPr>
-            <a:lvl5pPr marL="1828800" indent="0">
+            <a:lvl5pPr marL="1960291" indent="0">
               <a:buNone/>
-              <a:defRPr sz="1000"/>
+              <a:defRPr sz="1072"/>
             </a:lvl5pPr>
-            <a:lvl6pPr marL="2286000" indent="0">
+            <a:lvl6pPr marL="2450363" indent="0">
               <a:buNone/>
-              <a:defRPr sz="1000"/>
+              <a:defRPr sz="1072"/>
             </a:lvl6pPr>
-            <a:lvl7pPr marL="2743200" indent="0">
+            <a:lvl7pPr marL="2940436" indent="0">
               <a:buNone/>
-              <a:defRPr sz="1000"/>
+              <a:defRPr sz="1072"/>
             </a:lvl7pPr>
-            <a:lvl8pPr marL="3200400" indent="0">
+            <a:lvl8pPr marL="3430509" indent="0">
               <a:buNone/>
-              <a:defRPr sz="1000"/>
+              <a:defRPr sz="1072"/>
             </a:lvl8pPr>
-            <a:lvl9pPr marL="3657600" indent="0">
+            <a:lvl9pPr marL="3920581" indent="0">
               <a:buNone/>
-              <a:defRPr sz="1000"/>
+              <a:defRPr sz="1072"/>
             </a:lvl9pPr>
           </a:lstStyle>
           <a:p>
             <a:pPr lvl="0"/>
             <a:r>
-              <a:rPr lang="en-US"/>
-              <a:t>Click to edit Master text styles</a:t>
+              <a:rPr lang="es-ES"/>
+              <a:t>Haga clic para modificar los estilos de texto del patrón</a:t>
             </a:r>
           </a:p>
         </p:txBody>
       </p:sp>
       <p:sp>
         <p:nvSpPr>
-          <p:cNvPr id="5" name="Date Placeholder 4">
-            <a:extLst>
-              <a:ext uri="{FF2B5EF4-FFF2-40B4-BE49-F238E27FC236}">
-                <a16:creationId xmlns:a16="http://schemas.microsoft.com/office/drawing/2014/main" id="{276D1C37-CE91-464D-B59D-B0453F37778F}"/>
-              </a:ext>
-            </a:extLst>
-          </p:cNvPr>
+          <p:cNvPr id="5" name="Date Placeholder 4"/>
           <p:cNvSpPr>
             <a:spLocks noGrp="1"/>
           </p:cNvSpPr>
@@ -5614,7 +7295,7 @@
           <a:p>
             <a:fld id="{2B42517C-430C-49A5-AADD-62D98583ED58}" type="datetimeFigureOut">
               <a:rPr lang="en-GB" smtClean="0"/>
-              <a:t>16/05/2020</a:t>
+              <a:t>23/05/2020</a:t>
             </a:fld>
             <a:endParaRPr lang="en-GB"/>
           </a:p>
@@ -5622,13 +7303,7 @@
       </p:sp>
       <p:sp>
         <p:nvSpPr>
-          <p:cNvPr id="6" name="Footer Placeholder 5">
-            <a:extLst>
-              <a:ext uri="{FF2B5EF4-FFF2-40B4-BE49-F238E27FC236}">
-                <a16:creationId xmlns:a16="http://schemas.microsoft.com/office/drawing/2014/main" id="{EFBE5EAD-9F64-41E8-AC04-ABAAFB836BA8}"/>
-              </a:ext>
-            </a:extLst>
-          </p:cNvPr>
+          <p:cNvPr id="6" name="Footer Placeholder 5"/>
           <p:cNvSpPr>
             <a:spLocks noGrp="1"/>
           </p:cNvSpPr>
@@ -5647,13 +7322,7 @@
       </p:sp>
       <p:sp>
         <p:nvSpPr>
-          <p:cNvPr id="7" name="Slide Number Placeholder 6">
-            <a:extLst>
-              <a:ext uri="{FF2B5EF4-FFF2-40B4-BE49-F238E27FC236}">
-                <a16:creationId xmlns:a16="http://schemas.microsoft.com/office/drawing/2014/main" id="{846F3D45-108B-4180-8617-18F57C327F39}"/>
-              </a:ext>
-            </a:extLst>
-          </p:cNvPr>
+          <p:cNvPr id="7" name="Slide Number Placeholder 6"/>
           <p:cNvSpPr>
             <a:spLocks noGrp="1"/>
           </p:cNvSpPr>
@@ -5677,7 +7346,7 @@
     </p:spTree>
     <p:extLst>
       <p:ext uri="{BB962C8B-B14F-4D97-AF65-F5344CB8AC3E}">
-        <p14:creationId xmlns:p14="http://schemas.microsoft.com/office/powerpoint/2010/main" val="2649862477"/>
+        <p14:creationId xmlns:p14="http://schemas.microsoft.com/office/powerpoint/2010/main" val="3204688788"/>
       </p:ext>
     </p:extLst>
   </p:cSld>
@@ -5711,13 +7380,7 @@
       </p:grpSpPr>
       <p:sp>
         <p:nvSpPr>
-          <p:cNvPr id="2" name="Title Placeholder 1">
-            <a:extLst>
-              <a:ext uri="{FF2B5EF4-FFF2-40B4-BE49-F238E27FC236}">
-                <a16:creationId xmlns:a16="http://schemas.microsoft.com/office/drawing/2014/main" id="{27F9D61B-EE14-4A42-9CE6-87BE031CCF4D}"/>
-              </a:ext>
-            </a:extLst>
-          </p:cNvPr>
+          <p:cNvPr id="2" name="Title Placeholder 1"/>
           <p:cNvSpPr>
             <a:spLocks noGrp="1"/>
           </p:cNvSpPr>
@@ -5727,8 +7390,8 @@
         </p:nvSpPr>
         <p:spPr>
           <a:xfrm>
-            <a:off x="838200" y="365125"/>
-            <a:ext cx="10515600" cy="1325563"/>
+            <a:off x="898446" y="425473"/>
+            <a:ext cx="11271409" cy="1544649"/>
           </a:xfrm>
           <a:prstGeom prst="rect">
             <a:avLst/>
@@ -5741,22 +7404,16 @@
           <a:lstStyle/>
           <a:p>
             <a:r>
-              <a:rPr lang="en-US"/>
-              <a:t>Click to edit Master title style</a:t>
+              <a:rPr lang="es-ES"/>
+              <a:t>Haga clic para modificar el estilo de título del patrón</a:t>
             </a:r>
-            <a:endParaRPr lang="en-GB"/>
+            <a:endParaRPr lang="en-US" dirty="0"/>
           </a:p>
         </p:txBody>
       </p:sp>
       <p:sp>
         <p:nvSpPr>
-          <p:cNvPr id="3" name="Text Placeholder 2">
-            <a:extLst>
-              <a:ext uri="{FF2B5EF4-FFF2-40B4-BE49-F238E27FC236}">
-                <a16:creationId xmlns:a16="http://schemas.microsoft.com/office/drawing/2014/main" id="{071251E8-D8A6-4B0C-A4A1-C0B47F8E1D51}"/>
-              </a:ext>
-            </a:extLst>
-          </p:cNvPr>
+          <p:cNvPr id="3" name="Text Placeholder 2"/>
           <p:cNvSpPr>
             <a:spLocks noGrp="1"/>
           </p:cNvSpPr>
@@ -5766,8 +7423,8 @@
         </p:nvSpPr>
         <p:spPr>
           <a:xfrm>
-            <a:off x="838200" y="1825625"/>
-            <a:ext cx="10515600" cy="4351338"/>
+            <a:off x="898446" y="2127360"/>
+            <a:ext cx="11271409" cy="5070517"/>
           </a:xfrm>
           <a:prstGeom prst="rect">
             <a:avLst/>
@@ -5781,50 +7438,44 @@
           <a:p>
             <a:pPr lvl="0"/>
             <a:r>
-              <a:rPr lang="en-US"/>
-              <a:t>Click to edit Master text styles</a:t>
+              <a:rPr lang="es-ES"/>
+              <a:t>Haga clic para modificar los estilos de texto del patrón</a:t>
             </a:r>
           </a:p>
           <a:p>
             <a:pPr lvl="1"/>
             <a:r>
-              <a:rPr lang="en-US"/>
-              <a:t>Second level</a:t>
+              <a:rPr lang="es-ES"/>
+              <a:t>Segundo nivel</a:t>
             </a:r>
           </a:p>
           <a:p>
             <a:pPr lvl="2"/>
             <a:r>
-              <a:rPr lang="en-US"/>
-              <a:t>Third level</a:t>
+              <a:rPr lang="es-ES"/>
+              <a:t>Tercer nivel</a:t>
             </a:r>
           </a:p>
           <a:p>
             <a:pPr lvl="3"/>
             <a:r>
-              <a:rPr lang="en-US"/>
-              <a:t>Fourth level</a:t>
+              <a:rPr lang="es-ES"/>
+              <a:t>Cuarto nivel</a:t>
             </a:r>
           </a:p>
           <a:p>
             <a:pPr lvl="4"/>
             <a:r>
-              <a:rPr lang="en-US"/>
-              <a:t>Fifth level</a:t>
+              <a:rPr lang="es-ES"/>
+              <a:t>Quinto nivel</a:t>
             </a:r>
-            <a:endParaRPr lang="en-GB"/>
+            <a:endParaRPr lang="en-US" dirty="0"/>
           </a:p>
         </p:txBody>
       </p:sp>
       <p:sp>
         <p:nvSpPr>
-          <p:cNvPr id="4" name="Date Placeholder 3">
-            <a:extLst>
-              <a:ext uri="{FF2B5EF4-FFF2-40B4-BE49-F238E27FC236}">
-                <a16:creationId xmlns:a16="http://schemas.microsoft.com/office/drawing/2014/main" id="{588D6492-B0B4-4E50-B7E9-C172B95565CA}"/>
-              </a:ext>
-            </a:extLst>
-          </p:cNvPr>
+          <p:cNvPr id="4" name="Date Placeholder 3"/>
           <p:cNvSpPr>
             <a:spLocks noGrp="1"/>
           </p:cNvSpPr>
@@ -5834,8 +7485,8 @@
         </p:nvSpPr>
         <p:spPr>
           <a:xfrm>
-            <a:off x="838200" y="6356350"/>
-            <a:ext cx="2743200" cy="365125"/>
+            <a:off x="898445" y="7406914"/>
+            <a:ext cx="2940368" cy="425472"/>
           </a:xfrm>
           <a:prstGeom prst="rect">
             <a:avLst/>
@@ -5845,7 +7496,7 @@
           <a:bodyPr vert="horz" lIns="91440" tIns="45720" rIns="91440" bIns="45720" rtlCol="0" anchor="ctr"/>
           <a:lstStyle>
             <a:lvl1pPr algn="l">
-              <a:defRPr sz="1200">
+              <a:defRPr sz="1286">
                 <a:solidFill>
                   <a:schemeClr val="tx1">
                     <a:tint val="75000"/>
@@ -5857,7 +7508,7 @@
           <a:p>
             <a:fld id="{2B42517C-430C-49A5-AADD-62D98583ED58}" type="datetimeFigureOut">
               <a:rPr lang="en-GB" smtClean="0"/>
-              <a:t>16/05/2020</a:t>
+              <a:t>23/05/2020</a:t>
             </a:fld>
             <a:endParaRPr lang="en-GB"/>
           </a:p>
@@ -5865,13 +7516,7 @@
       </p:sp>
       <p:sp>
         <p:nvSpPr>
-          <p:cNvPr id="5" name="Footer Placeholder 4">
-            <a:extLst>
-              <a:ext uri="{FF2B5EF4-FFF2-40B4-BE49-F238E27FC236}">
-                <a16:creationId xmlns:a16="http://schemas.microsoft.com/office/drawing/2014/main" id="{77C16FB2-000F-4926-9B8F-B01822644D02}"/>
-              </a:ext>
-            </a:extLst>
-          </p:cNvPr>
+          <p:cNvPr id="5" name="Footer Placeholder 4"/>
           <p:cNvSpPr>
             <a:spLocks noGrp="1"/>
           </p:cNvSpPr>
@@ -5881,8 +7526,8 @@
         </p:nvSpPr>
         <p:spPr>
           <a:xfrm>
-            <a:off x="4038600" y="6356350"/>
-            <a:ext cx="4114800" cy="365125"/>
+            <a:off x="4328875" y="7406914"/>
+            <a:ext cx="4410551" cy="425472"/>
           </a:xfrm>
           <a:prstGeom prst="rect">
             <a:avLst/>
@@ -5892,7 +7537,7 @@
           <a:bodyPr vert="horz" lIns="91440" tIns="45720" rIns="91440" bIns="45720" rtlCol="0" anchor="ctr"/>
           <a:lstStyle>
             <a:lvl1pPr algn="ctr">
-              <a:defRPr sz="1200">
+              <a:defRPr sz="1286">
                 <a:solidFill>
                   <a:schemeClr val="tx1">
                     <a:tint val="75000"/>
@@ -5908,13 +7553,7 @@
       </p:sp>
       <p:sp>
         <p:nvSpPr>
-          <p:cNvPr id="6" name="Slide Number Placeholder 5">
-            <a:extLst>
-              <a:ext uri="{FF2B5EF4-FFF2-40B4-BE49-F238E27FC236}">
-                <a16:creationId xmlns:a16="http://schemas.microsoft.com/office/drawing/2014/main" id="{2F51C7ED-8265-4F83-AFED-80F87A30AA88}"/>
-              </a:ext>
-            </a:extLst>
-          </p:cNvPr>
+          <p:cNvPr id="6" name="Slide Number Placeholder 5"/>
           <p:cNvSpPr>
             <a:spLocks noGrp="1"/>
           </p:cNvSpPr>
@@ -5924,8 +7563,8 @@
         </p:nvSpPr>
         <p:spPr>
           <a:xfrm>
-            <a:off x="8610600" y="6356350"/>
-            <a:ext cx="2743200" cy="365125"/>
+            <a:off x="9229487" y="7406914"/>
+            <a:ext cx="2940368" cy="425472"/>
           </a:xfrm>
           <a:prstGeom prst="rect">
             <a:avLst/>
@@ -5935,7 +7574,7 @@
           <a:bodyPr vert="horz" lIns="91440" tIns="45720" rIns="91440" bIns="45720" rtlCol="0" anchor="ctr"/>
           <a:lstStyle>
             <a:lvl1pPr algn="r">
-              <a:defRPr sz="1200">
+              <a:defRPr sz="1286">
                 <a:solidFill>
                   <a:schemeClr val="tx1">
                     <a:tint val="75000"/>
@@ -5956,27 +7595,27 @@
     </p:spTree>
     <p:extLst>
       <p:ext uri="{BB962C8B-B14F-4D97-AF65-F5344CB8AC3E}">
-        <p14:creationId xmlns:p14="http://schemas.microsoft.com/office/powerpoint/2010/main" val="2919629687"/>
+        <p14:creationId xmlns:p14="http://schemas.microsoft.com/office/powerpoint/2010/main" val="93839156"/>
       </p:ext>
     </p:extLst>
   </p:cSld>
   <p:clrMap bg1="lt1" tx1="dk1" bg2="lt2" tx2="dk2" accent1="accent1" accent2="accent2" accent3="accent3" accent4="accent4" accent5="accent5" accent6="accent6" hlink="hlink" folHlink="folHlink"/>
   <p:sldLayoutIdLst>
-    <p:sldLayoutId id="2147483649" r:id="rId1"/>
-    <p:sldLayoutId id="2147483650" r:id="rId2"/>
-    <p:sldLayoutId id="2147483651" r:id="rId3"/>
-    <p:sldLayoutId id="2147483652" r:id="rId4"/>
-    <p:sldLayoutId id="2147483653" r:id="rId5"/>
-    <p:sldLayoutId id="2147483654" r:id="rId6"/>
-    <p:sldLayoutId id="2147483655" r:id="rId7"/>
-    <p:sldLayoutId id="2147483656" r:id="rId8"/>
-    <p:sldLayoutId id="2147483657" r:id="rId9"/>
-    <p:sldLayoutId id="2147483658" r:id="rId10"/>
-    <p:sldLayoutId id="2147483659" r:id="rId11"/>
+    <p:sldLayoutId id="2147483673" r:id="rId1"/>
+    <p:sldLayoutId id="2147483674" r:id="rId2"/>
+    <p:sldLayoutId id="2147483675" r:id="rId3"/>
+    <p:sldLayoutId id="2147483676" r:id="rId4"/>
+    <p:sldLayoutId id="2147483677" r:id="rId5"/>
+    <p:sldLayoutId id="2147483678" r:id="rId6"/>
+    <p:sldLayoutId id="2147483679" r:id="rId7"/>
+    <p:sldLayoutId id="2147483680" r:id="rId8"/>
+    <p:sldLayoutId id="2147483681" r:id="rId9"/>
+    <p:sldLayoutId id="2147483682" r:id="rId10"/>
+    <p:sldLayoutId id="2147483683" r:id="rId11"/>
   </p:sldLayoutIdLst>
   <p:txStyles>
     <p:titleStyle>
-      <a:lvl1pPr algn="l" defTabSz="914400" rtl="0" eaLnBrk="1" latinLnBrk="0" hangingPunct="1">
+      <a:lvl1pPr algn="l" defTabSz="980145" rtl="0" eaLnBrk="1" latinLnBrk="0" hangingPunct="1">
         <a:lnSpc>
           <a:spcPct val="90000"/>
         </a:lnSpc>
@@ -5984,7 +7623,7 @@
           <a:spcPct val="0"/>
         </a:spcBef>
         <a:buNone/>
-        <a:defRPr sz="4400" kern="1200">
+        <a:defRPr sz="4716" kern="1200">
           <a:solidFill>
             <a:schemeClr val="tx1"/>
           </a:solidFill>
@@ -5995,16 +7634,16 @@
       </a:lvl1pPr>
     </p:titleStyle>
     <p:bodyStyle>
-      <a:lvl1pPr marL="228600" indent="-228600" algn="l" defTabSz="914400" rtl="0" eaLnBrk="1" latinLnBrk="0" hangingPunct="1">
+      <a:lvl1pPr marL="245036" indent="-245036" algn="l" defTabSz="980145" rtl="0" eaLnBrk="1" latinLnBrk="0" hangingPunct="1">
         <a:lnSpc>
           <a:spcPct val="90000"/>
         </a:lnSpc>
         <a:spcBef>
-          <a:spcPts val="1000"/>
+          <a:spcPts val="1072"/>
         </a:spcBef>
         <a:buFont typeface="Arial" panose="020B0604020202020204" pitchFamily="34" charset="0"/>
         <a:buChar char="•"/>
-        <a:defRPr sz="2800" kern="1200">
+        <a:defRPr sz="3001" kern="1200">
           <a:solidFill>
             <a:schemeClr val="tx1"/>
           </a:solidFill>
@@ -6013,16 +7652,16 @@
           <a:cs typeface="+mn-cs"/>
         </a:defRPr>
       </a:lvl1pPr>
-      <a:lvl2pPr marL="685800" indent="-228600" algn="l" defTabSz="914400" rtl="0" eaLnBrk="1" latinLnBrk="0" hangingPunct="1">
+      <a:lvl2pPr marL="735109" indent="-245036" algn="l" defTabSz="980145" rtl="0" eaLnBrk="1" latinLnBrk="0" hangingPunct="1">
         <a:lnSpc>
           <a:spcPct val="90000"/>
         </a:lnSpc>
         <a:spcBef>
-          <a:spcPts val="500"/>
+          <a:spcPts val="536"/>
         </a:spcBef>
         <a:buFont typeface="Arial" panose="020B0604020202020204" pitchFamily="34" charset="0"/>
         <a:buChar char="•"/>
-        <a:defRPr sz="2400" kern="1200">
+        <a:defRPr sz="2573" kern="1200">
           <a:solidFill>
             <a:schemeClr val="tx1"/>
           </a:solidFill>
@@ -6031,16 +7670,16 @@
           <a:cs typeface="+mn-cs"/>
         </a:defRPr>
       </a:lvl2pPr>
-      <a:lvl3pPr marL="1143000" indent="-228600" algn="l" defTabSz="914400" rtl="0" eaLnBrk="1" latinLnBrk="0" hangingPunct="1">
+      <a:lvl3pPr marL="1225182" indent="-245036" algn="l" defTabSz="980145" rtl="0" eaLnBrk="1" latinLnBrk="0" hangingPunct="1">
         <a:lnSpc>
           <a:spcPct val="90000"/>
         </a:lnSpc>
         <a:spcBef>
-          <a:spcPts val="500"/>
+          <a:spcPts val="536"/>
         </a:spcBef>
         <a:buFont typeface="Arial" panose="020B0604020202020204" pitchFamily="34" charset="0"/>
         <a:buChar char="•"/>
-        <a:defRPr sz="2000" kern="1200">
+        <a:defRPr sz="2144" kern="1200">
           <a:solidFill>
             <a:schemeClr val="tx1"/>
           </a:solidFill>
@@ -6049,16 +7688,16 @@
           <a:cs typeface="+mn-cs"/>
         </a:defRPr>
       </a:lvl3pPr>
-      <a:lvl4pPr marL="1600200" indent="-228600" algn="l" defTabSz="914400" rtl="0" eaLnBrk="1" latinLnBrk="0" hangingPunct="1">
+      <a:lvl4pPr marL="1715254" indent="-245036" algn="l" defTabSz="980145" rtl="0" eaLnBrk="1" latinLnBrk="0" hangingPunct="1">
         <a:lnSpc>
           <a:spcPct val="90000"/>
         </a:lnSpc>
         <a:spcBef>
-          <a:spcPts val="500"/>
+          <a:spcPts val="536"/>
         </a:spcBef>
         <a:buFont typeface="Arial" panose="020B0604020202020204" pitchFamily="34" charset="0"/>
         <a:buChar char="•"/>
-        <a:defRPr sz="1800" kern="1200">
+        <a:defRPr sz="1929" kern="1200">
           <a:solidFill>
             <a:schemeClr val="tx1"/>
           </a:solidFill>
@@ -6067,16 +7706,16 @@
           <a:cs typeface="+mn-cs"/>
         </a:defRPr>
       </a:lvl4pPr>
-      <a:lvl5pPr marL="2057400" indent="-228600" algn="l" defTabSz="914400" rtl="0" eaLnBrk="1" latinLnBrk="0" hangingPunct="1">
+      <a:lvl5pPr marL="2205327" indent="-245036" algn="l" defTabSz="980145" rtl="0" eaLnBrk="1" latinLnBrk="0" hangingPunct="1">
         <a:lnSpc>
           <a:spcPct val="90000"/>
         </a:lnSpc>
         <a:spcBef>
-          <a:spcPts val="500"/>
+          <a:spcPts val="536"/>
         </a:spcBef>
         <a:buFont typeface="Arial" panose="020B0604020202020204" pitchFamily="34" charset="0"/>
         <a:buChar char="•"/>
-        <a:defRPr sz="1800" kern="1200">
+        <a:defRPr sz="1929" kern="1200">
           <a:solidFill>
             <a:schemeClr val="tx1"/>
           </a:solidFill>
@@ -6085,16 +7724,16 @@
           <a:cs typeface="+mn-cs"/>
         </a:defRPr>
       </a:lvl5pPr>
-      <a:lvl6pPr marL="2514600" indent="-228600" algn="l" defTabSz="914400" rtl="0" eaLnBrk="1" latinLnBrk="0" hangingPunct="1">
+      <a:lvl6pPr marL="2695400" indent="-245036" algn="l" defTabSz="980145" rtl="0" eaLnBrk="1" latinLnBrk="0" hangingPunct="1">
         <a:lnSpc>
           <a:spcPct val="90000"/>
         </a:lnSpc>
         <a:spcBef>
-          <a:spcPts val="500"/>
+          <a:spcPts val="536"/>
         </a:spcBef>
         <a:buFont typeface="Arial" panose="020B0604020202020204" pitchFamily="34" charset="0"/>
         <a:buChar char="•"/>
-        <a:defRPr sz="1800" kern="1200">
+        <a:defRPr sz="1929" kern="1200">
           <a:solidFill>
             <a:schemeClr val="tx1"/>
           </a:solidFill>
@@ -6103,16 +7742,16 @@
           <a:cs typeface="+mn-cs"/>
         </a:defRPr>
       </a:lvl6pPr>
-      <a:lvl7pPr marL="2971800" indent="-228600" algn="l" defTabSz="914400" rtl="0" eaLnBrk="1" latinLnBrk="0" hangingPunct="1">
+      <a:lvl7pPr marL="3185472" indent="-245036" algn="l" defTabSz="980145" rtl="0" eaLnBrk="1" latinLnBrk="0" hangingPunct="1">
         <a:lnSpc>
           <a:spcPct val="90000"/>
         </a:lnSpc>
         <a:spcBef>
-          <a:spcPts val="500"/>
+          <a:spcPts val="536"/>
         </a:spcBef>
         <a:buFont typeface="Arial" panose="020B0604020202020204" pitchFamily="34" charset="0"/>
         <a:buChar char="•"/>
-        <a:defRPr sz="1800" kern="1200">
+        <a:defRPr sz="1929" kern="1200">
           <a:solidFill>
             <a:schemeClr val="tx1"/>
           </a:solidFill>
@@ -6121,16 +7760,16 @@
           <a:cs typeface="+mn-cs"/>
         </a:defRPr>
       </a:lvl7pPr>
-      <a:lvl8pPr marL="3429000" indent="-228600" algn="l" defTabSz="914400" rtl="0" eaLnBrk="1" latinLnBrk="0" hangingPunct="1">
+      <a:lvl8pPr marL="3675545" indent="-245036" algn="l" defTabSz="980145" rtl="0" eaLnBrk="1" latinLnBrk="0" hangingPunct="1">
         <a:lnSpc>
           <a:spcPct val="90000"/>
         </a:lnSpc>
         <a:spcBef>
-          <a:spcPts val="500"/>
+          <a:spcPts val="536"/>
         </a:spcBef>
         <a:buFont typeface="Arial" panose="020B0604020202020204" pitchFamily="34" charset="0"/>
         <a:buChar char="•"/>
-        <a:defRPr sz="1800" kern="1200">
+        <a:defRPr sz="1929" kern="1200">
           <a:solidFill>
             <a:schemeClr val="tx1"/>
           </a:solidFill>
@@ -6139,16 +7778,16 @@
           <a:cs typeface="+mn-cs"/>
         </a:defRPr>
       </a:lvl8pPr>
-      <a:lvl9pPr marL="3886200" indent="-228600" algn="l" defTabSz="914400" rtl="0" eaLnBrk="1" latinLnBrk="0" hangingPunct="1">
+      <a:lvl9pPr marL="4165618" indent="-245036" algn="l" defTabSz="980145" rtl="0" eaLnBrk="1" latinLnBrk="0" hangingPunct="1">
         <a:lnSpc>
           <a:spcPct val="90000"/>
         </a:lnSpc>
         <a:spcBef>
-          <a:spcPts val="500"/>
+          <a:spcPts val="536"/>
         </a:spcBef>
         <a:buFont typeface="Arial" panose="020B0604020202020204" pitchFamily="34" charset="0"/>
         <a:buChar char="•"/>
-        <a:defRPr sz="1800" kern="1200">
+        <a:defRPr sz="1929" kern="1200">
           <a:solidFill>
             <a:schemeClr val="tx1"/>
           </a:solidFill>
@@ -6162,8 +7801,8 @@
       <a:defPPr>
         <a:defRPr lang="en-US"/>
       </a:defPPr>
-      <a:lvl1pPr marL="0" algn="l" defTabSz="914400" rtl="0" eaLnBrk="1" latinLnBrk="0" hangingPunct="1">
-        <a:defRPr sz="1800" kern="1200">
+      <a:lvl1pPr marL="0" algn="l" defTabSz="980145" rtl="0" eaLnBrk="1" latinLnBrk="0" hangingPunct="1">
+        <a:defRPr sz="1929" kern="1200">
           <a:solidFill>
             <a:schemeClr val="tx1"/>
           </a:solidFill>
@@ -6172,8 +7811,8 @@
           <a:cs typeface="+mn-cs"/>
         </a:defRPr>
       </a:lvl1pPr>
-      <a:lvl2pPr marL="457200" algn="l" defTabSz="914400" rtl="0" eaLnBrk="1" latinLnBrk="0" hangingPunct="1">
-        <a:defRPr sz="1800" kern="1200">
+      <a:lvl2pPr marL="490073" algn="l" defTabSz="980145" rtl="0" eaLnBrk="1" latinLnBrk="0" hangingPunct="1">
+        <a:defRPr sz="1929" kern="1200">
           <a:solidFill>
             <a:schemeClr val="tx1"/>
           </a:solidFill>
@@ -6182,8 +7821,8 @@
           <a:cs typeface="+mn-cs"/>
         </a:defRPr>
       </a:lvl2pPr>
-      <a:lvl3pPr marL="914400" algn="l" defTabSz="914400" rtl="0" eaLnBrk="1" latinLnBrk="0" hangingPunct="1">
-        <a:defRPr sz="1800" kern="1200">
+      <a:lvl3pPr marL="980145" algn="l" defTabSz="980145" rtl="0" eaLnBrk="1" latinLnBrk="0" hangingPunct="1">
+        <a:defRPr sz="1929" kern="1200">
           <a:solidFill>
             <a:schemeClr val="tx1"/>
           </a:solidFill>
@@ -6192,8 +7831,8 @@
           <a:cs typeface="+mn-cs"/>
         </a:defRPr>
       </a:lvl3pPr>
-      <a:lvl4pPr marL="1371600" algn="l" defTabSz="914400" rtl="0" eaLnBrk="1" latinLnBrk="0" hangingPunct="1">
-        <a:defRPr sz="1800" kern="1200">
+      <a:lvl4pPr marL="1470218" algn="l" defTabSz="980145" rtl="0" eaLnBrk="1" latinLnBrk="0" hangingPunct="1">
+        <a:defRPr sz="1929" kern="1200">
           <a:solidFill>
             <a:schemeClr val="tx1"/>
           </a:solidFill>
@@ -6202,8 +7841,8 @@
           <a:cs typeface="+mn-cs"/>
         </a:defRPr>
       </a:lvl4pPr>
-      <a:lvl5pPr marL="1828800" algn="l" defTabSz="914400" rtl="0" eaLnBrk="1" latinLnBrk="0" hangingPunct="1">
-        <a:defRPr sz="1800" kern="1200">
+      <a:lvl5pPr marL="1960291" algn="l" defTabSz="980145" rtl="0" eaLnBrk="1" latinLnBrk="0" hangingPunct="1">
+        <a:defRPr sz="1929" kern="1200">
           <a:solidFill>
             <a:schemeClr val="tx1"/>
           </a:solidFill>
@@ -6212,8 +7851,8 @@
           <a:cs typeface="+mn-cs"/>
         </a:defRPr>
       </a:lvl5pPr>
-      <a:lvl6pPr marL="2286000" algn="l" defTabSz="914400" rtl="0" eaLnBrk="1" latinLnBrk="0" hangingPunct="1">
-        <a:defRPr sz="1800" kern="1200">
+      <a:lvl6pPr marL="2450363" algn="l" defTabSz="980145" rtl="0" eaLnBrk="1" latinLnBrk="0" hangingPunct="1">
+        <a:defRPr sz="1929" kern="1200">
           <a:solidFill>
             <a:schemeClr val="tx1"/>
           </a:solidFill>
@@ -6222,8 +7861,8 @@
           <a:cs typeface="+mn-cs"/>
         </a:defRPr>
       </a:lvl6pPr>
-      <a:lvl7pPr marL="2743200" algn="l" defTabSz="914400" rtl="0" eaLnBrk="1" latinLnBrk="0" hangingPunct="1">
-        <a:defRPr sz="1800" kern="1200">
+      <a:lvl7pPr marL="2940436" algn="l" defTabSz="980145" rtl="0" eaLnBrk="1" latinLnBrk="0" hangingPunct="1">
+        <a:defRPr sz="1929" kern="1200">
           <a:solidFill>
             <a:schemeClr val="tx1"/>
           </a:solidFill>
@@ -6232,8 +7871,8 @@
           <a:cs typeface="+mn-cs"/>
         </a:defRPr>
       </a:lvl7pPr>
-      <a:lvl8pPr marL="3200400" algn="l" defTabSz="914400" rtl="0" eaLnBrk="1" latinLnBrk="0" hangingPunct="1">
-        <a:defRPr sz="1800" kern="1200">
+      <a:lvl8pPr marL="3430509" algn="l" defTabSz="980145" rtl="0" eaLnBrk="1" latinLnBrk="0" hangingPunct="1">
+        <a:defRPr sz="1929" kern="1200">
           <a:solidFill>
             <a:schemeClr val="tx1"/>
           </a:solidFill>
@@ -6242,8 +7881,8 @@
           <a:cs typeface="+mn-cs"/>
         </a:defRPr>
       </a:lvl8pPr>
-      <a:lvl9pPr marL="3657600" algn="l" defTabSz="914400" rtl="0" eaLnBrk="1" latinLnBrk="0" hangingPunct="1">
-        <a:defRPr sz="1800" kern="1200">
+      <a:lvl9pPr marL="3920581" algn="l" defTabSz="980145" rtl="0" eaLnBrk="1" latinLnBrk="0" hangingPunct="1">
+        <a:defRPr sz="1929" kern="1200">
           <a:solidFill>
             <a:schemeClr val="tx1"/>
           </a:solidFill>
@@ -6288,7 +7927,7 @@
         </p:nvGrpSpPr>
         <p:grpSpPr>
           <a:xfrm>
-            <a:off x="-1074165" y="1590040"/>
+            <a:off x="-636015" y="2156779"/>
             <a:ext cx="12146923" cy="3265903"/>
             <a:chOff x="-1074165" y="1590040"/>
             <a:chExt cx="12146923" cy="3265903"/>
@@ -7719,7 +9358,7 @@
           <p:spPr>
             <a:xfrm>
               <a:off x="2467558" y="2564176"/>
-              <a:ext cx="504188" cy="369332"/>
+              <a:ext cx="504188" cy="369460"/>
             </a:xfrm>
             <a:prstGeom prst="rect">
               <a:avLst/>
@@ -7754,7 +9393,7 @@
           <p:spPr>
             <a:xfrm>
               <a:off x="2973331" y="2232056"/>
-              <a:ext cx="713485" cy="369332"/>
+              <a:ext cx="713485" cy="369460"/>
             </a:xfrm>
             <a:prstGeom prst="rect">
               <a:avLst/>
@@ -7792,8 +9431,8 @@
           </p:nvSpPr>
           <p:spPr>
             <a:xfrm rot="1867811">
-              <a:off x="3601411" y="3301580"/>
-              <a:ext cx="990969" cy="369332"/>
+              <a:off x="3601411" y="3301516"/>
+              <a:ext cx="990969" cy="369460"/>
             </a:xfrm>
             <a:prstGeom prst="rect">
               <a:avLst/>
@@ -8118,7 +9757,7 @@
           <p:spPr>
             <a:xfrm>
               <a:off x="5242485" y="2289765"/>
-              <a:ext cx="734184" cy="369332"/>
+              <a:ext cx="734184" cy="369460"/>
             </a:xfrm>
             <a:prstGeom prst="rect">
               <a:avLst/>
@@ -8165,7 +9804,7 @@
           <p:spPr>
             <a:xfrm>
               <a:off x="7383438" y="2282966"/>
-              <a:ext cx="734184" cy="369332"/>
+              <a:ext cx="734184" cy="369460"/>
             </a:xfrm>
             <a:prstGeom prst="rect">
               <a:avLst/>
@@ -8212,7 +9851,7 @@
           <p:spPr>
             <a:xfrm>
               <a:off x="9574833" y="2274784"/>
-              <a:ext cx="734184" cy="369332"/>
+              <a:ext cx="734184" cy="369460"/>
             </a:xfrm>
             <a:prstGeom prst="rect">
               <a:avLst/>
@@ -8258,8 +9897,8 @@
           </p:nvSpPr>
           <p:spPr>
             <a:xfrm rot="19269064">
-              <a:off x="8808883" y="3502878"/>
-              <a:ext cx="734184" cy="369332"/>
+              <a:off x="8808883" y="3502814"/>
+              <a:ext cx="734184" cy="369460"/>
             </a:xfrm>
             <a:prstGeom prst="rect">
               <a:avLst/>
@@ -8471,7 +10110,7 @@
           <p:spPr>
             <a:xfrm>
               <a:off x="10338574" y="2582179"/>
-              <a:ext cx="734184" cy="369332"/>
+              <a:ext cx="734184" cy="369460"/>
             </a:xfrm>
             <a:prstGeom prst="rect">
               <a:avLst/>
@@ -8507,7 +10146,7 @@
         </p:nvSpPr>
         <p:spPr>
           <a:xfrm rot="5400000">
-            <a:off x="1017085" y="1846730"/>
+            <a:off x="1455238" y="2413467"/>
             <a:ext cx="397745" cy="82684"/>
           </a:xfrm>
           <a:prstGeom prst="rightArrow">
@@ -8561,7 +10200,7 @@
         </p:nvSpPr>
         <p:spPr>
           <a:xfrm>
-            <a:off x="1078881" y="1372204"/>
+            <a:off x="1517031" y="1938944"/>
             <a:ext cx="1216386" cy="307777"/>
           </a:xfrm>
           <a:prstGeom prst="rect">
@@ -8596,7 +10235,7 @@
         </p:nvSpPr>
         <p:spPr>
           <a:xfrm rot="5400000">
-            <a:off x="1194240" y="1846731"/>
+            <a:off x="1632393" y="2413468"/>
             <a:ext cx="397745" cy="82684"/>
           </a:xfrm>
           <a:prstGeom prst="rightArrow">
@@ -8650,7 +10289,7 @@
         </p:nvSpPr>
         <p:spPr>
           <a:xfrm rot="5400000">
-            <a:off x="1366036" y="1849086"/>
+            <a:off x="1804189" y="2415823"/>
             <a:ext cx="397745" cy="82684"/>
           </a:xfrm>
           <a:prstGeom prst="rightArrow">
@@ -8704,7 +10343,7 @@
         </p:nvSpPr>
         <p:spPr>
           <a:xfrm rot="5400000">
-            <a:off x="1543191" y="1849087"/>
+            <a:off x="1981344" y="2415824"/>
             <a:ext cx="397745" cy="82684"/>
           </a:xfrm>
           <a:prstGeom prst="rightArrow">
@@ -8758,7 +10397,7 @@
         </p:nvSpPr>
         <p:spPr>
           <a:xfrm rot="5400000">
-            <a:off x="665454" y="1848807"/>
+            <a:off x="1103607" y="2415545"/>
             <a:ext cx="397745" cy="82684"/>
           </a:xfrm>
           <a:prstGeom prst="rightArrow">
@@ -8812,7 +10451,7 @@
         </p:nvSpPr>
         <p:spPr>
           <a:xfrm rot="5400000">
-            <a:off x="842609" y="1848808"/>
+            <a:off x="1280762" y="2415546"/>
             <a:ext cx="397745" cy="82684"/>
           </a:xfrm>
           <a:prstGeom prst="rightArrow">
@@ -8896,7 +10535,7 @@
         </p:nvSpPr>
         <p:spPr>
           <a:xfrm>
-            <a:off x="524881" y="3062277"/>
+            <a:off x="963034" y="3629017"/>
             <a:ext cx="1579879" cy="492323"/>
           </a:xfrm>
           <a:prstGeom prst="rect">
@@ -8948,7 +10587,7 @@
         </p:nvSpPr>
         <p:spPr>
           <a:xfrm>
-            <a:off x="525840" y="2326446"/>
+            <a:off x="963993" y="2893183"/>
             <a:ext cx="1579879" cy="1221738"/>
           </a:xfrm>
           <a:prstGeom prst="rect">
@@ -9004,7 +10643,7 @@
         </p:nvSpPr>
         <p:spPr>
           <a:xfrm rot="5400000">
-            <a:off x="1544056" y="2966742"/>
+            <a:off x="1982209" y="3533479"/>
             <a:ext cx="992141" cy="523220"/>
           </a:xfrm>
           <a:prstGeom prst="rect">
@@ -9039,7 +10678,7 @@
         </p:nvSpPr>
         <p:spPr>
           <a:xfrm>
-            <a:off x="5004418" y="3112365"/>
+            <a:off x="5442572" y="3679107"/>
             <a:ext cx="608663" cy="392145"/>
           </a:xfrm>
           <a:prstGeom prst="rightArrow">
@@ -9094,7 +10733,7 @@
         </p:nvSpPr>
         <p:spPr>
           <a:xfrm rot="16200000">
-            <a:off x="1563890" y="1710771"/>
+            <a:off x="2002043" y="2277508"/>
             <a:ext cx="397745" cy="355600"/>
           </a:xfrm>
           <a:prstGeom prst="rightArrow">
@@ -9146,7 +10785,7 @@
         </p:nvSpPr>
         <p:spPr>
           <a:xfrm rot="5400000">
-            <a:off x="628144" y="1640559"/>
+            <a:off x="1066297" y="2207296"/>
             <a:ext cx="397745" cy="540000"/>
           </a:xfrm>
           <a:prstGeom prst="rightArrow">
@@ -9200,7 +10839,7 @@
         </p:nvSpPr>
         <p:spPr>
           <a:xfrm>
-            <a:off x="1856269" y="1613506"/>
+            <a:off x="2294420" y="2180243"/>
             <a:ext cx="1216386" cy="523220"/>
           </a:xfrm>
           <a:prstGeom prst="rect">
@@ -9235,7 +10874,7 @@
         </p:nvSpPr>
         <p:spPr>
           <a:xfrm>
-            <a:off x="1716469" y="2682999"/>
+            <a:off x="2154622" y="3249737"/>
             <a:ext cx="2502607" cy="57070"/>
           </a:xfrm>
           <a:custGeom>
@@ -9377,7 +11016,7 @@
         </p:nvSpPr>
         <p:spPr>
           <a:xfrm>
-            <a:off x="2575302" y="2061864"/>
+            <a:off x="3013455" y="2628602"/>
             <a:ext cx="1426707" cy="523220"/>
           </a:xfrm>
           <a:prstGeom prst="rect">
@@ -9412,7 +11051,7 @@
         </p:nvSpPr>
         <p:spPr>
           <a:xfrm>
-            <a:off x="2528311" y="2937315"/>
+            <a:off x="2966461" y="3504052"/>
             <a:ext cx="1658250" cy="523220"/>
           </a:xfrm>
           <a:prstGeom prst="rect">
@@ -9447,7 +11086,7 @@
         </p:nvSpPr>
         <p:spPr>
           <a:xfrm rot="10800000">
-            <a:off x="4587839" y="2263999"/>
+            <a:off x="5025992" y="2830736"/>
             <a:ext cx="227011" cy="1995188"/>
           </a:xfrm>
           <a:prstGeom prst="leftBrace">
@@ -9494,7 +11133,7 @@
         </p:nvSpPr>
         <p:spPr>
           <a:xfrm>
-            <a:off x="1731462" y="3228352"/>
+            <a:off x="2169615" y="3795089"/>
             <a:ext cx="2714625" cy="648456"/>
           </a:xfrm>
           <a:custGeom>
@@ -9653,7 +11292,7 @@
         </p:nvSpPr>
         <p:spPr>
           <a:xfrm>
-            <a:off x="506432" y="3048988"/>
+            <a:off x="944582" y="3615726"/>
             <a:ext cx="1265862" cy="523220"/>
           </a:xfrm>
           <a:prstGeom prst="rect">
@@ -9891,7 +11530,7 @@
         </p:nvSpPr>
         <p:spPr>
           <a:xfrm>
-            <a:off x="524881" y="3062277"/>
+            <a:off x="963034" y="3629017"/>
             <a:ext cx="1579879" cy="492323"/>
           </a:xfrm>
           <a:prstGeom prst="rect">
@@ -9943,7 +11582,7 @@
         </p:nvSpPr>
         <p:spPr>
           <a:xfrm>
-            <a:off x="525840" y="2326446"/>
+            <a:off x="963993" y="2893183"/>
             <a:ext cx="1579879" cy="1221738"/>
           </a:xfrm>
           <a:prstGeom prst="rect">
@@ -9999,7 +11638,7 @@
         </p:nvSpPr>
         <p:spPr>
           <a:xfrm rot="5400000">
-            <a:off x="1544056" y="2966742"/>
+            <a:off x="1982209" y="3533479"/>
             <a:ext cx="992141" cy="523220"/>
           </a:xfrm>
           <a:prstGeom prst="rect">
@@ -10034,7 +11673,7 @@
         </p:nvSpPr>
         <p:spPr>
           <a:xfrm>
-            <a:off x="5004418" y="3112365"/>
+            <a:off x="5442572" y="3679107"/>
             <a:ext cx="608663" cy="392145"/>
           </a:xfrm>
           <a:prstGeom prst="rightArrow">
@@ -10089,7 +11728,7 @@
         </p:nvSpPr>
         <p:spPr>
           <a:xfrm rot="16200000">
-            <a:off x="1549396" y="1780571"/>
+            <a:off x="1987549" y="2347308"/>
             <a:ext cx="397745" cy="216000"/>
           </a:xfrm>
           <a:prstGeom prst="rightArrow">
@@ -10141,7 +11780,7 @@
         </p:nvSpPr>
         <p:spPr>
           <a:xfrm rot="5400000">
-            <a:off x="628144" y="1640559"/>
+            <a:off x="1066297" y="2207296"/>
             <a:ext cx="397745" cy="540000"/>
           </a:xfrm>
           <a:prstGeom prst="rightArrow">
@@ -10195,7 +11834,7 @@
         </p:nvSpPr>
         <p:spPr>
           <a:xfrm>
-            <a:off x="1856269" y="1613506"/>
+            <a:off x="2294420" y="2180243"/>
             <a:ext cx="1216386" cy="523220"/>
           </a:xfrm>
           <a:prstGeom prst="rect">
@@ -10230,7 +11869,7 @@
         </p:nvSpPr>
         <p:spPr>
           <a:xfrm>
-            <a:off x="1716469" y="2607401"/>
+            <a:off x="2154622" y="3174138"/>
             <a:ext cx="2502607" cy="150276"/>
           </a:xfrm>
           <a:custGeom>
@@ -10372,7 +12011,7 @@
         </p:nvSpPr>
         <p:spPr>
           <a:xfrm>
-            <a:off x="2575302" y="2061864"/>
+            <a:off x="3013455" y="2628602"/>
             <a:ext cx="1426707" cy="523220"/>
           </a:xfrm>
           <a:prstGeom prst="rect">
@@ -10407,7 +12046,7 @@
         </p:nvSpPr>
         <p:spPr>
           <a:xfrm>
-            <a:off x="2528311" y="2937315"/>
+            <a:off x="2966461" y="3504052"/>
             <a:ext cx="1658250" cy="523220"/>
           </a:xfrm>
           <a:prstGeom prst="rect">
@@ -10442,7 +12081,7 @@
         </p:nvSpPr>
         <p:spPr>
           <a:xfrm rot="10800000">
-            <a:off x="4587839" y="2263999"/>
+            <a:off x="5025992" y="2830736"/>
             <a:ext cx="227011" cy="1995188"/>
           </a:xfrm>
           <a:prstGeom prst="leftBrace">
@@ -10489,7 +12128,7 @@
         </p:nvSpPr>
         <p:spPr>
           <a:xfrm>
-            <a:off x="1731462" y="2773568"/>
+            <a:off x="2169615" y="3340305"/>
             <a:ext cx="2714625" cy="1326756"/>
           </a:xfrm>
           <a:custGeom>
@@ -10648,7 +12287,7 @@
         </p:nvSpPr>
         <p:spPr>
           <a:xfrm>
-            <a:off x="506432" y="3048988"/>
+            <a:off x="944582" y="3615726"/>
             <a:ext cx="1265862" cy="523220"/>
           </a:xfrm>
           <a:prstGeom prst="rect">
@@ -10862,130 +12501,6 @@
       </p:grpSpPr>
       <p:pic>
         <p:nvPicPr>
-          <p:cNvPr id="4" name="Picture 2" descr="USGS Open-File Report 2012-1274 - Potential Climate-Induced Runoff ...">
-            <a:extLst>
-              <a:ext uri="{FF2B5EF4-FFF2-40B4-BE49-F238E27FC236}">
-                <a16:creationId xmlns:a16="http://schemas.microsoft.com/office/drawing/2014/main" id="{2CA3F82E-93B2-4864-882E-620D4EDC3902}"/>
-              </a:ext>
-            </a:extLst>
-          </p:cNvPr>
-          <p:cNvPicPr>
-            <a:picLocks noChangeAspect="1" noChangeArrowheads="1"/>
-          </p:cNvPicPr>
-          <p:nvPr/>
-        </p:nvPicPr>
-        <p:blipFill>
-          <a:blip r:embed="rId2">
-            <a:extLst>
-              <a:ext uri="{28A0092B-C50C-407E-A947-70E740481C1C}">
-                <a14:useLocalDpi xmlns:a14="http://schemas.microsoft.com/office/drawing/2010/main" val="0"/>
-              </a:ext>
-            </a:extLst>
-          </a:blip>
-          <a:srcRect/>
-          <a:stretch>
-            <a:fillRect/>
-          </a:stretch>
-        </p:blipFill>
-        <p:spPr bwMode="auto">
-          <a:xfrm>
-            <a:off x="87682" y="171910"/>
-            <a:ext cx="5757559" cy="4030571"/>
-          </a:xfrm>
-          <a:prstGeom prst="rect">
-            <a:avLst/>
-          </a:prstGeom>
-          <a:noFill/>
-          <a:extLst>
-            <a:ext uri="{909E8E84-426E-40DD-AFC4-6F175D3DCCD1}">
-              <a14:hiddenFill xmlns:a14="http://schemas.microsoft.com/office/drawing/2010/main">
-                <a:solidFill>
-                  <a:srgbClr val="FFFFFF"/>
-                </a:solidFill>
-              </a14:hiddenFill>
-            </a:ext>
-          </a:extLst>
-        </p:spPr>
-      </p:pic>
-      <p:pic>
-        <p:nvPicPr>
-          <p:cNvPr id="2050" name="Picture 2" descr="Rainfall - Runoff tool - eWater">
-            <a:extLst>
-              <a:ext uri="{FF2B5EF4-FFF2-40B4-BE49-F238E27FC236}">
-                <a16:creationId xmlns:a16="http://schemas.microsoft.com/office/drawing/2014/main" id="{6319FD62-3017-41E5-99E0-0C3B03C936D6}"/>
-              </a:ext>
-            </a:extLst>
-          </p:cNvPr>
-          <p:cNvPicPr>
-            <a:picLocks noChangeAspect="1" noChangeArrowheads="1"/>
-          </p:cNvPicPr>
-          <p:nvPr/>
-        </p:nvPicPr>
-        <p:blipFill>
-          <a:blip r:embed="rId3">
-            <a:extLst>
-              <a:ext uri="{28A0092B-C50C-407E-A947-70E740481C1C}">
-                <a14:useLocalDpi xmlns:a14="http://schemas.microsoft.com/office/drawing/2010/main" val="0"/>
-              </a:ext>
-            </a:extLst>
-          </a:blip>
-          <a:srcRect/>
-          <a:stretch>
-            <a:fillRect/>
-          </a:stretch>
-        </p:blipFill>
-        <p:spPr bwMode="auto">
-          <a:xfrm>
-            <a:off x="6467736" y="419922"/>
-            <a:ext cx="4780637" cy="3534546"/>
-          </a:xfrm>
-          <a:prstGeom prst="rect">
-            <a:avLst/>
-          </a:prstGeom>
-          <a:noFill/>
-          <a:extLst>
-            <a:ext uri="{909E8E84-426E-40DD-AFC4-6F175D3DCCD1}">
-              <a14:hiddenFill xmlns:a14="http://schemas.microsoft.com/office/drawing/2010/main">
-                <a:solidFill>
-                  <a:srgbClr val="FFFFFF"/>
-                </a:solidFill>
-              </a14:hiddenFill>
-            </a:ext>
-          </a:extLst>
-        </p:spPr>
-      </p:pic>
-    </p:spTree>
-    <p:extLst>
-      <p:ext uri="{BB962C8B-B14F-4D97-AF65-F5344CB8AC3E}">
-        <p14:creationId xmlns:p14="http://schemas.microsoft.com/office/powerpoint/2010/main" val="2928199836"/>
-      </p:ext>
-    </p:extLst>
-  </p:cSld>
-  <p:clrMapOvr>
-    <a:masterClrMapping/>
-  </p:clrMapOvr>
-</p:sld>
-</file>
-
-<file path=ppt/slides/slide13.xml><?xml version="1.0" encoding="utf-8"?>
-<p:sld xmlns:a="http://schemas.openxmlformats.org/drawingml/2006/main" xmlns:r="http://schemas.openxmlformats.org/officeDocument/2006/relationships" xmlns:p="http://schemas.openxmlformats.org/presentationml/2006/main">
-  <p:cSld>
-    <p:spTree>
-      <p:nvGrpSpPr>
-        <p:cNvPr id="1" name=""/>
-        <p:cNvGrpSpPr/>
-        <p:nvPr/>
-      </p:nvGrpSpPr>
-      <p:grpSpPr>
-        <a:xfrm>
-          <a:off x="0" y="0"/>
-          <a:ext cx="0" cy="0"/>
-          <a:chOff x="0" y="0"/>
-          <a:chExt cx="0" cy="0"/>
-        </a:xfrm>
-      </p:grpSpPr>
-      <p:pic>
-        <p:nvPicPr>
           <p:cNvPr id="6" name="Imagen 5">
             <a:extLst>
               <a:ext uri="{FF2B5EF4-FFF2-40B4-BE49-F238E27FC236}">
@@ -11005,7 +12520,7 @@
         </p:blipFill>
         <p:spPr>
           <a:xfrm>
-            <a:off x="1485900" y="190499"/>
+            <a:off x="1924052" y="757238"/>
             <a:ext cx="7038975" cy="6271287"/>
           </a:xfrm>
           <a:prstGeom prst="rect">
@@ -11027,7 +12542,7 @@
         </p:nvSpPr>
         <p:spPr>
           <a:xfrm rot="1820564">
-            <a:off x="2942559" y="4276136"/>
+            <a:off x="3380709" y="4842875"/>
             <a:ext cx="2783392" cy="155949"/>
           </a:xfrm>
           <a:custGeom>
@@ -11176,7 +12691,7 @@
         </p:nvSpPr>
         <p:spPr>
           <a:xfrm rot="1183985">
-            <a:off x="2567973" y="4859521"/>
+            <a:off x="3006123" y="5426259"/>
             <a:ext cx="3044168" cy="709724"/>
           </a:xfrm>
           <a:custGeom>
@@ -11335,7 +12850,7 @@
         </p:nvSpPr>
         <p:spPr>
           <a:xfrm>
-            <a:off x="2405707" y="2645901"/>
+            <a:off x="2843857" y="3212639"/>
             <a:ext cx="1216386" cy="338554"/>
           </a:xfrm>
           <a:prstGeom prst="rect">
@@ -11381,7 +12896,7 @@
         </p:nvSpPr>
         <p:spPr>
           <a:xfrm rot="5400000">
-            <a:off x="2467429" y="2914294"/>
+            <a:off x="2905582" y="3481031"/>
             <a:ext cx="397745" cy="540000"/>
           </a:xfrm>
           <a:prstGeom prst="rightArrow">
@@ -11440,7 +12955,7 @@
         </p:nvSpPr>
         <p:spPr>
           <a:xfrm>
-            <a:off x="5979643" y="4840867"/>
+            <a:off x="6417793" y="5407605"/>
             <a:ext cx="734184" cy="338554"/>
           </a:xfrm>
           <a:prstGeom prst="rect">
@@ -11492,7 +13007,7 @@
         </p:nvSpPr>
         <p:spPr>
           <a:xfrm rot="16200000">
-            <a:off x="3560734" y="3140022"/>
+            <a:off x="3998889" y="3706760"/>
             <a:ext cx="397745" cy="216000"/>
           </a:xfrm>
           <a:prstGeom prst="rightArrow">
@@ -11551,7 +13066,7 @@
         </p:nvSpPr>
         <p:spPr>
           <a:xfrm>
-            <a:off x="3154044" y="3394657"/>
+            <a:off x="3592194" y="3961394"/>
             <a:ext cx="1216386" cy="338554"/>
           </a:xfrm>
           <a:prstGeom prst="rect">
@@ -11597,7 +13112,7 @@
         </p:nvSpPr>
         <p:spPr>
           <a:xfrm rot="1017898">
-            <a:off x="3438705" y="5436670"/>
+            <a:off x="3876857" y="6003408"/>
             <a:ext cx="1882375" cy="338554"/>
           </a:xfrm>
           <a:prstGeom prst="rect">
@@ -11643,7 +13158,7 @@
         </p:nvSpPr>
         <p:spPr>
           <a:xfrm rot="1653410">
-            <a:off x="4087441" y="4276602"/>
+            <a:off x="4525594" y="4843340"/>
             <a:ext cx="1426707" cy="338554"/>
           </a:xfrm>
           <a:prstGeom prst="rect">
@@ -11689,7 +13204,7 @@
         </p:nvSpPr>
         <p:spPr>
           <a:xfrm rot="1167435">
-            <a:off x="1987128" y="4184833"/>
+            <a:off x="2425279" y="4751571"/>
             <a:ext cx="734184" cy="338554"/>
           </a:xfrm>
           <a:prstGeom prst="rect">
@@ -11741,7 +13256,7 @@
         </p:nvSpPr>
         <p:spPr>
           <a:xfrm rot="921036">
-            <a:off x="1479899" y="4847090"/>
+            <a:off x="1918052" y="5413828"/>
             <a:ext cx="1314409" cy="338554"/>
           </a:xfrm>
           <a:prstGeom prst="rect">
@@ -12166,7 +13681,1238 @@
 </p:sld>
 </file>
 
+<file path=ppt/slides/slide13.xml><?xml version="1.0" encoding="utf-8"?>
+<p:sld xmlns:a="http://schemas.openxmlformats.org/drawingml/2006/main" xmlns:r="http://schemas.openxmlformats.org/officeDocument/2006/relationships" xmlns:p="http://schemas.openxmlformats.org/presentationml/2006/main">
+  <p:cSld>
+    <p:spTree>
+      <p:nvGrpSpPr>
+        <p:cNvPr id="1" name=""/>
+        <p:cNvGrpSpPr/>
+        <p:nvPr/>
+      </p:nvGrpSpPr>
+      <p:grpSpPr>
+        <a:xfrm>
+          <a:off x="0" y="0"/>
+          <a:ext cx="0" cy="0"/>
+          <a:chOff x="0" y="0"/>
+          <a:chExt cx="0" cy="0"/>
+        </a:xfrm>
+      </p:grpSpPr>
+      <p:pic>
+        <p:nvPicPr>
+          <p:cNvPr id="4" name="Imagen 3" descr="Imagen que contiene texto&#10;&#10;Descripción generada automáticamente">
+            <a:extLst>
+              <a:ext uri="{FF2B5EF4-FFF2-40B4-BE49-F238E27FC236}">
+                <a16:creationId xmlns:a16="http://schemas.microsoft.com/office/drawing/2014/main" id="{579EB6CF-F859-4912-BE2A-0F9AE6F5904C}"/>
+              </a:ext>
+            </a:extLst>
+          </p:cNvPr>
+          <p:cNvPicPr>
+            <a:picLocks noChangeAspect="1"/>
+          </p:cNvPicPr>
+          <p:nvPr/>
+        </p:nvPicPr>
+        <p:blipFill>
+          <a:blip r:embed="rId2">
+            <a:extLst>
+              <a:ext uri="{28A0092B-C50C-407E-A947-70E740481C1C}">
+                <a14:useLocalDpi xmlns:a14="http://schemas.microsoft.com/office/drawing/2010/main" val="0"/>
+              </a:ext>
+            </a:extLst>
+          </a:blip>
+          <a:stretch>
+            <a:fillRect/>
+          </a:stretch>
+        </p:blipFill>
+        <p:spPr>
+          <a:xfrm flipH="1">
+            <a:off x="2619769" y="566737"/>
+            <a:ext cx="7828767" cy="6858000"/>
+          </a:xfrm>
+          <a:prstGeom prst="rect">
+            <a:avLst/>
+          </a:prstGeom>
+        </p:spPr>
+      </p:pic>
+      <p:sp>
+        <p:nvSpPr>
+          <p:cNvPr id="7" name="Forma libre: forma 6">
+            <a:extLst>
+              <a:ext uri="{FF2B5EF4-FFF2-40B4-BE49-F238E27FC236}">
+                <a16:creationId xmlns:a16="http://schemas.microsoft.com/office/drawing/2014/main" id="{11FEF672-478C-42C1-912D-CA2AFD880299}"/>
+              </a:ext>
+            </a:extLst>
+          </p:cNvPr>
+          <p:cNvSpPr/>
+          <p:nvPr/>
+        </p:nvSpPr>
+        <p:spPr>
+          <a:xfrm rot="2224306">
+            <a:off x="5047600" y="4036133"/>
+            <a:ext cx="1813614" cy="108470"/>
+          </a:xfrm>
+          <a:custGeom>
+            <a:avLst/>
+            <a:gdLst>
+              <a:gd name="connsiteX0" fmla="*/ 0 w 2076450"/>
+              <a:gd name="connsiteY0" fmla="*/ 472019 h 824466"/>
+              <a:gd name="connsiteX1" fmla="*/ 342900 w 2076450"/>
+              <a:gd name="connsiteY1" fmla="*/ 472019 h 824466"/>
+              <a:gd name="connsiteX2" fmla="*/ 561975 w 2076450"/>
+              <a:gd name="connsiteY2" fmla="*/ 5294 h 824466"/>
+              <a:gd name="connsiteX3" fmla="*/ 904875 w 2076450"/>
+              <a:gd name="connsiteY3" fmla="*/ 824444 h 824466"/>
+              <a:gd name="connsiteX4" fmla="*/ 1247775 w 2076450"/>
+              <a:gd name="connsiteY4" fmla="*/ 33869 h 824466"/>
+              <a:gd name="connsiteX5" fmla="*/ 1533525 w 2076450"/>
+              <a:gd name="connsiteY5" fmla="*/ 624419 h 824466"/>
+              <a:gd name="connsiteX6" fmla="*/ 1790700 w 2076450"/>
+              <a:gd name="connsiteY6" fmla="*/ 405344 h 824466"/>
+              <a:gd name="connsiteX7" fmla="*/ 2076450 w 2076450"/>
+              <a:gd name="connsiteY7" fmla="*/ 376769 h 824466"/>
+            </a:gdLst>
+            <a:ahLst/>
+            <a:cxnLst>
+              <a:cxn ang="0">
+                <a:pos x="connsiteX0" y="connsiteY0"/>
+              </a:cxn>
+              <a:cxn ang="0">
+                <a:pos x="connsiteX1" y="connsiteY1"/>
+              </a:cxn>
+              <a:cxn ang="0">
+                <a:pos x="connsiteX2" y="connsiteY2"/>
+              </a:cxn>
+              <a:cxn ang="0">
+                <a:pos x="connsiteX3" y="connsiteY3"/>
+              </a:cxn>
+              <a:cxn ang="0">
+                <a:pos x="connsiteX4" y="connsiteY4"/>
+              </a:cxn>
+              <a:cxn ang="0">
+                <a:pos x="connsiteX5" y="connsiteY5"/>
+              </a:cxn>
+              <a:cxn ang="0">
+                <a:pos x="connsiteX6" y="connsiteY6"/>
+              </a:cxn>
+              <a:cxn ang="0">
+                <a:pos x="connsiteX7" y="connsiteY7"/>
+              </a:cxn>
+            </a:cxnLst>
+            <a:rect l="l" t="t" r="r" b="b"/>
+            <a:pathLst>
+              <a:path w="2076450" h="824466">
+                <a:moveTo>
+                  <a:pt x="0" y="472019"/>
+                </a:moveTo>
+                <a:cubicBezTo>
+                  <a:pt x="124619" y="510912"/>
+                  <a:pt x="249238" y="549806"/>
+                  <a:pt x="342900" y="472019"/>
+                </a:cubicBezTo>
+                <a:cubicBezTo>
+                  <a:pt x="436562" y="394232"/>
+                  <a:pt x="468313" y="-53443"/>
+                  <a:pt x="561975" y="5294"/>
+                </a:cubicBezTo>
+                <a:cubicBezTo>
+                  <a:pt x="655637" y="64031"/>
+                  <a:pt x="790575" y="819681"/>
+                  <a:pt x="904875" y="824444"/>
+                </a:cubicBezTo>
+                <a:cubicBezTo>
+                  <a:pt x="1019175" y="829207"/>
+                  <a:pt x="1143000" y="67206"/>
+                  <a:pt x="1247775" y="33869"/>
+                </a:cubicBezTo>
+                <a:cubicBezTo>
+                  <a:pt x="1352550" y="532"/>
+                  <a:pt x="1443038" y="562507"/>
+                  <a:pt x="1533525" y="624419"/>
+                </a:cubicBezTo>
+                <a:cubicBezTo>
+                  <a:pt x="1624012" y="686331"/>
+                  <a:pt x="1700213" y="446619"/>
+                  <a:pt x="1790700" y="405344"/>
+                </a:cubicBezTo>
+                <a:cubicBezTo>
+                  <a:pt x="1881187" y="364069"/>
+                  <a:pt x="2001838" y="373594"/>
+                  <a:pt x="2076450" y="376769"/>
+                </a:cubicBezTo>
+              </a:path>
+            </a:pathLst>
+          </a:custGeom>
+          <a:noFill/>
+          <a:ln w="50800">
+            <a:solidFill>
+              <a:srgbClr val="00B0F0"/>
+            </a:solidFill>
+            <a:headEnd type="none"/>
+            <a:tailEnd type="triangle"/>
+          </a:ln>
+          <a:effectLst>
+            <a:outerShdw blurRad="50800" dist="38100" dir="5400000" algn="t" rotWithShape="0">
+              <a:prstClr val="black">
+                <a:alpha val="40000"/>
+              </a:prstClr>
+            </a:outerShdw>
+          </a:effectLst>
+        </p:spPr>
+        <p:style>
+          <a:lnRef idx="2">
+            <a:schemeClr val="accent1">
+              <a:shade val="50000"/>
+            </a:schemeClr>
+          </a:lnRef>
+          <a:fillRef idx="1">
+            <a:schemeClr val="accent1"/>
+          </a:fillRef>
+          <a:effectRef idx="0">
+            <a:schemeClr val="accent1"/>
+          </a:effectRef>
+          <a:fontRef idx="minor">
+            <a:schemeClr val="lt1"/>
+          </a:fontRef>
+        </p:style>
+        <p:txBody>
+          <a:bodyPr rtlCol="0" anchor="ctr"/>
+          <a:lstStyle/>
+          <a:p>
+            <a:pPr algn="ctr"/>
+            <a:endParaRPr lang="es-ES" dirty="0"/>
+          </a:p>
+        </p:txBody>
+      </p:sp>
+      <p:sp>
+        <p:nvSpPr>
+          <p:cNvPr id="14" name="Forma libre: forma 13">
+            <a:extLst>
+              <a:ext uri="{FF2B5EF4-FFF2-40B4-BE49-F238E27FC236}">
+                <a16:creationId xmlns:a16="http://schemas.microsoft.com/office/drawing/2014/main" id="{1080AE0D-4FD3-40B0-9B53-08B0696B062C}"/>
+              </a:ext>
+            </a:extLst>
+          </p:cNvPr>
+          <p:cNvSpPr/>
+          <p:nvPr/>
+        </p:nvSpPr>
+        <p:spPr>
+          <a:xfrm rot="1966331">
+            <a:off x="3703396" y="4936213"/>
+            <a:ext cx="2889668" cy="890163"/>
+          </a:xfrm>
+          <a:custGeom>
+            <a:avLst/>
+            <a:gdLst>
+              <a:gd name="connsiteX0" fmla="*/ 0 w 2714625"/>
+              <a:gd name="connsiteY0" fmla="*/ 0 h 1600212"/>
+              <a:gd name="connsiteX1" fmla="*/ 95250 w 2714625"/>
+              <a:gd name="connsiteY1" fmla="*/ 1104900 h 1600212"/>
+              <a:gd name="connsiteX2" fmla="*/ 447675 w 2714625"/>
+              <a:gd name="connsiteY2" fmla="*/ 1314450 h 1600212"/>
+              <a:gd name="connsiteX3" fmla="*/ 695325 w 2714625"/>
+              <a:gd name="connsiteY3" fmla="*/ 942975 h 1600212"/>
+              <a:gd name="connsiteX4" fmla="*/ 1181100 w 2714625"/>
+              <a:gd name="connsiteY4" fmla="*/ 1600200 h 1600212"/>
+              <a:gd name="connsiteX5" fmla="*/ 1647825 w 2714625"/>
+              <a:gd name="connsiteY5" fmla="*/ 923925 h 1600212"/>
+              <a:gd name="connsiteX6" fmla="*/ 1990725 w 2714625"/>
+              <a:gd name="connsiteY6" fmla="*/ 1438275 h 1600212"/>
+              <a:gd name="connsiteX7" fmla="*/ 2400300 w 2714625"/>
+              <a:gd name="connsiteY7" fmla="*/ 1190625 h 1600212"/>
+              <a:gd name="connsiteX8" fmla="*/ 2619375 w 2714625"/>
+              <a:gd name="connsiteY8" fmla="*/ 1181100 h 1600212"/>
+              <a:gd name="connsiteX9" fmla="*/ 2714625 w 2714625"/>
+              <a:gd name="connsiteY9" fmla="*/ 1181100 h 1600212"/>
+            </a:gdLst>
+            <a:ahLst/>
+            <a:cxnLst>
+              <a:cxn ang="0">
+                <a:pos x="connsiteX0" y="connsiteY0"/>
+              </a:cxn>
+              <a:cxn ang="0">
+                <a:pos x="connsiteX1" y="connsiteY1"/>
+              </a:cxn>
+              <a:cxn ang="0">
+                <a:pos x="connsiteX2" y="connsiteY2"/>
+              </a:cxn>
+              <a:cxn ang="0">
+                <a:pos x="connsiteX3" y="connsiteY3"/>
+              </a:cxn>
+              <a:cxn ang="0">
+                <a:pos x="connsiteX4" y="connsiteY4"/>
+              </a:cxn>
+              <a:cxn ang="0">
+                <a:pos x="connsiteX5" y="connsiteY5"/>
+              </a:cxn>
+              <a:cxn ang="0">
+                <a:pos x="connsiteX6" y="connsiteY6"/>
+              </a:cxn>
+              <a:cxn ang="0">
+                <a:pos x="connsiteX7" y="connsiteY7"/>
+              </a:cxn>
+              <a:cxn ang="0">
+                <a:pos x="connsiteX8" y="connsiteY8"/>
+              </a:cxn>
+              <a:cxn ang="0">
+                <a:pos x="connsiteX9" y="connsiteY9"/>
+              </a:cxn>
+            </a:cxnLst>
+            <a:rect l="l" t="t" r="r" b="b"/>
+            <a:pathLst>
+              <a:path w="2714625" h="1600212">
+                <a:moveTo>
+                  <a:pt x="0" y="0"/>
+                </a:moveTo>
+                <a:cubicBezTo>
+                  <a:pt x="10319" y="442912"/>
+                  <a:pt x="20638" y="885825"/>
+                  <a:pt x="95250" y="1104900"/>
+                </a:cubicBezTo>
+                <a:cubicBezTo>
+                  <a:pt x="169862" y="1323975"/>
+                  <a:pt x="347663" y="1341437"/>
+                  <a:pt x="447675" y="1314450"/>
+                </a:cubicBezTo>
+                <a:cubicBezTo>
+                  <a:pt x="547687" y="1287463"/>
+                  <a:pt x="573087" y="895350"/>
+                  <a:pt x="695325" y="942975"/>
+                </a:cubicBezTo>
+                <a:cubicBezTo>
+                  <a:pt x="817563" y="990600"/>
+                  <a:pt x="1022350" y="1603375"/>
+                  <a:pt x="1181100" y="1600200"/>
+                </a:cubicBezTo>
+                <a:cubicBezTo>
+                  <a:pt x="1339850" y="1597025"/>
+                  <a:pt x="1512888" y="950912"/>
+                  <a:pt x="1647825" y="923925"/>
+                </a:cubicBezTo>
+                <a:cubicBezTo>
+                  <a:pt x="1782762" y="896938"/>
+                  <a:pt x="1865313" y="1393825"/>
+                  <a:pt x="1990725" y="1438275"/>
+                </a:cubicBezTo>
+                <a:cubicBezTo>
+                  <a:pt x="2116137" y="1482725"/>
+                  <a:pt x="2295525" y="1233488"/>
+                  <a:pt x="2400300" y="1190625"/>
+                </a:cubicBezTo>
+                <a:cubicBezTo>
+                  <a:pt x="2505075" y="1147763"/>
+                  <a:pt x="2566988" y="1182687"/>
+                  <a:pt x="2619375" y="1181100"/>
+                </a:cubicBezTo>
+                <a:cubicBezTo>
+                  <a:pt x="2671762" y="1179513"/>
+                  <a:pt x="2693193" y="1180306"/>
+                  <a:pt x="2714625" y="1181100"/>
+                </a:cubicBezTo>
+              </a:path>
+            </a:pathLst>
+          </a:custGeom>
+          <a:noFill/>
+          <a:ln w="104775">
+            <a:headEnd type="none"/>
+            <a:tailEnd type="triangle"/>
+          </a:ln>
+        </p:spPr>
+        <p:style>
+          <a:lnRef idx="2">
+            <a:schemeClr val="accent1">
+              <a:shade val="50000"/>
+            </a:schemeClr>
+          </a:lnRef>
+          <a:fillRef idx="1">
+            <a:schemeClr val="accent1"/>
+          </a:fillRef>
+          <a:effectRef idx="0">
+            <a:schemeClr val="accent1"/>
+          </a:effectRef>
+          <a:fontRef idx="minor">
+            <a:schemeClr val="lt1"/>
+          </a:fontRef>
+        </p:style>
+        <p:txBody>
+          <a:bodyPr rtlCol="0" anchor="ctr"/>
+          <a:lstStyle/>
+          <a:p>
+            <a:pPr algn="ctr"/>
+            <a:endParaRPr lang="es-ES"/>
+          </a:p>
+        </p:txBody>
+      </p:sp>
+      <p:sp>
+        <p:nvSpPr>
+          <p:cNvPr id="15" name="TextBox 87">
+            <a:extLst>
+              <a:ext uri="{FF2B5EF4-FFF2-40B4-BE49-F238E27FC236}">
+                <a16:creationId xmlns:a16="http://schemas.microsoft.com/office/drawing/2014/main" id="{AAE3AA05-8A75-43CF-94F9-EA0D771B9ADC}"/>
+              </a:ext>
+            </a:extLst>
+          </p:cNvPr>
+          <p:cNvSpPr txBox="1"/>
+          <p:nvPr/>
+        </p:nvSpPr>
+        <p:spPr>
+          <a:xfrm>
+            <a:off x="5455441" y="1985246"/>
+            <a:ext cx="1216386" cy="338554"/>
+          </a:xfrm>
+          <a:prstGeom prst="rect">
+            <a:avLst/>
+          </a:prstGeom>
+          <a:noFill/>
+        </p:spPr>
+        <p:txBody>
+          <a:bodyPr wrap="square" rtlCol="0">
+            <a:spAutoFit/>
+          </a:bodyPr>
+          <a:lstStyle/>
+          <a:p>
+            <a:r>
+              <a:rPr lang="en-GB" sz="1600" dirty="0">
+                <a:solidFill>
+                  <a:schemeClr val="bg1"/>
+                </a:solidFill>
+                <a:effectLst>
+                  <a:outerShdw blurRad="38100" dist="38100" dir="2700000" algn="tl">
+                    <a:srgbClr val="000000">
+                      <a:alpha val="43137"/>
+                    </a:srgbClr>
+                  </a:outerShdw>
+                </a:effectLst>
+              </a:rPr>
+              <a:t>Rain</a:t>
+            </a:r>
+          </a:p>
+        </p:txBody>
+      </p:sp>
+      <p:sp>
+        <p:nvSpPr>
+          <p:cNvPr id="16" name="Arrow: Right 91">
+            <a:extLst>
+              <a:ext uri="{FF2B5EF4-FFF2-40B4-BE49-F238E27FC236}">
+                <a16:creationId xmlns:a16="http://schemas.microsoft.com/office/drawing/2014/main" id="{6096CDA3-282B-4A97-A853-1C1CBAA633BC}"/>
+              </a:ext>
+            </a:extLst>
+          </p:cNvPr>
+          <p:cNvSpPr/>
+          <p:nvPr/>
+        </p:nvSpPr>
+        <p:spPr>
+          <a:xfrm rot="5400000">
+            <a:off x="5517166" y="2253638"/>
+            <a:ext cx="397745" cy="540000"/>
+          </a:xfrm>
+          <a:prstGeom prst="rightArrow">
+            <a:avLst/>
+          </a:prstGeom>
+          <a:solidFill>
+            <a:srgbClr val="0070C0"/>
+          </a:solidFill>
+          <a:ln>
+            <a:noFill/>
+          </a:ln>
+          <a:effectLst>
+            <a:outerShdw blurRad="50800" dist="38100" dir="2700000" algn="tl" rotWithShape="0">
+              <a:prstClr val="black">
+                <a:alpha val="40000"/>
+              </a:prstClr>
+            </a:outerShdw>
+          </a:effectLst>
+        </p:spPr>
+        <p:style>
+          <a:lnRef idx="2">
+            <a:schemeClr val="accent1">
+              <a:shade val="50000"/>
+            </a:schemeClr>
+          </a:lnRef>
+          <a:fillRef idx="1">
+            <a:schemeClr val="accent1"/>
+          </a:fillRef>
+          <a:effectRef idx="0">
+            <a:schemeClr val="accent1"/>
+          </a:effectRef>
+          <a:fontRef idx="minor">
+            <a:schemeClr val="lt1"/>
+          </a:fontRef>
+        </p:style>
+        <p:txBody>
+          <a:bodyPr rtlCol="0" anchor="ctr"/>
+          <a:lstStyle/>
+          <a:p>
+            <a:pPr algn="ctr"/>
+            <a:endParaRPr lang="en-GB"/>
+          </a:p>
+        </p:txBody>
+      </p:sp>
+      <p:sp>
+        <p:nvSpPr>
+          <p:cNvPr id="17" name="TextBox 62">
+            <a:extLst>
+              <a:ext uri="{FF2B5EF4-FFF2-40B4-BE49-F238E27FC236}">
+                <a16:creationId xmlns:a16="http://schemas.microsoft.com/office/drawing/2014/main" id="{B5AECEAF-E915-46A6-B96C-3C36EE4E35CC}"/>
+              </a:ext>
+            </a:extLst>
+          </p:cNvPr>
+          <p:cNvSpPr txBox="1"/>
+          <p:nvPr/>
+        </p:nvSpPr>
+        <p:spPr>
+          <a:xfrm>
+            <a:off x="5986037" y="5518383"/>
+            <a:ext cx="734184" cy="338554"/>
+          </a:xfrm>
+          <a:prstGeom prst="rect">
+            <a:avLst/>
+          </a:prstGeom>
+          <a:noFill/>
+        </p:spPr>
+        <p:txBody>
+          <a:bodyPr wrap="square" rtlCol="0">
+            <a:spAutoFit/>
+          </a:bodyPr>
+          <a:lstStyle/>
+          <a:p>
+            <a:r>
+              <a:rPr lang="en-GB" sz="1600" dirty="0">
+                <a:effectLst>
+                  <a:outerShdw blurRad="38100" dist="38100" dir="2700000" algn="tl">
+                    <a:srgbClr val="000000">
+                      <a:alpha val="43137"/>
+                    </a:srgbClr>
+                  </a:outerShdw>
+                </a:effectLst>
+              </a:rPr>
+              <a:t>River</a:t>
+            </a:r>
+            <a:endParaRPr lang="en-GB" sz="1600" baseline="-25000" dirty="0">
+              <a:effectLst>
+                <a:outerShdw blurRad="38100" dist="38100" dir="2700000" algn="tl">
+                  <a:srgbClr val="000000">
+                    <a:alpha val="43137"/>
+                  </a:srgbClr>
+                </a:outerShdw>
+              </a:effectLst>
+            </a:endParaRPr>
+          </a:p>
+        </p:txBody>
+      </p:sp>
+      <p:sp>
+        <p:nvSpPr>
+          <p:cNvPr id="18" name="Arrow: Right 86">
+            <a:extLst>
+              <a:ext uri="{FF2B5EF4-FFF2-40B4-BE49-F238E27FC236}">
+                <a16:creationId xmlns:a16="http://schemas.microsoft.com/office/drawing/2014/main" id="{D3B2CCCE-1D9F-4670-954E-A78415596338}"/>
+              </a:ext>
+            </a:extLst>
+          </p:cNvPr>
+          <p:cNvSpPr/>
+          <p:nvPr/>
+        </p:nvSpPr>
+        <p:spPr>
+          <a:xfrm rot="16200000">
+            <a:off x="7857398" y="3783495"/>
+            <a:ext cx="397745" cy="216000"/>
+          </a:xfrm>
+          <a:prstGeom prst="rightArrow">
+            <a:avLst/>
+          </a:prstGeom>
+          <a:solidFill>
+            <a:srgbClr val="FF0000"/>
+          </a:solidFill>
+          <a:ln>
+            <a:noFill/>
+          </a:ln>
+          <a:effectLst>
+            <a:outerShdw blurRad="50800" dist="38100" dir="2700000" algn="tl" rotWithShape="0">
+              <a:prstClr val="black">
+                <a:alpha val="40000"/>
+              </a:prstClr>
+            </a:outerShdw>
+          </a:effectLst>
+        </p:spPr>
+        <p:style>
+          <a:lnRef idx="2">
+            <a:schemeClr val="accent1">
+              <a:shade val="50000"/>
+            </a:schemeClr>
+          </a:lnRef>
+          <a:fillRef idx="1">
+            <a:schemeClr val="accent1"/>
+          </a:fillRef>
+          <a:effectRef idx="0">
+            <a:schemeClr val="accent1"/>
+          </a:effectRef>
+          <a:fontRef idx="minor">
+            <a:schemeClr val="lt1"/>
+          </a:fontRef>
+        </p:style>
+        <p:txBody>
+          <a:bodyPr rtlCol="0" anchor="ctr"/>
+          <a:lstStyle/>
+          <a:p>
+            <a:pPr algn="ctr"/>
+            <a:endParaRPr lang="en-GB"/>
+          </a:p>
+        </p:txBody>
+      </p:sp>
+      <p:sp>
+        <p:nvSpPr>
+          <p:cNvPr id="19" name="TextBox 87">
+            <a:extLst>
+              <a:ext uri="{FF2B5EF4-FFF2-40B4-BE49-F238E27FC236}">
+                <a16:creationId xmlns:a16="http://schemas.microsoft.com/office/drawing/2014/main" id="{F831E989-02A6-406B-A75B-252FC08534B2}"/>
+              </a:ext>
+            </a:extLst>
+          </p:cNvPr>
+          <p:cNvSpPr txBox="1"/>
+          <p:nvPr/>
+        </p:nvSpPr>
+        <p:spPr>
+          <a:xfrm>
+            <a:off x="7450704" y="4038130"/>
+            <a:ext cx="1216386" cy="338554"/>
+          </a:xfrm>
+          <a:prstGeom prst="rect">
+            <a:avLst/>
+          </a:prstGeom>
+          <a:noFill/>
+        </p:spPr>
+        <p:txBody>
+          <a:bodyPr wrap="square" rtlCol="0">
+            <a:spAutoFit/>
+          </a:bodyPr>
+          <a:lstStyle/>
+          <a:p>
+            <a:r>
+              <a:rPr lang="en-GB" sz="1600" dirty="0">
+                <a:solidFill>
+                  <a:schemeClr val="bg1"/>
+                </a:solidFill>
+                <a:effectLst>
+                  <a:outerShdw blurRad="38100" dist="38100" dir="2700000" algn="tl">
+                    <a:srgbClr val="000000">
+                      <a:alpha val="43137"/>
+                    </a:srgbClr>
+                  </a:outerShdw>
+                </a:effectLst>
+              </a:rPr>
+              <a:t>Evaporation</a:t>
+            </a:r>
+          </a:p>
+        </p:txBody>
+      </p:sp>
+      <p:sp>
+        <p:nvSpPr>
+          <p:cNvPr id="20" name="TextBox 38">
+            <a:extLst>
+              <a:ext uri="{FF2B5EF4-FFF2-40B4-BE49-F238E27FC236}">
+                <a16:creationId xmlns:a16="http://schemas.microsoft.com/office/drawing/2014/main" id="{72E38A7B-4281-40F8-92B3-A44AA3396760}"/>
+              </a:ext>
+            </a:extLst>
+          </p:cNvPr>
+          <p:cNvSpPr txBox="1"/>
+          <p:nvPr/>
+        </p:nvSpPr>
+        <p:spPr>
+          <a:xfrm rot="1818302">
+            <a:off x="3876857" y="5812751"/>
+            <a:ext cx="1882375" cy="338554"/>
+          </a:xfrm>
+          <a:prstGeom prst="rect">
+            <a:avLst/>
+          </a:prstGeom>
+          <a:noFill/>
+        </p:spPr>
+        <p:txBody>
+          <a:bodyPr wrap="square" rtlCol="0">
+            <a:spAutoFit/>
+          </a:bodyPr>
+          <a:lstStyle/>
+          <a:p>
+            <a:r>
+              <a:rPr lang="en-GB" sz="1600" dirty="0">
+                <a:solidFill>
+                  <a:schemeClr val="bg1"/>
+                </a:solidFill>
+                <a:effectLst>
+                  <a:outerShdw blurRad="38100" dist="38100" dir="2700000" algn="tl">
+                    <a:srgbClr val="000000">
+                      <a:alpha val="43137"/>
+                    </a:srgbClr>
+                  </a:outerShdw>
+                </a:effectLst>
+              </a:rPr>
+              <a:t>Underground flow</a:t>
+            </a:r>
+          </a:p>
+        </p:txBody>
+      </p:sp>
+      <p:sp>
+        <p:nvSpPr>
+          <p:cNvPr id="21" name="TextBox 38">
+            <a:extLst>
+              <a:ext uri="{FF2B5EF4-FFF2-40B4-BE49-F238E27FC236}">
+                <a16:creationId xmlns:a16="http://schemas.microsoft.com/office/drawing/2014/main" id="{C4C6B78E-D51D-4BC8-AE8B-B48D53776471}"/>
+              </a:ext>
+            </a:extLst>
+          </p:cNvPr>
+          <p:cNvSpPr txBox="1"/>
+          <p:nvPr/>
+        </p:nvSpPr>
+        <p:spPr>
+          <a:xfrm rot="2057152">
+            <a:off x="5075345" y="4057298"/>
+            <a:ext cx="1426707" cy="338554"/>
+          </a:xfrm>
+          <a:prstGeom prst="rect">
+            <a:avLst/>
+          </a:prstGeom>
+          <a:noFill/>
+        </p:spPr>
+        <p:txBody>
+          <a:bodyPr wrap="square" rtlCol="0">
+            <a:spAutoFit/>
+          </a:bodyPr>
+          <a:lstStyle/>
+          <a:p>
+            <a:r>
+              <a:rPr lang="en-GB" sz="1600" dirty="0">
+                <a:solidFill>
+                  <a:schemeClr val="bg1"/>
+                </a:solidFill>
+                <a:effectLst>
+                  <a:outerShdw blurRad="38100" dist="38100" dir="2700000" algn="tl">
+                    <a:srgbClr val="000000">
+                      <a:alpha val="43137"/>
+                    </a:srgbClr>
+                  </a:outerShdw>
+                </a:effectLst>
+              </a:rPr>
+              <a:t>Surface flow</a:t>
+            </a:r>
+          </a:p>
+        </p:txBody>
+      </p:sp>
+      <p:sp>
+        <p:nvSpPr>
+          <p:cNvPr id="22" name="TextBox 62">
+            <a:extLst>
+              <a:ext uri="{FF2B5EF4-FFF2-40B4-BE49-F238E27FC236}">
+                <a16:creationId xmlns:a16="http://schemas.microsoft.com/office/drawing/2014/main" id="{B02212F3-A26A-4092-835E-9ECCD2C1D685}"/>
+              </a:ext>
+            </a:extLst>
+          </p:cNvPr>
+          <p:cNvSpPr txBox="1"/>
+          <p:nvPr/>
+        </p:nvSpPr>
+        <p:spPr>
+          <a:xfrm rot="1794658">
+            <a:off x="3997366" y="4511001"/>
+            <a:ext cx="734184" cy="338554"/>
+          </a:xfrm>
+          <a:prstGeom prst="rect">
+            <a:avLst/>
+          </a:prstGeom>
+          <a:noFill/>
+        </p:spPr>
+        <p:txBody>
+          <a:bodyPr wrap="square" rtlCol="0">
+            <a:spAutoFit/>
+          </a:bodyPr>
+          <a:lstStyle/>
+          <a:p>
+            <a:r>
+              <a:rPr lang="en-GB" sz="1600" dirty="0">
+                <a:effectLst>
+                  <a:outerShdw blurRad="38100" dist="38100" dir="2700000" algn="tl">
+                    <a:srgbClr val="000000">
+                      <a:alpha val="43137"/>
+                    </a:srgbClr>
+                  </a:outerShdw>
+                </a:effectLst>
+              </a:rPr>
+              <a:t>Soil</a:t>
+            </a:r>
+            <a:endParaRPr lang="en-GB" sz="1600" baseline="-25000" dirty="0">
+              <a:effectLst>
+                <a:outerShdw blurRad="38100" dist="38100" dir="2700000" algn="tl">
+                  <a:srgbClr val="000000">
+                    <a:alpha val="43137"/>
+                  </a:srgbClr>
+                </a:outerShdw>
+              </a:effectLst>
+            </a:endParaRPr>
+          </a:p>
+        </p:txBody>
+      </p:sp>
+    </p:spTree>
+    <p:extLst>
+      <p:ext uri="{BB962C8B-B14F-4D97-AF65-F5344CB8AC3E}">
+        <p14:creationId xmlns:p14="http://schemas.microsoft.com/office/powerpoint/2010/main" val="396955749"/>
+      </p:ext>
+    </p:extLst>
+  </p:cSld>
+  <p:clrMapOvr>
+    <a:masterClrMapping/>
+  </p:clrMapOvr>
+  <p:timing>
+    <p:tnLst>
+      <p:par>
+        <p:cTn id="1" dur="indefinite" restart="never" nodeType="tmRoot">
+          <p:childTnLst>
+            <p:seq concurrent="1" nextAc="seek">
+              <p:cTn id="2" dur="indefinite" nodeType="mainSeq">
+                <p:childTnLst>
+                  <p:par>
+                    <p:cTn id="3" fill="hold">
+                      <p:stCondLst>
+                        <p:cond delay="indefinite"/>
+                      </p:stCondLst>
+                      <p:childTnLst>
+                        <p:par>
+                          <p:cTn id="4" fill="hold">
+                            <p:stCondLst>
+                              <p:cond delay="0"/>
+                            </p:stCondLst>
+                            <p:childTnLst>
+                              <p:par>
+                                <p:cTn id="5" presetID="22" presetClass="entr" presetSubtype="8" fill="hold" grpId="0" nodeType="clickEffect">
+                                  <p:stCondLst>
+                                    <p:cond delay="1500"/>
+                                  </p:stCondLst>
+                                  <p:childTnLst>
+                                    <p:set>
+                                      <p:cBhvr>
+                                        <p:cTn id="6" dur="1" fill="hold">
+                                          <p:stCondLst>
+                                            <p:cond delay="0"/>
+                                          </p:stCondLst>
+                                        </p:cTn>
+                                        <p:tgtEl>
+                                          <p:spTgt spid="14"/>
+                                        </p:tgtEl>
+                                        <p:attrNameLst>
+                                          <p:attrName>style.visibility</p:attrName>
+                                        </p:attrNameLst>
+                                      </p:cBhvr>
+                                      <p:to>
+                                        <p:strVal val="visible"/>
+                                      </p:to>
+                                    </p:set>
+                                    <p:animEffect transition="in" filter="wipe(left)">
+                                      <p:cBhvr>
+                                        <p:cTn id="7" dur="6500"/>
+                                        <p:tgtEl>
+                                          <p:spTgt spid="14"/>
+                                        </p:tgtEl>
+                                      </p:cBhvr>
+                                    </p:animEffect>
+                                  </p:childTnLst>
+                                </p:cTn>
+                              </p:par>
+                              <p:par>
+                                <p:cTn id="8" presetID="22" presetClass="entr" presetSubtype="8" fill="hold" grpId="0" nodeType="withEffect">
+                                  <p:stCondLst>
+                                    <p:cond delay="1500"/>
+                                  </p:stCondLst>
+                                  <p:childTnLst>
+                                    <p:set>
+                                      <p:cBhvr>
+                                        <p:cTn id="9" dur="1" fill="hold">
+                                          <p:stCondLst>
+                                            <p:cond delay="0"/>
+                                          </p:stCondLst>
+                                        </p:cTn>
+                                        <p:tgtEl>
+                                          <p:spTgt spid="7"/>
+                                        </p:tgtEl>
+                                        <p:attrNameLst>
+                                          <p:attrName>style.visibility</p:attrName>
+                                        </p:attrNameLst>
+                                      </p:cBhvr>
+                                      <p:to>
+                                        <p:strVal val="visible"/>
+                                      </p:to>
+                                    </p:set>
+                                    <p:animEffect transition="in" filter="wipe(left)">
+                                      <p:cBhvr>
+                                        <p:cTn id="10" dur="1500"/>
+                                        <p:tgtEl>
+                                          <p:spTgt spid="7"/>
+                                        </p:tgtEl>
+                                      </p:cBhvr>
+                                    </p:animEffect>
+                                  </p:childTnLst>
+                                </p:cTn>
+                              </p:par>
+                              <p:par>
+                                <p:cTn id="11" presetID="22" presetClass="entr" presetSubtype="1" fill="hold" grpId="0" nodeType="withEffect">
+                                  <p:stCondLst>
+                                    <p:cond delay="0"/>
+                                  </p:stCondLst>
+                                  <p:childTnLst>
+                                    <p:set>
+                                      <p:cBhvr>
+                                        <p:cTn id="12" dur="1" fill="hold">
+                                          <p:stCondLst>
+                                            <p:cond delay="0"/>
+                                          </p:stCondLst>
+                                        </p:cTn>
+                                        <p:tgtEl>
+                                          <p:spTgt spid="16"/>
+                                        </p:tgtEl>
+                                        <p:attrNameLst>
+                                          <p:attrName>style.visibility</p:attrName>
+                                        </p:attrNameLst>
+                                      </p:cBhvr>
+                                      <p:to>
+                                        <p:strVal val="visible"/>
+                                      </p:to>
+                                    </p:set>
+                                    <p:animEffect transition="in" filter="wipe(up)">
+                                      <p:cBhvr>
+                                        <p:cTn id="13" dur="1500"/>
+                                        <p:tgtEl>
+                                          <p:spTgt spid="16"/>
+                                        </p:tgtEl>
+                                      </p:cBhvr>
+                                    </p:animEffect>
+                                  </p:childTnLst>
+                                </p:cTn>
+                              </p:par>
+                              <p:par>
+                                <p:cTn id="14" presetID="22" presetClass="entr" presetSubtype="4" fill="hold" grpId="0" nodeType="withEffect">
+                                  <p:stCondLst>
+                                    <p:cond delay="3500"/>
+                                  </p:stCondLst>
+                                  <p:childTnLst>
+                                    <p:set>
+                                      <p:cBhvr>
+                                        <p:cTn id="15" dur="1" fill="hold">
+                                          <p:stCondLst>
+                                            <p:cond delay="0"/>
+                                          </p:stCondLst>
+                                        </p:cTn>
+                                        <p:tgtEl>
+                                          <p:spTgt spid="18"/>
+                                        </p:tgtEl>
+                                        <p:attrNameLst>
+                                          <p:attrName>style.visibility</p:attrName>
+                                        </p:attrNameLst>
+                                      </p:cBhvr>
+                                      <p:to>
+                                        <p:strVal val="visible"/>
+                                      </p:to>
+                                    </p:set>
+                                    <p:animEffect transition="in" filter="wipe(down)">
+                                      <p:cBhvr>
+                                        <p:cTn id="16" dur="2000"/>
+                                        <p:tgtEl>
+                                          <p:spTgt spid="18"/>
+                                        </p:tgtEl>
+                                      </p:cBhvr>
+                                    </p:animEffect>
+                                  </p:childTnLst>
+                                </p:cTn>
+                              </p:par>
+                              <p:par>
+                                <p:cTn id="17" presetID="22" presetClass="exit" presetSubtype="8" fill="hold" grpId="2" nodeType="withEffect">
+                                  <p:stCondLst>
+                                    <p:cond delay="3500"/>
+                                  </p:stCondLst>
+                                  <p:childTnLst>
+                                    <p:animEffect transition="out" filter="wipe(left)">
+                                      <p:cBhvr>
+                                        <p:cTn id="18" dur="2000"/>
+                                        <p:tgtEl>
+                                          <p:spTgt spid="7"/>
+                                        </p:tgtEl>
+                                      </p:cBhvr>
+                                    </p:animEffect>
+                                    <p:set>
+                                      <p:cBhvr>
+                                        <p:cTn id="19" dur="1" fill="hold">
+                                          <p:stCondLst>
+                                            <p:cond delay="1999"/>
+                                          </p:stCondLst>
+                                        </p:cTn>
+                                        <p:tgtEl>
+                                          <p:spTgt spid="7"/>
+                                        </p:tgtEl>
+                                        <p:attrNameLst>
+                                          <p:attrName>style.visibility</p:attrName>
+                                        </p:attrNameLst>
+                                      </p:cBhvr>
+                                      <p:to>
+                                        <p:strVal val="hidden"/>
+                                      </p:to>
+                                    </p:set>
+                                  </p:childTnLst>
+                                </p:cTn>
+                              </p:par>
+                              <p:par>
+                                <p:cTn id="20" presetID="22" presetClass="entr" presetSubtype="8" fill="hold" grpId="1" nodeType="withEffect">
+                                  <p:stCondLst>
+                                    <p:cond delay="5500"/>
+                                  </p:stCondLst>
+                                  <p:childTnLst>
+                                    <p:set>
+                                      <p:cBhvr>
+                                        <p:cTn id="21" dur="1" fill="hold">
+                                          <p:stCondLst>
+                                            <p:cond delay="0"/>
+                                          </p:stCondLst>
+                                        </p:cTn>
+                                        <p:tgtEl>
+                                          <p:spTgt spid="7"/>
+                                        </p:tgtEl>
+                                        <p:attrNameLst>
+                                          <p:attrName>style.visibility</p:attrName>
+                                        </p:attrNameLst>
+                                      </p:cBhvr>
+                                      <p:to>
+                                        <p:strVal val="visible"/>
+                                      </p:to>
+                                    </p:set>
+                                    <p:animEffect transition="in" filter="wipe(left)">
+                                      <p:cBhvr>
+                                        <p:cTn id="22" dur="1500"/>
+                                        <p:tgtEl>
+                                          <p:spTgt spid="7"/>
+                                        </p:tgtEl>
+                                      </p:cBhvr>
+                                    </p:animEffect>
+                                  </p:childTnLst>
+                                </p:cTn>
+                              </p:par>
+                              <p:par>
+                                <p:cTn id="23" presetID="22" presetClass="entr" presetSubtype="1" fill="hold" grpId="1" nodeType="withEffect">
+                                  <p:stCondLst>
+                                    <p:cond delay="5500"/>
+                                  </p:stCondLst>
+                                  <p:childTnLst>
+                                    <p:set>
+                                      <p:cBhvr>
+                                        <p:cTn id="24" dur="1" fill="hold">
+                                          <p:stCondLst>
+                                            <p:cond delay="0"/>
+                                          </p:stCondLst>
+                                        </p:cTn>
+                                        <p:tgtEl>
+                                          <p:spTgt spid="16"/>
+                                        </p:tgtEl>
+                                        <p:attrNameLst>
+                                          <p:attrName>style.visibility</p:attrName>
+                                        </p:attrNameLst>
+                                      </p:cBhvr>
+                                      <p:to>
+                                        <p:strVal val="visible"/>
+                                      </p:to>
+                                    </p:set>
+                                    <p:animEffect transition="in" filter="wipe(up)">
+                                      <p:cBhvr>
+                                        <p:cTn id="25" dur="1500"/>
+                                        <p:tgtEl>
+                                          <p:spTgt spid="16"/>
+                                        </p:tgtEl>
+                                      </p:cBhvr>
+                                    </p:animEffect>
+                                  </p:childTnLst>
+                                </p:cTn>
+                              </p:par>
+                              <p:par>
+                                <p:cTn id="26" presetID="22" presetClass="exit" presetSubtype="8" fill="hold" grpId="1" nodeType="withEffect">
+                                  <p:stCondLst>
+                                    <p:cond delay="8000"/>
+                                  </p:stCondLst>
+                                  <p:childTnLst>
+                                    <p:animEffect transition="out" filter="wipe(left)">
+                                      <p:cBhvr>
+                                        <p:cTn id="27" dur="1000"/>
+                                        <p:tgtEl>
+                                          <p:spTgt spid="14"/>
+                                        </p:tgtEl>
+                                      </p:cBhvr>
+                                    </p:animEffect>
+                                    <p:set>
+                                      <p:cBhvr>
+                                        <p:cTn id="28" dur="1" fill="hold">
+                                          <p:stCondLst>
+                                            <p:cond delay="999"/>
+                                          </p:stCondLst>
+                                        </p:cTn>
+                                        <p:tgtEl>
+                                          <p:spTgt spid="14"/>
+                                        </p:tgtEl>
+                                        <p:attrNameLst>
+                                          <p:attrName>style.visibility</p:attrName>
+                                        </p:attrNameLst>
+                                      </p:cBhvr>
+                                      <p:to>
+                                        <p:strVal val="hidden"/>
+                                      </p:to>
+                                    </p:set>
+                                  </p:childTnLst>
+                                </p:cTn>
+                              </p:par>
+                              <p:par>
+                                <p:cTn id="29" presetID="22" presetClass="exit" presetSubtype="8" fill="hold" grpId="3" nodeType="withEffect">
+                                  <p:stCondLst>
+                                    <p:cond delay="8000"/>
+                                  </p:stCondLst>
+                                  <p:childTnLst>
+                                    <p:animEffect transition="out" filter="wipe(left)">
+                                      <p:cBhvr>
+                                        <p:cTn id="30" dur="1000"/>
+                                        <p:tgtEl>
+                                          <p:spTgt spid="7"/>
+                                        </p:tgtEl>
+                                      </p:cBhvr>
+                                    </p:animEffect>
+                                    <p:set>
+                                      <p:cBhvr>
+                                        <p:cTn id="31" dur="1" fill="hold">
+                                          <p:stCondLst>
+                                            <p:cond delay="999"/>
+                                          </p:stCondLst>
+                                        </p:cTn>
+                                        <p:tgtEl>
+                                          <p:spTgt spid="7"/>
+                                        </p:tgtEl>
+                                        <p:attrNameLst>
+                                          <p:attrName>style.visibility</p:attrName>
+                                        </p:attrNameLst>
+                                      </p:cBhvr>
+                                      <p:to>
+                                        <p:strVal val="hidden"/>
+                                      </p:to>
+                                    </p:set>
+                                  </p:childTnLst>
+                                </p:cTn>
+                              </p:par>
+                            </p:childTnLst>
+                          </p:cTn>
+                        </p:par>
+                      </p:childTnLst>
+                    </p:cTn>
+                  </p:par>
+                </p:childTnLst>
+              </p:cTn>
+              <p:prevCondLst>
+                <p:cond evt="onPrev" delay="0">
+                  <p:tgtEl>
+                    <p:sldTgt/>
+                  </p:tgtEl>
+                </p:cond>
+              </p:prevCondLst>
+              <p:nextCondLst>
+                <p:cond evt="onNext" delay="0">
+                  <p:tgtEl>
+                    <p:sldTgt/>
+                  </p:tgtEl>
+                </p:cond>
+              </p:nextCondLst>
+            </p:seq>
+          </p:childTnLst>
+        </p:cTn>
+      </p:par>
+    </p:tnLst>
+    <p:bldLst>
+      <p:bldP spid="7" grpId="0" animBg="1"/>
+      <p:bldP spid="7" grpId="1" animBg="1"/>
+      <p:bldP spid="7" grpId="2" animBg="1"/>
+      <p:bldP spid="7" grpId="3" animBg="1"/>
+      <p:bldP spid="14" grpId="0" animBg="1"/>
+      <p:bldP spid="14" grpId="1" animBg="1"/>
+      <p:bldP spid="16" grpId="0" animBg="1"/>
+      <p:bldP spid="16" grpId="1" animBg="1"/>
+      <p:bldP spid="18" grpId="0" animBg="1"/>
+    </p:bldLst>
+  </p:timing>
+</p:sld>
+</file>
+
 <file path=ppt/slides/slide14.xml><?xml version="1.0" encoding="utf-8"?>
+<p:sld xmlns:a="http://schemas.openxmlformats.org/drawingml/2006/main" xmlns:r="http://schemas.openxmlformats.org/officeDocument/2006/relationships" xmlns:p="http://schemas.openxmlformats.org/presentationml/2006/main">
+  <p:cSld>
+    <p:spTree>
+      <p:nvGrpSpPr>
+        <p:cNvPr id="1" name=""/>
+        <p:cNvGrpSpPr/>
+        <p:nvPr/>
+      </p:nvGrpSpPr>
+      <p:grpSpPr>
+        <a:xfrm>
+          <a:off x="0" y="0"/>
+          <a:ext cx="0" cy="0"/>
+          <a:chOff x="0" y="0"/>
+          <a:chExt cx="0" cy="0"/>
+        </a:xfrm>
+      </p:grpSpPr>
+      <p:pic>
+        <p:nvPicPr>
+          <p:cNvPr id="1026" name="Picture 2" descr="Watershed Management - Meaning, Difference with Water Harvesting">
+            <a:extLst>
+              <a:ext uri="{FF2B5EF4-FFF2-40B4-BE49-F238E27FC236}">
+                <a16:creationId xmlns:a16="http://schemas.microsoft.com/office/drawing/2014/main" id="{1A0B9F74-19E7-442D-ACE3-9342D3E9AB3B}"/>
+              </a:ext>
+            </a:extLst>
+          </p:cNvPr>
+          <p:cNvPicPr>
+            <a:picLocks noChangeAspect="1" noChangeArrowheads="1"/>
+          </p:cNvPicPr>
+          <p:nvPr/>
+        </p:nvPicPr>
+        <p:blipFill>
+          <a:blip r:embed="rId2">
+            <a:extLst>
+              <a:ext uri="{28A0092B-C50C-407E-A947-70E740481C1C}">
+                <a14:useLocalDpi xmlns:a14="http://schemas.microsoft.com/office/drawing/2010/main" val="0"/>
+              </a:ext>
+            </a:extLst>
+          </a:blip>
+          <a:srcRect/>
+          <a:stretch>
+            <a:fillRect/>
+          </a:stretch>
+        </p:blipFill>
+        <p:spPr bwMode="auto">
+          <a:xfrm>
+            <a:off x="2905126" y="876303"/>
+            <a:ext cx="7258050" cy="6238875"/>
+          </a:xfrm>
+          <a:prstGeom prst="rect">
+            <a:avLst/>
+          </a:prstGeom>
+          <a:noFill/>
+          <a:extLst>
+            <a:ext uri="{909E8E84-426E-40DD-AFC4-6F175D3DCCD1}">
+              <a14:hiddenFill xmlns:a14="http://schemas.microsoft.com/office/drawing/2010/main">
+                <a:solidFill>
+                  <a:srgbClr val="FFFFFF"/>
+                </a:solidFill>
+              </a14:hiddenFill>
+            </a:ext>
+          </a:extLst>
+        </p:spPr>
+      </p:pic>
+    </p:spTree>
+    <p:extLst>
+      <p:ext uri="{BB962C8B-B14F-4D97-AF65-F5344CB8AC3E}">
+        <p14:creationId xmlns:p14="http://schemas.microsoft.com/office/powerpoint/2010/main" val="2928199836"/>
+      </p:ext>
+    </p:extLst>
+  </p:cSld>
+  <p:clrMapOvr>
+    <a:masterClrMapping/>
+  </p:clrMapOvr>
+</p:sld>
+</file>
+
+<file path=ppt/slides/slide15.xml><?xml version="1.0" encoding="utf-8"?>
 <p:sld xmlns:a="http://schemas.openxmlformats.org/drawingml/2006/main" xmlns:r="http://schemas.openxmlformats.org/officeDocument/2006/relationships" xmlns:p="http://schemas.openxmlformats.org/presentationml/2006/main">
   <p:cSld>
     <p:spTree>
@@ -12197,7 +14943,7 @@
         </p:nvGrpSpPr>
         <p:grpSpPr>
           <a:xfrm>
-            <a:off x="3605212" y="276225"/>
+            <a:off x="4043363" y="842962"/>
             <a:ext cx="5024546" cy="6305550"/>
             <a:chOff x="3605212" y="276225"/>
             <a:chExt cx="5024546" cy="6305550"/>
@@ -12299,7 +15045,7 @@
           </p:nvSpPr>
           <p:spPr>
             <a:xfrm rot="19784041">
-              <a:off x="6747383" y="4730087"/>
+              <a:off x="6747383" y="4730088"/>
               <a:ext cx="1882375" cy="338554"/>
             </a:xfrm>
             <a:prstGeom prst="rect">
@@ -12489,6 +15235,83 @@
 </p:sld>
 </file>
 
+<file path=ppt/slides/slide16.xml><?xml version="1.0" encoding="utf-8"?>
+<p:sld xmlns:a="http://schemas.openxmlformats.org/drawingml/2006/main" xmlns:r="http://schemas.openxmlformats.org/officeDocument/2006/relationships" xmlns:p="http://schemas.openxmlformats.org/presentationml/2006/main">
+  <p:cSld>
+    <p:spTree>
+      <p:nvGrpSpPr>
+        <p:cNvPr id="1" name=""/>
+        <p:cNvGrpSpPr/>
+        <p:nvPr/>
+      </p:nvGrpSpPr>
+      <p:grpSpPr>
+        <a:xfrm>
+          <a:off x="0" y="0"/>
+          <a:ext cx="0" cy="0"/>
+          <a:chOff x="0" y="0"/>
+          <a:chExt cx="0" cy="0"/>
+        </a:xfrm>
+      </p:grpSpPr>
+      <p:pic>
+        <p:nvPicPr>
+          <p:cNvPr id="2050" name="Picture 2" descr="DuPage Rivers | Watershed Stats">
+            <a:extLst>
+              <a:ext uri="{FF2B5EF4-FFF2-40B4-BE49-F238E27FC236}">
+                <a16:creationId xmlns:a16="http://schemas.microsoft.com/office/drawing/2014/main" id="{477C8B2D-A53D-4441-AC3A-35AA4C1E6C04}"/>
+              </a:ext>
+            </a:extLst>
+          </p:cNvPr>
+          <p:cNvPicPr>
+            <a:picLocks noChangeAspect="1" noChangeArrowheads="1"/>
+          </p:cNvPicPr>
+          <p:nvPr/>
+        </p:nvPicPr>
+        <p:blipFill>
+          <a:blip r:embed="rId2">
+            <a:extLst>
+              <a:ext uri="{28A0092B-C50C-407E-A947-70E740481C1C}">
+                <a14:useLocalDpi xmlns:a14="http://schemas.microsoft.com/office/drawing/2010/main" val="0"/>
+              </a:ext>
+            </a:extLst>
+          </a:blip>
+          <a:srcRect/>
+          <a:stretch>
+            <a:fillRect/>
+          </a:stretch>
+        </p:blipFill>
+        <p:spPr bwMode="auto">
+          <a:xfrm>
+            <a:off x="2619376" y="566737"/>
+            <a:ext cx="7829550" cy="6858000"/>
+          </a:xfrm>
+          <a:prstGeom prst="rect">
+            <a:avLst/>
+          </a:prstGeom>
+          <a:noFill/>
+          <a:extLst>
+            <a:ext uri="{909E8E84-426E-40DD-AFC4-6F175D3DCCD1}">
+              <a14:hiddenFill xmlns:a14="http://schemas.microsoft.com/office/drawing/2010/main">
+                <a:solidFill>
+                  <a:srgbClr val="FFFFFF"/>
+                </a:solidFill>
+              </a14:hiddenFill>
+            </a:ext>
+          </a:extLst>
+        </p:spPr>
+      </p:pic>
+    </p:spTree>
+    <p:extLst>
+      <p:ext uri="{BB962C8B-B14F-4D97-AF65-F5344CB8AC3E}">
+        <p14:creationId xmlns:p14="http://schemas.microsoft.com/office/powerpoint/2010/main" val="1448337255"/>
+      </p:ext>
+    </p:extLst>
+  </p:cSld>
+  <p:clrMapOvr>
+    <a:masterClrMapping/>
+  </p:clrMapOvr>
+</p:sld>
+</file>
+
 <file path=ppt/slides/slide2.xml><?xml version="1.0" encoding="utf-8"?>
 <p:sld xmlns:a="http://schemas.openxmlformats.org/drawingml/2006/main" xmlns:r="http://schemas.openxmlformats.org/officeDocument/2006/relationships" xmlns:p="http://schemas.openxmlformats.org/presentationml/2006/main">
   <p:cSld>
@@ -12520,7 +15343,7 @@
         </p:nvGrpSpPr>
         <p:grpSpPr>
           <a:xfrm>
-            <a:off x="-1074165" y="1372204"/>
+            <a:off x="-636015" y="1938943"/>
             <a:ext cx="9555763" cy="3541261"/>
             <a:chOff x="-1074165" y="1372204"/>
             <a:chExt cx="9555763" cy="3541261"/>
@@ -13966,7 +16789,7 @@
         </p:nvGrpSpPr>
         <p:grpSpPr>
           <a:xfrm>
-            <a:off x="-1074165" y="1372204"/>
+            <a:off x="-636015" y="1938943"/>
             <a:ext cx="9185413" cy="3541261"/>
             <a:chOff x="-1074165" y="1372204"/>
             <a:chExt cx="9185413" cy="3541261"/>
@@ -14883,7 +17706,7 @@
             <p:spPr>
               <a:xfrm>
                 <a:off x="6632772" y="2416986"/>
-                <a:ext cx="734184" cy="369332"/>
+                <a:ext cx="734184" cy="369460"/>
               </a:xfrm>
               <a:prstGeom prst="rect">
                 <a:avLst/>
@@ -14934,8 +17757,8 @@
             </p:nvSpPr>
             <p:spPr>
               <a:xfrm rot="17928470">
-                <a:off x="6471912" y="3747800"/>
-                <a:ext cx="734184" cy="369332"/>
+                <a:off x="6471912" y="3747736"/>
+                <a:ext cx="734184" cy="369460"/>
               </a:xfrm>
               <a:prstGeom prst="rect">
                 <a:avLst/>
@@ -15092,7 +17915,7 @@
             <p:spPr>
               <a:xfrm>
                 <a:off x="7377064" y="2867748"/>
-                <a:ext cx="734184" cy="369332"/>
+                <a:ext cx="734184" cy="369460"/>
               </a:xfrm>
               <a:prstGeom prst="rect">
                 <a:avLst/>
@@ -15870,7 +18693,7 @@
         </p:nvSpPr>
         <p:spPr>
           <a:xfrm>
-            <a:off x="525840" y="2326446"/>
+            <a:off x="963993" y="2893183"/>
             <a:ext cx="1579879" cy="1221738"/>
           </a:xfrm>
           <a:prstGeom prst="rect">
@@ -15925,7 +18748,7 @@
         </p:nvSpPr>
         <p:spPr>
           <a:xfrm>
-            <a:off x="2065901" y="2430550"/>
+            <a:off x="2504054" y="2997287"/>
             <a:ext cx="923863" cy="523220"/>
           </a:xfrm>
           <a:prstGeom prst="rect">
@@ -15960,7 +18783,7 @@
         </p:nvSpPr>
         <p:spPr>
           <a:xfrm>
-            <a:off x="6530717" y="2410830"/>
+            <a:off x="6968870" y="2977570"/>
             <a:ext cx="608663" cy="392145"/>
           </a:xfrm>
           <a:prstGeom prst="rightArrow">
@@ -16015,7 +18838,7 @@
         </p:nvSpPr>
         <p:spPr>
           <a:xfrm>
-            <a:off x="6620576" y="2782669"/>
+            <a:off x="7058726" y="3349406"/>
             <a:ext cx="734184" cy="523220"/>
           </a:xfrm>
           <a:prstGeom prst="rect">
@@ -16051,7 +18874,7 @@
         </p:nvSpPr>
         <p:spPr>
           <a:xfrm rot="16200000">
-            <a:off x="1549396" y="1780571"/>
+            <a:off x="1987549" y="2347308"/>
             <a:ext cx="397745" cy="216000"/>
           </a:xfrm>
           <a:prstGeom prst="rightArrow">
@@ -16103,7 +18926,7 @@
         </p:nvSpPr>
         <p:spPr>
           <a:xfrm>
-            <a:off x="566422" y="1372166"/>
+            <a:off x="1004573" y="1938905"/>
             <a:ext cx="1216386" cy="307777"/>
           </a:xfrm>
           <a:prstGeom prst="rect">
@@ -16138,7 +18961,7 @@
         </p:nvSpPr>
         <p:spPr>
           <a:xfrm rot="5400000">
-            <a:off x="628144" y="1640559"/>
+            <a:off x="1066297" y="2207296"/>
             <a:ext cx="397745" cy="540000"/>
           </a:xfrm>
           <a:prstGeom prst="rightArrow">
@@ -16192,7 +19015,7 @@
         </p:nvSpPr>
         <p:spPr>
           <a:xfrm>
-            <a:off x="524881" y="3062277"/>
+            <a:off x="963034" y="3629017"/>
             <a:ext cx="1579879" cy="492323"/>
           </a:xfrm>
           <a:prstGeom prst="rect">
@@ -16244,7 +19067,7 @@
         </p:nvSpPr>
         <p:spPr>
           <a:xfrm>
-            <a:off x="516946" y="3050454"/>
+            <a:off x="955099" y="3617191"/>
             <a:ext cx="1445203" cy="523220"/>
           </a:xfrm>
           <a:prstGeom prst="rect">
@@ -16279,7 +19102,7 @@
         </p:nvSpPr>
         <p:spPr>
           <a:xfrm>
-            <a:off x="1314820" y="1381703"/>
+            <a:off x="1752970" y="1948442"/>
             <a:ext cx="1216386" cy="307777"/>
           </a:xfrm>
           <a:prstGeom prst="rect">
@@ -16314,7 +19137,7 @@
         </p:nvSpPr>
         <p:spPr>
           <a:xfrm>
-            <a:off x="3022983" y="1353116"/>
+            <a:off x="3461134" y="1919853"/>
             <a:ext cx="250412" cy="2531596"/>
           </a:xfrm>
           <a:prstGeom prst="leftBrace">
@@ -16361,7 +19184,7 @@
         </p:nvSpPr>
         <p:spPr>
           <a:xfrm>
-            <a:off x="3412418" y="1888571"/>
+            <a:off x="3850570" y="2455308"/>
             <a:ext cx="2502607" cy="150276"/>
           </a:xfrm>
           <a:custGeom>
@@ -16503,7 +19326,7 @@
         </p:nvSpPr>
         <p:spPr>
           <a:xfrm>
-            <a:off x="3481930" y="2953770"/>
+            <a:off x="3920082" y="3520510"/>
             <a:ext cx="2433095" cy="673139"/>
           </a:xfrm>
           <a:custGeom>
@@ -16642,7 +19465,7 @@
         </p:nvSpPr>
         <p:spPr>
           <a:xfrm>
-            <a:off x="3997631" y="1465250"/>
+            <a:off x="4435784" y="2031990"/>
             <a:ext cx="1426707" cy="307777"/>
           </a:xfrm>
           <a:prstGeom prst="rect">
@@ -16677,7 +19500,7 @@
         </p:nvSpPr>
         <p:spPr>
           <a:xfrm>
-            <a:off x="4010261" y="2575816"/>
+            <a:off x="4448411" y="3142556"/>
             <a:ext cx="1658250" cy="307777"/>
           </a:xfrm>
           <a:prstGeom prst="rect">
@@ -16712,7 +19535,7 @@
         </p:nvSpPr>
         <p:spPr>
           <a:xfrm rot="10800000">
-            <a:off x="6056278" y="1372166"/>
+            <a:off x="6494428" y="1938903"/>
             <a:ext cx="250412" cy="2531596"/>
           </a:xfrm>
           <a:prstGeom prst="leftBrace">
@@ -16789,7 +19612,7 @@
         </p:nvSpPr>
         <p:spPr>
           <a:xfrm>
-            <a:off x="525840" y="2326446"/>
+            <a:off x="963993" y="2893183"/>
             <a:ext cx="1579879" cy="1221738"/>
           </a:xfrm>
           <a:prstGeom prst="rect">
@@ -16844,7 +19667,7 @@
         </p:nvSpPr>
         <p:spPr>
           <a:xfrm>
-            <a:off x="1174438" y="2420929"/>
+            <a:off x="1612588" y="2987666"/>
             <a:ext cx="930322" cy="523220"/>
           </a:xfrm>
           <a:prstGeom prst="rect">
@@ -16880,7 +19703,7 @@
         </p:nvSpPr>
         <p:spPr>
           <a:xfrm>
-            <a:off x="5971037" y="3036159"/>
+            <a:off x="6409192" y="3602901"/>
             <a:ext cx="608663" cy="392145"/>
           </a:xfrm>
           <a:prstGeom prst="rightArrow">
@@ -16935,7 +19758,7 @@
         </p:nvSpPr>
         <p:spPr>
           <a:xfrm rot="3574540">
-            <a:off x="1996207" y="3200261"/>
+            <a:off x="2434358" y="3767001"/>
             <a:ext cx="977516" cy="307777"/>
           </a:xfrm>
           <a:prstGeom prst="rect">
@@ -16971,7 +19794,7 @@
         </p:nvSpPr>
         <p:spPr>
           <a:xfrm rot="16200000">
-            <a:off x="1549396" y="1780571"/>
+            <a:off x="1987549" y="2347308"/>
             <a:ext cx="397745" cy="216000"/>
           </a:xfrm>
           <a:prstGeom prst="rightArrow">
@@ -17023,7 +19846,7 @@
         </p:nvSpPr>
         <p:spPr>
           <a:xfrm>
-            <a:off x="566422" y="1372166"/>
+            <a:off x="1004573" y="1938905"/>
             <a:ext cx="1216386" cy="307777"/>
           </a:xfrm>
           <a:prstGeom prst="rect">
@@ -17058,7 +19881,7 @@
         </p:nvSpPr>
         <p:spPr>
           <a:xfrm rot="5400000">
-            <a:off x="628144" y="1640559"/>
+            <a:off x="1066297" y="2207296"/>
             <a:ext cx="397745" cy="540000"/>
           </a:xfrm>
           <a:prstGeom prst="rightArrow">
@@ -17112,7 +19935,7 @@
         </p:nvSpPr>
         <p:spPr>
           <a:xfrm>
-            <a:off x="524881" y="3062277"/>
+            <a:off x="963034" y="3629017"/>
             <a:ext cx="1579879" cy="492323"/>
           </a:xfrm>
           <a:prstGeom prst="rect">
@@ -17164,7 +19987,7 @@
         </p:nvSpPr>
         <p:spPr>
           <a:xfrm>
-            <a:off x="516946" y="3050454"/>
+            <a:off x="955099" y="3617191"/>
             <a:ext cx="1445203" cy="523220"/>
           </a:xfrm>
           <a:prstGeom prst="rect">
@@ -17199,7 +20022,7 @@
         </p:nvSpPr>
         <p:spPr>
           <a:xfrm>
-            <a:off x="1248076" y="1404475"/>
+            <a:off x="1686226" y="1971214"/>
             <a:ext cx="1216386" cy="307777"/>
           </a:xfrm>
           <a:prstGeom prst="rect">
@@ -17234,7 +20057,7 @@
         </p:nvSpPr>
         <p:spPr>
           <a:xfrm>
-            <a:off x="2877386" y="2595878"/>
+            <a:off x="3315538" y="3162615"/>
             <a:ext cx="2502607" cy="150276"/>
           </a:xfrm>
           <a:custGeom>
@@ -17376,7 +20199,7 @@
         </p:nvSpPr>
         <p:spPr>
           <a:xfrm>
-            <a:off x="2943363" y="3597952"/>
+            <a:off x="3381518" y="4164694"/>
             <a:ext cx="2433095" cy="673139"/>
           </a:xfrm>
           <a:custGeom>
@@ -17515,7 +20338,7 @@
         </p:nvSpPr>
         <p:spPr>
           <a:xfrm>
-            <a:off x="3462599" y="2172557"/>
+            <a:off x="3900752" y="2739297"/>
             <a:ext cx="1426707" cy="307777"/>
           </a:xfrm>
           <a:prstGeom prst="rect">
@@ -17550,7 +20373,7 @@
         </p:nvSpPr>
         <p:spPr>
           <a:xfrm>
-            <a:off x="3471694" y="3219998"/>
+            <a:off x="3909844" y="3786739"/>
             <a:ext cx="1658250" cy="307777"/>
           </a:xfrm>
           <a:prstGeom prst="rect">
@@ -17587,7 +20410,7 @@
         </p:nvCxnSpPr>
         <p:spPr>
           <a:xfrm>
-            <a:off x="2269889" y="2683029"/>
+            <a:off x="2708042" y="3249769"/>
             <a:ext cx="648817" cy="1085351"/>
           </a:xfrm>
           <a:prstGeom prst="straightConnector1">
@@ -17626,7 +20449,7 @@
         </p:nvSpPr>
         <p:spPr>
           <a:xfrm rot="10800000">
-            <a:off x="5495353" y="2109432"/>
+            <a:off x="5933506" y="2676169"/>
             <a:ext cx="282189" cy="2206820"/>
           </a:xfrm>
           <a:prstGeom prst="leftBrace">
@@ -17673,7 +20496,7 @@
         </p:nvSpPr>
         <p:spPr>
           <a:xfrm>
-            <a:off x="6123437" y="3581400"/>
+            <a:off x="6561587" y="4148137"/>
             <a:ext cx="734184" cy="523220"/>
           </a:xfrm>
           <a:prstGeom prst="rect">
@@ -17711,7 +20534,7 @@
         </p:nvCxnSpPr>
         <p:spPr>
           <a:xfrm>
-            <a:off x="2268930" y="2683029"/>
+            <a:off x="2707083" y="3249766"/>
             <a:ext cx="468495" cy="0"/>
           </a:xfrm>
           <a:prstGeom prst="straightConnector1">
@@ -17752,7 +20575,7 @@
         </p:nvCxnSpPr>
         <p:spPr>
           <a:xfrm>
-            <a:off x="7706590" y="2087444"/>
+            <a:off x="8144743" y="2654184"/>
             <a:ext cx="2215521" cy="1555223"/>
           </a:xfrm>
           <a:prstGeom prst="bentConnector3">
@@ -17809,6 +20632,35 @@
           <a:chExt cx="0" cy="0"/>
         </a:xfrm>
       </p:grpSpPr>
+      <p:pic>
+        <p:nvPicPr>
+          <p:cNvPr id="2" name="Imagen 1">
+            <a:extLst>
+              <a:ext uri="{FF2B5EF4-FFF2-40B4-BE49-F238E27FC236}">
+                <a16:creationId xmlns:a16="http://schemas.microsoft.com/office/drawing/2014/main" id="{DF2D9515-10EF-47D0-9291-861500103BB5}"/>
+              </a:ext>
+            </a:extLst>
+          </p:cNvPr>
+          <p:cNvPicPr>
+            <a:picLocks noChangeAspect="1"/>
+          </p:cNvPicPr>
+          <p:nvPr/>
+        </p:nvPicPr>
+        <p:blipFill rotWithShape="1">
+          <a:blip r:embed="rId2"/>
+          <a:srcRect l="22544" t="43591" r="56412" b="30020"/>
+          <a:stretch/>
+        </p:blipFill>
+        <p:spPr>
+          <a:xfrm>
+            <a:off x="6051235" y="2977302"/>
+            <a:ext cx="6169730" cy="2175880"/>
+          </a:xfrm>
+          <a:prstGeom prst="rect">
+            <a:avLst/>
+          </a:prstGeom>
+        </p:spPr>
+      </p:pic>
       <p:sp>
         <p:nvSpPr>
           <p:cNvPr id="11" name="Rectangle 31">
@@ -17823,7 +20675,7 @@
         </p:nvSpPr>
         <p:spPr>
           <a:xfrm>
-            <a:off x="524881" y="3062277"/>
+            <a:off x="963034" y="3629017"/>
             <a:ext cx="1579879" cy="492323"/>
           </a:xfrm>
           <a:prstGeom prst="rect">
@@ -17875,7 +20727,7 @@
         </p:nvSpPr>
         <p:spPr>
           <a:xfrm>
-            <a:off x="525840" y="2326446"/>
+            <a:off x="963993" y="2893183"/>
             <a:ext cx="1579879" cy="1221738"/>
           </a:xfrm>
           <a:prstGeom prst="rect">
@@ -17931,7 +20783,7 @@
         </p:nvSpPr>
         <p:spPr>
           <a:xfrm>
-            <a:off x="663011" y="2443145"/>
+            <a:off x="1101161" y="3009882"/>
             <a:ext cx="930322" cy="523220"/>
           </a:xfrm>
           <a:prstGeom prst="rect">
@@ -17967,7 +20819,7 @@
         </p:nvSpPr>
         <p:spPr>
           <a:xfrm>
-            <a:off x="5004418" y="3112365"/>
+            <a:off x="5442572" y="3679107"/>
             <a:ext cx="608663" cy="392145"/>
           </a:xfrm>
           <a:prstGeom prst="rightArrow">
@@ -18022,7 +20874,7 @@
         </p:nvSpPr>
         <p:spPr>
           <a:xfrm rot="16200000">
-            <a:off x="1549396" y="1780571"/>
+            <a:off x="1987549" y="2347308"/>
             <a:ext cx="397745" cy="216000"/>
           </a:xfrm>
           <a:prstGeom prst="rightArrow">
@@ -18074,7 +20926,7 @@
         </p:nvSpPr>
         <p:spPr>
           <a:xfrm>
-            <a:off x="566422" y="1372166"/>
+            <a:off x="1004573" y="1938905"/>
             <a:ext cx="1216386" cy="307777"/>
           </a:xfrm>
           <a:prstGeom prst="rect">
@@ -18109,7 +20961,7 @@
         </p:nvSpPr>
         <p:spPr>
           <a:xfrm rot="5400000">
-            <a:off x="628144" y="1640559"/>
+            <a:off x="1066297" y="2207296"/>
             <a:ext cx="397745" cy="540000"/>
           </a:xfrm>
           <a:prstGeom prst="rightArrow">
@@ -18163,7 +21015,7 @@
         </p:nvSpPr>
         <p:spPr>
           <a:xfrm>
-            <a:off x="516946" y="3227975"/>
+            <a:off x="955097" y="3794715"/>
             <a:ext cx="1265862" cy="307777"/>
           </a:xfrm>
           <a:prstGeom prst="rect">
@@ -18198,7 +21050,7 @@
         </p:nvSpPr>
         <p:spPr>
           <a:xfrm>
-            <a:off x="1314820" y="1381703"/>
+            <a:off x="1752970" y="1948442"/>
             <a:ext cx="1216386" cy="307777"/>
           </a:xfrm>
           <a:prstGeom prst="rect">
@@ -18233,7 +21085,7 @@
         </p:nvSpPr>
         <p:spPr>
           <a:xfrm>
-            <a:off x="1716469" y="2607401"/>
+            <a:off x="2154622" y="3174138"/>
             <a:ext cx="2502607" cy="150276"/>
           </a:xfrm>
           <a:custGeom>
@@ -18375,7 +21227,7 @@
         </p:nvSpPr>
         <p:spPr>
           <a:xfrm>
-            <a:off x="2474483" y="2263999"/>
+            <a:off x="2912636" y="2830739"/>
             <a:ext cx="1426707" cy="307777"/>
           </a:xfrm>
           <a:prstGeom prst="rect">
@@ -18410,7 +21262,7 @@
         </p:nvSpPr>
         <p:spPr>
           <a:xfrm>
-            <a:off x="2285323" y="3190726"/>
+            <a:off x="2723473" y="3757465"/>
             <a:ext cx="1658250" cy="307777"/>
           </a:xfrm>
           <a:prstGeom prst="rect">
@@ -18445,7 +21297,7 @@
         </p:nvSpPr>
         <p:spPr>
           <a:xfrm rot="10800000">
-            <a:off x="4587839" y="2263999"/>
+            <a:off x="5025992" y="2830736"/>
             <a:ext cx="227011" cy="1995188"/>
           </a:xfrm>
           <a:prstGeom prst="leftBrace">
@@ -18480,42 +21332,6 @@
       </p:sp>
       <p:sp>
         <p:nvSpPr>
-          <p:cNvPr id="20" name="TextBox 62">
-            <a:extLst>
-              <a:ext uri="{FF2B5EF4-FFF2-40B4-BE49-F238E27FC236}">
-                <a16:creationId xmlns:a16="http://schemas.microsoft.com/office/drawing/2014/main" id="{BD0F9DF7-6584-4E85-A661-2246C430150B}"/>
-              </a:ext>
-            </a:extLst>
-          </p:cNvPr>
-          <p:cNvSpPr txBox="1"/>
-          <p:nvPr/>
-        </p:nvSpPr>
-        <p:spPr>
-          <a:xfrm>
-            <a:off x="4956601" y="2704755"/>
-            <a:ext cx="734184" cy="523220"/>
-          </a:xfrm>
-          <a:prstGeom prst="rect">
-            <a:avLst/>
-          </a:prstGeom>
-          <a:noFill/>
-        </p:spPr>
-        <p:txBody>
-          <a:bodyPr wrap="square" rtlCol="0">
-            <a:spAutoFit/>
-          </a:bodyPr>
-          <a:lstStyle/>
-          <a:p>
-            <a:r>
-              <a:rPr lang="en-GB" sz="1400" dirty="0"/>
-              <a:t>River flow</a:t>
-            </a:r>
-            <a:endParaRPr lang="en-GB" sz="1400" baseline="-25000" dirty="0"/>
-          </a:p>
-        </p:txBody>
-      </p:sp>
-      <p:sp>
-        <p:nvSpPr>
           <p:cNvPr id="1024" name="Forma libre: forma 1023">
             <a:extLst>
               <a:ext uri="{FF2B5EF4-FFF2-40B4-BE49-F238E27FC236}">
@@ -18528,7 +21344,7 @@
         </p:nvSpPr>
         <p:spPr>
           <a:xfrm>
-            <a:off x="1731462" y="2773568"/>
+            <a:off x="2169615" y="3340305"/>
             <a:ext cx="2714625" cy="1326756"/>
           </a:xfrm>
           <a:custGeom>
@@ -18687,7 +21503,7 @@
         </p:nvSpPr>
         <p:spPr>
           <a:xfrm>
-            <a:off x="532919" y="3066132"/>
+            <a:off x="971069" y="3632869"/>
             <a:ext cx="1265862" cy="523220"/>
           </a:xfrm>
           <a:prstGeom prst="rect">
@@ -18708,35 +21524,6 @@
           </a:p>
         </p:txBody>
       </p:sp>
-      <p:pic>
-        <p:nvPicPr>
-          <p:cNvPr id="3" name="Imagen 2">
-            <a:extLst>
-              <a:ext uri="{FF2B5EF4-FFF2-40B4-BE49-F238E27FC236}">
-                <a16:creationId xmlns:a16="http://schemas.microsoft.com/office/drawing/2014/main" id="{9BF1034A-9D58-4460-89CB-ABECF24F2F93}"/>
-              </a:ext>
-            </a:extLst>
-          </p:cNvPr>
-          <p:cNvPicPr>
-            <a:picLocks noChangeAspect="1"/>
-          </p:cNvPicPr>
-          <p:nvPr/>
-        </p:nvPicPr>
-        <p:blipFill rotWithShape="1">
-          <a:blip r:embed="rId2"/>
-          <a:srcRect l="20761" t="39441" r="22057" b="18649"/>
-          <a:stretch/>
-        </p:blipFill>
-        <p:spPr>
-          <a:xfrm>
-            <a:off x="5613081" y="2239701"/>
-            <a:ext cx="5769399" cy="2378597"/>
-          </a:xfrm>
-          <a:prstGeom prst="rect">
-            <a:avLst/>
-          </a:prstGeom>
-        </p:spPr>
-      </p:pic>
     </p:spTree>
     <p:extLst>
       <p:ext uri="{BB962C8B-B14F-4D97-AF65-F5344CB8AC3E}">
@@ -19228,7 +22015,7 @@
                                           </p:stCondLst>
                                         </p:cTn>
                                         <p:tgtEl>
-                                          <p:spTgt spid="20"/>
+                                          <p:spTgt spid="6"/>
                                         </p:tgtEl>
                                         <p:attrNameLst>
                                           <p:attrName>style.visibility</p:attrName>
@@ -19242,7 +22029,7 @@
                                       <p:cBhvr>
                                         <p:cTn id="45" dur="500"/>
                                         <p:tgtEl>
-                                          <p:spTgt spid="20"/>
+                                          <p:spTgt spid="6"/>
                                         </p:tgtEl>
                                       </p:cBhvr>
                                     </p:animEffect>
@@ -19263,7 +22050,7 @@
                                           </p:stCondLst>
                                         </p:cTn>
                                         <p:tgtEl>
-                                          <p:spTgt spid="6"/>
+                                          <p:spTgt spid="19"/>
                                         </p:tgtEl>
                                         <p:attrNameLst>
                                           <p:attrName>style.visibility</p:attrName>
@@ -19277,7 +22064,7 @@
                                       <p:cBhvr>
                                         <p:cTn id="48" dur="500"/>
                                         <p:tgtEl>
-                                          <p:spTgt spid="6"/>
+                                          <p:spTgt spid="19"/>
                                         </p:tgtEl>
                                       </p:cBhvr>
                                     </p:animEffect>
@@ -19285,9 +22072,9 @@
                                 </p:cTn>
                               </p:par>
                               <p:par>
-                                <p:cTn id="49" presetID="22" presetClass="entr" presetSubtype="8" fill="hold" grpId="0" nodeType="withEffect">
+                                <p:cTn id="49" presetID="22" presetClass="entr" presetSubtype="8" fill="hold" nodeType="withEffect">
                                   <p:stCondLst>
-                                    <p:cond delay="9500"/>
+                                    <p:cond delay="10000"/>
                                   </p:stCondLst>
                                   <p:childTnLst>
                                     <p:set>
@@ -19298,7 +22085,7 @@
                                           </p:stCondLst>
                                         </p:cTn>
                                         <p:tgtEl>
-                                          <p:spTgt spid="19"/>
+                                          <p:spTgt spid="2"/>
                                         </p:tgtEl>
                                         <p:attrNameLst>
                                           <p:attrName>style.visibility</p:attrName>
@@ -19310,44 +22097,9 @@
                                     </p:set>
                                     <p:animEffect transition="in" filter="wipe(left)">
                                       <p:cBhvr>
-                                        <p:cTn id="51" dur="500"/>
+                                        <p:cTn id="51" dur="1000"/>
                                         <p:tgtEl>
-                                          <p:spTgt spid="19"/>
-                                        </p:tgtEl>
-                                      </p:cBhvr>
-                                    </p:animEffect>
-                                  </p:childTnLst>
-                                </p:cTn>
-                              </p:par>
-                              <p:par>
-                                <p:cTn id="52" presetID="22" presetClass="entr" presetSubtype="8" fill="hold" nodeType="withEffect">
-                                  <p:stCondLst>
-                                    <p:cond delay="10000"/>
-                                  </p:stCondLst>
-                                  <p:childTnLst>
-                                    <p:set>
-                                      <p:cBhvr>
-                                        <p:cTn id="53" dur="1" fill="hold">
-                                          <p:stCondLst>
-                                            <p:cond delay="0"/>
-                                          </p:stCondLst>
-                                        </p:cTn>
-                                        <p:tgtEl>
-                                          <p:spTgt spid="3"/>
-                                        </p:tgtEl>
-                                        <p:attrNameLst>
-                                          <p:attrName>style.visibility</p:attrName>
-                                        </p:attrNameLst>
-                                      </p:cBhvr>
-                                      <p:to>
-                                        <p:strVal val="visible"/>
-                                      </p:to>
-                                    </p:set>
-                                    <p:animEffect transition="in" filter="wipe(left)">
-                                      <p:cBhvr>
-                                        <p:cTn id="54" dur="1000"/>
-                                        <p:tgtEl>
-                                          <p:spTgt spid="3"/>
+                                          <p:spTgt spid="2"/>
                                         </p:tgtEl>
                                       </p:cBhvr>
                                     </p:animEffect>
@@ -19395,7 +22147,6 @@
       <p:bldP spid="16" grpId="0"/>
       <p:bldP spid="17" grpId="0"/>
       <p:bldP spid="19" grpId="0" animBg="1"/>
-      <p:bldP spid="20" grpId="0"/>
       <p:bldP spid="1024" grpId="0" animBg="1"/>
       <p:bldP spid="34" grpId="0"/>
     </p:bldLst>
@@ -19434,7 +22185,7 @@
         </p:nvSpPr>
         <p:spPr>
           <a:xfrm>
-            <a:off x="524881" y="3062277"/>
+            <a:off x="963034" y="3629017"/>
             <a:ext cx="1579879" cy="492323"/>
           </a:xfrm>
           <a:prstGeom prst="rect">
@@ -19486,7 +22237,7 @@
         </p:nvSpPr>
         <p:spPr>
           <a:xfrm>
-            <a:off x="525840" y="2326446"/>
+            <a:off x="963993" y="2893183"/>
             <a:ext cx="1579879" cy="1221738"/>
           </a:xfrm>
           <a:prstGeom prst="rect">
@@ -19542,7 +22293,7 @@
         </p:nvSpPr>
         <p:spPr>
           <a:xfrm rot="5400000">
-            <a:off x="1544056" y="2966742"/>
+            <a:off x="1982209" y="3533479"/>
             <a:ext cx="992141" cy="523220"/>
           </a:xfrm>
           <a:prstGeom prst="rect">
@@ -19558,7 +22309,7 @@
           <a:p>
             <a:r>
               <a:rPr lang="en-GB" sz="1400" dirty="0"/>
-              <a:t>Infiltration rate</a:t>
+              <a:t>Infiltration ratio</a:t>
             </a:r>
           </a:p>
         </p:txBody>
@@ -19577,7 +22328,7 @@
         </p:nvSpPr>
         <p:spPr>
           <a:xfrm rot="16200000">
-            <a:off x="1549396" y="1780571"/>
+            <a:off x="1987549" y="2347308"/>
             <a:ext cx="397745" cy="216000"/>
           </a:xfrm>
           <a:prstGeom prst="rightArrow">
@@ -19629,7 +22380,7 @@
         </p:nvSpPr>
         <p:spPr>
           <a:xfrm>
-            <a:off x="1856269" y="1613506"/>
+            <a:off x="2294420" y="2180243"/>
             <a:ext cx="1216386" cy="523220"/>
           </a:xfrm>
           <a:prstGeom prst="rect">
@@ -19645,7 +22396,7 @@
           <a:p>
             <a:r>
               <a:rPr lang="en-GB" sz="1400" dirty="0"/>
-              <a:t>Evaporation rate</a:t>
+              <a:t>Evaporation ratio</a:t>
             </a:r>
           </a:p>
         </p:txBody>
@@ -19664,7 +22415,7 @@
         </p:nvSpPr>
         <p:spPr>
           <a:xfrm>
-            <a:off x="1716469" y="2607401"/>
+            <a:off x="2154622" y="3174138"/>
             <a:ext cx="2502607" cy="150276"/>
           </a:xfrm>
           <a:custGeom>
@@ -19806,7 +22557,7 @@
         </p:nvSpPr>
         <p:spPr>
           <a:xfrm>
-            <a:off x="2575302" y="2061864"/>
+            <a:off x="3013455" y="2628602"/>
             <a:ext cx="1426707" cy="523220"/>
           </a:xfrm>
           <a:prstGeom prst="rect">
@@ -19841,7 +22592,7 @@
         </p:nvSpPr>
         <p:spPr>
           <a:xfrm>
-            <a:off x="2528311" y="2937315"/>
+            <a:off x="2966461" y="3504052"/>
             <a:ext cx="1658250" cy="523220"/>
           </a:xfrm>
           <a:prstGeom prst="rect">
@@ -19876,7 +22627,7 @@
         </p:nvSpPr>
         <p:spPr>
           <a:xfrm>
-            <a:off x="1731462" y="2773568"/>
+            <a:off x="2169615" y="3340305"/>
             <a:ext cx="2714625" cy="1326756"/>
           </a:xfrm>
           <a:custGeom>
@@ -20035,7 +22786,7 @@
         </p:nvSpPr>
         <p:spPr>
           <a:xfrm>
-            <a:off x="506432" y="3048988"/>
+            <a:off x="944582" y="3615726"/>
             <a:ext cx="1265862" cy="523220"/>
           </a:xfrm>
           <a:prstGeom prst="rect">
@@ -20058,10 +22809,40 @@
       </p:sp>
       <p:pic>
         <p:nvPicPr>
-          <p:cNvPr id="7" name="Imagen 6">
+          <p:cNvPr id="2" name="Imagen 1">
             <a:extLst>
               <a:ext uri="{FF2B5EF4-FFF2-40B4-BE49-F238E27FC236}">
-                <a16:creationId xmlns:a16="http://schemas.microsoft.com/office/drawing/2014/main" id="{25D14FB1-0718-4AEA-8263-06144CF2BD04}"/>
+                <a16:creationId xmlns:a16="http://schemas.microsoft.com/office/drawing/2014/main" id="{A0894B47-B54E-438C-9056-8468D17E343E}"/>
+              </a:ext>
+            </a:extLst>
+          </p:cNvPr>
+          <p:cNvPicPr>
+            <a:picLocks noChangeAspect="1"/>
+          </p:cNvPicPr>
+          <p:nvPr/>
+        </p:nvPicPr>
+        <p:blipFill>
+          <a:blip r:embed="rId2"/>
+          <a:stretch>
+            <a:fillRect/>
+          </a:stretch>
+        </p:blipFill>
+        <p:spPr>
+          <a:xfrm>
+            <a:off x="7642051" y="519949"/>
+            <a:ext cx="4273666" cy="2554445"/>
+          </a:xfrm>
+          <a:prstGeom prst="rect">
+            <a:avLst/>
+          </a:prstGeom>
+        </p:spPr>
+      </p:pic>
+      <p:pic>
+        <p:nvPicPr>
+          <p:cNvPr id="3" name="Imagen 2">
+            <a:extLst>
+              <a:ext uri="{FF2B5EF4-FFF2-40B4-BE49-F238E27FC236}">
+                <a16:creationId xmlns:a16="http://schemas.microsoft.com/office/drawing/2014/main" id="{0537ADAC-6401-41AB-9FB7-DA3D66C58EF9}"/>
               </a:ext>
             </a:extLst>
           </p:cNvPr>
@@ -20071,14 +22852,14 @@
           <p:nvPr/>
         </p:nvPicPr>
         <p:blipFill rotWithShape="1">
-          <a:blip r:embed="rId2"/>
-          <a:srcRect l="2753" t="20759" r="61361" b="36034"/>
+          <a:blip r:embed="rId3"/>
+          <a:srcRect l="18567" t="21558" r="23965" b="13550"/>
           <a:stretch/>
         </p:blipFill>
         <p:spPr>
           <a:xfrm>
-            <a:off x="6643868" y="1382140"/>
-            <a:ext cx="4375230" cy="2963119"/>
+            <a:off x="7569601" y="4138946"/>
+            <a:ext cx="4418565" cy="2806522"/>
           </a:xfrm>
           <a:prstGeom prst="rect">
             <a:avLst/>
@@ -20398,7 +23179,7 @@
         </p:nvSpPr>
         <p:spPr>
           <a:xfrm>
-            <a:off x="524881" y="3062277"/>
+            <a:off x="963034" y="3629017"/>
             <a:ext cx="1579879" cy="492323"/>
           </a:xfrm>
           <a:prstGeom prst="rect">
@@ -20450,7 +23231,7 @@
         </p:nvSpPr>
         <p:spPr>
           <a:xfrm>
-            <a:off x="525840" y="2326446"/>
+            <a:off x="963993" y="2893183"/>
             <a:ext cx="1579879" cy="1221738"/>
           </a:xfrm>
           <a:prstGeom prst="rect">
@@ -20506,7 +23287,7 @@
         </p:nvSpPr>
         <p:spPr>
           <a:xfrm rot="5400000">
-            <a:off x="1544056" y="2966742"/>
+            <a:off x="1982209" y="3533479"/>
             <a:ext cx="992141" cy="523220"/>
           </a:xfrm>
           <a:prstGeom prst="rect">
@@ -20541,7 +23322,7 @@
         </p:nvSpPr>
         <p:spPr>
           <a:xfrm>
-            <a:off x="5004418" y="3112365"/>
+            <a:off x="5442572" y="3679107"/>
             <a:ext cx="608663" cy="392145"/>
           </a:xfrm>
           <a:prstGeom prst="rightArrow">
@@ -20596,7 +23377,7 @@
         </p:nvSpPr>
         <p:spPr>
           <a:xfrm rot="5400000">
-            <a:off x="628144" y="1640559"/>
+            <a:off x="1066297" y="2207296"/>
             <a:ext cx="397745" cy="540000"/>
           </a:xfrm>
           <a:prstGeom prst="rightArrow">
@@ -20650,7 +23431,7 @@
         </p:nvSpPr>
         <p:spPr>
           <a:xfrm>
-            <a:off x="1856269" y="1613506"/>
+            <a:off x="2294420" y="2180243"/>
             <a:ext cx="1216386" cy="523220"/>
           </a:xfrm>
           <a:prstGeom prst="rect">
@@ -20685,7 +23466,7 @@
         </p:nvSpPr>
         <p:spPr>
           <a:xfrm>
-            <a:off x="1716469" y="2607401"/>
+            <a:off x="2154622" y="3174138"/>
             <a:ext cx="2502607" cy="150276"/>
           </a:xfrm>
           <a:custGeom>
@@ -20827,7 +23608,7 @@
         </p:nvSpPr>
         <p:spPr>
           <a:xfrm>
-            <a:off x="2575302" y="2061864"/>
+            <a:off x="3013455" y="2628602"/>
             <a:ext cx="1426707" cy="523220"/>
           </a:xfrm>
           <a:prstGeom prst="rect">
@@ -20862,7 +23643,7 @@
         </p:nvSpPr>
         <p:spPr>
           <a:xfrm>
-            <a:off x="2528311" y="2937315"/>
+            <a:off x="2966461" y="3504052"/>
             <a:ext cx="1658250" cy="523220"/>
           </a:xfrm>
           <a:prstGeom prst="rect">
@@ -20897,7 +23678,7 @@
         </p:nvSpPr>
         <p:spPr>
           <a:xfrm rot="10800000">
-            <a:off x="4587839" y="2263999"/>
+            <a:off x="5025992" y="2830736"/>
             <a:ext cx="227011" cy="1995188"/>
           </a:xfrm>
           <a:prstGeom prst="leftBrace">
@@ -20944,7 +23725,7 @@
         </p:nvSpPr>
         <p:spPr>
           <a:xfrm>
-            <a:off x="1731462" y="2773568"/>
+            <a:off x="2169615" y="3340305"/>
             <a:ext cx="2714625" cy="1326756"/>
           </a:xfrm>
           <a:custGeom>
@@ -21103,7 +23884,7 @@
         </p:nvSpPr>
         <p:spPr>
           <a:xfrm>
-            <a:off x="506432" y="3048988"/>
+            <a:off x="944582" y="3615726"/>
             <a:ext cx="1265862" cy="523220"/>
           </a:xfrm>
           <a:prstGeom prst="rect">
@@ -21138,7 +23919,7 @@
         </p:nvSpPr>
         <p:spPr>
           <a:xfrm rot="16200000">
-            <a:off x="1563890" y="1710771"/>
+            <a:off x="2002043" y="2277508"/>
             <a:ext cx="397745" cy="355600"/>
           </a:xfrm>
           <a:prstGeom prst="rightArrow">
@@ -21393,7 +24174,7 @@
         </p:nvSpPr>
         <p:spPr>
           <a:xfrm>
-            <a:off x="524881" y="3062277"/>
+            <a:off x="963034" y="3629017"/>
             <a:ext cx="1579879" cy="492323"/>
           </a:xfrm>
           <a:prstGeom prst="rect">
@@ -21445,7 +24226,7 @@
         </p:nvSpPr>
         <p:spPr>
           <a:xfrm>
-            <a:off x="525840" y="2326446"/>
+            <a:off x="963993" y="2893183"/>
             <a:ext cx="1579879" cy="1221738"/>
           </a:xfrm>
           <a:prstGeom prst="rect">
@@ -21501,7 +24282,7 @@
         </p:nvSpPr>
         <p:spPr>
           <a:xfrm rot="5400000">
-            <a:off x="1544056" y="2966742"/>
+            <a:off x="1982209" y="3533479"/>
             <a:ext cx="992141" cy="523220"/>
           </a:xfrm>
           <a:prstGeom prst="rect">
@@ -21536,7 +24317,7 @@
         </p:nvSpPr>
         <p:spPr>
           <a:xfrm>
-            <a:off x="5004418" y="3112365"/>
+            <a:off x="5442572" y="3679107"/>
             <a:ext cx="608663" cy="392145"/>
           </a:xfrm>
           <a:prstGeom prst="rightArrow">
@@ -21591,7 +24372,7 @@
         </p:nvSpPr>
         <p:spPr>
           <a:xfrm rot="16200000">
-            <a:off x="1563890" y="1710771"/>
+            <a:off x="2002043" y="2277508"/>
             <a:ext cx="397745" cy="355600"/>
           </a:xfrm>
           <a:prstGeom prst="rightArrow">
@@ -21643,7 +24424,7 @@
         </p:nvSpPr>
         <p:spPr>
           <a:xfrm rot="5400000">
-            <a:off x="628144" y="1640559"/>
+            <a:off x="1066297" y="2207296"/>
             <a:ext cx="397745" cy="540000"/>
           </a:xfrm>
           <a:prstGeom prst="rightArrow">
@@ -21697,7 +24478,7 @@
         </p:nvSpPr>
         <p:spPr>
           <a:xfrm>
-            <a:off x="1856269" y="1613506"/>
+            <a:off x="2294420" y="2180243"/>
             <a:ext cx="1216386" cy="523220"/>
           </a:xfrm>
           <a:prstGeom prst="rect">
@@ -21732,7 +24513,7 @@
         </p:nvSpPr>
         <p:spPr>
           <a:xfrm>
-            <a:off x="1716469" y="2682999"/>
+            <a:off x="2154622" y="3249737"/>
             <a:ext cx="2502607" cy="57070"/>
           </a:xfrm>
           <a:custGeom>
@@ -21874,7 +24655,7 @@
         </p:nvSpPr>
         <p:spPr>
           <a:xfrm>
-            <a:off x="2575302" y="2061864"/>
+            <a:off x="3013455" y="2628602"/>
             <a:ext cx="1426707" cy="523220"/>
           </a:xfrm>
           <a:prstGeom prst="rect">
@@ -21909,7 +24690,7 @@
         </p:nvSpPr>
         <p:spPr>
           <a:xfrm>
-            <a:off x="2528311" y="2937315"/>
+            <a:off x="2966461" y="3504052"/>
             <a:ext cx="1658250" cy="523220"/>
           </a:xfrm>
           <a:prstGeom prst="rect">
@@ -21944,7 +24725,7 @@
         </p:nvSpPr>
         <p:spPr>
           <a:xfrm rot="10800000">
-            <a:off x="4587839" y="2263999"/>
+            <a:off x="5025992" y="2830736"/>
             <a:ext cx="227011" cy="1995188"/>
           </a:xfrm>
           <a:prstGeom prst="leftBrace">
@@ -21991,7 +24772,7 @@
         </p:nvSpPr>
         <p:spPr>
           <a:xfrm>
-            <a:off x="1731462" y="3228352"/>
+            <a:off x="2169615" y="3795089"/>
             <a:ext cx="2714625" cy="648456"/>
           </a:xfrm>
           <a:custGeom>
@@ -22150,7 +24931,7 @@
         </p:nvSpPr>
         <p:spPr>
           <a:xfrm>
-            <a:off x="506432" y="3048988"/>
+            <a:off x="944582" y="3615726"/>
             <a:ext cx="1265862" cy="523220"/>
           </a:xfrm>
           <a:prstGeom prst="rect">
@@ -22199,7 +24980,7 @@
 <file path=ppt/theme/theme1.xml><?xml version="1.0" encoding="utf-8"?>
 <a:theme xmlns:a="http://schemas.openxmlformats.org/drawingml/2006/main" name="Office Theme">
   <a:themeElements>
-    <a:clrScheme name="Office">
+    <a:clrScheme name="Tema de Office">
       <a:dk1>
         <a:sysClr val="windowText" lastClr="000000"/>
       </a:dk1>
@@ -22237,7 +25018,7 @@
         <a:srgbClr val="954F72"/>
       </a:folHlink>
     </a:clrScheme>
-    <a:fontScheme name="Office">
+    <a:fontScheme name="Tema de Office">
       <a:majorFont>
         <a:latin typeface="Calibri Light" panose="020F0302020204030204"/>
         <a:ea typeface=""/>
@@ -22272,23 +25053,6 @@
         <a:font script="Viet" typeface="Times New Roman"/>
         <a:font script="Uigh" typeface="Microsoft Uighur"/>
         <a:font script="Geor" typeface="Sylfaen"/>
-        <a:font script="Armn" typeface="Arial"/>
-        <a:font script="Bugi" typeface="Leelawadee UI"/>
-        <a:font script="Bopo" typeface="Microsoft JhengHei"/>
-        <a:font script="Java" typeface="Javanese Text"/>
-        <a:font script="Lisu" typeface="Segoe UI"/>
-        <a:font script="Mymr" typeface="Myanmar Text"/>
-        <a:font script="Nkoo" typeface="Ebrima"/>
-        <a:font script="Olck" typeface="Nirmala UI"/>
-        <a:font script="Osma" typeface="Ebrima"/>
-        <a:font script="Phag" typeface="Phagspa"/>
-        <a:font script="Syrn" typeface="Estrangelo Edessa"/>
-        <a:font script="Syrj" typeface="Estrangelo Edessa"/>
-        <a:font script="Syre" typeface="Estrangelo Edessa"/>
-        <a:font script="Sora" typeface="Nirmala UI"/>
-        <a:font script="Tale" typeface="Microsoft Tai Le"/>
-        <a:font script="Talu" typeface="Microsoft New Tai Lue"/>
-        <a:font script="Tfng" typeface="Ebrima"/>
       </a:majorFont>
       <a:minorFont>
         <a:latin typeface="Calibri" panose="020F0502020204030204"/>
@@ -22324,26 +25088,9 @@
         <a:font script="Viet" typeface="Arial"/>
         <a:font script="Uigh" typeface="Microsoft Uighur"/>
         <a:font script="Geor" typeface="Sylfaen"/>
-        <a:font script="Armn" typeface="Arial"/>
-        <a:font script="Bugi" typeface="Leelawadee UI"/>
-        <a:font script="Bopo" typeface="Microsoft JhengHei"/>
-        <a:font script="Java" typeface="Javanese Text"/>
-        <a:font script="Lisu" typeface="Segoe UI"/>
-        <a:font script="Mymr" typeface="Myanmar Text"/>
-        <a:font script="Nkoo" typeface="Ebrima"/>
-        <a:font script="Olck" typeface="Nirmala UI"/>
-        <a:font script="Osma" typeface="Ebrima"/>
-        <a:font script="Phag" typeface="Phagspa"/>
-        <a:font script="Syrn" typeface="Estrangelo Edessa"/>
-        <a:font script="Syrj" typeface="Estrangelo Edessa"/>
-        <a:font script="Syre" typeface="Estrangelo Edessa"/>
-        <a:font script="Sora" typeface="Nirmala UI"/>
-        <a:font script="Tale" typeface="Microsoft Tai Le"/>
-        <a:font script="Talu" typeface="Microsoft New Tai Lue"/>
-        <a:font script="Tfng" typeface="Ebrima"/>
       </a:minorFont>
     </a:fontScheme>
-    <a:fmtScheme name="Office">
+    <a:fmtScheme name="Tema de Office">
       <a:fillStyleLst>
         <a:solidFill>
           <a:schemeClr val="phClr"/>
